--- a/Study/6. React.pptx
+++ b/Study/6. React.pptx
@@ -5,20 +5,26 @@
     <p:sldMasterId id="2147483648" r:id="rId1"/>
   </p:sldMasterIdLst>
   <p:notesMasterIdLst>
-    <p:notesMasterId r:id="rId13"/>
+    <p:notesMasterId r:id="rId19"/>
   </p:notesMasterIdLst>
   <p:sldIdLst>
     <p:sldId id="256" r:id="rId2"/>
     <p:sldId id="270" r:id="rId3"/>
     <p:sldId id="272" r:id="rId4"/>
-    <p:sldId id="273" r:id="rId5"/>
+    <p:sldId id="282" r:id="rId5"/>
     <p:sldId id="276" r:id="rId6"/>
     <p:sldId id="275" r:id="rId7"/>
     <p:sldId id="277" r:id="rId8"/>
     <p:sldId id="278" r:id="rId9"/>
     <p:sldId id="279" r:id="rId10"/>
     <p:sldId id="281" r:id="rId11"/>
-    <p:sldId id="271" r:id="rId12"/>
+    <p:sldId id="283" r:id="rId12"/>
+    <p:sldId id="284" r:id="rId13"/>
+    <p:sldId id="285" r:id="rId14"/>
+    <p:sldId id="286" r:id="rId15"/>
+    <p:sldId id="287" r:id="rId16"/>
+    <p:sldId id="288" r:id="rId17"/>
+    <p:sldId id="271" r:id="rId18"/>
   </p:sldIdLst>
   <p:sldSz cx="12192000" cy="6858000"/>
   <p:notesSz cx="6858000" cy="9144000"/>
@@ -207,7 +213,7 @@
           <a:p>
             <a:fld id="{8DD9E706-E0BA-4FBD-AF15-9E3682821587}" type="datetimeFigureOut">
               <a:rPr lang="ko-KR" altLang="en-US" smtClean="0"/>
-              <a:t>2018-12-11</a:t>
+              <a:t>2018-12-12</a:t>
             </a:fld>
             <a:endParaRPr lang="ko-KR" altLang="en-US"/>
           </a:p>
@@ -605,102 +611,15 @@
             <a:pPr marL="0" indent="0">
               <a:buNone/>
             </a:pPr>
-            <a:r>
-              <a:rPr lang="ko-KR" altLang="en-US" sz="1200" b="0" i="0" kern="1200" dirty="0">
-                <a:solidFill>
-                  <a:schemeClr val="tx1"/>
-                </a:solidFill>
-                <a:effectLst/>
-                <a:latin typeface="+mn-lt"/>
-                <a:ea typeface="+mn-ea"/>
-                <a:cs typeface="+mn-cs"/>
-              </a:rPr>
-              <a:t>브라우저가 </a:t>
-            </a:r>
-            <a:r>
-              <a:rPr lang="en-US" altLang="ko-KR" sz="1200" b="0" i="0" kern="1200" dirty="0">
-                <a:solidFill>
-                  <a:schemeClr val="tx1"/>
-                </a:solidFill>
-                <a:effectLst/>
-                <a:latin typeface="+mn-lt"/>
-                <a:ea typeface="+mn-ea"/>
-                <a:cs typeface="+mn-cs"/>
-              </a:rPr>
-              <a:t>HTML</a:t>
-            </a:r>
-            <a:r>
-              <a:rPr lang="ko-KR" altLang="en-US" sz="1200" b="0" i="0" kern="1200" dirty="0">
-                <a:solidFill>
-                  <a:schemeClr val="tx1"/>
-                </a:solidFill>
-                <a:effectLst/>
-                <a:latin typeface="+mn-lt"/>
-                <a:ea typeface="+mn-ea"/>
-                <a:cs typeface="+mn-cs"/>
-              </a:rPr>
-              <a:t>을 전달받으면 </a:t>
-            </a:r>
-            <a:r>
-              <a:rPr lang="en-US" altLang="ko-KR" sz="1200" b="0" i="0" kern="1200" dirty="0">
-                <a:solidFill>
-                  <a:schemeClr val="tx1"/>
-                </a:solidFill>
-                <a:effectLst/>
-                <a:latin typeface="+mn-lt"/>
-                <a:ea typeface="+mn-ea"/>
-                <a:cs typeface="+mn-cs"/>
-              </a:rPr>
-              <a:t>DOM</a:t>
-            </a:r>
-            <a:r>
-              <a:rPr lang="ko-KR" altLang="en-US" sz="1200" b="0" i="0" kern="1200" dirty="0">
-                <a:solidFill>
-                  <a:schemeClr val="tx1"/>
-                </a:solidFill>
-                <a:effectLst/>
-                <a:latin typeface="+mn-lt"/>
-                <a:ea typeface="+mn-ea"/>
-                <a:cs typeface="+mn-cs"/>
-              </a:rPr>
-              <a:t>은 이를 </a:t>
-            </a:r>
-            <a:r>
-              <a:rPr lang="en-US" altLang="ko-KR" sz="1200" b="0" i="0" kern="1200" dirty="0">
-                <a:solidFill>
-                  <a:schemeClr val="tx1"/>
-                </a:solidFill>
-                <a:effectLst/>
-                <a:latin typeface="+mn-lt"/>
-                <a:ea typeface="+mn-ea"/>
-                <a:cs typeface="+mn-cs"/>
-              </a:rPr>
-              <a:t>DOM Node</a:t>
-            </a:r>
-            <a:r>
-              <a:rPr lang="ko-KR" altLang="en-US" sz="1200" b="0" i="0" kern="1200" dirty="0">
-                <a:solidFill>
-                  <a:schemeClr val="tx1"/>
-                </a:solidFill>
-                <a:effectLst/>
-                <a:latin typeface="+mn-lt"/>
-                <a:ea typeface="+mn-ea"/>
-                <a:cs typeface="+mn-cs"/>
-              </a:rPr>
-              <a:t>로 이루어진 트리를 만든다</a:t>
-            </a:r>
-            <a:r>
-              <a:rPr lang="en-US" altLang="ko-KR" sz="1200" b="0" i="0" kern="1200" dirty="0">
-                <a:solidFill>
-                  <a:schemeClr val="tx1"/>
-                </a:solidFill>
-                <a:effectLst/>
-                <a:latin typeface="+mn-lt"/>
-                <a:ea typeface="+mn-ea"/>
-                <a:cs typeface="+mn-cs"/>
-              </a:rPr>
-              <a:t>.</a:t>
-            </a:r>
+            <a:endParaRPr lang="en-US" altLang="ko-KR" sz="1200" b="0" i="0" kern="1200" dirty="0">
+              <a:solidFill>
+                <a:schemeClr val="tx1"/>
+              </a:solidFill>
+              <a:effectLst/>
+              <a:latin typeface="+mn-lt"/>
+              <a:ea typeface="+mn-ea"/>
+              <a:cs typeface="+mn-cs"/>
+            </a:endParaRPr>
           </a:p>
         </p:txBody>
       </p:sp>
@@ -825,6 +744,887 @@
     </p:spTree>
     <p:extLst>
       <p:ext uri="{BB962C8B-B14F-4D97-AF65-F5344CB8AC3E}">
+        <p14:creationId xmlns:p14="http://schemas.microsoft.com/office/powerpoint/2010/main" val="1095432373"/>
+      </p:ext>
+    </p:extLst>
+  </p:cSld>
+  <p:clrMapOvr>
+    <a:masterClrMapping/>
+  </p:clrMapOvr>
+</p:notes>
+</file>
+
+<file path=ppt/notesSlides/notesSlide12.xml><?xml version="1.0" encoding="utf-8"?>
+<p:notes xmlns:a="http://schemas.openxmlformats.org/drawingml/2006/main" xmlns:r="http://schemas.openxmlformats.org/officeDocument/2006/relationships" xmlns:p="http://schemas.openxmlformats.org/presentationml/2006/main">
+  <p:cSld>
+    <p:spTree>
+      <p:nvGrpSpPr>
+        <p:cNvPr id="1" name=""/>
+        <p:cNvGrpSpPr/>
+        <p:nvPr/>
+      </p:nvGrpSpPr>
+      <p:grpSpPr>
+        <a:xfrm>
+          <a:off x="0" y="0"/>
+          <a:ext cx="0" cy="0"/>
+          <a:chOff x="0" y="0"/>
+          <a:chExt cx="0" cy="0"/>
+        </a:xfrm>
+      </p:grpSpPr>
+      <p:sp>
+        <p:nvSpPr>
+          <p:cNvPr id="2" name="슬라이드 이미지 개체 틀 1"/>
+          <p:cNvSpPr>
+            <a:spLocks noGrp="1" noRot="1" noChangeAspect="1"/>
+          </p:cNvSpPr>
+          <p:nvPr>
+            <p:ph type="sldImg"/>
+          </p:nvPr>
+        </p:nvSpPr>
+        <p:spPr/>
+      </p:sp>
+      <p:sp>
+        <p:nvSpPr>
+          <p:cNvPr id="3" name="슬라이드 노트 개체 틀 2"/>
+          <p:cNvSpPr>
+            <a:spLocks noGrp="1"/>
+          </p:cNvSpPr>
+          <p:nvPr>
+            <p:ph type="body" idx="1"/>
+          </p:nvPr>
+        </p:nvSpPr>
+        <p:spPr/>
+        <p:txBody>
+          <a:bodyPr/>
+          <a:lstStyle/>
+          <a:p>
+            <a:pPr marL="0" indent="0">
+              <a:buNone/>
+            </a:pPr>
+            <a:r>
+              <a:rPr lang="ko-KR" altLang="en-US" sz="1200" b="0" i="0" kern="1200" dirty="0" err="1">
+                <a:solidFill>
+                  <a:schemeClr val="tx1"/>
+                </a:solidFill>
+                <a:effectLst/>
+                <a:latin typeface="+mn-lt"/>
+                <a:ea typeface="+mn-ea"/>
+                <a:cs typeface="+mn-cs"/>
+              </a:rPr>
+              <a:t>리액트</a:t>
+            </a:r>
+            <a:r>
+              <a:rPr lang="ko-KR" altLang="en-US" sz="1200" b="0" i="0" kern="1200" dirty="0">
+                <a:solidFill>
+                  <a:schemeClr val="tx1"/>
+                </a:solidFill>
+                <a:effectLst/>
+                <a:latin typeface="+mn-lt"/>
+                <a:ea typeface="+mn-ea"/>
+                <a:cs typeface="+mn-cs"/>
+              </a:rPr>
+              <a:t> 프로젝트에서 특정 부분이 어떻게 생길지 정하는 선언체가 있는데 이를 컴포넌트 </a:t>
+            </a:r>
+            <a:r>
+              <a:rPr lang="ko-KR" altLang="en-US" sz="1200" b="0" i="0" kern="1200" dirty="0" err="1">
+                <a:solidFill>
+                  <a:schemeClr val="tx1"/>
+                </a:solidFill>
+                <a:effectLst/>
+                <a:latin typeface="+mn-lt"/>
+                <a:ea typeface="+mn-ea"/>
+                <a:cs typeface="+mn-cs"/>
+              </a:rPr>
+              <a:t>라고한다</a:t>
+            </a:r>
+            <a:r>
+              <a:rPr lang="en-US" altLang="ko-KR" sz="1200" b="0" i="0" kern="1200" dirty="0">
+                <a:solidFill>
+                  <a:schemeClr val="tx1"/>
+                </a:solidFill>
+                <a:effectLst/>
+                <a:latin typeface="+mn-lt"/>
+                <a:ea typeface="+mn-ea"/>
+                <a:cs typeface="+mn-cs"/>
+              </a:rPr>
+              <a:t>.</a:t>
+            </a:r>
+          </a:p>
+          <a:p>
+            <a:pPr marL="0" indent="0">
+              <a:buNone/>
+            </a:pPr>
+            <a:r>
+              <a:rPr lang="ko-KR" altLang="en-US" sz="1200" b="0" i="0" kern="1200" dirty="0">
+                <a:solidFill>
+                  <a:schemeClr val="tx1"/>
+                </a:solidFill>
+                <a:effectLst/>
+                <a:latin typeface="+mn-lt"/>
+                <a:ea typeface="+mn-ea"/>
+                <a:cs typeface="+mn-cs"/>
+              </a:rPr>
+              <a:t>컴포넌트는 재사용이 가능한 </a:t>
+            </a:r>
+            <a:r>
+              <a:rPr lang="en-US" altLang="ko-KR" sz="1200" b="0" i="0" kern="1200" dirty="0">
+                <a:solidFill>
+                  <a:schemeClr val="tx1"/>
+                </a:solidFill>
+                <a:effectLst/>
+                <a:latin typeface="+mn-lt"/>
+                <a:ea typeface="+mn-ea"/>
+                <a:cs typeface="+mn-cs"/>
+              </a:rPr>
+              <a:t>API</a:t>
+            </a:r>
+            <a:r>
+              <a:rPr lang="ko-KR" altLang="en-US" sz="1200" b="0" i="0" kern="1200" dirty="0">
+                <a:solidFill>
+                  <a:schemeClr val="tx1"/>
+                </a:solidFill>
+                <a:effectLst/>
+                <a:latin typeface="+mn-lt"/>
+                <a:ea typeface="+mn-ea"/>
+                <a:cs typeface="+mn-cs"/>
+              </a:rPr>
+              <a:t>로 수많은 기능들을 내장함</a:t>
+            </a:r>
+            <a:endParaRPr lang="en-US" altLang="ko-KR" sz="1200" b="0" i="0" kern="1200" dirty="0">
+              <a:solidFill>
+                <a:schemeClr val="tx1"/>
+              </a:solidFill>
+              <a:effectLst/>
+              <a:latin typeface="+mn-lt"/>
+              <a:ea typeface="+mn-ea"/>
+              <a:cs typeface="+mn-cs"/>
+            </a:endParaRPr>
+          </a:p>
+        </p:txBody>
+      </p:sp>
+      <p:sp>
+        <p:nvSpPr>
+          <p:cNvPr id="4" name="슬라이드 번호 개체 틀 3"/>
+          <p:cNvSpPr>
+            <a:spLocks noGrp="1"/>
+          </p:cNvSpPr>
+          <p:nvPr>
+            <p:ph type="sldNum" sz="quarter" idx="5"/>
+          </p:nvPr>
+        </p:nvSpPr>
+        <p:spPr/>
+        <p:txBody>
+          <a:bodyPr/>
+          <a:lstStyle/>
+          <a:p>
+            <a:fld id="{AF4B4130-2D9F-4E6D-9707-8718AD09D43C}" type="slidenum">
+              <a:rPr lang="ko-KR" altLang="en-US" smtClean="0"/>
+              <a:t>12</a:t>
+            </a:fld>
+            <a:endParaRPr lang="ko-KR" altLang="en-US"/>
+          </a:p>
+        </p:txBody>
+      </p:sp>
+    </p:spTree>
+    <p:extLst>
+      <p:ext uri="{BB962C8B-B14F-4D97-AF65-F5344CB8AC3E}">
+        <p14:creationId xmlns:p14="http://schemas.microsoft.com/office/powerpoint/2010/main" val="4009374801"/>
+      </p:ext>
+    </p:extLst>
+  </p:cSld>
+  <p:clrMapOvr>
+    <a:masterClrMapping/>
+  </p:clrMapOvr>
+</p:notes>
+</file>
+
+<file path=ppt/notesSlides/notesSlide13.xml><?xml version="1.0" encoding="utf-8"?>
+<p:notes xmlns:a="http://schemas.openxmlformats.org/drawingml/2006/main" xmlns:r="http://schemas.openxmlformats.org/officeDocument/2006/relationships" xmlns:p="http://schemas.openxmlformats.org/presentationml/2006/main">
+  <p:cSld>
+    <p:spTree>
+      <p:nvGrpSpPr>
+        <p:cNvPr id="1" name=""/>
+        <p:cNvGrpSpPr/>
+        <p:nvPr/>
+      </p:nvGrpSpPr>
+      <p:grpSpPr>
+        <a:xfrm>
+          <a:off x="0" y="0"/>
+          <a:ext cx="0" cy="0"/>
+          <a:chOff x="0" y="0"/>
+          <a:chExt cx="0" cy="0"/>
+        </a:xfrm>
+      </p:grpSpPr>
+      <p:sp>
+        <p:nvSpPr>
+          <p:cNvPr id="2" name="슬라이드 이미지 개체 틀 1"/>
+          <p:cNvSpPr>
+            <a:spLocks noGrp="1" noRot="1" noChangeAspect="1"/>
+          </p:cNvSpPr>
+          <p:nvPr>
+            <p:ph type="sldImg"/>
+          </p:nvPr>
+        </p:nvSpPr>
+        <p:spPr/>
+      </p:sp>
+      <p:sp>
+        <p:nvSpPr>
+          <p:cNvPr id="3" name="슬라이드 노트 개체 틀 2"/>
+          <p:cNvSpPr>
+            <a:spLocks noGrp="1"/>
+          </p:cNvSpPr>
+          <p:nvPr>
+            <p:ph type="body" idx="1"/>
+          </p:nvPr>
+        </p:nvSpPr>
+        <p:spPr/>
+        <p:txBody>
+          <a:bodyPr/>
+          <a:lstStyle/>
+          <a:p>
+            <a:pPr marL="0" indent="0">
+              <a:buNone/>
+            </a:pPr>
+            <a:r>
+              <a:rPr lang="en-US" altLang="ko-KR" sz="1200" b="0" i="0" kern="1200" dirty="0">
+                <a:solidFill>
+                  <a:schemeClr val="tx1"/>
+                </a:solidFill>
+                <a:effectLst/>
+                <a:latin typeface="+mn-lt"/>
+                <a:ea typeface="+mn-ea"/>
+                <a:cs typeface="+mn-cs"/>
+              </a:rPr>
+              <a:t>Will </a:t>
+            </a:r>
+            <a:r>
+              <a:rPr lang="ko-KR" altLang="en-US" sz="1200" b="0" i="0" kern="1200" dirty="0">
+                <a:solidFill>
+                  <a:schemeClr val="tx1"/>
+                </a:solidFill>
+                <a:effectLst/>
+                <a:latin typeface="+mn-lt"/>
+                <a:ea typeface="+mn-ea"/>
+                <a:cs typeface="+mn-cs"/>
+              </a:rPr>
+              <a:t>접두사 메소드는 하기전에 실행되는 메소드</a:t>
+            </a:r>
+            <a:endParaRPr lang="en-US" altLang="ko-KR" sz="1200" b="0" i="0" kern="1200" dirty="0">
+              <a:solidFill>
+                <a:schemeClr val="tx1"/>
+              </a:solidFill>
+              <a:effectLst/>
+              <a:latin typeface="+mn-lt"/>
+              <a:ea typeface="+mn-ea"/>
+              <a:cs typeface="+mn-cs"/>
+            </a:endParaRPr>
+          </a:p>
+          <a:p>
+            <a:pPr marL="0" indent="0">
+              <a:buNone/>
+            </a:pPr>
+            <a:r>
+              <a:rPr lang="en-US" altLang="ko-KR" sz="1200" b="0" i="0" kern="1200" dirty="0">
+                <a:solidFill>
+                  <a:schemeClr val="tx1"/>
+                </a:solidFill>
+                <a:effectLst/>
+                <a:latin typeface="+mn-lt"/>
+                <a:ea typeface="+mn-ea"/>
+                <a:cs typeface="+mn-cs"/>
+              </a:rPr>
+              <a:t>Did </a:t>
+            </a:r>
+            <a:r>
+              <a:rPr lang="ko-KR" altLang="en-US" sz="1200" b="0" i="0" kern="1200" dirty="0">
+                <a:solidFill>
+                  <a:schemeClr val="tx1"/>
+                </a:solidFill>
+                <a:effectLst/>
+                <a:latin typeface="+mn-lt"/>
+                <a:ea typeface="+mn-ea"/>
+                <a:cs typeface="+mn-cs"/>
+              </a:rPr>
+              <a:t>접두사는 한 후에 실행되는 </a:t>
+            </a:r>
+            <a:r>
+              <a:rPr lang="ko-KR" altLang="en-US" sz="1200" b="0" i="0" kern="1200" dirty="0" err="1">
+                <a:solidFill>
+                  <a:schemeClr val="tx1"/>
+                </a:solidFill>
+                <a:effectLst/>
+                <a:latin typeface="+mn-lt"/>
+                <a:ea typeface="+mn-ea"/>
+                <a:cs typeface="+mn-cs"/>
+              </a:rPr>
+              <a:t>메서ㅗ드</a:t>
+            </a:r>
+            <a:endParaRPr lang="en-US" altLang="ko-KR" sz="1200" b="0" i="0" kern="1200" dirty="0">
+              <a:solidFill>
+                <a:schemeClr val="tx1"/>
+              </a:solidFill>
+              <a:effectLst/>
+              <a:latin typeface="+mn-lt"/>
+              <a:ea typeface="+mn-ea"/>
+              <a:cs typeface="+mn-cs"/>
+            </a:endParaRPr>
+          </a:p>
+        </p:txBody>
+      </p:sp>
+      <p:sp>
+        <p:nvSpPr>
+          <p:cNvPr id="4" name="슬라이드 번호 개체 틀 3"/>
+          <p:cNvSpPr>
+            <a:spLocks noGrp="1"/>
+          </p:cNvSpPr>
+          <p:nvPr>
+            <p:ph type="sldNum" sz="quarter" idx="5"/>
+          </p:nvPr>
+        </p:nvSpPr>
+        <p:spPr/>
+        <p:txBody>
+          <a:bodyPr/>
+          <a:lstStyle/>
+          <a:p>
+            <a:fld id="{AF4B4130-2D9F-4E6D-9707-8718AD09D43C}" type="slidenum">
+              <a:rPr lang="ko-KR" altLang="en-US" smtClean="0"/>
+              <a:t>13</a:t>
+            </a:fld>
+            <a:endParaRPr lang="ko-KR" altLang="en-US"/>
+          </a:p>
+        </p:txBody>
+      </p:sp>
+    </p:spTree>
+    <p:extLst>
+      <p:ext uri="{BB962C8B-B14F-4D97-AF65-F5344CB8AC3E}">
+        <p14:creationId xmlns:p14="http://schemas.microsoft.com/office/powerpoint/2010/main" val="60537267"/>
+      </p:ext>
+    </p:extLst>
+  </p:cSld>
+  <p:clrMapOvr>
+    <a:masterClrMapping/>
+  </p:clrMapOvr>
+</p:notes>
+</file>
+
+<file path=ppt/notesSlides/notesSlide14.xml><?xml version="1.0" encoding="utf-8"?>
+<p:notes xmlns:a="http://schemas.openxmlformats.org/drawingml/2006/main" xmlns:r="http://schemas.openxmlformats.org/officeDocument/2006/relationships" xmlns:p="http://schemas.openxmlformats.org/presentationml/2006/main">
+  <p:cSld>
+    <p:spTree>
+      <p:nvGrpSpPr>
+        <p:cNvPr id="1" name=""/>
+        <p:cNvGrpSpPr/>
+        <p:nvPr/>
+      </p:nvGrpSpPr>
+      <p:grpSpPr>
+        <a:xfrm>
+          <a:off x="0" y="0"/>
+          <a:ext cx="0" cy="0"/>
+          <a:chOff x="0" y="0"/>
+          <a:chExt cx="0" cy="0"/>
+        </a:xfrm>
+      </p:grpSpPr>
+      <p:sp>
+        <p:nvSpPr>
+          <p:cNvPr id="2" name="슬라이드 이미지 개체 틀 1"/>
+          <p:cNvSpPr>
+            <a:spLocks noGrp="1" noRot="1" noChangeAspect="1"/>
+          </p:cNvSpPr>
+          <p:nvPr>
+            <p:ph type="sldImg"/>
+          </p:nvPr>
+        </p:nvSpPr>
+        <p:spPr/>
+      </p:sp>
+      <p:sp>
+        <p:nvSpPr>
+          <p:cNvPr id="3" name="슬라이드 노트 개체 틀 2"/>
+          <p:cNvSpPr>
+            <a:spLocks noGrp="1"/>
+          </p:cNvSpPr>
+          <p:nvPr>
+            <p:ph type="body" idx="1"/>
+          </p:nvPr>
+        </p:nvSpPr>
+        <p:spPr/>
+        <p:txBody>
+          <a:bodyPr/>
+          <a:lstStyle/>
+          <a:p>
+            <a:pPr marL="0" indent="0">
+              <a:buNone/>
+            </a:pPr>
+            <a:r>
+              <a:rPr lang="en-US" altLang="ko-KR" sz="1200" b="0" i="0" kern="1200" dirty="0">
+                <a:solidFill>
+                  <a:schemeClr val="tx1"/>
+                </a:solidFill>
+                <a:effectLst/>
+                <a:latin typeface="+mn-lt"/>
+                <a:ea typeface="+mn-ea"/>
+                <a:cs typeface="+mn-cs"/>
+              </a:rPr>
+              <a:t>Will </a:t>
+            </a:r>
+            <a:r>
+              <a:rPr lang="ko-KR" altLang="en-US" sz="1200" b="0" i="0" kern="1200" dirty="0">
+                <a:solidFill>
+                  <a:schemeClr val="tx1"/>
+                </a:solidFill>
+                <a:effectLst/>
+                <a:latin typeface="+mn-lt"/>
+                <a:ea typeface="+mn-ea"/>
+                <a:cs typeface="+mn-cs"/>
+              </a:rPr>
+              <a:t>접두사 메소드는 하기전에 실행되는 메소드</a:t>
+            </a:r>
+            <a:endParaRPr lang="en-US" altLang="ko-KR" sz="1200" b="0" i="0" kern="1200" dirty="0">
+              <a:solidFill>
+                <a:schemeClr val="tx1"/>
+              </a:solidFill>
+              <a:effectLst/>
+              <a:latin typeface="+mn-lt"/>
+              <a:ea typeface="+mn-ea"/>
+              <a:cs typeface="+mn-cs"/>
+            </a:endParaRPr>
+          </a:p>
+          <a:p>
+            <a:pPr marL="0" indent="0">
+              <a:buNone/>
+            </a:pPr>
+            <a:r>
+              <a:rPr lang="en-US" altLang="ko-KR" sz="1200" b="0" i="0" kern="1200" dirty="0">
+                <a:solidFill>
+                  <a:schemeClr val="tx1"/>
+                </a:solidFill>
+                <a:effectLst/>
+                <a:latin typeface="+mn-lt"/>
+                <a:ea typeface="+mn-ea"/>
+                <a:cs typeface="+mn-cs"/>
+              </a:rPr>
+              <a:t>Did </a:t>
+            </a:r>
+            <a:r>
+              <a:rPr lang="ko-KR" altLang="en-US" sz="1200" b="0" i="0" kern="1200" dirty="0">
+                <a:solidFill>
+                  <a:schemeClr val="tx1"/>
+                </a:solidFill>
+                <a:effectLst/>
+                <a:latin typeface="+mn-lt"/>
+                <a:ea typeface="+mn-ea"/>
+                <a:cs typeface="+mn-cs"/>
+              </a:rPr>
+              <a:t>접두사는 한 후에 실행되는 </a:t>
+            </a:r>
+            <a:r>
+              <a:rPr lang="ko-KR" altLang="en-US" sz="1200" b="0" i="0" kern="1200" dirty="0" err="1">
+                <a:solidFill>
+                  <a:schemeClr val="tx1"/>
+                </a:solidFill>
+                <a:effectLst/>
+                <a:latin typeface="+mn-lt"/>
+                <a:ea typeface="+mn-ea"/>
+                <a:cs typeface="+mn-cs"/>
+              </a:rPr>
+              <a:t>메서ㅗ드</a:t>
+            </a:r>
+            <a:endParaRPr lang="en-US" altLang="ko-KR" sz="1200" b="0" i="0" kern="1200" dirty="0">
+              <a:solidFill>
+                <a:schemeClr val="tx1"/>
+              </a:solidFill>
+              <a:effectLst/>
+              <a:latin typeface="+mn-lt"/>
+              <a:ea typeface="+mn-ea"/>
+              <a:cs typeface="+mn-cs"/>
+            </a:endParaRPr>
+          </a:p>
+        </p:txBody>
+      </p:sp>
+      <p:sp>
+        <p:nvSpPr>
+          <p:cNvPr id="4" name="슬라이드 번호 개체 틀 3"/>
+          <p:cNvSpPr>
+            <a:spLocks noGrp="1"/>
+          </p:cNvSpPr>
+          <p:nvPr>
+            <p:ph type="sldNum" sz="quarter" idx="5"/>
+          </p:nvPr>
+        </p:nvSpPr>
+        <p:spPr/>
+        <p:txBody>
+          <a:bodyPr/>
+          <a:lstStyle/>
+          <a:p>
+            <a:fld id="{AF4B4130-2D9F-4E6D-9707-8718AD09D43C}" type="slidenum">
+              <a:rPr lang="ko-KR" altLang="en-US" smtClean="0"/>
+              <a:t>14</a:t>
+            </a:fld>
+            <a:endParaRPr lang="ko-KR" altLang="en-US"/>
+          </a:p>
+        </p:txBody>
+      </p:sp>
+    </p:spTree>
+    <p:extLst>
+      <p:ext uri="{BB962C8B-B14F-4D97-AF65-F5344CB8AC3E}">
+        <p14:creationId xmlns:p14="http://schemas.microsoft.com/office/powerpoint/2010/main" val="2130630696"/>
+      </p:ext>
+    </p:extLst>
+  </p:cSld>
+  <p:clrMapOvr>
+    <a:masterClrMapping/>
+  </p:clrMapOvr>
+</p:notes>
+</file>
+
+<file path=ppt/notesSlides/notesSlide15.xml><?xml version="1.0" encoding="utf-8"?>
+<p:notes xmlns:a="http://schemas.openxmlformats.org/drawingml/2006/main" xmlns:r="http://schemas.openxmlformats.org/officeDocument/2006/relationships" xmlns:p="http://schemas.openxmlformats.org/presentationml/2006/main">
+  <p:cSld>
+    <p:spTree>
+      <p:nvGrpSpPr>
+        <p:cNvPr id="1" name=""/>
+        <p:cNvGrpSpPr/>
+        <p:nvPr/>
+      </p:nvGrpSpPr>
+      <p:grpSpPr>
+        <a:xfrm>
+          <a:off x="0" y="0"/>
+          <a:ext cx="0" cy="0"/>
+          <a:chOff x="0" y="0"/>
+          <a:chExt cx="0" cy="0"/>
+        </a:xfrm>
+      </p:grpSpPr>
+      <p:sp>
+        <p:nvSpPr>
+          <p:cNvPr id="2" name="슬라이드 이미지 개체 틀 1"/>
+          <p:cNvSpPr>
+            <a:spLocks noGrp="1" noRot="1" noChangeAspect="1"/>
+          </p:cNvSpPr>
+          <p:nvPr>
+            <p:ph type="sldImg"/>
+          </p:nvPr>
+        </p:nvSpPr>
+        <p:spPr/>
+      </p:sp>
+      <p:sp>
+        <p:nvSpPr>
+          <p:cNvPr id="3" name="슬라이드 노트 개체 틀 2"/>
+          <p:cNvSpPr>
+            <a:spLocks noGrp="1"/>
+          </p:cNvSpPr>
+          <p:nvPr>
+            <p:ph type="body" idx="1"/>
+          </p:nvPr>
+        </p:nvSpPr>
+        <p:spPr/>
+        <p:txBody>
+          <a:bodyPr/>
+          <a:lstStyle/>
+          <a:p>
+            <a:pPr marL="0" indent="0">
+              <a:buNone/>
+            </a:pPr>
+            <a:r>
+              <a:rPr lang="en-US" altLang="ko-KR" sz="1200" b="0" i="0" kern="1200" dirty="0">
+                <a:solidFill>
+                  <a:schemeClr val="tx1"/>
+                </a:solidFill>
+                <a:effectLst/>
+                <a:latin typeface="+mn-lt"/>
+                <a:ea typeface="+mn-ea"/>
+                <a:cs typeface="+mn-cs"/>
+              </a:rPr>
+              <a:t>Will </a:t>
+            </a:r>
+            <a:r>
+              <a:rPr lang="ko-KR" altLang="en-US" sz="1200" b="0" i="0" kern="1200" dirty="0">
+                <a:solidFill>
+                  <a:schemeClr val="tx1"/>
+                </a:solidFill>
+                <a:effectLst/>
+                <a:latin typeface="+mn-lt"/>
+                <a:ea typeface="+mn-ea"/>
+                <a:cs typeface="+mn-cs"/>
+              </a:rPr>
+              <a:t>접두사 메소드는 하기전에 실행되는 메소드</a:t>
+            </a:r>
+            <a:endParaRPr lang="en-US" altLang="ko-KR" sz="1200" b="0" i="0" kern="1200" dirty="0">
+              <a:solidFill>
+                <a:schemeClr val="tx1"/>
+              </a:solidFill>
+              <a:effectLst/>
+              <a:latin typeface="+mn-lt"/>
+              <a:ea typeface="+mn-ea"/>
+              <a:cs typeface="+mn-cs"/>
+            </a:endParaRPr>
+          </a:p>
+          <a:p>
+            <a:pPr marL="0" indent="0">
+              <a:buNone/>
+            </a:pPr>
+            <a:r>
+              <a:rPr lang="en-US" altLang="ko-KR" sz="1200" b="0" i="0" kern="1200" dirty="0">
+                <a:solidFill>
+                  <a:schemeClr val="tx1"/>
+                </a:solidFill>
+                <a:effectLst/>
+                <a:latin typeface="+mn-lt"/>
+                <a:ea typeface="+mn-ea"/>
+                <a:cs typeface="+mn-cs"/>
+              </a:rPr>
+              <a:t>Did </a:t>
+            </a:r>
+            <a:r>
+              <a:rPr lang="ko-KR" altLang="en-US" sz="1200" b="0" i="0" kern="1200" dirty="0">
+                <a:solidFill>
+                  <a:schemeClr val="tx1"/>
+                </a:solidFill>
+                <a:effectLst/>
+                <a:latin typeface="+mn-lt"/>
+                <a:ea typeface="+mn-ea"/>
+                <a:cs typeface="+mn-cs"/>
+              </a:rPr>
+              <a:t>접두사는 한 후에 실행되는 </a:t>
+            </a:r>
+            <a:r>
+              <a:rPr lang="ko-KR" altLang="en-US" sz="1200" b="0" i="0" kern="1200" dirty="0" err="1">
+                <a:solidFill>
+                  <a:schemeClr val="tx1"/>
+                </a:solidFill>
+                <a:effectLst/>
+                <a:latin typeface="+mn-lt"/>
+                <a:ea typeface="+mn-ea"/>
+                <a:cs typeface="+mn-cs"/>
+              </a:rPr>
+              <a:t>메서ㅗ드</a:t>
+            </a:r>
+            <a:endParaRPr lang="en-US" altLang="ko-KR" sz="1200" b="0" i="0" kern="1200" dirty="0">
+              <a:solidFill>
+                <a:schemeClr val="tx1"/>
+              </a:solidFill>
+              <a:effectLst/>
+              <a:latin typeface="+mn-lt"/>
+              <a:ea typeface="+mn-ea"/>
+              <a:cs typeface="+mn-cs"/>
+            </a:endParaRPr>
+          </a:p>
+        </p:txBody>
+      </p:sp>
+      <p:sp>
+        <p:nvSpPr>
+          <p:cNvPr id="4" name="슬라이드 번호 개체 틀 3"/>
+          <p:cNvSpPr>
+            <a:spLocks noGrp="1"/>
+          </p:cNvSpPr>
+          <p:nvPr>
+            <p:ph type="sldNum" sz="quarter" idx="5"/>
+          </p:nvPr>
+        </p:nvSpPr>
+        <p:spPr/>
+        <p:txBody>
+          <a:bodyPr/>
+          <a:lstStyle/>
+          <a:p>
+            <a:fld id="{AF4B4130-2D9F-4E6D-9707-8718AD09D43C}" type="slidenum">
+              <a:rPr lang="ko-KR" altLang="en-US" smtClean="0"/>
+              <a:t>15</a:t>
+            </a:fld>
+            <a:endParaRPr lang="ko-KR" altLang="en-US"/>
+          </a:p>
+        </p:txBody>
+      </p:sp>
+    </p:spTree>
+    <p:extLst>
+      <p:ext uri="{BB962C8B-B14F-4D97-AF65-F5344CB8AC3E}">
+        <p14:creationId xmlns:p14="http://schemas.microsoft.com/office/powerpoint/2010/main" val="494436121"/>
+      </p:ext>
+    </p:extLst>
+  </p:cSld>
+  <p:clrMapOvr>
+    <a:masterClrMapping/>
+  </p:clrMapOvr>
+</p:notes>
+</file>
+
+<file path=ppt/notesSlides/notesSlide16.xml><?xml version="1.0" encoding="utf-8"?>
+<p:notes xmlns:a="http://schemas.openxmlformats.org/drawingml/2006/main" xmlns:r="http://schemas.openxmlformats.org/officeDocument/2006/relationships" xmlns:p="http://schemas.openxmlformats.org/presentationml/2006/main">
+  <p:cSld>
+    <p:spTree>
+      <p:nvGrpSpPr>
+        <p:cNvPr id="1" name=""/>
+        <p:cNvGrpSpPr/>
+        <p:nvPr/>
+      </p:nvGrpSpPr>
+      <p:grpSpPr>
+        <a:xfrm>
+          <a:off x="0" y="0"/>
+          <a:ext cx="0" cy="0"/>
+          <a:chOff x="0" y="0"/>
+          <a:chExt cx="0" cy="0"/>
+        </a:xfrm>
+      </p:grpSpPr>
+      <p:sp>
+        <p:nvSpPr>
+          <p:cNvPr id="2" name="슬라이드 이미지 개체 틀 1"/>
+          <p:cNvSpPr>
+            <a:spLocks noGrp="1" noRot="1" noChangeAspect="1"/>
+          </p:cNvSpPr>
+          <p:nvPr>
+            <p:ph type="sldImg"/>
+          </p:nvPr>
+        </p:nvSpPr>
+        <p:spPr/>
+      </p:sp>
+      <p:sp>
+        <p:nvSpPr>
+          <p:cNvPr id="3" name="슬라이드 노트 개체 틀 2"/>
+          <p:cNvSpPr>
+            <a:spLocks noGrp="1"/>
+          </p:cNvSpPr>
+          <p:nvPr>
+            <p:ph type="body" idx="1"/>
+          </p:nvPr>
+        </p:nvSpPr>
+        <p:spPr/>
+        <p:txBody>
+          <a:bodyPr/>
+          <a:lstStyle/>
+          <a:p>
+            <a:pPr marL="0" indent="0">
+              <a:buNone/>
+            </a:pPr>
+            <a:endParaRPr lang="en-US" altLang="ko-KR" sz="1200" b="0" i="0" kern="1200" dirty="0">
+              <a:solidFill>
+                <a:schemeClr val="tx1"/>
+              </a:solidFill>
+              <a:effectLst/>
+              <a:latin typeface="+mn-lt"/>
+              <a:ea typeface="+mn-ea"/>
+              <a:cs typeface="+mn-cs"/>
+            </a:endParaRPr>
+          </a:p>
+        </p:txBody>
+      </p:sp>
+      <p:sp>
+        <p:nvSpPr>
+          <p:cNvPr id="4" name="슬라이드 번호 개체 틀 3"/>
+          <p:cNvSpPr>
+            <a:spLocks noGrp="1"/>
+          </p:cNvSpPr>
+          <p:nvPr>
+            <p:ph type="sldNum" sz="quarter" idx="5"/>
+          </p:nvPr>
+        </p:nvSpPr>
+        <p:spPr/>
+        <p:txBody>
+          <a:bodyPr/>
+          <a:lstStyle/>
+          <a:p>
+            <a:fld id="{AF4B4130-2D9F-4E6D-9707-8718AD09D43C}" type="slidenum">
+              <a:rPr lang="ko-KR" altLang="en-US" smtClean="0"/>
+              <a:t>16</a:t>
+            </a:fld>
+            <a:endParaRPr lang="ko-KR" altLang="en-US"/>
+          </a:p>
+        </p:txBody>
+      </p:sp>
+    </p:spTree>
+    <p:extLst>
+      <p:ext uri="{BB962C8B-B14F-4D97-AF65-F5344CB8AC3E}">
+        <p14:creationId xmlns:p14="http://schemas.microsoft.com/office/powerpoint/2010/main" val="3956249473"/>
+      </p:ext>
+    </p:extLst>
+  </p:cSld>
+  <p:clrMapOvr>
+    <a:masterClrMapping/>
+  </p:clrMapOvr>
+</p:notes>
+</file>
+
+<file path=ppt/notesSlides/notesSlide17.xml><?xml version="1.0" encoding="utf-8"?>
+<p:notes xmlns:a="http://schemas.openxmlformats.org/drawingml/2006/main" xmlns:r="http://schemas.openxmlformats.org/officeDocument/2006/relationships" xmlns:p="http://schemas.openxmlformats.org/presentationml/2006/main">
+  <p:cSld>
+    <p:spTree>
+      <p:nvGrpSpPr>
+        <p:cNvPr id="1" name=""/>
+        <p:cNvGrpSpPr/>
+        <p:nvPr/>
+      </p:nvGrpSpPr>
+      <p:grpSpPr>
+        <a:xfrm>
+          <a:off x="0" y="0"/>
+          <a:ext cx="0" cy="0"/>
+          <a:chOff x="0" y="0"/>
+          <a:chExt cx="0" cy="0"/>
+        </a:xfrm>
+      </p:grpSpPr>
+      <p:sp>
+        <p:nvSpPr>
+          <p:cNvPr id="2" name="슬라이드 이미지 개체 틀 1"/>
+          <p:cNvSpPr>
+            <a:spLocks noGrp="1" noRot="1" noChangeAspect="1"/>
+          </p:cNvSpPr>
+          <p:nvPr>
+            <p:ph type="sldImg"/>
+          </p:nvPr>
+        </p:nvSpPr>
+        <p:spPr/>
+      </p:sp>
+      <p:sp>
+        <p:nvSpPr>
+          <p:cNvPr id="3" name="슬라이드 노트 개체 틀 2"/>
+          <p:cNvSpPr>
+            <a:spLocks noGrp="1"/>
+          </p:cNvSpPr>
+          <p:nvPr>
+            <p:ph type="body" idx="1"/>
+          </p:nvPr>
+        </p:nvSpPr>
+        <p:spPr/>
+        <p:txBody>
+          <a:bodyPr/>
+          <a:lstStyle/>
+          <a:p>
+            <a:pPr marL="0" indent="0">
+              <a:buNone/>
+            </a:pPr>
+            <a:endParaRPr lang="en-US" altLang="ko-KR" sz="1200" b="0" i="0" kern="1200" dirty="0">
+              <a:solidFill>
+                <a:schemeClr val="tx1"/>
+              </a:solidFill>
+              <a:effectLst/>
+              <a:latin typeface="+mn-lt"/>
+              <a:ea typeface="+mn-ea"/>
+              <a:cs typeface="+mn-cs"/>
+            </a:endParaRPr>
+          </a:p>
+        </p:txBody>
+      </p:sp>
+      <p:sp>
+        <p:nvSpPr>
+          <p:cNvPr id="4" name="슬라이드 번호 개체 틀 3"/>
+          <p:cNvSpPr>
+            <a:spLocks noGrp="1"/>
+          </p:cNvSpPr>
+          <p:nvPr>
+            <p:ph type="sldNum" sz="quarter" idx="5"/>
+          </p:nvPr>
+        </p:nvSpPr>
+        <p:spPr/>
+        <p:txBody>
+          <a:bodyPr/>
+          <a:lstStyle/>
+          <a:p>
+            <a:fld id="{AF4B4130-2D9F-4E6D-9707-8718AD09D43C}" type="slidenum">
+              <a:rPr lang="ko-KR" altLang="en-US" smtClean="0"/>
+              <a:t>17</a:t>
+            </a:fld>
+            <a:endParaRPr lang="ko-KR" altLang="en-US"/>
+          </a:p>
+        </p:txBody>
+      </p:sp>
+    </p:spTree>
+    <p:extLst>
+      <p:ext uri="{BB962C8B-B14F-4D97-AF65-F5344CB8AC3E}">
         <p14:creationId xmlns:p14="http://schemas.microsoft.com/office/powerpoint/2010/main" val="2646652648"/>
       </p:ext>
     </p:extLst>
@@ -882,15 +1682,18 @@
             <a:pPr marL="0" indent="0">
               <a:buNone/>
             </a:pPr>
-            <a:endParaRPr lang="en-US" altLang="ko-KR" sz="1200" b="0" i="0" kern="1200" dirty="0">
-              <a:solidFill>
-                <a:schemeClr val="tx1"/>
-              </a:solidFill>
-              <a:effectLst/>
-              <a:latin typeface="+mn-lt"/>
-              <a:ea typeface="+mn-ea"/>
-              <a:cs typeface="+mn-cs"/>
-            </a:endParaRPr>
+            <a:r>
+              <a:rPr lang="en-US" altLang="ko-KR" sz="1200" b="0" i="0" kern="1200" dirty="0">
+                <a:solidFill>
+                  <a:schemeClr val="tx1"/>
+                </a:solidFill>
+                <a:effectLst/>
+                <a:latin typeface="+mn-lt"/>
+                <a:ea typeface="+mn-ea"/>
+                <a:cs typeface="+mn-cs"/>
+              </a:rPr>
+              <a:t>ES6</a:t>
+            </a:r>
           </a:p>
         </p:txBody>
       </p:sp>
@@ -1071,31 +1874,7 @@
                 <a:ea typeface="+mn-ea"/>
                 <a:cs typeface="+mn-cs"/>
               </a:rPr>
-              <a:t>웹 </a:t>
-            </a:r>
-            <a:r>
-              <a:rPr lang="ko-KR" altLang="en-US" sz="1200" b="1" i="0" kern="1200" dirty="0" err="1">
-                <a:solidFill>
-                  <a:schemeClr val="tx1"/>
-                </a:solidFill>
-                <a:effectLst/>
-                <a:latin typeface="+mn-lt"/>
-                <a:ea typeface="+mn-ea"/>
-                <a:cs typeface="+mn-cs"/>
-              </a:rPr>
-              <a:t>애플리케이션</a:t>
-            </a:r>
-            <a:r>
-              <a:rPr lang="ko-KR" altLang="en-US" sz="1200" b="0" i="0" kern="1200" dirty="0" err="1">
-                <a:solidFill>
-                  <a:schemeClr val="tx1"/>
-                </a:solidFill>
-                <a:effectLst/>
-                <a:latin typeface="+mn-lt"/>
-                <a:ea typeface="+mn-ea"/>
-                <a:cs typeface="+mn-cs"/>
-              </a:rPr>
-              <a:t>이에요</a:t>
+              <a:t>웹 어플리케이션입니다</a:t>
             </a:r>
             <a:r>
               <a:rPr lang="en-US" altLang="ko-KR" sz="1200" b="0" i="0" kern="1200" dirty="0">
@@ -1107,8 +1886,13 @@
                 <a:ea typeface="+mn-ea"/>
                 <a:cs typeface="+mn-cs"/>
               </a:rPr>
-              <a:t>. </a:t>
-            </a:r>
+              <a:t>.</a:t>
+            </a:r>
+          </a:p>
+          <a:p>
+            <a:pPr marL="0" indent="0">
+              <a:buNone/>
+            </a:pPr>
             <a:r>
               <a:rPr lang="ko-KR" altLang="en-US" sz="1200" b="0" i="0" kern="1200" dirty="0">
                 <a:solidFill>
@@ -1155,8 +1939,13 @@
                 <a:ea typeface="+mn-ea"/>
                 <a:cs typeface="+mn-cs"/>
               </a:rPr>
-              <a:t>. </a:t>
-            </a:r>
+              <a:t>.</a:t>
+            </a:r>
+          </a:p>
+          <a:p>
+            <a:pPr marL="0" indent="0">
+              <a:buNone/>
+            </a:pPr>
             <a:r>
               <a:rPr lang="ko-KR" altLang="en-US" sz="1200" b="0" i="0" kern="1200" dirty="0">
                 <a:solidFill>
@@ -1389,7 +2178,7 @@
     </p:spTree>
     <p:extLst>
       <p:ext uri="{BB962C8B-B14F-4D97-AF65-F5344CB8AC3E}">
-        <p14:creationId xmlns:p14="http://schemas.microsoft.com/office/powerpoint/2010/main" val="3609434085"/>
+        <p14:creationId xmlns:p14="http://schemas.microsoft.com/office/powerpoint/2010/main" val="2615917017"/>
       </p:ext>
     </p:extLst>
   </p:cSld>
@@ -1625,18 +2414,105 @@
           <a:bodyPr/>
           <a:lstStyle/>
           <a:p>
+            <a:pPr marL="0" marR="0" lvl="0" indent="0" algn="l" defTabSz="914400" rtl="0" eaLnBrk="1" fontAlgn="auto" latinLnBrk="1" hangingPunct="1">
+              <a:lnSpc>
+                <a:spcPct val="100000"/>
+              </a:lnSpc>
+              <a:spcBef>
+                <a:spcPts val="0"/>
+              </a:spcBef>
+              <a:spcAft>
+                <a:spcPts val="0"/>
+              </a:spcAft>
+              <a:buClrTx/>
+              <a:buSzTx/>
+              <a:buFontTx/>
+              <a:buNone/>
+              <a:tabLst/>
+              <a:defRPr/>
+            </a:pPr>
+            <a:r>
+              <a:rPr lang="ko-KR" altLang="en-US" sz="1200" dirty="0"/>
+              <a:t>사용자의 화면에 </a:t>
+            </a:r>
+            <a:r>
+              <a:rPr lang="en-US" altLang="ko-KR" sz="1200" dirty="0"/>
+              <a:t>View</a:t>
+            </a:r>
+            <a:r>
+              <a:rPr lang="ko-KR" altLang="en-US" sz="1200" dirty="0"/>
+              <a:t>를 보여주는 것</a:t>
+            </a:r>
+            <a:r>
+              <a:rPr lang="en-US" altLang="ko-KR" sz="1200" dirty="0"/>
+              <a:t>.</a:t>
+            </a:r>
+            <a:endParaRPr lang="ko-KR" altLang="en-US" sz="1200" dirty="0"/>
+          </a:p>
+          <a:p>
             <a:pPr marL="0" indent="0">
               <a:buNone/>
             </a:pPr>
-            <a:endParaRPr lang="en-US" altLang="ko-KR" sz="1200" b="0" i="0" kern="1200" dirty="0">
-              <a:solidFill>
-                <a:schemeClr val="tx1"/>
-              </a:solidFill>
-              <a:effectLst/>
-              <a:latin typeface="+mn-lt"/>
-              <a:ea typeface="+mn-ea"/>
-              <a:cs typeface="+mn-cs"/>
-            </a:endParaRPr>
+            <a:r>
+              <a:rPr lang="ko-KR" altLang="en-US" sz="1200" b="0" i="0" kern="1200" dirty="0" err="1">
+                <a:solidFill>
+                  <a:schemeClr val="tx1"/>
+                </a:solidFill>
+                <a:effectLst/>
+                <a:latin typeface="+mn-lt"/>
+                <a:ea typeface="+mn-ea"/>
+                <a:cs typeface="+mn-cs"/>
+              </a:rPr>
+              <a:t>리액트에서는</a:t>
+            </a:r>
+            <a:r>
+              <a:rPr lang="ko-KR" altLang="en-US" sz="1200" b="0" i="0" kern="1200" dirty="0">
+                <a:solidFill>
+                  <a:schemeClr val="tx1"/>
+                </a:solidFill>
+                <a:effectLst/>
+                <a:latin typeface="+mn-lt"/>
+                <a:ea typeface="+mn-ea"/>
+                <a:cs typeface="+mn-cs"/>
+              </a:rPr>
+              <a:t> </a:t>
+            </a:r>
+            <a:r>
+              <a:rPr lang="en-US" altLang="ko-KR" sz="1200" b="0" i="0" kern="1200" dirty="0">
+                <a:solidFill>
+                  <a:schemeClr val="tx1"/>
+                </a:solidFill>
+                <a:effectLst/>
+                <a:latin typeface="+mn-lt"/>
+                <a:ea typeface="+mn-ea"/>
+                <a:cs typeface="+mn-cs"/>
+              </a:rPr>
+              <a:t>render</a:t>
+            </a:r>
+            <a:r>
+              <a:rPr lang="ko-KR" altLang="en-US" sz="1200" b="0" i="0" kern="1200" dirty="0">
+                <a:solidFill>
+                  <a:schemeClr val="tx1"/>
+                </a:solidFill>
+                <a:effectLst/>
+                <a:latin typeface="+mn-lt"/>
+                <a:ea typeface="+mn-ea"/>
+                <a:cs typeface="+mn-cs"/>
+              </a:rPr>
+              <a:t>함수가 함</a:t>
+            </a:r>
+            <a:r>
+              <a:rPr lang="en-US" altLang="ko-KR" sz="1200" b="0" i="0" kern="1200" dirty="0">
+                <a:solidFill>
+                  <a:schemeClr val="tx1"/>
+                </a:solidFill>
+                <a:effectLst/>
+                <a:latin typeface="+mn-lt"/>
+                <a:ea typeface="+mn-ea"/>
+                <a:cs typeface="+mn-cs"/>
+              </a:rPr>
+              <a:t>.</a:t>
+            </a:r>
           </a:p>
         </p:txBody>
       </p:sp>
@@ -1723,102 +2599,15 @@
             <a:pPr marL="0" indent="0">
               <a:buNone/>
             </a:pPr>
-            <a:r>
-              <a:rPr lang="ko-KR" altLang="en-US" sz="1200" b="0" i="0" kern="1200" dirty="0">
-                <a:solidFill>
-                  <a:schemeClr val="tx1"/>
-                </a:solidFill>
-                <a:effectLst/>
-                <a:latin typeface="+mn-lt"/>
-                <a:ea typeface="+mn-ea"/>
-                <a:cs typeface="+mn-cs"/>
-              </a:rPr>
-              <a:t>브라우저가 </a:t>
-            </a:r>
-            <a:r>
-              <a:rPr lang="en-US" altLang="ko-KR" sz="1200" b="0" i="0" kern="1200" dirty="0">
-                <a:solidFill>
-                  <a:schemeClr val="tx1"/>
-                </a:solidFill>
-                <a:effectLst/>
-                <a:latin typeface="+mn-lt"/>
-                <a:ea typeface="+mn-ea"/>
-                <a:cs typeface="+mn-cs"/>
-              </a:rPr>
-              <a:t>HTML</a:t>
-            </a:r>
-            <a:r>
-              <a:rPr lang="ko-KR" altLang="en-US" sz="1200" b="0" i="0" kern="1200" dirty="0">
-                <a:solidFill>
-                  <a:schemeClr val="tx1"/>
-                </a:solidFill>
-                <a:effectLst/>
-                <a:latin typeface="+mn-lt"/>
-                <a:ea typeface="+mn-ea"/>
-                <a:cs typeface="+mn-cs"/>
-              </a:rPr>
-              <a:t>을 전달받으면 </a:t>
-            </a:r>
-            <a:r>
-              <a:rPr lang="en-US" altLang="ko-KR" sz="1200" b="0" i="0" kern="1200" dirty="0">
-                <a:solidFill>
-                  <a:schemeClr val="tx1"/>
-                </a:solidFill>
-                <a:effectLst/>
-                <a:latin typeface="+mn-lt"/>
-                <a:ea typeface="+mn-ea"/>
-                <a:cs typeface="+mn-cs"/>
-              </a:rPr>
-              <a:t>DOM</a:t>
-            </a:r>
-            <a:r>
-              <a:rPr lang="ko-KR" altLang="en-US" sz="1200" b="0" i="0" kern="1200" dirty="0">
-                <a:solidFill>
-                  <a:schemeClr val="tx1"/>
-                </a:solidFill>
-                <a:effectLst/>
-                <a:latin typeface="+mn-lt"/>
-                <a:ea typeface="+mn-ea"/>
-                <a:cs typeface="+mn-cs"/>
-              </a:rPr>
-              <a:t>은 이를 </a:t>
-            </a:r>
-            <a:r>
-              <a:rPr lang="en-US" altLang="ko-KR" sz="1200" b="0" i="0" kern="1200" dirty="0">
-                <a:solidFill>
-                  <a:schemeClr val="tx1"/>
-                </a:solidFill>
-                <a:effectLst/>
-                <a:latin typeface="+mn-lt"/>
-                <a:ea typeface="+mn-ea"/>
-                <a:cs typeface="+mn-cs"/>
-              </a:rPr>
-              <a:t>DOM Node</a:t>
-            </a:r>
-            <a:r>
-              <a:rPr lang="ko-KR" altLang="en-US" sz="1200" b="0" i="0" kern="1200" dirty="0">
-                <a:solidFill>
-                  <a:schemeClr val="tx1"/>
-                </a:solidFill>
-                <a:effectLst/>
-                <a:latin typeface="+mn-lt"/>
-                <a:ea typeface="+mn-ea"/>
-                <a:cs typeface="+mn-cs"/>
-              </a:rPr>
-              <a:t>로 이루어진 트리를 만든다</a:t>
-            </a:r>
-            <a:r>
-              <a:rPr lang="en-US" altLang="ko-KR" sz="1200" b="0" i="0" kern="1200" dirty="0">
-                <a:solidFill>
-                  <a:schemeClr val="tx1"/>
-                </a:solidFill>
-                <a:effectLst/>
-                <a:latin typeface="+mn-lt"/>
-                <a:ea typeface="+mn-ea"/>
-                <a:cs typeface="+mn-cs"/>
-              </a:rPr>
-              <a:t>.</a:t>
-            </a:r>
+            <a:endParaRPr lang="en-US" altLang="ko-KR" sz="1200" b="0" i="0" kern="1200" dirty="0">
+              <a:solidFill>
+                <a:schemeClr val="tx1"/>
+              </a:solidFill>
+              <a:effectLst/>
+              <a:latin typeface="+mn-lt"/>
+              <a:ea typeface="+mn-ea"/>
+              <a:cs typeface="+mn-cs"/>
+            </a:endParaRPr>
           </a:p>
         </p:txBody>
       </p:sp>
@@ -2801,7 +3590,7 @@
           <a:p>
             <a:fld id="{46A2558D-9475-4DD4-8F32-96381613298F}" type="datetimeFigureOut">
               <a:rPr lang="ko-KR" altLang="en-US" smtClean="0"/>
-              <a:t>2018-12-11</a:t>
+              <a:t>2018-12-12</a:t>
             </a:fld>
             <a:endParaRPr lang="ko-KR" altLang="en-US"/>
           </a:p>
@@ -2999,7 +3788,7 @@
           <a:p>
             <a:fld id="{46A2558D-9475-4DD4-8F32-96381613298F}" type="datetimeFigureOut">
               <a:rPr lang="ko-KR" altLang="en-US" smtClean="0"/>
-              <a:t>2018-12-11</a:t>
+              <a:t>2018-12-12</a:t>
             </a:fld>
             <a:endParaRPr lang="ko-KR" altLang="en-US"/>
           </a:p>
@@ -3207,7 +3996,7 @@
           <a:p>
             <a:fld id="{46A2558D-9475-4DD4-8F32-96381613298F}" type="datetimeFigureOut">
               <a:rPr lang="ko-KR" altLang="en-US" smtClean="0"/>
-              <a:t>2018-12-11</a:t>
+              <a:t>2018-12-12</a:t>
             </a:fld>
             <a:endParaRPr lang="ko-KR" altLang="en-US"/>
           </a:p>
@@ -3405,7 +4194,7 @@
           <a:p>
             <a:fld id="{46A2558D-9475-4DD4-8F32-96381613298F}" type="datetimeFigureOut">
               <a:rPr lang="ko-KR" altLang="en-US" smtClean="0"/>
-              <a:t>2018-12-11</a:t>
+              <a:t>2018-12-12</a:t>
             </a:fld>
             <a:endParaRPr lang="ko-KR" altLang="en-US"/>
           </a:p>
@@ -3680,7 +4469,7 @@
           <a:p>
             <a:fld id="{46A2558D-9475-4DD4-8F32-96381613298F}" type="datetimeFigureOut">
               <a:rPr lang="ko-KR" altLang="en-US" smtClean="0"/>
-              <a:t>2018-12-11</a:t>
+              <a:t>2018-12-12</a:t>
             </a:fld>
             <a:endParaRPr lang="ko-KR" altLang="en-US"/>
           </a:p>
@@ -3945,7 +4734,7 @@
           <a:p>
             <a:fld id="{46A2558D-9475-4DD4-8F32-96381613298F}" type="datetimeFigureOut">
               <a:rPr lang="ko-KR" altLang="en-US" smtClean="0"/>
-              <a:t>2018-12-11</a:t>
+              <a:t>2018-12-12</a:t>
             </a:fld>
             <a:endParaRPr lang="ko-KR" altLang="en-US"/>
           </a:p>
@@ -4357,7 +5146,7 @@
           <a:p>
             <a:fld id="{46A2558D-9475-4DD4-8F32-96381613298F}" type="datetimeFigureOut">
               <a:rPr lang="ko-KR" altLang="en-US" smtClean="0"/>
-              <a:t>2018-12-11</a:t>
+              <a:t>2018-12-12</a:t>
             </a:fld>
             <a:endParaRPr lang="ko-KR" altLang="en-US"/>
           </a:p>
@@ -4498,7 +5287,7 @@
           <a:p>
             <a:fld id="{46A2558D-9475-4DD4-8F32-96381613298F}" type="datetimeFigureOut">
               <a:rPr lang="ko-KR" altLang="en-US" smtClean="0"/>
-              <a:t>2018-12-11</a:t>
+              <a:t>2018-12-12</a:t>
             </a:fld>
             <a:endParaRPr lang="ko-KR" altLang="en-US"/>
           </a:p>
@@ -4611,7 +5400,7 @@
           <a:p>
             <a:fld id="{46A2558D-9475-4DD4-8F32-96381613298F}" type="datetimeFigureOut">
               <a:rPr lang="ko-KR" altLang="en-US" smtClean="0"/>
-              <a:t>2018-12-11</a:t>
+              <a:t>2018-12-12</a:t>
             </a:fld>
             <a:endParaRPr lang="ko-KR" altLang="en-US"/>
           </a:p>
@@ -4922,7 +5711,7 @@
           <a:p>
             <a:fld id="{46A2558D-9475-4DD4-8F32-96381613298F}" type="datetimeFigureOut">
               <a:rPr lang="ko-KR" altLang="en-US" smtClean="0"/>
-              <a:t>2018-12-11</a:t>
+              <a:t>2018-12-12</a:t>
             </a:fld>
             <a:endParaRPr lang="ko-KR" altLang="en-US"/>
           </a:p>
@@ -5210,7 +5999,7 @@
           <a:p>
             <a:fld id="{46A2558D-9475-4DD4-8F32-96381613298F}" type="datetimeFigureOut">
               <a:rPr lang="ko-KR" altLang="en-US" smtClean="0"/>
-              <a:t>2018-12-11</a:t>
+              <a:t>2018-12-12</a:t>
             </a:fld>
             <a:endParaRPr lang="ko-KR" altLang="en-US"/>
           </a:p>
@@ -5451,7 +6240,7 @@
           <a:p>
             <a:fld id="{46A2558D-9475-4DD4-8F32-96381613298F}" type="datetimeFigureOut">
               <a:rPr lang="ko-KR" altLang="en-US" smtClean="0"/>
-              <a:t>2018-12-11</a:t>
+              <a:t>2018-12-12</a:t>
             </a:fld>
             <a:endParaRPr lang="ko-KR" altLang="en-US"/>
           </a:p>
@@ -6122,7 +6911,7 @@
         <p:spPr>
           <a:xfrm>
             <a:off x="1704513" y="620822"/>
-            <a:ext cx="1417632" cy="400110"/>
+            <a:ext cx="1925784" cy="400110"/>
           </a:xfrm>
           <a:prstGeom prst="rect">
             <a:avLst/>
@@ -6141,9 +6930,12 @@
             </a:r>
             <a:r>
               <a:rPr lang="ko-KR" altLang="en-US" sz="2000" dirty="0"/>
-              <a:t>특징</a:t>
-            </a:r>
-            <a:endParaRPr lang="en-US" altLang="ko-KR" sz="2000" dirty="0"/>
+              <a:t>특징 </a:t>
+            </a:r>
+            <a:r>
+              <a:rPr lang="en-US" altLang="ko-KR" sz="2000" dirty="0"/>
+              <a:t>– 2</a:t>
+            </a:r>
           </a:p>
         </p:txBody>
       </p:sp>
@@ -6161,8 +6953,8 @@
         </p:nvSpPr>
         <p:spPr>
           <a:xfrm>
-            <a:off x="5614996" y="3228945"/>
-            <a:ext cx="1210589" cy="400110"/>
+            <a:off x="3548544" y="2433334"/>
+            <a:ext cx="5450531" cy="400110"/>
           </a:xfrm>
           <a:prstGeom prst="rect">
             <a:avLst/>
@@ -6176,8 +6968,116 @@
           <a:p>
             <a:pPr algn="ctr"/>
             <a:r>
-              <a:rPr lang="ko-KR" altLang="en-US" sz="2000"/>
-              <a:t>ㅇㅇㅇㅇ</a:t>
+              <a:rPr lang="ko-KR" altLang="en-US" sz="2000" dirty="0" err="1"/>
+              <a:t>리액트는</a:t>
+            </a:r>
+            <a:r>
+              <a:rPr lang="ko-KR" altLang="en-US" sz="2000" dirty="0"/>
+              <a:t> 오로지 </a:t>
+            </a:r>
+            <a:r>
+              <a:rPr lang="en-US" altLang="ko-KR" sz="2000" dirty="0"/>
+              <a:t>“View”</a:t>
+            </a:r>
+            <a:r>
+              <a:rPr lang="ko-KR" altLang="en-US" sz="2000" dirty="0"/>
+              <a:t>만을 위한 라이브러리</a:t>
+            </a:r>
+            <a:r>
+              <a:rPr lang="en-US" altLang="ko-KR" sz="2000" dirty="0"/>
+              <a:t>.</a:t>
+            </a:r>
+            <a:endParaRPr lang="ko-KR" altLang="en-US" sz="2000" dirty="0"/>
+          </a:p>
+        </p:txBody>
+      </p:sp>
+      <p:sp>
+        <p:nvSpPr>
+          <p:cNvPr id="6" name="직사각형 5">
+            <a:extLst>
+              <a:ext uri="{FF2B5EF4-FFF2-40B4-BE49-F238E27FC236}">
+                <a16:creationId xmlns:a16="http://schemas.microsoft.com/office/drawing/2014/main" id="{2BDB6B94-DFB5-451C-82CA-09A273134BBE}"/>
+              </a:ext>
+            </a:extLst>
+          </p:cNvPr>
+          <p:cNvSpPr/>
+          <p:nvPr/>
+        </p:nvSpPr>
+        <p:spPr>
+          <a:xfrm>
+            <a:off x="2449685" y="3026379"/>
+            <a:ext cx="7648248" cy="400110"/>
+          </a:xfrm>
+          <a:prstGeom prst="rect">
+            <a:avLst/>
+          </a:prstGeom>
+        </p:spPr>
+        <p:txBody>
+          <a:bodyPr wrap="none">
+            <a:spAutoFit/>
+          </a:bodyPr>
+          <a:lstStyle/>
+          <a:p>
+            <a:pPr algn="ctr"/>
+            <a:r>
+              <a:rPr lang="ko-KR" altLang="en-US" sz="2000" dirty="0"/>
+              <a:t>기타 기능은 직접 구현하거나 </a:t>
+            </a:r>
+            <a:r>
+              <a:rPr lang="ko-KR" altLang="en-US" sz="2000" dirty="0" err="1"/>
+              <a:t>서드파티</a:t>
+            </a:r>
+            <a:r>
+              <a:rPr lang="ko-KR" altLang="en-US" sz="2000" dirty="0"/>
+              <a:t> 라이브러리를 </a:t>
+            </a:r>
+            <a:r>
+              <a:rPr lang="ko-KR" altLang="en-US" sz="2000" dirty="0" err="1"/>
+              <a:t>이용해야함</a:t>
+            </a:r>
+            <a:r>
+              <a:rPr lang="en-US" altLang="ko-KR" sz="2000" dirty="0"/>
+              <a:t>.</a:t>
+            </a:r>
+            <a:endParaRPr lang="ko-KR" altLang="en-US" sz="2000" dirty="0"/>
+          </a:p>
+        </p:txBody>
+      </p:sp>
+      <p:sp>
+        <p:nvSpPr>
+          <p:cNvPr id="12" name="직사각형 11">
+            <a:extLst>
+              <a:ext uri="{FF2B5EF4-FFF2-40B4-BE49-F238E27FC236}">
+                <a16:creationId xmlns:a16="http://schemas.microsoft.com/office/drawing/2014/main" id="{BEBEAA3B-9382-4D71-85B9-C78C94ED86BF}"/>
+              </a:ext>
+            </a:extLst>
+          </p:cNvPr>
+          <p:cNvSpPr/>
+          <p:nvPr/>
+        </p:nvSpPr>
+        <p:spPr>
+          <a:xfrm>
+            <a:off x="4859924" y="4097834"/>
+            <a:ext cx="2472152" cy="400110"/>
+          </a:xfrm>
+          <a:prstGeom prst="rect">
+            <a:avLst/>
+          </a:prstGeom>
+        </p:spPr>
+        <p:txBody>
+          <a:bodyPr wrap="none">
+            <a:spAutoFit/>
+          </a:bodyPr>
+          <a:lstStyle/>
+          <a:p>
+            <a:pPr algn="ctr"/>
+            <a:r>
+              <a:rPr lang="ko-KR" altLang="en-US" sz="2000" dirty="0"/>
+              <a:t>이는 장점이자 단점</a:t>
+            </a:r>
+            <a:r>
+              <a:rPr lang="en-US" altLang="ko-KR" sz="2000" dirty="0"/>
+              <a:t>.</a:t>
             </a:r>
             <a:endParaRPr lang="ko-KR" altLang="en-US" sz="2000" dirty="0"/>
           </a:p>
@@ -6193,10 +7093,3754 @@
   <p:clrMapOvr>
     <a:masterClrMapping/>
   </p:clrMapOvr>
+  <p:timing>
+    <p:tnLst>
+      <p:par>
+        <p:cTn id="1" dur="indefinite" restart="never" nodeType="tmRoot">
+          <p:childTnLst>
+            <p:seq concurrent="1" nextAc="seek">
+              <p:cTn id="2" dur="indefinite" nodeType="mainSeq">
+                <p:childTnLst>
+                  <p:par>
+                    <p:cTn id="3" fill="hold">
+                      <p:stCondLst>
+                        <p:cond delay="indefinite"/>
+                      </p:stCondLst>
+                      <p:childTnLst>
+                        <p:par>
+                          <p:cTn id="4" fill="hold">
+                            <p:stCondLst>
+                              <p:cond delay="0"/>
+                            </p:stCondLst>
+                            <p:childTnLst>
+                              <p:par>
+                                <p:cTn id="5" presetID="10" presetClass="entr" presetSubtype="0" fill="hold" grpId="0" nodeType="clickEffect">
+                                  <p:stCondLst>
+                                    <p:cond delay="0"/>
+                                  </p:stCondLst>
+                                  <p:childTnLst>
+                                    <p:set>
+                                      <p:cBhvr>
+                                        <p:cTn id="6" dur="1" fill="hold">
+                                          <p:stCondLst>
+                                            <p:cond delay="0"/>
+                                          </p:stCondLst>
+                                        </p:cTn>
+                                        <p:tgtEl>
+                                          <p:spTgt spid="6"/>
+                                        </p:tgtEl>
+                                        <p:attrNameLst>
+                                          <p:attrName>style.visibility</p:attrName>
+                                        </p:attrNameLst>
+                                      </p:cBhvr>
+                                      <p:to>
+                                        <p:strVal val="visible"/>
+                                      </p:to>
+                                    </p:set>
+                                    <p:animEffect transition="in" filter="fade">
+                                      <p:cBhvr>
+                                        <p:cTn id="7" dur="500"/>
+                                        <p:tgtEl>
+                                          <p:spTgt spid="6"/>
+                                        </p:tgtEl>
+                                      </p:cBhvr>
+                                    </p:animEffect>
+                                  </p:childTnLst>
+                                </p:cTn>
+                              </p:par>
+                            </p:childTnLst>
+                          </p:cTn>
+                        </p:par>
+                      </p:childTnLst>
+                    </p:cTn>
+                  </p:par>
+                  <p:par>
+                    <p:cTn id="8" fill="hold">
+                      <p:stCondLst>
+                        <p:cond delay="indefinite"/>
+                      </p:stCondLst>
+                      <p:childTnLst>
+                        <p:par>
+                          <p:cTn id="9" fill="hold">
+                            <p:stCondLst>
+                              <p:cond delay="0"/>
+                            </p:stCondLst>
+                            <p:childTnLst>
+                              <p:par>
+                                <p:cTn id="10" presetID="10" presetClass="entr" presetSubtype="0" fill="hold" grpId="0" nodeType="clickEffect">
+                                  <p:stCondLst>
+                                    <p:cond delay="0"/>
+                                  </p:stCondLst>
+                                  <p:childTnLst>
+                                    <p:set>
+                                      <p:cBhvr>
+                                        <p:cTn id="11" dur="1" fill="hold">
+                                          <p:stCondLst>
+                                            <p:cond delay="0"/>
+                                          </p:stCondLst>
+                                        </p:cTn>
+                                        <p:tgtEl>
+                                          <p:spTgt spid="12"/>
+                                        </p:tgtEl>
+                                        <p:attrNameLst>
+                                          <p:attrName>style.visibility</p:attrName>
+                                        </p:attrNameLst>
+                                      </p:cBhvr>
+                                      <p:to>
+                                        <p:strVal val="visible"/>
+                                      </p:to>
+                                    </p:set>
+                                    <p:animEffect transition="in" filter="fade">
+                                      <p:cBhvr>
+                                        <p:cTn id="12" dur="500"/>
+                                        <p:tgtEl>
+                                          <p:spTgt spid="12"/>
+                                        </p:tgtEl>
+                                      </p:cBhvr>
+                                    </p:animEffect>
+                                  </p:childTnLst>
+                                </p:cTn>
+                              </p:par>
+                            </p:childTnLst>
+                          </p:cTn>
+                        </p:par>
+                      </p:childTnLst>
+                    </p:cTn>
+                  </p:par>
+                </p:childTnLst>
+              </p:cTn>
+              <p:prevCondLst>
+                <p:cond evt="onPrev" delay="0">
+                  <p:tgtEl>
+                    <p:sldTgt/>
+                  </p:tgtEl>
+                </p:cond>
+              </p:prevCondLst>
+              <p:nextCondLst>
+                <p:cond evt="onNext" delay="0">
+                  <p:tgtEl>
+                    <p:sldTgt/>
+                  </p:tgtEl>
+                </p:cond>
+              </p:nextCondLst>
+            </p:seq>
+          </p:childTnLst>
+        </p:cTn>
+      </p:par>
+    </p:tnLst>
+    <p:bldLst>
+      <p:bldP spid="6" grpId="0"/>
+      <p:bldP spid="12" grpId="0"/>
+    </p:bldLst>
+  </p:timing>
 </p:sld>
 </file>
 
 <file path=ppt/slides/slide11.xml><?xml version="1.0" encoding="utf-8"?>
+<p:sld xmlns:a="http://schemas.openxmlformats.org/drawingml/2006/main" xmlns:r="http://schemas.openxmlformats.org/officeDocument/2006/relationships" xmlns:p="http://schemas.openxmlformats.org/presentationml/2006/main">
+  <p:cSld>
+    <p:spTree>
+      <p:nvGrpSpPr>
+        <p:cNvPr id="1" name=""/>
+        <p:cNvGrpSpPr/>
+        <p:nvPr/>
+      </p:nvGrpSpPr>
+      <p:grpSpPr>
+        <a:xfrm>
+          <a:off x="0" y="0"/>
+          <a:ext cx="0" cy="0"/>
+          <a:chOff x="0" y="0"/>
+          <a:chExt cx="0" cy="0"/>
+        </a:xfrm>
+      </p:grpSpPr>
+      <p:sp>
+        <p:nvSpPr>
+          <p:cNvPr id="10" name="직사각형 9">
+            <a:extLst>
+              <a:ext uri="{FF2B5EF4-FFF2-40B4-BE49-F238E27FC236}">
+                <a16:creationId xmlns:a16="http://schemas.microsoft.com/office/drawing/2014/main" id="{72422AE4-B2BC-47F4-A55A-7923EBDB55ED}"/>
+              </a:ext>
+            </a:extLst>
+          </p:cNvPr>
+          <p:cNvSpPr/>
+          <p:nvPr/>
+        </p:nvSpPr>
+        <p:spPr>
+          <a:xfrm>
+            <a:off x="1586143" y="1020932"/>
+            <a:ext cx="9268287" cy="45719"/>
+          </a:xfrm>
+          <a:prstGeom prst="rect">
+            <a:avLst/>
+          </a:prstGeom>
+        </p:spPr>
+        <p:style>
+          <a:lnRef idx="2">
+            <a:schemeClr val="accent1">
+              <a:shade val="50000"/>
+            </a:schemeClr>
+          </a:lnRef>
+          <a:fillRef idx="1">
+            <a:schemeClr val="accent1"/>
+          </a:fillRef>
+          <a:effectRef idx="0">
+            <a:schemeClr val="accent1"/>
+          </a:effectRef>
+          <a:fontRef idx="minor">
+            <a:schemeClr val="lt1"/>
+          </a:fontRef>
+        </p:style>
+        <p:txBody>
+          <a:bodyPr rtlCol="0" anchor="ctr"/>
+          <a:lstStyle/>
+          <a:p>
+            <a:pPr algn="ctr"/>
+            <a:endParaRPr lang="ko-KR" altLang="en-US"/>
+          </a:p>
+        </p:txBody>
+      </p:sp>
+      <p:sp>
+        <p:nvSpPr>
+          <p:cNvPr id="11" name="직사각형 10">
+            <a:extLst>
+              <a:ext uri="{FF2B5EF4-FFF2-40B4-BE49-F238E27FC236}">
+                <a16:creationId xmlns:a16="http://schemas.microsoft.com/office/drawing/2014/main" id="{88C624B5-9431-4451-97AF-3F26F9D86089}"/>
+              </a:ext>
+            </a:extLst>
+          </p:cNvPr>
+          <p:cNvSpPr/>
+          <p:nvPr/>
+        </p:nvSpPr>
+        <p:spPr>
+          <a:xfrm flipV="1">
+            <a:off x="1586143" y="6174982"/>
+            <a:ext cx="9268287" cy="45719"/>
+          </a:xfrm>
+          <a:prstGeom prst="rect">
+            <a:avLst/>
+          </a:prstGeom>
+        </p:spPr>
+        <p:style>
+          <a:lnRef idx="2">
+            <a:schemeClr val="accent1">
+              <a:shade val="50000"/>
+            </a:schemeClr>
+          </a:lnRef>
+          <a:fillRef idx="1">
+            <a:schemeClr val="accent1"/>
+          </a:fillRef>
+          <a:effectRef idx="0">
+            <a:schemeClr val="accent1"/>
+          </a:effectRef>
+          <a:fontRef idx="minor">
+            <a:schemeClr val="lt1"/>
+          </a:fontRef>
+        </p:style>
+        <p:txBody>
+          <a:bodyPr rtlCol="0" anchor="ctr"/>
+          <a:lstStyle/>
+          <a:p>
+            <a:pPr algn="ctr"/>
+            <a:endParaRPr lang="ko-KR" altLang="en-US"/>
+          </a:p>
+        </p:txBody>
+      </p:sp>
+      <p:sp>
+        <p:nvSpPr>
+          <p:cNvPr id="9" name="TextBox 8">
+            <a:extLst>
+              <a:ext uri="{FF2B5EF4-FFF2-40B4-BE49-F238E27FC236}">
+                <a16:creationId xmlns:a16="http://schemas.microsoft.com/office/drawing/2014/main" id="{892C5DDA-40EE-4B50-9C05-6AFC7089F348}"/>
+              </a:ext>
+            </a:extLst>
+          </p:cNvPr>
+          <p:cNvSpPr txBox="1"/>
+          <p:nvPr/>
+        </p:nvSpPr>
+        <p:spPr>
+          <a:xfrm>
+            <a:off x="1704513" y="620822"/>
+            <a:ext cx="2401876" cy="400110"/>
+          </a:xfrm>
+          <a:prstGeom prst="rect">
+            <a:avLst/>
+          </a:prstGeom>
+          <a:noFill/>
+        </p:spPr>
+        <p:txBody>
+          <a:bodyPr wrap="none" rtlCol="0">
+            <a:spAutoFit/>
+          </a:bodyPr>
+          <a:lstStyle/>
+          <a:p>
+            <a:r>
+              <a:rPr lang="en-US" altLang="ko-KR" sz="2000" dirty="0"/>
+              <a:t>React </a:t>
+            </a:r>
+            <a:r>
+              <a:rPr lang="ko-KR" altLang="en-US" sz="2000" dirty="0"/>
+              <a:t>특징 </a:t>
+            </a:r>
+            <a:r>
+              <a:rPr lang="en-US" altLang="ko-KR" sz="2000" dirty="0"/>
+              <a:t>– 3. JSX</a:t>
+            </a:r>
+          </a:p>
+        </p:txBody>
+      </p:sp>
+      <p:sp>
+        <p:nvSpPr>
+          <p:cNvPr id="6" name="직사각형 5">
+            <a:extLst>
+              <a:ext uri="{FF2B5EF4-FFF2-40B4-BE49-F238E27FC236}">
+                <a16:creationId xmlns:a16="http://schemas.microsoft.com/office/drawing/2014/main" id="{2BDB6B94-DFB5-451C-82CA-09A273134BBE}"/>
+              </a:ext>
+            </a:extLst>
+          </p:cNvPr>
+          <p:cNvSpPr/>
+          <p:nvPr/>
+        </p:nvSpPr>
+        <p:spPr>
+          <a:xfrm>
+            <a:off x="3418877" y="1715095"/>
+            <a:ext cx="5602817" cy="400110"/>
+          </a:xfrm>
+          <a:prstGeom prst="rect">
+            <a:avLst/>
+          </a:prstGeom>
+        </p:spPr>
+        <p:txBody>
+          <a:bodyPr wrap="none">
+            <a:spAutoFit/>
+          </a:bodyPr>
+          <a:lstStyle/>
+          <a:p>
+            <a:pPr algn="ctr"/>
+            <a:r>
+              <a:rPr lang="en-US" altLang="ko-KR" sz="2000" dirty="0"/>
+              <a:t>JSX</a:t>
+            </a:r>
+            <a:r>
+              <a:rPr lang="ko-KR" altLang="en-US" sz="2000" dirty="0"/>
+              <a:t>라는 자바스크립트의 확장 문법을 사용한다</a:t>
+            </a:r>
+            <a:r>
+              <a:rPr lang="en-US" altLang="ko-KR" sz="2000" dirty="0"/>
+              <a:t>.</a:t>
+            </a:r>
+            <a:endParaRPr lang="ko-KR" altLang="en-US" sz="2000" dirty="0"/>
+          </a:p>
+        </p:txBody>
+      </p:sp>
+      <p:pic>
+        <p:nvPicPr>
+          <p:cNvPr id="4" name="그림 3">
+            <a:extLst>
+              <a:ext uri="{FF2B5EF4-FFF2-40B4-BE49-F238E27FC236}">
+                <a16:creationId xmlns:a16="http://schemas.microsoft.com/office/drawing/2014/main" id="{E2582245-1B5C-4666-BF42-B4F48D6CF929}"/>
+              </a:ext>
+            </a:extLst>
+          </p:cNvPr>
+          <p:cNvPicPr>
+            <a:picLocks noChangeAspect="1"/>
+          </p:cNvPicPr>
+          <p:nvPr/>
+        </p:nvPicPr>
+        <p:blipFill>
+          <a:blip r:embed="rId3">
+            <a:extLst>
+              <a:ext uri="{28A0092B-C50C-407E-A947-70E740481C1C}">
+                <a14:useLocalDpi xmlns:a14="http://schemas.microsoft.com/office/drawing/2010/main" val="0"/>
+              </a:ext>
+            </a:extLst>
+          </a:blip>
+          <a:stretch>
+            <a:fillRect/>
+          </a:stretch>
+        </p:blipFill>
+        <p:spPr>
+          <a:xfrm>
+            <a:off x="1534020" y="2552577"/>
+            <a:ext cx="3458058" cy="1752845"/>
+          </a:xfrm>
+          <a:prstGeom prst="rect">
+            <a:avLst/>
+          </a:prstGeom>
+        </p:spPr>
+      </p:pic>
+      <p:pic>
+        <p:nvPicPr>
+          <p:cNvPr id="7" name="그림 6">
+            <a:extLst>
+              <a:ext uri="{FF2B5EF4-FFF2-40B4-BE49-F238E27FC236}">
+                <a16:creationId xmlns:a16="http://schemas.microsoft.com/office/drawing/2014/main" id="{17C354D0-5934-4D91-9AF8-BDC7D31727A1}"/>
+              </a:ext>
+            </a:extLst>
+          </p:cNvPr>
+          <p:cNvPicPr>
+            <a:picLocks noChangeAspect="1"/>
+          </p:cNvPicPr>
+          <p:nvPr/>
+        </p:nvPicPr>
+        <p:blipFill>
+          <a:blip r:embed="rId4">
+            <a:extLst>
+              <a:ext uri="{28A0092B-C50C-407E-A947-70E740481C1C}">
+                <a14:useLocalDpi xmlns:a14="http://schemas.microsoft.com/office/drawing/2010/main" val="0"/>
+              </a:ext>
+            </a:extLst>
+          </a:blip>
+          <a:stretch>
+            <a:fillRect/>
+          </a:stretch>
+        </p:blipFill>
+        <p:spPr>
+          <a:xfrm>
+            <a:off x="5510159" y="2552577"/>
+            <a:ext cx="5344271" cy="1629002"/>
+          </a:xfrm>
+          <a:prstGeom prst="rect">
+            <a:avLst/>
+          </a:prstGeom>
+        </p:spPr>
+      </p:pic>
+      <p:sp>
+        <p:nvSpPr>
+          <p:cNvPr id="12" name="직사각형 11">
+            <a:extLst>
+              <a:ext uri="{FF2B5EF4-FFF2-40B4-BE49-F238E27FC236}">
+                <a16:creationId xmlns:a16="http://schemas.microsoft.com/office/drawing/2014/main" id="{6C394C16-6DFC-4BDC-A9FD-5E54FDD9112E}"/>
+              </a:ext>
+            </a:extLst>
+          </p:cNvPr>
+          <p:cNvSpPr/>
+          <p:nvPr/>
+        </p:nvSpPr>
+        <p:spPr>
+          <a:xfrm>
+            <a:off x="4217929" y="5211745"/>
+            <a:ext cx="3756156" cy="400110"/>
+          </a:xfrm>
+          <a:prstGeom prst="rect">
+            <a:avLst/>
+          </a:prstGeom>
+        </p:spPr>
+        <p:txBody>
+          <a:bodyPr wrap="none">
+            <a:spAutoFit/>
+          </a:bodyPr>
+          <a:lstStyle/>
+          <a:p>
+            <a:pPr algn="ctr"/>
+            <a:r>
+              <a:rPr lang="ko-KR" altLang="en-US" sz="2000" dirty="0"/>
+              <a:t>보기 쉽고 </a:t>
+            </a:r>
+            <a:r>
+              <a:rPr lang="en-US" altLang="ko-KR" sz="2000" dirty="0"/>
+              <a:t>HTML</a:t>
+            </a:r>
+            <a:r>
+              <a:rPr lang="ko-KR" altLang="en-US" sz="2000" dirty="0"/>
+              <a:t>처럼 익숙하다</a:t>
+            </a:r>
+            <a:r>
+              <a:rPr lang="en-US" altLang="ko-KR" sz="2000" dirty="0"/>
+              <a:t>.</a:t>
+            </a:r>
+            <a:endParaRPr lang="ko-KR" altLang="en-US" sz="2000" dirty="0"/>
+          </a:p>
+        </p:txBody>
+      </p:sp>
+      <p:sp>
+        <p:nvSpPr>
+          <p:cNvPr id="13" name="직사각형 12">
+            <a:extLst>
+              <a:ext uri="{FF2B5EF4-FFF2-40B4-BE49-F238E27FC236}">
+                <a16:creationId xmlns:a16="http://schemas.microsoft.com/office/drawing/2014/main" id="{1DCC39B0-C998-4934-B248-C32E3134A5E0}"/>
+              </a:ext>
+            </a:extLst>
+          </p:cNvPr>
+          <p:cNvSpPr/>
+          <p:nvPr/>
+        </p:nvSpPr>
+        <p:spPr>
+          <a:xfrm>
+            <a:off x="7134218" y="4359288"/>
+            <a:ext cx="2096151" cy="400110"/>
+          </a:xfrm>
+          <a:prstGeom prst="rect">
+            <a:avLst/>
+          </a:prstGeom>
+        </p:spPr>
+        <p:txBody>
+          <a:bodyPr wrap="none">
+            <a:spAutoFit/>
+          </a:bodyPr>
+          <a:lstStyle/>
+          <a:p>
+            <a:pPr algn="ctr"/>
+            <a:r>
+              <a:rPr lang="en-US" altLang="ko-KR" sz="2000" dirty="0"/>
+              <a:t>Vanilla </a:t>
+            </a:r>
+            <a:r>
+              <a:rPr lang="en-US" altLang="ko-KR" sz="2000" dirty="0" err="1"/>
+              <a:t>jascriptva</a:t>
+            </a:r>
+            <a:endParaRPr lang="ko-KR" altLang="en-US" sz="2000" dirty="0"/>
+          </a:p>
+        </p:txBody>
+      </p:sp>
+      <p:sp>
+        <p:nvSpPr>
+          <p:cNvPr id="14" name="직사각형 13">
+            <a:extLst>
+              <a:ext uri="{FF2B5EF4-FFF2-40B4-BE49-F238E27FC236}">
+                <a16:creationId xmlns:a16="http://schemas.microsoft.com/office/drawing/2014/main" id="{E81C9873-628F-4C20-9FA9-D9FDD88AFBEE}"/>
+              </a:ext>
+            </a:extLst>
+          </p:cNvPr>
+          <p:cNvSpPr/>
+          <p:nvPr/>
+        </p:nvSpPr>
+        <p:spPr>
+          <a:xfrm>
+            <a:off x="2977554" y="4359288"/>
+            <a:ext cx="570990" cy="400110"/>
+          </a:xfrm>
+          <a:prstGeom prst="rect">
+            <a:avLst/>
+          </a:prstGeom>
+        </p:spPr>
+        <p:txBody>
+          <a:bodyPr wrap="none">
+            <a:spAutoFit/>
+          </a:bodyPr>
+          <a:lstStyle/>
+          <a:p>
+            <a:pPr algn="ctr"/>
+            <a:r>
+              <a:rPr lang="en-US" altLang="ko-KR" sz="2000" dirty="0"/>
+              <a:t>JSX</a:t>
+            </a:r>
+            <a:endParaRPr lang="ko-KR" altLang="en-US" sz="2000" dirty="0"/>
+          </a:p>
+        </p:txBody>
+      </p:sp>
+      <p:sp>
+        <p:nvSpPr>
+          <p:cNvPr id="15" name="직사각형 14">
+            <a:extLst>
+              <a:ext uri="{FF2B5EF4-FFF2-40B4-BE49-F238E27FC236}">
+                <a16:creationId xmlns:a16="http://schemas.microsoft.com/office/drawing/2014/main" id="{F3195031-E130-4D3E-862F-F22896B90E0D}"/>
+              </a:ext>
+            </a:extLst>
+          </p:cNvPr>
+          <p:cNvSpPr/>
+          <p:nvPr/>
+        </p:nvSpPr>
+        <p:spPr>
+          <a:xfrm>
+            <a:off x="4147997" y="2031304"/>
+            <a:ext cx="3757760" cy="261610"/>
+          </a:xfrm>
+          <a:prstGeom prst="rect">
+            <a:avLst/>
+          </a:prstGeom>
+        </p:spPr>
+        <p:txBody>
+          <a:bodyPr wrap="none">
+            <a:spAutoFit/>
+          </a:bodyPr>
+          <a:lstStyle/>
+          <a:p>
+            <a:pPr algn="ctr"/>
+            <a:r>
+              <a:rPr lang="en-US" altLang="ko-KR" sz="1100" dirty="0"/>
+              <a:t>※JSX</a:t>
+            </a:r>
+            <a:r>
+              <a:rPr lang="ko-KR" altLang="en-US" sz="1100" dirty="0"/>
+              <a:t>는 </a:t>
+            </a:r>
+            <a:r>
+              <a:rPr lang="ko-KR" altLang="en-US" sz="1100" dirty="0" err="1"/>
+              <a:t>리액트</a:t>
+            </a:r>
+            <a:r>
+              <a:rPr lang="ko-KR" altLang="en-US" sz="1100" dirty="0"/>
+              <a:t> 전용이기 때문에 공식적인 </a:t>
+            </a:r>
+            <a:r>
+              <a:rPr lang="en-US" altLang="ko-KR" sz="1100" dirty="0"/>
+              <a:t>JS</a:t>
+            </a:r>
+            <a:r>
+              <a:rPr lang="ko-KR" altLang="en-US" sz="1100" dirty="0"/>
+              <a:t>문법은 아님</a:t>
+            </a:r>
+          </a:p>
+        </p:txBody>
+      </p:sp>
+    </p:spTree>
+    <p:extLst>
+      <p:ext uri="{BB962C8B-B14F-4D97-AF65-F5344CB8AC3E}">
+        <p14:creationId xmlns:p14="http://schemas.microsoft.com/office/powerpoint/2010/main" val="2486910619"/>
+      </p:ext>
+    </p:extLst>
+  </p:cSld>
+  <p:clrMapOvr>
+    <a:masterClrMapping/>
+  </p:clrMapOvr>
+  <p:timing>
+    <p:tnLst>
+      <p:par>
+        <p:cTn id="1" dur="indefinite" restart="never" nodeType="tmRoot">
+          <p:childTnLst>
+            <p:seq concurrent="1" nextAc="seek">
+              <p:cTn id="2" dur="indefinite" nodeType="mainSeq">
+                <p:childTnLst>
+                  <p:par>
+                    <p:cTn id="3" fill="hold">
+                      <p:stCondLst>
+                        <p:cond delay="indefinite"/>
+                      </p:stCondLst>
+                      <p:childTnLst>
+                        <p:par>
+                          <p:cTn id="4" fill="hold">
+                            <p:stCondLst>
+                              <p:cond delay="0"/>
+                            </p:stCondLst>
+                            <p:childTnLst>
+                              <p:par>
+                                <p:cTn id="5" presetID="10" presetClass="entr" presetSubtype="0" fill="hold" nodeType="clickEffect">
+                                  <p:stCondLst>
+                                    <p:cond delay="0"/>
+                                  </p:stCondLst>
+                                  <p:childTnLst>
+                                    <p:set>
+                                      <p:cBhvr>
+                                        <p:cTn id="6" dur="1" fill="hold">
+                                          <p:stCondLst>
+                                            <p:cond delay="0"/>
+                                          </p:stCondLst>
+                                        </p:cTn>
+                                        <p:tgtEl>
+                                          <p:spTgt spid="4"/>
+                                        </p:tgtEl>
+                                        <p:attrNameLst>
+                                          <p:attrName>style.visibility</p:attrName>
+                                        </p:attrNameLst>
+                                      </p:cBhvr>
+                                      <p:to>
+                                        <p:strVal val="visible"/>
+                                      </p:to>
+                                    </p:set>
+                                    <p:animEffect transition="in" filter="fade">
+                                      <p:cBhvr>
+                                        <p:cTn id="7" dur="500"/>
+                                        <p:tgtEl>
+                                          <p:spTgt spid="4"/>
+                                        </p:tgtEl>
+                                      </p:cBhvr>
+                                    </p:animEffect>
+                                  </p:childTnLst>
+                                </p:cTn>
+                              </p:par>
+                              <p:par>
+                                <p:cTn id="8" presetID="10" presetClass="entr" presetSubtype="0" fill="hold" grpId="0" nodeType="withEffect">
+                                  <p:stCondLst>
+                                    <p:cond delay="0"/>
+                                  </p:stCondLst>
+                                  <p:childTnLst>
+                                    <p:set>
+                                      <p:cBhvr>
+                                        <p:cTn id="9" dur="1" fill="hold">
+                                          <p:stCondLst>
+                                            <p:cond delay="0"/>
+                                          </p:stCondLst>
+                                        </p:cTn>
+                                        <p:tgtEl>
+                                          <p:spTgt spid="14"/>
+                                        </p:tgtEl>
+                                        <p:attrNameLst>
+                                          <p:attrName>style.visibility</p:attrName>
+                                        </p:attrNameLst>
+                                      </p:cBhvr>
+                                      <p:to>
+                                        <p:strVal val="visible"/>
+                                      </p:to>
+                                    </p:set>
+                                    <p:animEffect transition="in" filter="fade">
+                                      <p:cBhvr>
+                                        <p:cTn id="10" dur="500"/>
+                                        <p:tgtEl>
+                                          <p:spTgt spid="14"/>
+                                        </p:tgtEl>
+                                      </p:cBhvr>
+                                    </p:animEffect>
+                                  </p:childTnLst>
+                                </p:cTn>
+                              </p:par>
+                            </p:childTnLst>
+                          </p:cTn>
+                        </p:par>
+                      </p:childTnLst>
+                    </p:cTn>
+                  </p:par>
+                  <p:par>
+                    <p:cTn id="11" fill="hold">
+                      <p:stCondLst>
+                        <p:cond delay="indefinite"/>
+                      </p:stCondLst>
+                      <p:childTnLst>
+                        <p:par>
+                          <p:cTn id="12" fill="hold">
+                            <p:stCondLst>
+                              <p:cond delay="0"/>
+                            </p:stCondLst>
+                            <p:childTnLst>
+                              <p:par>
+                                <p:cTn id="13" presetID="10" presetClass="entr" presetSubtype="0" fill="hold" nodeType="clickEffect">
+                                  <p:stCondLst>
+                                    <p:cond delay="0"/>
+                                  </p:stCondLst>
+                                  <p:childTnLst>
+                                    <p:set>
+                                      <p:cBhvr>
+                                        <p:cTn id="14" dur="1" fill="hold">
+                                          <p:stCondLst>
+                                            <p:cond delay="0"/>
+                                          </p:stCondLst>
+                                        </p:cTn>
+                                        <p:tgtEl>
+                                          <p:spTgt spid="7"/>
+                                        </p:tgtEl>
+                                        <p:attrNameLst>
+                                          <p:attrName>style.visibility</p:attrName>
+                                        </p:attrNameLst>
+                                      </p:cBhvr>
+                                      <p:to>
+                                        <p:strVal val="visible"/>
+                                      </p:to>
+                                    </p:set>
+                                    <p:animEffect transition="in" filter="fade">
+                                      <p:cBhvr>
+                                        <p:cTn id="15" dur="500"/>
+                                        <p:tgtEl>
+                                          <p:spTgt spid="7"/>
+                                        </p:tgtEl>
+                                      </p:cBhvr>
+                                    </p:animEffect>
+                                  </p:childTnLst>
+                                </p:cTn>
+                              </p:par>
+                              <p:par>
+                                <p:cTn id="16" presetID="10" presetClass="entr" presetSubtype="0" fill="hold" grpId="0" nodeType="withEffect">
+                                  <p:stCondLst>
+                                    <p:cond delay="0"/>
+                                  </p:stCondLst>
+                                  <p:childTnLst>
+                                    <p:set>
+                                      <p:cBhvr>
+                                        <p:cTn id="17" dur="1" fill="hold">
+                                          <p:stCondLst>
+                                            <p:cond delay="0"/>
+                                          </p:stCondLst>
+                                        </p:cTn>
+                                        <p:tgtEl>
+                                          <p:spTgt spid="13"/>
+                                        </p:tgtEl>
+                                        <p:attrNameLst>
+                                          <p:attrName>style.visibility</p:attrName>
+                                        </p:attrNameLst>
+                                      </p:cBhvr>
+                                      <p:to>
+                                        <p:strVal val="visible"/>
+                                      </p:to>
+                                    </p:set>
+                                    <p:animEffect transition="in" filter="fade">
+                                      <p:cBhvr>
+                                        <p:cTn id="18" dur="500"/>
+                                        <p:tgtEl>
+                                          <p:spTgt spid="13"/>
+                                        </p:tgtEl>
+                                      </p:cBhvr>
+                                    </p:animEffect>
+                                  </p:childTnLst>
+                                </p:cTn>
+                              </p:par>
+                            </p:childTnLst>
+                          </p:cTn>
+                        </p:par>
+                      </p:childTnLst>
+                    </p:cTn>
+                  </p:par>
+                  <p:par>
+                    <p:cTn id="19" fill="hold">
+                      <p:stCondLst>
+                        <p:cond delay="indefinite"/>
+                      </p:stCondLst>
+                      <p:childTnLst>
+                        <p:par>
+                          <p:cTn id="20" fill="hold">
+                            <p:stCondLst>
+                              <p:cond delay="0"/>
+                            </p:stCondLst>
+                            <p:childTnLst>
+                              <p:par>
+                                <p:cTn id="21" presetID="10" presetClass="entr" presetSubtype="0" fill="hold" grpId="0" nodeType="clickEffect">
+                                  <p:stCondLst>
+                                    <p:cond delay="0"/>
+                                  </p:stCondLst>
+                                  <p:childTnLst>
+                                    <p:set>
+                                      <p:cBhvr>
+                                        <p:cTn id="22" dur="1" fill="hold">
+                                          <p:stCondLst>
+                                            <p:cond delay="0"/>
+                                          </p:stCondLst>
+                                        </p:cTn>
+                                        <p:tgtEl>
+                                          <p:spTgt spid="12"/>
+                                        </p:tgtEl>
+                                        <p:attrNameLst>
+                                          <p:attrName>style.visibility</p:attrName>
+                                        </p:attrNameLst>
+                                      </p:cBhvr>
+                                      <p:to>
+                                        <p:strVal val="visible"/>
+                                      </p:to>
+                                    </p:set>
+                                    <p:animEffect transition="in" filter="fade">
+                                      <p:cBhvr>
+                                        <p:cTn id="23" dur="500"/>
+                                        <p:tgtEl>
+                                          <p:spTgt spid="12"/>
+                                        </p:tgtEl>
+                                      </p:cBhvr>
+                                    </p:animEffect>
+                                  </p:childTnLst>
+                                </p:cTn>
+                              </p:par>
+                            </p:childTnLst>
+                          </p:cTn>
+                        </p:par>
+                      </p:childTnLst>
+                    </p:cTn>
+                  </p:par>
+                </p:childTnLst>
+              </p:cTn>
+              <p:prevCondLst>
+                <p:cond evt="onPrev" delay="0">
+                  <p:tgtEl>
+                    <p:sldTgt/>
+                  </p:tgtEl>
+                </p:cond>
+              </p:prevCondLst>
+              <p:nextCondLst>
+                <p:cond evt="onNext" delay="0">
+                  <p:tgtEl>
+                    <p:sldTgt/>
+                  </p:tgtEl>
+                </p:cond>
+              </p:nextCondLst>
+            </p:seq>
+          </p:childTnLst>
+        </p:cTn>
+      </p:par>
+    </p:tnLst>
+    <p:bldLst>
+      <p:bldP spid="12" grpId="0"/>
+      <p:bldP spid="13" grpId="0"/>
+      <p:bldP spid="14" grpId="0"/>
+    </p:bldLst>
+  </p:timing>
+</p:sld>
+</file>
+
+<file path=ppt/slides/slide12.xml><?xml version="1.0" encoding="utf-8"?>
+<p:sld xmlns:a="http://schemas.openxmlformats.org/drawingml/2006/main" xmlns:r="http://schemas.openxmlformats.org/officeDocument/2006/relationships" xmlns:p="http://schemas.openxmlformats.org/presentationml/2006/main">
+  <p:cSld>
+    <p:spTree>
+      <p:nvGrpSpPr>
+        <p:cNvPr id="1" name=""/>
+        <p:cNvGrpSpPr/>
+        <p:nvPr/>
+      </p:nvGrpSpPr>
+      <p:grpSpPr>
+        <a:xfrm>
+          <a:off x="0" y="0"/>
+          <a:ext cx="0" cy="0"/>
+          <a:chOff x="0" y="0"/>
+          <a:chExt cx="0" cy="0"/>
+        </a:xfrm>
+      </p:grpSpPr>
+      <p:pic>
+        <p:nvPicPr>
+          <p:cNvPr id="23" name="그림 22">
+            <a:extLst>
+              <a:ext uri="{FF2B5EF4-FFF2-40B4-BE49-F238E27FC236}">
+                <a16:creationId xmlns:a16="http://schemas.microsoft.com/office/drawing/2014/main" id="{5242B3B1-32A2-4BA7-9179-CA940E1003B0}"/>
+              </a:ext>
+            </a:extLst>
+          </p:cNvPr>
+          <p:cNvPicPr>
+            <a:picLocks noChangeAspect="1"/>
+          </p:cNvPicPr>
+          <p:nvPr/>
+        </p:nvPicPr>
+        <p:blipFill>
+          <a:blip r:embed="rId3">
+            <a:extLst>
+              <a:ext uri="{28A0092B-C50C-407E-A947-70E740481C1C}">
+                <a14:useLocalDpi xmlns:a14="http://schemas.microsoft.com/office/drawing/2010/main" val="0"/>
+              </a:ext>
+            </a:extLst>
+          </a:blip>
+          <a:stretch>
+            <a:fillRect/>
+          </a:stretch>
+        </p:blipFill>
+        <p:spPr>
+          <a:xfrm>
+            <a:off x="4172826" y="1644777"/>
+            <a:ext cx="6537216" cy="3070339"/>
+          </a:xfrm>
+          <a:prstGeom prst="rect">
+            <a:avLst/>
+          </a:prstGeom>
+        </p:spPr>
+      </p:pic>
+      <p:sp>
+        <p:nvSpPr>
+          <p:cNvPr id="10" name="직사각형 9">
+            <a:extLst>
+              <a:ext uri="{FF2B5EF4-FFF2-40B4-BE49-F238E27FC236}">
+                <a16:creationId xmlns:a16="http://schemas.microsoft.com/office/drawing/2014/main" id="{72422AE4-B2BC-47F4-A55A-7923EBDB55ED}"/>
+              </a:ext>
+            </a:extLst>
+          </p:cNvPr>
+          <p:cNvSpPr/>
+          <p:nvPr/>
+        </p:nvSpPr>
+        <p:spPr>
+          <a:xfrm>
+            <a:off x="1586143" y="1020932"/>
+            <a:ext cx="9268287" cy="45719"/>
+          </a:xfrm>
+          <a:prstGeom prst="rect">
+            <a:avLst/>
+          </a:prstGeom>
+        </p:spPr>
+        <p:style>
+          <a:lnRef idx="2">
+            <a:schemeClr val="accent1">
+              <a:shade val="50000"/>
+            </a:schemeClr>
+          </a:lnRef>
+          <a:fillRef idx="1">
+            <a:schemeClr val="accent1"/>
+          </a:fillRef>
+          <a:effectRef idx="0">
+            <a:schemeClr val="accent1"/>
+          </a:effectRef>
+          <a:fontRef idx="minor">
+            <a:schemeClr val="lt1"/>
+          </a:fontRef>
+        </p:style>
+        <p:txBody>
+          <a:bodyPr rtlCol="0" anchor="ctr"/>
+          <a:lstStyle/>
+          <a:p>
+            <a:pPr algn="ctr"/>
+            <a:endParaRPr lang="ko-KR" altLang="en-US"/>
+          </a:p>
+        </p:txBody>
+      </p:sp>
+      <p:sp>
+        <p:nvSpPr>
+          <p:cNvPr id="11" name="직사각형 10">
+            <a:extLst>
+              <a:ext uri="{FF2B5EF4-FFF2-40B4-BE49-F238E27FC236}">
+                <a16:creationId xmlns:a16="http://schemas.microsoft.com/office/drawing/2014/main" id="{88C624B5-9431-4451-97AF-3F26F9D86089}"/>
+              </a:ext>
+            </a:extLst>
+          </p:cNvPr>
+          <p:cNvSpPr/>
+          <p:nvPr/>
+        </p:nvSpPr>
+        <p:spPr>
+          <a:xfrm flipV="1">
+            <a:off x="1586143" y="6174982"/>
+            <a:ext cx="9268287" cy="45719"/>
+          </a:xfrm>
+          <a:prstGeom prst="rect">
+            <a:avLst/>
+          </a:prstGeom>
+        </p:spPr>
+        <p:style>
+          <a:lnRef idx="2">
+            <a:schemeClr val="accent1">
+              <a:shade val="50000"/>
+            </a:schemeClr>
+          </a:lnRef>
+          <a:fillRef idx="1">
+            <a:schemeClr val="accent1"/>
+          </a:fillRef>
+          <a:effectRef idx="0">
+            <a:schemeClr val="accent1"/>
+          </a:effectRef>
+          <a:fontRef idx="minor">
+            <a:schemeClr val="lt1"/>
+          </a:fontRef>
+        </p:style>
+        <p:txBody>
+          <a:bodyPr rtlCol="0" anchor="ctr"/>
+          <a:lstStyle/>
+          <a:p>
+            <a:pPr algn="ctr"/>
+            <a:endParaRPr lang="ko-KR" altLang="en-US"/>
+          </a:p>
+        </p:txBody>
+      </p:sp>
+      <p:sp>
+        <p:nvSpPr>
+          <p:cNvPr id="9" name="TextBox 8">
+            <a:extLst>
+              <a:ext uri="{FF2B5EF4-FFF2-40B4-BE49-F238E27FC236}">
+                <a16:creationId xmlns:a16="http://schemas.microsoft.com/office/drawing/2014/main" id="{892C5DDA-40EE-4B50-9C05-6AFC7089F348}"/>
+              </a:ext>
+            </a:extLst>
+          </p:cNvPr>
+          <p:cNvSpPr txBox="1"/>
+          <p:nvPr/>
+        </p:nvSpPr>
+        <p:spPr>
+          <a:xfrm>
+            <a:off x="1704513" y="620822"/>
+            <a:ext cx="3390928" cy="400110"/>
+          </a:xfrm>
+          <a:prstGeom prst="rect">
+            <a:avLst/>
+          </a:prstGeom>
+          <a:noFill/>
+        </p:spPr>
+        <p:txBody>
+          <a:bodyPr wrap="none" rtlCol="0">
+            <a:spAutoFit/>
+          </a:bodyPr>
+          <a:lstStyle/>
+          <a:p>
+            <a:r>
+              <a:rPr lang="en-US" altLang="ko-KR" sz="2000" dirty="0"/>
+              <a:t>React </a:t>
+            </a:r>
+            <a:r>
+              <a:rPr lang="ko-KR" altLang="en-US" sz="2000" dirty="0"/>
+              <a:t>특징 </a:t>
+            </a:r>
+            <a:r>
+              <a:rPr lang="en-US" altLang="ko-KR" sz="2000" dirty="0"/>
+              <a:t>– 4. Component</a:t>
+            </a:r>
+          </a:p>
+        </p:txBody>
+      </p:sp>
+      <p:sp>
+        <p:nvSpPr>
+          <p:cNvPr id="6" name="직사각형 5">
+            <a:extLst>
+              <a:ext uri="{FF2B5EF4-FFF2-40B4-BE49-F238E27FC236}">
+                <a16:creationId xmlns:a16="http://schemas.microsoft.com/office/drawing/2014/main" id="{2BDB6B94-DFB5-451C-82CA-09A273134BBE}"/>
+              </a:ext>
+            </a:extLst>
+          </p:cNvPr>
+          <p:cNvSpPr/>
+          <p:nvPr/>
+        </p:nvSpPr>
+        <p:spPr>
+          <a:xfrm>
+            <a:off x="3210495" y="5341164"/>
+            <a:ext cx="6019597" cy="400110"/>
+          </a:xfrm>
+          <a:prstGeom prst="rect">
+            <a:avLst/>
+          </a:prstGeom>
+        </p:spPr>
+        <p:txBody>
+          <a:bodyPr wrap="none">
+            <a:spAutoFit/>
+          </a:bodyPr>
+          <a:lstStyle/>
+          <a:p>
+            <a:pPr algn="ctr"/>
+            <a:r>
+              <a:rPr lang="ko-KR" altLang="en-US" sz="2000" dirty="0"/>
+              <a:t>모두 컴포넌트 형태로 구성되어 재사용이 용이하다</a:t>
+            </a:r>
+            <a:r>
+              <a:rPr lang="en-US" altLang="ko-KR" sz="2000" dirty="0"/>
+              <a:t>.</a:t>
+            </a:r>
+            <a:endParaRPr lang="ko-KR" altLang="en-US" sz="2000" dirty="0"/>
+          </a:p>
+        </p:txBody>
+      </p:sp>
+      <p:sp>
+        <p:nvSpPr>
+          <p:cNvPr id="5" name="직사각형 4">
+            <a:extLst>
+              <a:ext uri="{FF2B5EF4-FFF2-40B4-BE49-F238E27FC236}">
+                <a16:creationId xmlns:a16="http://schemas.microsoft.com/office/drawing/2014/main" id="{C6471B16-39F8-42BE-A95D-B17BE1FCE650}"/>
+              </a:ext>
+            </a:extLst>
+          </p:cNvPr>
+          <p:cNvSpPr/>
+          <p:nvPr/>
+        </p:nvSpPr>
+        <p:spPr>
+          <a:xfrm>
+            <a:off x="4301745" y="3306971"/>
+            <a:ext cx="1415883" cy="1233497"/>
+          </a:xfrm>
+          <a:prstGeom prst="rect">
+            <a:avLst/>
+          </a:prstGeom>
+          <a:noFill/>
+          <a:ln w="38100">
+            <a:solidFill>
+              <a:srgbClr val="FF0000"/>
+            </a:solidFill>
+          </a:ln>
+        </p:spPr>
+        <p:style>
+          <a:lnRef idx="2">
+            <a:schemeClr val="accent1">
+              <a:shade val="50000"/>
+            </a:schemeClr>
+          </a:lnRef>
+          <a:fillRef idx="1">
+            <a:schemeClr val="accent1"/>
+          </a:fillRef>
+          <a:effectRef idx="0">
+            <a:schemeClr val="accent1"/>
+          </a:effectRef>
+          <a:fontRef idx="minor">
+            <a:schemeClr val="lt1"/>
+          </a:fontRef>
+        </p:style>
+        <p:txBody>
+          <a:bodyPr rtlCol="0" anchor="ctr"/>
+          <a:lstStyle/>
+          <a:p>
+            <a:pPr algn="ctr"/>
+            <a:endParaRPr lang="ko-KR" altLang="en-US"/>
+          </a:p>
+        </p:txBody>
+      </p:sp>
+      <p:cxnSp>
+        <p:nvCxnSpPr>
+          <p:cNvPr id="16" name="직선 화살표 연결선 15">
+            <a:extLst>
+              <a:ext uri="{FF2B5EF4-FFF2-40B4-BE49-F238E27FC236}">
+                <a16:creationId xmlns:a16="http://schemas.microsoft.com/office/drawing/2014/main" id="{928BDAAD-E8AF-45A5-8B9B-10174E322C93}"/>
+              </a:ext>
+            </a:extLst>
+          </p:cNvPr>
+          <p:cNvCxnSpPr>
+            <a:cxnSpLocks/>
+            <a:stCxn id="5" idx="1"/>
+          </p:cNvCxnSpPr>
+          <p:nvPr/>
+        </p:nvCxnSpPr>
+        <p:spPr>
+          <a:xfrm flipH="1" flipV="1">
+            <a:off x="3168871" y="1927141"/>
+            <a:ext cx="1132874" cy="1996579"/>
+          </a:xfrm>
+          <a:prstGeom prst="straightConnector1">
+            <a:avLst/>
+          </a:prstGeom>
+          <a:ln>
+            <a:solidFill>
+              <a:srgbClr val="FF0000"/>
+            </a:solidFill>
+            <a:tailEnd type="triangle"/>
+          </a:ln>
+        </p:spPr>
+        <p:style>
+          <a:lnRef idx="1">
+            <a:schemeClr val="accent1"/>
+          </a:lnRef>
+          <a:fillRef idx="0">
+            <a:schemeClr val="accent1"/>
+          </a:fillRef>
+          <a:effectRef idx="0">
+            <a:schemeClr val="accent1"/>
+          </a:effectRef>
+          <a:fontRef idx="minor">
+            <a:schemeClr val="tx1"/>
+          </a:fontRef>
+        </p:style>
+      </p:cxnSp>
+      <p:sp>
+        <p:nvSpPr>
+          <p:cNvPr id="27" name="직사각형 26">
+            <a:extLst>
+              <a:ext uri="{FF2B5EF4-FFF2-40B4-BE49-F238E27FC236}">
+                <a16:creationId xmlns:a16="http://schemas.microsoft.com/office/drawing/2014/main" id="{33903CB9-F528-4A67-8149-B50600C1A37B}"/>
+              </a:ext>
+            </a:extLst>
+          </p:cNvPr>
+          <p:cNvSpPr/>
+          <p:nvPr/>
+        </p:nvSpPr>
+        <p:spPr>
+          <a:xfrm>
+            <a:off x="1836297" y="1727025"/>
+            <a:ext cx="1232724" cy="307777"/>
+          </a:xfrm>
+          <a:prstGeom prst="rect">
+            <a:avLst/>
+          </a:prstGeom>
+        </p:spPr>
+        <p:txBody>
+          <a:bodyPr wrap="square">
+            <a:spAutoFit/>
+          </a:bodyPr>
+          <a:lstStyle/>
+          <a:p>
+            <a:r>
+              <a:rPr lang="en-US" altLang="ko-KR" sz="1400" dirty="0"/>
+              <a:t>- </a:t>
+            </a:r>
+            <a:r>
+              <a:rPr lang="en-US" altLang="ko-KR" sz="1400" dirty="0" err="1"/>
+              <a:t>MofasItem</a:t>
+            </a:r>
+            <a:endParaRPr lang="ko-KR" altLang="en-US" sz="1400" dirty="0"/>
+          </a:p>
+        </p:txBody>
+      </p:sp>
+      <p:sp>
+        <p:nvSpPr>
+          <p:cNvPr id="29" name="직사각형 28">
+            <a:extLst>
+              <a:ext uri="{FF2B5EF4-FFF2-40B4-BE49-F238E27FC236}">
+                <a16:creationId xmlns:a16="http://schemas.microsoft.com/office/drawing/2014/main" id="{2DC9A627-F328-4AAB-85C9-5251C246D18F}"/>
+              </a:ext>
+            </a:extLst>
+          </p:cNvPr>
+          <p:cNvSpPr/>
+          <p:nvPr/>
+        </p:nvSpPr>
+        <p:spPr>
+          <a:xfrm>
+            <a:off x="4172826" y="3195145"/>
+            <a:ext cx="6537216" cy="1519971"/>
+          </a:xfrm>
+          <a:prstGeom prst="rect">
+            <a:avLst/>
+          </a:prstGeom>
+          <a:noFill/>
+          <a:ln w="38100">
+            <a:solidFill>
+              <a:srgbClr val="FF0000"/>
+            </a:solidFill>
+          </a:ln>
+        </p:spPr>
+        <p:style>
+          <a:lnRef idx="2">
+            <a:schemeClr val="accent1">
+              <a:shade val="50000"/>
+            </a:schemeClr>
+          </a:lnRef>
+          <a:fillRef idx="1">
+            <a:schemeClr val="accent1"/>
+          </a:fillRef>
+          <a:effectRef idx="0">
+            <a:schemeClr val="accent1"/>
+          </a:effectRef>
+          <a:fontRef idx="minor">
+            <a:schemeClr val="lt1"/>
+          </a:fontRef>
+        </p:style>
+        <p:txBody>
+          <a:bodyPr rtlCol="0" anchor="ctr"/>
+          <a:lstStyle/>
+          <a:p>
+            <a:pPr algn="ctr"/>
+            <a:endParaRPr lang="ko-KR" altLang="en-US"/>
+          </a:p>
+        </p:txBody>
+      </p:sp>
+      <p:cxnSp>
+        <p:nvCxnSpPr>
+          <p:cNvPr id="30" name="직선 화살표 연결선 29">
+            <a:extLst>
+              <a:ext uri="{FF2B5EF4-FFF2-40B4-BE49-F238E27FC236}">
+                <a16:creationId xmlns:a16="http://schemas.microsoft.com/office/drawing/2014/main" id="{F3A3BB98-2A57-422A-A51E-ADFE039BCFE3}"/>
+              </a:ext>
+            </a:extLst>
+          </p:cNvPr>
+          <p:cNvCxnSpPr>
+            <a:cxnSpLocks/>
+            <a:stCxn id="29" idx="1"/>
+          </p:cNvCxnSpPr>
+          <p:nvPr/>
+        </p:nvCxnSpPr>
+        <p:spPr>
+          <a:xfrm flipH="1" flipV="1">
+            <a:off x="3150475" y="2568244"/>
+            <a:ext cx="1022351" cy="1386887"/>
+          </a:xfrm>
+          <a:prstGeom prst="straightConnector1">
+            <a:avLst/>
+          </a:prstGeom>
+          <a:ln>
+            <a:solidFill>
+              <a:srgbClr val="FF0000"/>
+            </a:solidFill>
+            <a:tailEnd type="triangle"/>
+          </a:ln>
+        </p:spPr>
+        <p:style>
+          <a:lnRef idx="1">
+            <a:schemeClr val="accent1"/>
+          </a:lnRef>
+          <a:fillRef idx="0">
+            <a:schemeClr val="accent1"/>
+          </a:fillRef>
+          <a:effectRef idx="0">
+            <a:schemeClr val="accent1"/>
+          </a:effectRef>
+          <a:fontRef idx="minor">
+            <a:schemeClr val="tx1"/>
+          </a:fontRef>
+        </p:style>
+      </p:cxnSp>
+      <p:sp>
+        <p:nvSpPr>
+          <p:cNvPr id="33" name="직사각형 32">
+            <a:extLst>
+              <a:ext uri="{FF2B5EF4-FFF2-40B4-BE49-F238E27FC236}">
+                <a16:creationId xmlns:a16="http://schemas.microsoft.com/office/drawing/2014/main" id="{057FC058-A8B7-4379-B1E1-B52D01BC7BF5}"/>
+              </a:ext>
+            </a:extLst>
+          </p:cNvPr>
+          <p:cNvSpPr/>
+          <p:nvPr/>
+        </p:nvSpPr>
+        <p:spPr>
+          <a:xfrm>
+            <a:off x="1836297" y="2260467"/>
+            <a:ext cx="1232724" cy="307777"/>
+          </a:xfrm>
+          <a:prstGeom prst="rect">
+            <a:avLst/>
+          </a:prstGeom>
+        </p:spPr>
+        <p:txBody>
+          <a:bodyPr wrap="square">
+            <a:spAutoFit/>
+          </a:bodyPr>
+          <a:lstStyle/>
+          <a:p>
+            <a:r>
+              <a:rPr lang="en-US" altLang="ko-KR" sz="1400" dirty="0"/>
+              <a:t>- </a:t>
+            </a:r>
+            <a:r>
+              <a:rPr lang="en-US" altLang="ko-KR" sz="1400" dirty="0" err="1"/>
+              <a:t>MofasList</a:t>
+            </a:r>
+            <a:endParaRPr lang="ko-KR" altLang="en-US" sz="1400" dirty="0"/>
+          </a:p>
+        </p:txBody>
+      </p:sp>
+      <p:sp>
+        <p:nvSpPr>
+          <p:cNvPr id="35" name="직사각형 34">
+            <a:extLst>
+              <a:ext uri="{FF2B5EF4-FFF2-40B4-BE49-F238E27FC236}">
+                <a16:creationId xmlns:a16="http://schemas.microsoft.com/office/drawing/2014/main" id="{6B3420DB-E581-4FC2-B961-7DB98EA4A894}"/>
+              </a:ext>
+            </a:extLst>
+          </p:cNvPr>
+          <p:cNvSpPr/>
+          <p:nvPr/>
+        </p:nvSpPr>
+        <p:spPr>
+          <a:xfrm>
+            <a:off x="1836297" y="2799595"/>
+            <a:ext cx="1495482" cy="307777"/>
+          </a:xfrm>
+          <a:prstGeom prst="rect">
+            <a:avLst/>
+          </a:prstGeom>
+        </p:spPr>
+        <p:txBody>
+          <a:bodyPr wrap="square">
+            <a:spAutoFit/>
+          </a:bodyPr>
+          <a:lstStyle/>
+          <a:p>
+            <a:r>
+              <a:rPr lang="en-US" altLang="ko-KR" sz="1400" dirty="0"/>
+              <a:t>- </a:t>
+            </a:r>
+            <a:r>
+              <a:rPr lang="en-US" altLang="ko-KR" sz="1400" dirty="0" err="1"/>
+              <a:t>MofasSection</a:t>
+            </a:r>
+            <a:endParaRPr lang="ko-KR" altLang="en-US" sz="1400" dirty="0"/>
+          </a:p>
+        </p:txBody>
+      </p:sp>
+      <p:sp>
+        <p:nvSpPr>
+          <p:cNvPr id="37" name="직사각형 36">
+            <a:extLst>
+              <a:ext uri="{FF2B5EF4-FFF2-40B4-BE49-F238E27FC236}">
+                <a16:creationId xmlns:a16="http://schemas.microsoft.com/office/drawing/2014/main" id="{9A327B8C-33D6-4833-AD6F-0991393ADAB9}"/>
+              </a:ext>
+            </a:extLst>
+          </p:cNvPr>
+          <p:cNvSpPr/>
+          <p:nvPr/>
+        </p:nvSpPr>
+        <p:spPr>
+          <a:xfrm>
+            <a:off x="4072976" y="2438377"/>
+            <a:ext cx="6781453" cy="2530037"/>
+          </a:xfrm>
+          <a:prstGeom prst="rect">
+            <a:avLst/>
+          </a:prstGeom>
+          <a:noFill/>
+          <a:ln w="38100">
+            <a:solidFill>
+              <a:srgbClr val="FF0000"/>
+            </a:solidFill>
+          </a:ln>
+        </p:spPr>
+        <p:style>
+          <a:lnRef idx="2">
+            <a:schemeClr val="accent1">
+              <a:shade val="50000"/>
+            </a:schemeClr>
+          </a:lnRef>
+          <a:fillRef idx="1">
+            <a:schemeClr val="accent1"/>
+          </a:fillRef>
+          <a:effectRef idx="0">
+            <a:schemeClr val="accent1"/>
+          </a:effectRef>
+          <a:fontRef idx="minor">
+            <a:schemeClr val="lt1"/>
+          </a:fontRef>
+        </p:style>
+        <p:txBody>
+          <a:bodyPr rtlCol="0" anchor="ctr"/>
+          <a:lstStyle/>
+          <a:p>
+            <a:pPr algn="ctr"/>
+            <a:endParaRPr lang="ko-KR" altLang="en-US"/>
+          </a:p>
+        </p:txBody>
+      </p:sp>
+      <p:cxnSp>
+        <p:nvCxnSpPr>
+          <p:cNvPr id="38" name="직선 화살표 연결선 37">
+            <a:extLst>
+              <a:ext uri="{FF2B5EF4-FFF2-40B4-BE49-F238E27FC236}">
+                <a16:creationId xmlns:a16="http://schemas.microsoft.com/office/drawing/2014/main" id="{D10C4AAD-6FE2-49A2-BAE1-A6FF255E472A}"/>
+              </a:ext>
+            </a:extLst>
+          </p:cNvPr>
+          <p:cNvCxnSpPr>
+            <a:cxnSpLocks/>
+          </p:cNvCxnSpPr>
+          <p:nvPr/>
+        </p:nvCxnSpPr>
+        <p:spPr>
+          <a:xfrm flipH="1" flipV="1">
+            <a:off x="3203029" y="3062263"/>
+            <a:ext cx="869947" cy="1070779"/>
+          </a:xfrm>
+          <a:prstGeom prst="straightConnector1">
+            <a:avLst/>
+          </a:prstGeom>
+          <a:ln>
+            <a:solidFill>
+              <a:srgbClr val="FF0000"/>
+            </a:solidFill>
+            <a:tailEnd type="triangle"/>
+          </a:ln>
+        </p:spPr>
+        <p:style>
+          <a:lnRef idx="1">
+            <a:schemeClr val="accent1"/>
+          </a:lnRef>
+          <a:fillRef idx="0">
+            <a:schemeClr val="accent1"/>
+          </a:fillRef>
+          <a:effectRef idx="0">
+            <a:schemeClr val="accent1"/>
+          </a:effectRef>
+          <a:fontRef idx="minor">
+            <a:schemeClr val="tx1"/>
+          </a:fontRef>
+        </p:style>
+      </p:cxnSp>
+    </p:spTree>
+    <p:extLst>
+      <p:ext uri="{BB962C8B-B14F-4D97-AF65-F5344CB8AC3E}">
+        <p14:creationId xmlns:p14="http://schemas.microsoft.com/office/powerpoint/2010/main" val="2250626517"/>
+      </p:ext>
+    </p:extLst>
+  </p:cSld>
+  <p:clrMapOvr>
+    <a:masterClrMapping/>
+  </p:clrMapOvr>
+  <p:timing>
+    <p:tnLst>
+      <p:par>
+        <p:cTn id="1" dur="indefinite" restart="never" nodeType="tmRoot">
+          <p:childTnLst>
+            <p:seq concurrent="1" nextAc="seek">
+              <p:cTn id="2" dur="indefinite" nodeType="mainSeq">
+                <p:childTnLst>
+                  <p:par>
+                    <p:cTn id="3" fill="hold">
+                      <p:stCondLst>
+                        <p:cond delay="indefinite"/>
+                      </p:stCondLst>
+                      <p:childTnLst>
+                        <p:par>
+                          <p:cTn id="4" fill="hold">
+                            <p:stCondLst>
+                              <p:cond delay="0"/>
+                            </p:stCondLst>
+                            <p:childTnLst>
+                              <p:par>
+                                <p:cTn id="5" presetID="10" presetClass="entr" presetSubtype="0" fill="hold" nodeType="clickEffect">
+                                  <p:stCondLst>
+                                    <p:cond delay="0"/>
+                                  </p:stCondLst>
+                                  <p:childTnLst>
+                                    <p:set>
+                                      <p:cBhvr>
+                                        <p:cTn id="6" dur="1" fill="hold">
+                                          <p:stCondLst>
+                                            <p:cond delay="0"/>
+                                          </p:stCondLst>
+                                        </p:cTn>
+                                        <p:tgtEl>
+                                          <p:spTgt spid="23"/>
+                                        </p:tgtEl>
+                                        <p:attrNameLst>
+                                          <p:attrName>style.visibility</p:attrName>
+                                        </p:attrNameLst>
+                                      </p:cBhvr>
+                                      <p:to>
+                                        <p:strVal val="visible"/>
+                                      </p:to>
+                                    </p:set>
+                                    <p:animEffect transition="in" filter="fade">
+                                      <p:cBhvr>
+                                        <p:cTn id="7" dur="500"/>
+                                        <p:tgtEl>
+                                          <p:spTgt spid="23"/>
+                                        </p:tgtEl>
+                                      </p:cBhvr>
+                                    </p:animEffect>
+                                  </p:childTnLst>
+                                </p:cTn>
+                              </p:par>
+                            </p:childTnLst>
+                          </p:cTn>
+                        </p:par>
+                      </p:childTnLst>
+                    </p:cTn>
+                  </p:par>
+                  <p:par>
+                    <p:cTn id="8" fill="hold">
+                      <p:stCondLst>
+                        <p:cond delay="indefinite"/>
+                      </p:stCondLst>
+                      <p:childTnLst>
+                        <p:par>
+                          <p:cTn id="9" fill="hold">
+                            <p:stCondLst>
+                              <p:cond delay="0"/>
+                            </p:stCondLst>
+                            <p:childTnLst>
+                              <p:par>
+                                <p:cTn id="10" presetID="10" presetClass="entr" presetSubtype="0" fill="hold" grpId="0" nodeType="clickEffect">
+                                  <p:stCondLst>
+                                    <p:cond delay="0"/>
+                                  </p:stCondLst>
+                                  <p:childTnLst>
+                                    <p:set>
+                                      <p:cBhvr>
+                                        <p:cTn id="11" dur="1" fill="hold">
+                                          <p:stCondLst>
+                                            <p:cond delay="0"/>
+                                          </p:stCondLst>
+                                        </p:cTn>
+                                        <p:tgtEl>
+                                          <p:spTgt spid="5"/>
+                                        </p:tgtEl>
+                                        <p:attrNameLst>
+                                          <p:attrName>style.visibility</p:attrName>
+                                        </p:attrNameLst>
+                                      </p:cBhvr>
+                                      <p:to>
+                                        <p:strVal val="visible"/>
+                                      </p:to>
+                                    </p:set>
+                                    <p:animEffect transition="in" filter="fade">
+                                      <p:cBhvr>
+                                        <p:cTn id="12" dur="500"/>
+                                        <p:tgtEl>
+                                          <p:spTgt spid="5"/>
+                                        </p:tgtEl>
+                                      </p:cBhvr>
+                                    </p:animEffect>
+                                  </p:childTnLst>
+                                </p:cTn>
+                              </p:par>
+                              <p:par>
+                                <p:cTn id="13" presetID="10" presetClass="entr" presetSubtype="0" fill="hold" nodeType="withEffect">
+                                  <p:stCondLst>
+                                    <p:cond delay="0"/>
+                                  </p:stCondLst>
+                                  <p:childTnLst>
+                                    <p:set>
+                                      <p:cBhvr>
+                                        <p:cTn id="14" dur="1" fill="hold">
+                                          <p:stCondLst>
+                                            <p:cond delay="0"/>
+                                          </p:stCondLst>
+                                        </p:cTn>
+                                        <p:tgtEl>
+                                          <p:spTgt spid="16"/>
+                                        </p:tgtEl>
+                                        <p:attrNameLst>
+                                          <p:attrName>style.visibility</p:attrName>
+                                        </p:attrNameLst>
+                                      </p:cBhvr>
+                                      <p:to>
+                                        <p:strVal val="visible"/>
+                                      </p:to>
+                                    </p:set>
+                                    <p:animEffect transition="in" filter="fade">
+                                      <p:cBhvr>
+                                        <p:cTn id="15" dur="500"/>
+                                        <p:tgtEl>
+                                          <p:spTgt spid="16"/>
+                                        </p:tgtEl>
+                                      </p:cBhvr>
+                                    </p:animEffect>
+                                  </p:childTnLst>
+                                </p:cTn>
+                              </p:par>
+                              <p:par>
+                                <p:cTn id="16" presetID="10" presetClass="entr" presetSubtype="0" fill="hold" grpId="0" nodeType="withEffect">
+                                  <p:stCondLst>
+                                    <p:cond delay="0"/>
+                                  </p:stCondLst>
+                                  <p:childTnLst>
+                                    <p:set>
+                                      <p:cBhvr>
+                                        <p:cTn id="17" dur="1" fill="hold">
+                                          <p:stCondLst>
+                                            <p:cond delay="0"/>
+                                          </p:stCondLst>
+                                        </p:cTn>
+                                        <p:tgtEl>
+                                          <p:spTgt spid="27"/>
+                                        </p:tgtEl>
+                                        <p:attrNameLst>
+                                          <p:attrName>style.visibility</p:attrName>
+                                        </p:attrNameLst>
+                                      </p:cBhvr>
+                                      <p:to>
+                                        <p:strVal val="visible"/>
+                                      </p:to>
+                                    </p:set>
+                                    <p:animEffect transition="in" filter="fade">
+                                      <p:cBhvr>
+                                        <p:cTn id="18" dur="500"/>
+                                        <p:tgtEl>
+                                          <p:spTgt spid="27"/>
+                                        </p:tgtEl>
+                                      </p:cBhvr>
+                                    </p:animEffect>
+                                  </p:childTnLst>
+                                </p:cTn>
+                              </p:par>
+                            </p:childTnLst>
+                          </p:cTn>
+                        </p:par>
+                      </p:childTnLst>
+                    </p:cTn>
+                  </p:par>
+                  <p:par>
+                    <p:cTn id="19" fill="hold">
+                      <p:stCondLst>
+                        <p:cond delay="indefinite"/>
+                      </p:stCondLst>
+                      <p:childTnLst>
+                        <p:par>
+                          <p:cTn id="20" fill="hold">
+                            <p:stCondLst>
+                              <p:cond delay="0"/>
+                            </p:stCondLst>
+                            <p:childTnLst>
+                              <p:par>
+                                <p:cTn id="21" presetID="10" presetClass="exit" presetSubtype="0" fill="hold" grpId="1" nodeType="clickEffect">
+                                  <p:stCondLst>
+                                    <p:cond delay="0"/>
+                                  </p:stCondLst>
+                                  <p:childTnLst>
+                                    <p:animEffect transition="out" filter="fade">
+                                      <p:cBhvr>
+                                        <p:cTn id="22" dur="500"/>
+                                        <p:tgtEl>
+                                          <p:spTgt spid="5"/>
+                                        </p:tgtEl>
+                                      </p:cBhvr>
+                                    </p:animEffect>
+                                    <p:set>
+                                      <p:cBhvr>
+                                        <p:cTn id="23" dur="1" fill="hold">
+                                          <p:stCondLst>
+                                            <p:cond delay="499"/>
+                                          </p:stCondLst>
+                                        </p:cTn>
+                                        <p:tgtEl>
+                                          <p:spTgt spid="5"/>
+                                        </p:tgtEl>
+                                        <p:attrNameLst>
+                                          <p:attrName>style.visibility</p:attrName>
+                                        </p:attrNameLst>
+                                      </p:cBhvr>
+                                      <p:to>
+                                        <p:strVal val="hidden"/>
+                                      </p:to>
+                                    </p:set>
+                                  </p:childTnLst>
+                                </p:cTn>
+                              </p:par>
+                              <p:par>
+                                <p:cTn id="24" presetID="10" presetClass="exit" presetSubtype="0" fill="hold" nodeType="withEffect">
+                                  <p:stCondLst>
+                                    <p:cond delay="0"/>
+                                  </p:stCondLst>
+                                  <p:childTnLst>
+                                    <p:animEffect transition="out" filter="fade">
+                                      <p:cBhvr>
+                                        <p:cTn id="25" dur="500"/>
+                                        <p:tgtEl>
+                                          <p:spTgt spid="16"/>
+                                        </p:tgtEl>
+                                      </p:cBhvr>
+                                    </p:animEffect>
+                                    <p:set>
+                                      <p:cBhvr>
+                                        <p:cTn id="26" dur="1" fill="hold">
+                                          <p:stCondLst>
+                                            <p:cond delay="499"/>
+                                          </p:stCondLst>
+                                        </p:cTn>
+                                        <p:tgtEl>
+                                          <p:spTgt spid="16"/>
+                                        </p:tgtEl>
+                                        <p:attrNameLst>
+                                          <p:attrName>style.visibility</p:attrName>
+                                        </p:attrNameLst>
+                                      </p:cBhvr>
+                                      <p:to>
+                                        <p:strVal val="hidden"/>
+                                      </p:to>
+                                    </p:set>
+                                  </p:childTnLst>
+                                </p:cTn>
+                              </p:par>
+                            </p:childTnLst>
+                          </p:cTn>
+                        </p:par>
+                      </p:childTnLst>
+                    </p:cTn>
+                  </p:par>
+                  <p:par>
+                    <p:cTn id="27" fill="hold">
+                      <p:stCondLst>
+                        <p:cond delay="indefinite"/>
+                      </p:stCondLst>
+                      <p:childTnLst>
+                        <p:par>
+                          <p:cTn id="28" fill="hold">
+                            <p:stCondLst>
+                              <p:cond delay="0"/>
+                            </p:stCondLst>
+                            <p:childTnLst>
+                              <p:par>
+                                <p:cTn id="29" presetID="10" presetClass="entr" presetSubtype="0" fill="hold" grpId="0" nodeType="clickEffect">
+                                  <p:stCondLst>
+                                    <p:cond delay="0"/>
+                                  </p:stCondLst>
+                                  <p:childTnLst>
+                                    <p:set>
+                                      <p:cBhvr>
+                                        <p:cTn id="30" dur="1" fill="hold">
+                                          <p:stCondLst>
+                                            <p:cond delay="0"/>
+                                          </p:stCondLst>
+                                        </p:cTn>
+                                        <p:tgtEl>
+                                          <p:spTgt spid="29"/>
+                                        </p:tgtEl>
+                                        <p:attrNameLst>
+                                          <p:attrName>style.visibility</p:attrName>
+                                        </p:attrNameLst>
+                                      </p:cBhvr>
+                                      <p:to>
+                                        <p:strVal val="visible"/>
+                                      </p:to>
+                                    </p:set>
+                                    <p:animEffect transition="in" filter="fade">
+                                      <p:cBhvr>
+                                        <p:cTn id="31" dur="500"/>
+                                        <p:tgtEl>
+                                          <p:spTgt spid="29"/>
+                                        </p:tgtEl>
+                                      </p:cBhvr>
+                                    </p:animEffect>
+                                  </p:childTnLst>
+                                </p:cTn>
+                              </p:par>
+                              <p:par>
+                                <p:cTn id="32" presetID="10" presetClass="entr" presetSubtype="0" fill="hold" nodeType="withEffect">
+                                  <p:stCondLst>
+                                    <p:cond delay="0"/>
+                                  </p:stCondLst>
+                                  <p:childTnLst>
+                                    <p:set>
+                                      <p:cBhvr>
+                                        <p:cTn id="33" dur="1" fill="hold">
+                                          <p:stCondLst>
+                                            <p:cond delay="0"/>
+                                          </p:stCondLst>
+                                        </p:cTn>
+                                        <p:tgtEl>
+                                          <p:spTgt spid="30"/>
+                                        </p:tgtEl>
+                                        <p:attrNameLst>
+                                          <p:attrName>style.visibility</p:attrName>
+                                        </p:attrNameLst>
+                                      </p:cBhvr>
+                                      <p:to>
+                                        <p:strVal val="visible"/>
+                                      </p:to>
+                                    </p:set>
+                                    <p:animEffect transition="in" filter="fade">
+                                      <p:cBhvr>
+                                        <p:cTn id="34" dur="500"/>
+                                        <p:tgtEl>
+                                          <p:spTgt spid="30"/>
+                                        </p:tgtEl>
+                                      </p:cBhvr>
+                                    </p:animEffect>
+                                  </p:childTnLst>
+                                </p:cTn>
+                              </p:par>
+                              <p:par>
+                                <p:cTn id="35" presetID="10" presetClass="entr" presetSubtype="0" fill="hold" grpId="0" nodeType="withEffect">
+                                  <p:stCondLst>
+                                    <p:cond delay="0"/>
+                                  </p:stCondLst>
+                                  <p:childTnLst>
+                                    <p:set>
+                                      <p:cBhvr>
+                                        <p:cTn id="36" dur="1" fill="hold">
+                                          <p:stCondLst>
+                                            <p:cond delay="0"/>
+                                          </p:stCondLst>
+                                        </p:cTn>
+                                        <p:tgtEl>
+                                          <p:spTgt spid="33"/>
+                                        </p:tgtEl>
+                                        <p:attrNameLst>
+                                          <p:attrName>style.visibility</p:attrName>
+                                        </p:attrNameLst>
+                                      </p:cBhvr>
+                                      <p:to>
+                                        <p:strVal val="visible"/>
+                                      </p:to>
+                                    </p:set>
+                                    <p:animEffect transition="in" filter="fade">
+                                      <p:cBhvr>
+                                        <p:cTn id="37" dur="500"/>
+                                        <p:tgtEl>
+                                          <p:spTgt spid="33"/>
+                                        </p:tgtEl>
+                                      </p:cBhvr>
+                                    </p:animEffect>
+                                  </p:childTnLst>
+                                </p:cTn>
+                              </p:par>
+                            </p:childTnLst>
+                          </p:cTn>
+                        </p:par>
+                      </p:childTnLst>
+                    </p:cTn>
+                  </p:par>
+                  <p:par>
+                    <p:cTn id="38" fill="hold">
+                      <p:stCondLst>
+                        <p:cond delay="indefinite"/>
+                      </p:stCondLst>
+                      <p:childTnLst>
+                        <p:par>
+                          <p:cTn id="39" fill="hold">
+                            <p:stCondLst>
+                              <p:cond delay="0"/>
+                            </p:stCondLst>
+                            <p:childTnLst>
+                              <p:par>
+                                <p:cTn id="40" presetID="10" presetClass="exit" presetSubtype="0" fill="hold" grpId="1" nodeType="clickEffect">
+                                  <p:stCondLst>
+                                    <p:cond delay="0"/>
+                                  </p:stCondLst>
+                                  <p:childTnLst>
+                                    <p:animEffect transition="out" filter="fade">
+                                      <p:cBhvr>
+                                        <p:cTn id="41" dur="500"/>
+                                        <p:tgtEl>
+                                          <p:spTgt spid="29"/>
+                                        </p:tgtEl>
+                                      </p:cBhvr>
+                                    </p:animEffect>
+                                    <p:set>
+                                      <p:cBhvr>
+                                        <p:cTn id="42" dur="1" fill="hold">
+                                          <p:stCondLst>
+                                            <p:cond delay="499"/>
+                                          </p:stCondLst>
+                                        </p:cTn>
+                                        <p:tgtEl>
+                                          <p:spTgt spid="29"/>
+                                        </p:tgtEl>
+                                        <p:attrNameLst>
+                                          <p:attrName>style.visibility</p:attrName>
+                                        </p:attrNameLst>
+                                      </p:cBhvr>
+                                      <p:to>
+                                        <p:strVal val="hidden"/>
+                                      </p:to>
+                                    </p:set>
+                                  </p:childTnLst>
+                                </p:cTn>
+                              </p:par>
+                              <p:par>
+                                <p:cTn id="43" presetID="10" presetClass="exit" presetSubtype="0" fill="hold" nodeType="withEffect">
+                                  <p:stCondLst>
+                                    <p:cond delay="0"/>
+                                  </p:stCondLst>
+                                  <p:childTnLst>
+                                    <p:animEffect transition="out" filter="fade">
+                                      <p:cBhvr>
+                                        <p:cTn id="44" dur="500"/>
+                                        <p:tgtEl>
+                                          <p:spTgt spid="30"/>
+                                        </p:tgtEl>
+                                      </p:cBhvr>
+                                    </p:animEffect>
+                                    <p:set>
+                                      <p:cBhvr>
+                                        <p:cTn id="45" dur="1" fill="hold">
+                                          <p:stCondLst>
+                                            <p:cond delay="499"/>
+                                          </p:stCondLst>
+                                        </p:cTn>
+                                        <p:tgtEl>
+                                          <p:spTgt spid="30"/>
+                                        </p:tgtEl>
+                                        <p:attrNameLst>
+                                          <p:attrName>style.visibility</p:attrName>
+                                        </p:attrNameLst>
+                                      </p:cBhvr>
+                                      <p:to>
+                                        <p:strVal val="hidden"/>
+                                      </p:to>
+                                    </p:set>
+                                  </p:childTnLst>
+                                </p:cTn>
+                              </p:par>
+                            </p:childTnLst>
+                          </p:cTn>
+                        </p:par>
+                      </p:childTnLst>
+                    </p:cTn>
+                  </p:par>
+                  <p:par>
+                    <p:cTn id="46" fill="hold">
+                      <p:stCondLst>
+                        <p:cond delay="indefinite"/>
+                      </p:stCondLst>
+                      <p:childTnLst>
+                        <p:par>
+                          <p:cTn id="47" fill="hold">
+                            <p:stCondLst>
+                              <p:cond delay="0"/>
+                            </p:stCondLst>
+                            <p:childTnLst>
+                              <p:par>
+                                <p:cTn id="48" presetID="10" presetClass="exit" presetSubtype="0" fill="hold" nodeType="clickEffect">
+                                  <p:stCondLst>
+                                    <p:cond delay="0"/>
+                                  </p:stCondLst>
+                                  <p:childTnLst>
+                                    <p:animEffect transition="out" filter="fade">
+                                      <p:cBhvr>
+                                        <p:cTn id="49" dur="500"/>
+                                        <p:tgtEl>
+                                          <p:spTgt spid="38"/>
+                                        </p:tgtEl>
+                                      </p:cBhvr>
+                                    </p:animEffect>
+                                    <p:set>
+                                      <p:cBhvr>
+                                        <p:cTn id="50" dur="1" fill="hold">
+                                          <p:stCondLst>
+                                            <p:cond delay="499"/>
+                                          </p:stCondLst>
+                                        </p:cTn>
+                                        <p:tgtEl>
+                                          <p:spTgt spid="38"/>
+                                        </p:tgtEl>
+                                        <p:attrNameLst>
+                                          <p:attrName>style.visibility</p:attrName>
+                                        </p:attrNameLst>
+                                      </p:cBhvr>
+                                      <p:to>
+                                        <p:strVal val="hidden"/>
+                                      </p:to>
+                                    </p:set>
+                                  </p:childTnLst>
+                                </p:cTn>
+                              </p:par>
+                              <p:par>
+                                <p:cTn id="51" presetID="10" presetClass="exit" presetSubtype="0" fill="hold" grpId="0" nodeType="withEffect">
+                                  <p:stCondLst>
+                                    <p:cond delay="0"/>
+                                  </p:stCondLst>
+                                  <p:childTnLst>
+                                    <p:animEffect transition="out" filter="fade">
+                                      <p:cBhvr>
+                                        <p:cTn id="52" dur="500"/>
+                                        <p:tgtEl>
+                                          <p:spTgt spid="37"/>
+                                        </p:tgtEl>
+                                      </p:cBhvr>
+                                    </p:animEffect>
+                                    <p:set>
+                                      <p:cBhvr>
+                                        <p:cTn id="53" dur="1" fill="hold">
+                                          <p:stCondLst>
+                                            <p:cond delay="499"/>
+                                          </p:stCondLst>
+                                        </p:cTn>
+                                        <p:tgtEl>
+                                          <p:spTgt spid="37"/>
+                                        </p:tgtEl>
+                                        <p:attrNameLst>
+                                          <p:attrName>style.visibility</p:attrName>
+                                        </p:attrNameLst>
+                                      </p:cBhvr>
+                                      <p:to>
+                                        <p:strVal val="hidden"/>
+                                      </p:to>
+                                    </p:set>
+                                  </p:childTnLst>
+                                </p:cTn>
+                              </p:par>
+                              <p:par>
+                                <p:cTn id="54" presetID="10" presetClass="entr" presetSubtype="0" fill="hold" grpId="0" nodeType="withEffect">
+                                  <p:stCondLst>
+                                    <p:cond delay="0"/>
+                                  </p:stCondLst>
+                                  <p:childTnLst>
+                                    <p:set>
+                                      <p:cBhvr>
+                                        <p:cTn id="55" dur="1" fill="hold">
+                                          <p:stCondLst>
+                                            <p:cond delay="0"/>
+                                          </p:stCondLst>
+                                        </p:cTn>
+                                        <p:tgtEl>
+                                          <p:spTgt spid="35"/>
+                                        </p:tgtEl>
+                                        <p:attrNameLst>
+                                          <p:attrName>style.visibility</p:attrName>
+                                        </p:attrNameLst>
+                                      </p:cBhvr>
+                                      <p:to>
+                                        <p:strVal val="visible"/>
+                                      </p:to>
+                                    </p:set>
+                                    <p:animEffect transition="in" filter="fade">
+                                      <p:cBhvr>
+                                        <p:cTn id="56" dur="500"/>
+                                        <p:tgtEl>
+                                          <p:spTgt spid="35"/>
+                                        </p:tgtEl>
+                                      </p:cBhvr>
+                                    </p:animEffect>
+                                  </p:childTnLst>
+                                </p:cTn>
+                              </p:par>
+                            </p:childTnLst>
+                          </p:cTn>
+                        </p:par>
+                      </p:childTnLst>
+                    </p:cTn>
+                  </p:par>
+                  <p:par>
+                    <p:cTn id="57" fill="hold">
+                      <p:stCondLst>
+                        <p:cond delay="indefinite"/>
+                      </p:stCondLst>
+                      <p:childTnLst>
+                        <p:par>
+                          <p:cTn id="58" fill="hold">
+                            <p:stCondLst>
+                              <p:cond delay="0"/>
+                            </p:stCondLst>
+                            <p:childTnLst>
+                              <p:par>
+                                <p:cTn id="59" presetID="10" presetClass="entr" presetSubtype="0" fill="hold" grpId="0" nodeType="clickEffect">
+                                  <p:stCondLst>
+                                    <p:cond delay="0"/>
+                                  </p:stCondLst>
+                                  <p:childTnLst>
+                                    <p:set>
+                                      <p:cBhvr>
+                                        <p:cTn id="60" dur="1" fill="hold">
+                                          <p:stCondLst>
+                                            <p:cond delay="0"/>
+                                          </p:stCondLst>
+                                        </p:cTn>
+                                        <p:tgtEl>
+                                          <p:spTgt spid="6"/>
+                                        </p:tgtEl>
+                                        <p:attrNameLst>
+                                          <p:attrName>style.visibility</p:attrName>
+                                        </p:attrNameLst>
+                                      </p:cBhvr>
+                                      <p:to>
+                                        <p:strVal val="visible"/>
+                                      </p:to>
+                                    </p:set>
+                                    <p:animEffect transition="in" filter="fade">
+                                      <p:cBhvr>
+                                        <p:cTn id="61" dur="500"/>
+                                        <p:tgtEl>
+                                          <p:spTgt spid="6"/>
+                                        </p:tgtEl>
+                                      </p:cBhvr>
+                                    </p:animEffect>
+                                  </p:childTnLst>
+                                </p:cTn>
+                              </p:par>
+                            </p:childTnLst>
+                          </p:cTn>
+                        </p:par>
+                      </p:childTnLst>
+                    </p:cTn>
+                  </p:par>
+                </p:childTnLst>
+              </p:cTn>
+              <p:prevCondLst>
+                <p:cond evt="onPrev" delay="0">
+                  <p:tgtEl>
+                    <p:sldTgt/>
+                  </p:tgtEl>
+                </p:cond>
+              </p:prevCondLst>
+              <p:nextCondLst>
+                <p:cond evt="onNext" delay="0">
+                  <p:tgtEl>
+                    <p:sldTgt/>
+                  </p:tgtEl>
+                </p:cond>
+              </p:nextCondLst>
+            </p:seq>
+          </p:childTnLst>
+        </p:cTn>
+      </p:par>
+    </p:tnLst>
+    <p:bldLst>
+      <p:bldP spid="6" grpId="0"/>
+      <p:bldP spid="5" grpId="0" animBg="1"/>
+      <p:bldP spid="5" grpId="1" animBg="1"/>
+      <p:bldP spid="27" grpId="0"/>
+      <p:bldP spid="29" grpId="0" animBg="1"/>
+      <p:bldP spid="29" grpId="1" animBg="1"/>
+      <p:bldP spid="33" grpId="0"/>
+      <p:bldP spid="35" grpId="0"/>
+      <p:bldP spid="37" grpId="0" animBg="1"/>
+    </p:bldLst>
+  </p:timing>
+</p:sld>
+</file>
+
+<file path=ppt/slides/slide13.xml><?xml version="1.0" encoding="utf-8"?>
+<p:sld xmlns:a="http://schemas.openxmlformats.org/drawingml/2006/main" xmlns:r="http://schemas.openxmlformats.org/officeDocument/2006/relationships" xmlns:p="http://schemas.openxmlformats.org/presentationml/2006/main">
+  <p:cSld>
+    <p:spTree>
+      <p:nvGrpSpPr>
+        <p:cNvPr id="1" name=""/>
+        <p:cNvGrpSpPr/>
+        <p:nvPr/>
+      </p:nvGrpSpPr>
+      <p:grpSpPr>
+        <a:xfrm>
+          <a:off x="0" y="0"/>
+          <a:ext cx="0" cy="0"/>
+          <a:chOff x="0" y="0"/>
+          <a:chExt cx="0" cy="0"/>
+        </a:xfrm>
+      </p:grpSpPr>
+      <p:sp>
+        <p:nvSpPr>
+          <p:cNvPr id="10" name="직사각형 9">
+            <a:extLst>
+              <a:ext uri="{FF2B5EF4-FFF2-40B4-BE49-F238E27FC236}">
+                <a16:creationId xmlns:a16="http://schemas.microsoft.com/office/drawing/2014/main" id="{72422AE4-B2BC-47F4-A55A-7923EBDB55ED}"/>
+              </a:ext>
+            </a:extLst>
+          </p:cNvPr>
+          <p:cNvSpPr/>
+          <p:nvPr/>
+        </p:nvSpPr>
+        <p:spPr>
+          <a:xfrm>
+            <a:off x="1586143" y="1020932"/>
+            <a:ext cx="9268287" cy="45719"/>
+          </a:xfrm>
+          <a:prstGeom prst="rect">
+            <a:avLst/>
+          </a:prstGeom>
+        </p:spPr>
+        <p:style>
+          <a:lnRef idx="2">
+            <a:schemeClr val="accent1">
+              <a:shade val="50000"/>
+            </a:schemeClr>
+          </a:lnRef>
+          <a:fillRef idx="1">
+            <a:schemeClr val="accent1"/>
+          </a:fillRef>
+          <a:effectRef idx="0">
+            <a:schemeClr val="accent1"/>
+          </a:effectRef>
+          <a:fontRef idx="minor">
+            <a:schemeClr val="lt1"/>
+          </a:fontRef>
+        </p:style>
+        <p:txBody>
+          <a:bodyPr rtlCol="0" anchor="ctr"/>
+          <a:lstStyle/>
+          <a:p>
+            <a:pPr algn="ctr"/>
+            <a:endParaRPr lang="ko-KR" altLang="en-US"/>
+          </a:p>
+        </p:txBody>
+      </p:sp>
+      <p:sp>
+        <p:nvSpPr>
+          <p:cNvPr id="11" name="직사각형 10">
+            <a:extLst>
+              <a:ext uri="{FF2B5EF4-FFF2-40B4-BE49-F238E27FC236}">
+                <a16:creationId xmlns:a16="http://schemas.microsoft.com/office/drawing/2014/main" id="{88C624B5-9431-4451-97AF-3F26F9D86089}"/>
+              </a:ext>
+            </a:extLst>
+          </p:cNvPr>
+          <p:cNvSpPr/>
+          <p:nvPr/>
+        </p:nvSpPr>
+        <p:spPr>
+          <a:xfrm flipV="1">
+            <a:off x="1586143" y="6174982"/>
+            <a:ext cx="9268287" cy="45719"/>
+          </a:xfrm>
+          <a:prstGeom prst="rect">
+            <a:avLst/>
+          </a:prstGeom>
+        </p:spPr>
+        <p:style>
+          <a:lnRef idx="2">
+            <a:schemeClr val="accent1">
+              <a:shade val="50000"/>
+            </a:schemeClr>
+          </a:lnRef>
+          <a:fillRef idx="1">
+            <a:schemeClr val="accent1"/>
+          </a:fillRef>
+          <a:effectRef idx="0">
+            <a:schemeClr val="accent1"/>
+          </a:effectRef>
+          <a:fontRef idx="minor">
+            <a:schemeClr val="lt1"/>
+          </a:fontRef>
+        </p:style>
+        <p:txBody>
+          <a:bodyPr rtlCol="0" anchor="ctr"/>
+          <a:lstStyle/>
+          <a:p>
+            <a:pPr algn="ctr"/>
+            <a:endParaRPr lang="ko-KR" altLang="en-US"/>
+          </a:p>
+        </p:txBody>
+      </p:sp>
+      <p:sp>
+        <p:nvSpPr>
+          <p:cNvPr id="9" name="TextBox 8">
+            <a:extLst>
+              <a:ext uri="{FF2B5EF4-FFF2-40B4-BE49-F238E27FC236}">
+                <a16:creationId xmlns:a16="http://schemas.microsoft.com/office/drawing/2014/main" id="{892C5DDA-40EE-4B50-9C05-6AFC7089F348}"/>
+              </a:ext>
+            </a:extLst>
+          </p:cNvPr>
+          <p:cNvSpPr txBox="1"/>
+          <p:nvPr/>
+        </p:nvSpPr>
+        <p:spPr>
+          <a:xfrm>
+            <a:off x="1704513" y="620822"/>
+            <a:ext cx="4455579" cy="400110"/>
+          </a:xfrm>
+          <a:prstGeom prst="rect">
+            <a:avLst/>
+          </a:prstGeom>
+          <a:noFill/>
+        </p:spPr>
+        <p:txBody>
+          <a:bodyPr wrap="none" rtlCol="0">
+            <a:spAutoFit/>
+          </a:bodyPr>
+          <a:lstStyle/>
+          <a:p>
+            <a:r>
+              <a:rPr lang="en-US" altLang="ko-KR" sz="2000" dirty="0"/>
+              <a:t>React </a:t>
+            </a:r>
+            <a:r>
+              <a:rPr lang="ko-KR" altLang="en-US" sz="2000" dirty="0"/>
+              <a:t>특징 </a:t>
+            </a:r>
+            <a:r>
+              <a:rPr lang="en-US" altLang="ko-KR" sz="2000" dirty="0"/>
+              <a:t>– 4. Component lifecycle</a:t>
+            </a:r>
+          </a:p>
+        </p:txBody>
+      </p:sp>
+      <p:sp>
+        <p:nvSpPr>
+          <p:cNvPr id="17" name="직사각형 16">
+            <a:extLst>
+              <a:ext uri="{FF2B5EF4-FFF2-40B4-BE49-F238E27FC236}">
+                <a16:creationId xmlns:a16="http://schemas.microsoft.com/office/drawing/2014/main" id="{395B9EA9-B720-4A0D-947F-518235EDDB20}"/>
+              </a:ext>
+            </a:extLst>
+          </p:cNvPr>
+          <p:cNvSpPr/>
+          <p:nvPr/>
+        </p:nvSpPr>
+        <p:spPr>
+          <a:xfrm>
+            <a:off x="2848800" y="1446087"/>
+            <a:ext cx="6622583" cy="400110"/>
+          </a:xfrm>
+          <a:prstGeom prst="rect">
+            <a:avLst/>
+          </a:prstGeom>
+        </p:spPr>
+        <p:txBody>
+          <a:bodyPr wrap="none">
+            <a:spAutoFit/>
+          </a:bodyPr>
+          <a:lstStyle/>
+          <a:p>
+            <a:pPr algn="ctr"/>
+            <a:r>
+              <a:rPr lang="ko-KR" altLang="en-US" sz="2000" dirty="0"/>
+              <a:t>컴포넌트의 렌더링에는 총 </a:t>
+            </a:r>
+            <a:r>
+              <a:rPr lang="en-US" altLang="ko-KR" sz="2000" dirty="0"/>
+              <a:t>3</a:t>
+            </a:r>
+            <a:r>
+              <a:rPr lang="ko-KR" altLang="en-US" sz="2000" dirty="0"/>
+              <a:t>가지의 </a:t>
+            </a:r>
+            <a:r>
+              <a:rPr lang="en-US" altLang="ko-KR" sz="2000" dirty="0"/>
+              <a:t>Lifecycle</a:t>
+            </a:r>
+            <a:r>
+              <a:rPr lang="ko-KR" altLang="en-US" sz="2000" dirty="0"/>
+              <a:t>이 존재한다</a:t>
+            </a:r>
+            <a:r>
+              <a:rPr lang="en-US" altLang="ko-KR" sz="2000" dirty="0"/>
+              <a:t>.</a:t>
+            </a:r>
+            <a:endParaRPr lang="ko-KR" altLang="en-US" sz="2000" dirty="0"/>
+          </a:p>
+        </p:txBody>
+      </p:sp>
+      <p:graphicFrame>
+        <p:nvGraphicFramePr>
+          <p:cNvPr id="13" name="표 12">
+            <a:extLst>
+              <a:ext uri="{FF2B5EF4-FFF2-40B4-BE49-F238E27FC236}">
+                <a16:creationId xmlns:a16="http://schemas.microsoft.com/office/drawing/2014/main" id="{A1EAD625-C9B7-41D3-9280-8DFBE5C04357}"/>
+              </a:ext>
+            </a:extLst>
+          </p:cNvPr>
+          <p:cNvGraphicFramePr>
+            <a:graphicFrameLocks noGrp="1"/>
+          </p:cNvGraphicFramePr>
+          <p:nvPr>
+            <p:extLst>
+              <p:ext uri="{D42A27DB-BD31-4B8C-83A1-F6EECF244321}">
+                <p14:modId xmlns:p14="http://schemas.microsoft.com/office/powerpoint/2010/main" val="3802824460"/>
+              </p:ext>
+            </p:extLst>
+          </p:nvPr>
+        </p:nvGraphicFramePr>
+        <p:xfrm>
+          <a:off x="1835206" y="1999089"/>
+          <a:ext cx="8160132" cy="1349694"/>
+        </p:xfrm>
+        <a:graphic>
+          <a:graphicData uri="http://schemas.openxmlformats.org/drawingml/2006/table">
+            <a:tbl>
+              <a:tblPr firstCol="1" bandCol="1">
+                <a:tableStyleId>{5C22544A-7EE6-4342-B048-85BDC9FD1C3A}</a:tableStyleId>
+              </a:tblPr>
+              <a:tblGrid>
+                <a:gridCol w="2868808">
+                  <a:extLst>
+                    <a:ext uri="{9D8B030D-6E8A-4147-A177-3AD203B41FA5}">
+                      <a16:colId xmlns:a16="http://schemas.microsoft.com/office/drawing/2014/main" val="3533759266"/>
+                    </a:ext>
+                  </a:extLst>
+                </a:gridCol>
+                <a:gridCol w="5291324">
+                  <a:extLst>
+                    <a:ext uri="{9D8B030D-6E8A-4147-A177-3AD203B41FA5}">
+                      <a16:colId xmlns:a16="http://schemas.microsoft.com/office/drawing/2014/main" val="4280693989"/>
+                    </a:ext>
+                  </a:extLst>
+                </a:gridCol>
+              </a:tblGrid>
+              <a:tr h="423246">
+                <a:tc>
+                  <a:txBody>
+                    <a:bodyPr/>
+                    <a:lstStyle/>
+                    <a:p>
+                      <a:pPr marL="0" marR="0" lvl="0" indent="0" algn="l" defTabSz="914400" rtl="0" eaLnBrk="1" fontAlgn="auto" latinLnBrk="1" hangingPunct="1">
+                        <a:lnSpc>
+                          <a:spcPct val="150000"/>
+                        </a:lnSpc>
+                        <a:spcBef>
+                          <a:spcPts val="0"/>
+                        </a:spcBef>
+                        <a:spcAft>
+                          <a:spcPts val="0"/>
+                        </a:spcAft>
+                        <a:buClrTx/>
+                        <a:buSzTx/>
+                        <a:buFontTx/>
+                        <a:buNone/>
+                        <a:tabLst/>
+                        <a:defRPr/>
+                      </a:pPr>
+                      <a:r>
+                        <a:rPr lang="en-US" altLang="ko-KR" dirty="0" err="1">
+                          <a:solidFill>
+                            <a:schemeClr val="bg1"/>
+                          </a:solidFill>
+                        </a:rPr>
+                        <a:t>componentWillMount</a:t>
+                      </a:r>
+                      <a:r>
+                        <a:rPr lang="en-US" altLang="ko-KR" dirty="0">
+                          <a:solidFill>
+                            <a:schemeClr val="bg1"/>
+                          </a:solidFill>
+                        </a:rPr>
+                        <a:t>()</a:t>
+                      </a:r>
+                      <a:endParaRPr lang="ko-KR" altLang="en-US" dirty="0">
+                        <a:solidFill>
+                          <a:schemeClr val="bg1"/>
+                        </a:solidFill>
+                      </a:endParaRPr>
+                    </a:p>
+                  </a:txBody>
+                  <a:tcPr/>
+                </a:tc>
+                <a:tc>
+                  <a:txBody>
+                    <a:bodyPr/>
+                    <a:lstStyle/>
+                    <a:p>
+                      <a:pPr latinLnBrk="1">
+                        <a:lnSpc>
+                          <a:spcPct val="150000"/>
+                        </a:lnSpc>
+                      </a:pPr>
+                      <a:r>
+                        <a:rPr lang="ko-KR" altLang="en-US" sz="1600" dirty="0"/>
+                        <a:t>사이클의 시작</a:t>
+                      </a:r>
+                      <a:r>
+                        <a:rPr lang="en-US" altLang="ko-KR" sz="1600" dirty="0"/>
+                        <a:t>. </a:t>
+                      </a:r>
+                      <a:r>
+                        <a:rPr lang="ko-KR" altLang="en-US" sz="1600" dirty="0"/>
+                        <a:t>컴포넌트가 존재하기 전에 호출</a:t>
+                      </a:r>
+                      <a:r>
+                        <a:rPr lang="en-US" altLang="ko-KR" sz="1600" dirty="0"/>
+                        <a:t>.</a:t>
+                      </a:r>
+                      <a:endParaRPr lang="ko-KR" altLang="en-US" sz="1600" dirty="0"/>
+                    </a:p>
+                  </a:txBody>
+                  <a:tcPr/>
+                </a:tc>
+                <a:extLst>
+                  <a:ext uri="{0D108BD9-81ED-4DB2-BD59-A6C34878D82A}">
+                    <a16:rowId xmlns:a16="http://schemas.microsoft.com/office/drawing/2014/main" val="810114707"/>
+                  </a:ext>
+                </a:extLst>
+              </a:tr>
+              <a:tr h="423246">
+                <a:tc>
+                  <a:txBody>
+                    <a:bodyPr/>
+                    <a:lstStyle/>
+                    <a:p>
+                      <a:pPr latinLnBrk="1">
+                        <a:lnSpc>
+                          <a:spcPct val="150000"/>
+                        </a:lnSpc>
+                      </a:pPr>
+                      <a:r>
+                        <a:rPr lang="en-US" altLang="ko-KR" dirty="0">
+                          <a:solidFill>
+                            <a:schemeClr val="bg1"/>
+                          </a:solidFill>
+                          <a:latin typeface="+mj-ea"/>
+                        </a:rPr>
+                        <a:t>render()</a:t>
+                      </a:r>
+                      <a:endParaRPr lang="ko-KR" altLang="en-US" dirty="0">
+                        <a:solidFill>
+                          <a:schemeClr val="bg1"/>
+                        </a:solidFill>
+                      </a:endParaRPr>
+                    </a:p>
+                  </a:txBody>
+                  <a:tcPr/>
+                </a:tc>
+                <a:tc>
+                  <a:txBody>
+                    <a:bodyPr/>
+                    <a:lstStyle/>
+                    <a:p>
+                      <a:pPr latinLnBrk="1">
+                        <a:lnSpc>
+                          <a:spcPct val="150000"/>
+                        </a:lnSpc>
+                      </a:pPr>
+                      <a:r>
+                        <a:rPr lang="ko-KR" altLang="en-US" sz="1600" dirty="0">
+                          <a:solidFill>
+                            <a:srgbClr val="333333"/>
+                          </a:solidFill>
+                          <a:latin typeface="+mj-ea"/>
+                        </a:rPr>
+                        <a:t>컴포넌트를 렌더링</a:t>
+                      </a:r>
+                      <a:r>
+                        <a:rPr lang="en-US" altLang="ko-KR" sz="1600" dirty="0">
+                          <a:solidFill>
+                            <a:srgbClr val="333333"/>
+                          </a:solidFill>
+                          <a:latin typeface="+mj-ea"/>
+                        </a:rPr>
+                        <a:t>.</a:t>
+                      </a:r>
+                      <a:endParaRPr lang="ko-KR" altLang="en-US" sz="1600" dirty="0"/>
+                    </a:p>
+                  </a:txBody>
+                  <a:tcPr/>
+                </a:tc>
+                <a:extLst>
+                  <a:ext uri="{0D108BD9-81ED-4DB2-BD59-A6C34878D82A}">
+                    <a16:rowId xmlns:a16="http://schemas.microsoft.com/office/drawing/2014/main" val="2736712785"/>
+                  </a:ext>
+                </a:extLst>
+              </a:tr>
+              <a:tr h="423246">
+                <a:tc>
+                  <a:txBody>
+                    <a:bodyPr/>
+                    <a:lstStyle/>
+                    <a:p>
+                      <a:pPr marL="0" marR="0" lvl="0" indent="0" algn="l" defTabSz="914400" rtl="0" eaLnBrk="1" fontAlgn="auto" latinLnBrk="1" hangingPunct="1">
+                        <a:lnSpc>
+                          <a:spcPct val="150000"/>
+                        </a:lnSpc>
+                        <a:spcBef>
+                          <a:spcPts val="0"/>
+                        </a:spcBef>
+                        <a:spcAft>
+                          <a:spcPts val="0"/>
+                        </a:spcAft>
+                        <a:buClrTx/>
+                        <a:buSzTx/>
+                        <a:buFontTx/>
+                        <a:buNone/>
+                        <a:tabLst/>
+                        <a:defRPr/>
+                      </a:pPr>
+                      <a:r>
+                        <a:rPr lang="en-US" altLang="ko-KR" dirty="0" err="1">
+                          <a:solidFill>
+                            <a:schemeClr val="bg1"/>
+                          </a:solidFill>
+                          <a:latin typeface="+mj-ea"/>
+                        </a:rPr>
+                        <a:t>componentDidMount</a:t>
+                      </a:r>
+                      <a:r>
+                        <a:rPr lang="en-US" altLang="ko-KR" dirty="0">
+                          <a:solidFill>
+                            <a:schemeClr val="bg1"/>
+                          </a:solidFill>
+                          <a:latin typeface="+mj-ea"/>
+                        </a:rPr>
+                        <a:t>()</a:t>
+                      </a:r>
+                      <a:endParaRPr lang="ko-KR" altLang="en-US" dirty="0">
+                        <a:solidFill>
+                          <a:schemeClr val="bg1"/>
+                        </a:solidFill>
+                      </a:endParaRPr>
+                    </a:p>
+                  </a:txBody>
+                  <a:tcPr/>
+                </a:tc>
+                <a:tc>
+                  <a:txBody>
+                    <a:bodyPr/>
+                    <a:lstStyle/>
+                    <a:p>
+                      <a:pPr latinLnBrk="1">
+                        <a:lnSpc>
+                          <a:spcPct val="150000"/>
+                        </a:lnSpc>
+                      </a:pPr>
+                      <a:r>
+                        <a:rPr lang="ko-KR" altLang="en-US" sz="1600" dirty="0">
+                          <a:solidFill>
+                            <a:srgbClr val="333333"/>
+                          </a:solidFill>
+                          <a:latin typeface="+mj-ea"/>
+                        </a:rPr>
+                        <a:t>컴포넌트가 브라우저상에 나타난 후 호출</a:t>
+                      </a:r>
+                      <a:r>
+                        <a:rPr lang="en-US" altLang="ko-KR" sz="1600" dirty="0">
+                          <a:solidFill>
+                            <a:srgbClr val="333333"/>
+                          </a:solidFill>
+                          <a:latin typeface="+mj-ea"/>
+                        </a:rPr>
+                        <a:t>.</a:t>
+                      </a:r>
+                      <a:endParaRPr lang="ko-KR" altLang="en-US" sz="1600" dirty="0"/>
+                    </a:p>
+                  </a:txBody>
+                  <a:tcPr/>
+                </a:tc>
+                <a:extLst>
+                  <a:ext uri="{0D108BD9-81ED-4DB2-BD59-A6C34878D82A}">
+                    <a16:rowId xmlns:a16="http://schemas.microsoft.com/office/drawing/2014/main" val="1047978883"/>
+                  </a:ext>
+                </a:extLst>
+              </a:tr>
+            </a:tbl>
+          </a:graphicData>
+        </a:graphic>
+      </p:graphicFrame>
+      <p:pic>
+        <p:nvPicPr>
+          <p:cNvPr id="19" name="그림 18">
+            <a:extLst>
+              <a:ext uri="{FF2B5EF4-FFF2-40B4-BE49-F238E27FC236}">
+                <a16:creationId xmlns:a16="http://schemas.microsoft.com/office/drawing/2014/main" id="{E63B90FC-F006-4B53-BD2C-6915FBB156F3}"/>
+              </a:ext>
+            </a:extLst>
+          </p:cNvPr>
+          <p:cNvPicPr>
+            <a:picLocks noChangeAspect="1"/>
+          </p:cNvPicPr>
+          <p:nvPr/>
+        </p:nvPicPr>
+        <p:blipFill>
+          <a:blip r:embed="rId3">
+            <a:extLst>
+              <a:ext uri="{28A0092B-C50C-407E-A947-70E740481C1C}">
+                <a14:useLocalDpi xmlns:a14="http://schemas.microsoft.com/office/drawing/2010/main" val="0"/>
+              </a:ext>
+            </a:extLst>
+          </a:blip>
+          <a:stretch>
+            <a:fillRect/>
+          </a:stretch>
+        </p:blipFill>
+        <p:spPr>
+          <a:xfrm>
+            <a:off x="1704513" y="3394038"/>
+            <a:ext cx="3164297" cy="2723279"/>
+          </a:xfrm>
+          <a:prstGeom prst="rect">
+            <a:avLst/>
+          </a:prstGeom>
+        </p:spPr>
+      </p:pic>
+      <p:pic>
+        <p:nvPicPr>
+          <p:cNvPr id="21" name="그림 20">
+            <a:extLst>
+              <a:ext uri="{FF2B5EF4-FFF2-40B4-BE49-F238E27FC236}">
+                <a16:creationId xmlns:a16="http://schemas.microsoft.com/office/drawing/2014/main" id="{EB8D3972-1F78-4E10-A980-F02FAA59DC83}"/>
+              </a:ext>
+            </a:extLst>
+          </p:cNvPr>
+          <p:cNvPicPr>
+            <a:picLocks noChangeAspect="1"/>
+          </p:cNvPicPr>
+          <p:nvPr/>
+        </p:nvPicPr>
+        <p:blipFill>
+          <a:blip r:embed="rId4">
+            <a:extLst>
+              <a:ext uri="{28A0092B-C50C-407E-A947-70E740481C1C}">
+                <a14:useLocalDpi xmlns:a14="http://schemas.microsoft.com/office/drawing/2010/main" val="0"/>
+              </a:ext>
+            </a:extLst>
+          </a:blip>
+          <a:stretch>
+            <a:fillRect/>
+          </a:stretch>
+        </p:blipFill>
+        <p:spPr>
+          <a:xfrm>
+            <a:off x="4973913" y="3915053"/>
+            <a:ext cx="5239481" cy="1514686"/>
+          </a:xfrm>
+          <a:prstGeom prst="rect">
+            <a:avLst/>
+          </a:prstGeom>
+        </p:spPr>
+      </p:pic>
+    </p:spTree>
+    <p:extLst>
+      <p:ext uri="{BB962C8B-B14F-4D97-AF65-F5344CB8AC3E}">
+        <p14:creationId xmlns:p14="http://schemas.microsoft.com/office/powerpoint/2010/main" val="3647976135"/>
+      </p:ext>
+    </p:extLst>
+  </p:cSld>
+  <p:clrMapOvr>
+    <a:masterClrMapping/>
+  </p:clrMapOvr>
+  <p:timing>
+    <p:tnLst>
+      <p:par>
+        <p:cTn id="1" dur="indefinite" restart="never" nodeType="tmRoot">
+          <p:childTnLst>
+            <p:seq concurrent="1" nextAc="seek">
+              <p:cTn id="2" dur="indefinite" nodeType="mainSeq">
+                <p:childTnLst>
+                  <p:par>
+                    <p:cTn id="3" fill="hold">
+                      <p:stCondLst>
+                        <p:cond delay="indefinite"/>
+                      </p:stCondLst>
+                      <p:childTnLst>
+                        <p:par>
+                          <p:cTn id="4" fill="hold">
+                            <p:stCondLst>
+                              <p:cond delay="0"/>
+                            </p:stCondLst>
+                            <p:childTnLst>
+                              <p:par>
+                                <p:cTn id="5" presetID="1" presetClass="entr" presetSubtype="0" fill="hold" nodeType="clickEffect">
+                                  <p:stCondLst>
+                                    <p:cond delay="0"/>
+                                  </p:stCondLst>
+                                  <p:childTnLst>
+                                    <p:set>
+                                      <p:cBhvr>
+                                        <p:cTn id="6" dur="1" fill="hold">
+                                          <p:stCondLst>
+                                            <p:cond delay="0"/>
+                                          </p:stCondLst>
+                                        </p:cTn>
+                                        <p:tgtEl>
+                                          <p:spTgt spid="13"/>
+                                        </p:tgtEl>
+                                        <p:attrNameLst>
+                                          <p:attrName>style.visibility</p:attrName>
+                                        </p:attrNameLst>
+                                      </p:cBhvr>
+                                      <p:to>
+                                        <p:strVal val="visible"/>
+                                      </p:to>
+                                    </p:set>
+                                  </p:childTnLst>
+                                </p:cTn>
+                              </p:par>
+                            </p:childTnLst>
+                          </p:cTn>
+                        </p:par>
+                      </p:childTnLst>
+                    </p:cTn>
+                  </p:par>
+                  <p:par>
+                    <p:cTn id="7" fill="hold">
+                      <p:stCondLst>
+                        <p:cond delay="indefinite"/>
+                      </p:stCondLst>
+                      <p:childTnLst>
+                        <p:par>
+                          <p:cTn id="8" fill="hold">
+                            <p:stCondLst>
+                              <p:cond delay="0"/>
+                            </p:stCondLst>
+                            <p:childTnLst>
+                              <p:par>
+                                <p:cTn id="9" presetID="10" presetClass="entr" presetSubtype="0" fill="hold" nodeType="clickEffect">
+                                  <p:stCondLst>
+                                    <p:cond delay="0"/>
+                                  </p:stCondLst>
+                                  <p:childTnLst>
+                                    <p:set>
+                                      <p:cBhvr>
+                                        <p:cTn id="10" dur="1" fill="hold">
+                                          <p:stCondLst>
+                                            <p:cond delay="0"/>
+                                          </p:stCondLst>
+                                        </p:cTn>
+                                        <p:tgtEl>
+                                          <p:spTgt spid="19"/>
+                                        </p:tgtEl>
+                                        <p:attrNameLst>
+                                          <p:attrName>style.visibility</p:attrName>
+                                        </p:attrNameLst>
+                                      </p:cBhvr>
+                                      <p:to>
+                                        <p:strVal val="visible"/>
+                                      </p:to>
+                                    </p:set>
+                                    <p:animEffect transition="in" filter="fade">
+                                      <p:cBhvr>
+                                        <p:cTn id="11" dur="500"/>
+                                        <p:tgtEl>
+                                          <p:spTgt spid="19"/>
+                                        </p:tgtEl>
+                                      </p:cBhvr>
+                                    </p:animEffect>
+                                  </p:childTnLst>
+                                </p:cTn>
+                              </p:par>
+                            </p:childTnLst>
+                          </p:cTn>
+                        </p:par>
+                      </p:childTnLst>
+                    </p:cTn>
+                  </p:par>
+                  <p:par>
+                    <p:cTn id="12" fill="hold">
+                      <p:stCondLst>
+                        <p:cond delay="indefinite"/>
+                      </p:stCondLst>
+                      <p:childTnLst>
+                        <p:par>
+                          <p:cTn id="13" fill="hold">
+                            <p:stCondLst>
+                              <p:cond delay="0"/>
+                            </p:stCondLst>
+                            <p:childTnLst>
+                              <p:par>
+                                <p:cTn id="14" presetID="10" presetClass="entr" presetSubtype="0" fill="hold" nodeType="clickEffect">
+                                  <p:stCondLst>
+                                    <p:cond delay="0"/>
+                                  </p:stCondLst>
+                                  <p:childTnLst>
+                                    <p:set>
+                                      <p:cBhvr>
+                                        <p:cTn id="15" dur="1" fill="hold">
+                                          <p:stCondLst>
+                                            <p:cond delay="0"/>
+                                          </p:stCondLst>
+                                        </p:cTn>
+                                        <p:tgtEl>
+                                          <p:spTgt spid="21"/>
+                                        </p:tgtEl>
+                                        <p:attrNameLst>
+                                          <p:attrName>style.visibility</p:attrName>
+                                        </p:attrNameLst>
+                                      </p:cBhvr>
+                                      <p:to>
+                                        <p:strVal val="visible"/>
+                                      </p:to>
+                                    </p:set>
+                                    <p:animEffect transition="in" filter="fade">
+                                      <p:cBhvr>
+                                        <p:cTn id="16" dur="500"/>
+                                        <p:tgtEl>
+                                          <p:spTgt spid="21"/>
+                                        </p:tgtEl>
+                                      </p:cBhvr>
+                                    </p:animEffect>
+                                  </p:childTnLst>
+                                </p:cTn>
+                              </p:par>
+                            </p:childTnLst>
+                          </p:cTn>
+                        </p:par>
+                      </p:childTnLst>
+                    </p:cTn>
+                  </p:par>
+                </p:childTnLst>
+              </p:cTn>
+              <p:prevCondLst>
+                <p:cond evt="onPrev" delay="0">
+                  <p:tgtEl>
+                    <p:sldTgt/>
+                  </p:tgtEl>
+                </p:cond>
+              </p:prevCondLst>
+              <p:nextCondLst>
+                <p:cond evt="onNext" delay="0">
+                  <p:tgtEl>
+                    <p:sldTgt/>
+                  </p:tgtEl>
+                </p:cond>
+              </p:nextCondLst>
+            </p:seq>
+          </p:childTnLst>
+        </p:cTn>
+      </p:par>
+    </p:tnLst>
+  </p:timing>
+</p:sld>
+</file>
+
+<file path=ppt/slides/slide14.xml><?xml version="1.0" encoding="utf-8"?>
+<p:sld xmlns:a="http://schemas.openxmlformats.org/drawingml/2006/main" xmlns:r="http://schemas.openxmlformats.org/officeDocument/2006/relationships" xmlns:p="http://schemas.openxmlformats.org/presentationml/2006/main">
+  <p:cSld>
+    <p:spTree>
+      <p:nvGrpSpPr>
+        <p:cNvPr id="1" name=""/>
+        <p:cNvGrpSpPr/>
+        <p:nvPr/>
+      </p:nvGrpSpPr>
+      <p:grpSpPr>
+        <a:xfrm>
+          <a:off x="0" y="0"/>
+          <a:ext cx="0" cy="0"/>
+          <a:chOff x="0" y="0"/>
+          <a:chExt cx="0" cy="0"/>
+        </a:xfrm>
+      </p:grpSpPr>
+      <p:sp>
+        <p:nvSpPr>
+          <p:cNvPr id="10" name="직사각형 9">
+            <a:extLst>
+              <a:ext uri="{FF2B5EF4-FFF2-40B4-BE49-F238E27FC236}">
+                <a16:creationId xmlns:a16="http://schemas.microsoft.com/office/drawing/2014/main" id="{72422AE4-B2BC-47F4-A55A-7923EBDB55ED}"/>
+              </a:ext>
+            </a:extLst>
+          </p:cNvPr>
+          <p:cNvSpPr/>
+          <p:nvPr/>
+        </p:nvSpPr>
+        <p:spPr>
+          <a:xfrm>
+            <a:off x="1586143" y="1020932"/>
+            <a:ext cx="9268287" cy="45719"/>
+          </a:xfrm>
+          <a:prstGeom prst="rect">
+            <a:avLst/>
+          </a:prstGeom>
+        </p:spPr>
+        <p:style>
+          <a:lnRef idx="2">
+            <a:schemeClr val="accent1">
+              <a:shade val="50000"/>
+            </a:schemeClr>
+          </a:lnRef>
+          <a:fillRef idx="1">
+            <a:schemeClr val="accent1"/>
+          </a:fillRef>
+          <a:effectRef idx="0">
+            <a:schemeClr val="accent1"/>
+          </a:effectRef>
+          <a:fontRef idx="minor">
+            <a:schemeClr val="lt1"/>
+          </a:fontRef>
+        </p:style>
+        <p:txBody>
+          <a:bodyPr rtlCol="0" anchor="ctr"/>
+          <a:lstStyle/>
+          <a:p>
+            <a:pPr algn="ctr"/>
+            <a:endParaRPr lang="ko-KR" altLang="en-US"/>
+          </a:p>
+        </p:txBody>
+      </p:sp>
+      <p:sp>
+        <p:nvSpPr>
+          <p:cNvPr id="11" name="직사각형 10">
+            <a:extLst>
+              <a:ext uri="{FF2B5EF4-FFF2-40B4-BE49-F238E27FC236}">
+                <a16:creationId xmlns:a16="http://schemas.microsoft.com/office/drawing/2014/main" id="{88C624B5-9431-4451-97AF-3F26F9D86089}"/>
+              </a:ext>
+            </a:extLst>
+          </p:cNvPr>
+          <p:cNvSpPr/>
+          <p:nvPr/>
+        </p:nvSpPr>
+        <p:spPr>
+          <a:xfrm flipV="1">
+            <a:off x="1586143" y="6174982"/>
+            <a:ext cx="9268287" cy="45719"/>
+          </a:xfrm>
+          <a:prstGeom prst="rect">
+            <a:avLst/>
+          </a:prstGeom>
+        </p:spPr>
+        <p:style>
+          <a:lnRef idx="2">
+            <a:schemeClr val="accent1">
+              <a:shade val="50000"/>
+            </a:schemeClr>
+          </a:lnRef>
+          <a:fillRef idx="1">
+            <a:schemeClr val="accent1"/>
+          </a:fillRef>
+          <a:effectRef idx="0">
+            <a:schemeClr val="accent1"/>
+          </a:effectRef>
+          <a:fontRef idx="minor">
+            <a:schemeClr val="lt1"/>
+          </a:fontRef>
+        </p:style>
+        <p:txBody>
+          <a:bodyPr rtlCol="0" anchor="ctr"/>
+          <a:lstStyle/>
+          <a:p>
+            <a:pPr algn="ctr"/>
+            <a:endParaRPr lang="ko-KR" altLang="en-US"/>
+          </a:p>
+        </p:txBody>
+      </p:sp>
+      <p:sp>
+        <p:nvSpPr>
+          <p:cNvPr id="9" name="TextBox 8">
+            <a:extLst>
+              <a:ext uri="{FF2B5EF4-FFF2-40B4-BE49-F238E27FC236}">
+                <a16:creationId xmlns:a16="http://schemas.microsoft.com/office/drawing/2014/main" id="{892C5DDA-40EE-4B50-9C05-6AFC7089F348}"/>
+              </a:ext>
+            </a:extLst>
+          </p:cNvPr>
+          <p:cNvSpPr txBox="1"/>
+          <p:nvPr/>
+        </p:nvSpPr>
+        <p:spPr>
+          <a:xfrm>
+            <a:off x="1704513" y="620822"/>
+            <a:ext cx="1417632" cy="400110"/>
+          </a:xfrm>
+          <a:prstGeom prst="rect">
+            <a:avLst/>
+          </a:prstGeom>
+          <a:noFill/>
+        </p:spPr>
+        <p:txBody>
+          <a:bodyPr wrap="none" rtlCol="0">
+            <a:spAutoFit/>
+          </a:bodyPr>
+          <a:lstStyle/>
+          <a:p>
+            <a:r>
+              <a:rPr lang="en-US" altLang="ko-KR" sz="2000" dirty="0"/>
+              <a:t>React </a:t>
+            </a:r>
+            <a:r>
+              <a:rPr lang="ko-KR" altLang="en-US" sz="2000" dirty="0"/>
+              <a:t>추세</a:t>
+            </a:r>
+            <a:endParaRPr lang="en-US" altLang="ko-KR" sz="2000" dirty="0"/>
+          </a:p>
+        </p:txBody>
+      </p:sp>
+      <p:pic>
+        <p:nvPicPr>
+          <p:cNvPr id="3" name="그림 2">
+            <a:extLst>
+              <a:ext uri="{FF2B5EF4-FFF2-40B4-BE49-F238E27FC236}">
+                <a16:creationId xmlns:a16="http://schemas.microsoft.com/office/drawing/2014/main" id="{29729449-5041-424C-AF7F-BAF8D0634ADE}"/>
+              </a:ext>
+            </a:extLst>
+          </p:cNvPr>
+          <p:cNvPicPr>
+            <a:picLocks noChangeAspect="1"/>
+          </p:cNvPicPr>
+          <p:nvPr/>
+        </p:nvPicPr>
+        <p:blipFill>
+          <a:blip r:embed="rId3">
+            <a:extLst>
+              <a:ext uri="{28A0092B-C50C-407E-A947-70E740481C1C}">
+                <a14:useLocalDpi xmlns:a14="http://schemas.microsoft.com/office/drawing/2010/main" val="0"/>
+              </a:ext>
+            </a:extLst>
+          </a:blip>
+          <a:stretch>
+            <a:fillRect/>
+          </a:stretch>
+        </p:blipFill>
+        <p:spPr>
+          <a:xfrm>
+            <a:off x="560221" y="1466761"/>
+            <a:ext cx="11071553" cy="3386593"/>
+          </a:xfrm>
+          <a:prstGeom prst="rect">
+            <a:avLst/>
+          </a:prstGeom>
+        </p:spPr>
+      </p:pic>
+      <p:sp>
+        <p:nvSpPr>
+          <p:cNvPr id="14" name="TextBox 13">
+            <a:extLst>
+              <a:ext uri="{FF2B5EF4-FFF2-40B4-BE49-F238E27FC236}">
+                <a16:creationId xmlns:a16="http://schemas.microsoft.com/office/drawing/2014/main" id="{3E1A1C97-4310-4467-87ED-3051E90ACF2B}"/>
+              </a:ext>
+            </a:extLst>
+          </p:cNvPr>
+          <p:cNvSpPr txBox="1"/>
+          <p:nvPr/>
+        </p:nvSpPr>
+        <p:spPr>
+          <a:xfrm>
+            <a:off x="2982005" y="5521633"/>
+            <a:ext cx="6227987" cy="400110"/>
+          </a:xfrm>
+          <a:prstGeom prst="rect">
+            <a:avLst/>
+          </a:prstGeom>
+          <a:noFill/>
+        </p:spPr>
+        <p:txBody>
+          <a:bodyPr wrap="none" rtlCol="0">
+            <a:spAutoFit/>
+          </a:bodyPr>
+          <a:lstStyle/>
+          <a:p>
+            <a:pPr algn="ctr"/>
+            <a:r>
+              <a:rPr lang="ko-KR" altLang="en-US" sz="2000" dirty="0" err="1"/>
+              <a:t>프론트엔드</a:t>
+            </a:r>
+            <a:r>
+              <a:rPr lang="ko-KR" altLang="en-US" sz="2000" dirty="0"/>
+              <a:t> 라이브러리</a:t>
+            </a:r>
+            <a:r>
+              <a:rPr lang="en-US" altLang="ko-KR" sz="2000" dirty="0"/>
+              <a:t>/</a:t>
+            </a:r>
+            <a:r>
+              <a:rPr lang="ko-KR" altLang="en-US" sz="2000" dirty="0"/>
+              <a:t>프레임워크 중 독보적인 </a:t>
+            </a:r>
+            <a:r>
+              <a:rPr lang="en-US" altLang="ko-KR" sz="2000" dirty="0"/>
+              <a:t>1</a:t>
+            </a:r>
+            <a:r>
+              <a:rPr lang="ko-KR" altLang="en-US" sz="2000" dirty="0"/>
+              <a:t>등</a:t>
+            </a:r>
+            <a:r>
+              <a:rPr lang="en-US" altLang="ko-KR" sz="2000" dirty="0"/>
+              <a:t>.</a:t>
+            </a:r>
+          </a:p>
+        </p:txBody>
+      </p:sp>
+      <p:sp>
+        <p:nvSpPr>
+          <p:cNvPr id="6" name="직사각형 5">
+            <a:extLst>
+              <a:ext uri="{FF2B5EF4-FFF2-40B4-BE49-F238E27FC236}">
+                <a16:creationId xmlns:a16="http://schemas.microsoft.com/office/drawing/2014/main" id="{58658E21-C19D-4CFD-9E8C-D5B949EDE7EB}"/>
+              </a:ext>
+            </a:extLst>
+          </p:cNvPr>
+          <p:cNvSpPr/>
+          <p:nvPr/>
+        </p:nvSpPr>
+        <p:spPr>
+          <a:xfrm>
+            <a:off x="7893078" y="4853354"/>
+            <a:ext cx="3549177" cy="307777"/>
+          </a:xfrm>
+          <a:prstGeom prst="rect">
+            <a:avLst/>
+          </a:prstGeom>
+        </p:spPr>
+        <p:txBody>
+          <a:bodyPr wrap="none">
+            <a:spAutoFit/>
+          </a:bodyPr>
+          <a:lstStyle/>
+          <a:p>
+            <a:r>
+              <a:rPr lang="ko-KR" altLang="en-US" sz="1400" dirty="0"/>
+              <a:t>https://2018.stateofjs.com 에서 확인 가능</a:t>
+            </a:r>
+          </a:p>
+        </p:txBody>
+      </p:sp>
+    </p:spTree>
+    <p:extLst>
+      <p:ext uri="{BB962C8B-B14F-4D97-AF65-F5344CB8AC3E}">
+        <p14:creationId xmlns:p14="http://schemas.microsoft.com/office/powerpoint/2010/main" val="1485381242"/>
+      </p:ext>
+    </p:extLst>
+  </p:cSld>
+  <p:clrMapOvr>
+    <a:masterClrMapping/>
+  </p:clrMapOvr>
+</p:sld>
+</file>
+
+<file path=ppt/slides/slide15.xml><?xml version="1.0" encoding="utf-8"?>
+<p:sld xmlns:a="http://schemas.openxmlformats.org/drawingml/2006/main" xmlns:r="http://schemas.openxmlformats.org/officeDocument/2006/relationships" xmlns:p="http://schemas.openxmlformats.org/presentationml/2006/main">
+  <p:cSld>
+    <p:spTree>
+      <p:nvGrpSpPr>
+        <p:cNvPr id="1" name=""/>
+        <p:cNvGrpSpPr/>
+        <p:nvPr/>
+      </p:nvGrpSpPr>
+      <p:grpSpPr>
+        <a:xfrm>
+          <a:off x="0" y="0"/>
+          <a:ext cx="0" cy="0"/>
+          <a:chOff x="0" y="0"/>
+          <a:chExt cx="0" cy="0"/>
+        </a:xfrm>
+      </p:grpSpPr>
+      <p:sp>
+        <p:nvSpPr>
+          <p:cNvPr id="10" name="직사각형 9">
+            <a:extLst>
+              <a:ext uri="{FF2B5EF4-FFF2-40B4-BE49-F238E27FC236}">
+                <a16:creationId xmlns:a16="http://schemas.microsoft.com/office/drawing/2014/main" id="{72422AE4-B2BC-47F4-A55A-7923EBDB55ED}"/>
+              </a:ext>
+            </a:extLst>
+          </p:cNvPr>
+          <p:cNvSpPr/>
+          <p:nvPr/>
+        </p:nvSpPr>
+        <p:spPr>
+          <a:xfrm>
+            <a:off x="1586143" y="1020932"/>
+            <a:ext cx="9268287" cy="45719"/>
+          </a:xfrm>
+          <a:prstGeom prst="rect">
+            <a:avLst/>
+          </a:prstGeom>
+        </p:spPr>
+        <p:style>
+          <a:lnRef idx="2">
+            <a:schemeClr val="accent1">
+              <a:shade val="50000"/>
+            </a:schemeClr>
+          </a:lnRef>
+          <a:fillRef idx="1">
+            <a:schemeClr val="accent1"/>
+          </a:fillRef>
+          <a:effectRef idx="0">
+            <a:schemeClr val="accent1"/>
+          </a:effectRef>
+          <a:fontRef idx="minor">
+            <a:schemeClr val="lt1"/>
+          </a:fontRef>
+        </p:style>
+        <p:txBody>
+          <a:bodyPr rtlCol="0" anchor="ctr"/>
+          <a:lstStyle/>
+          <a:p>
+            <a:pPr algn="ctr"/>
+            <a:endParaRPr lang="ko-KR" altLang="en-US"/>
+          </a:p>
+        </p:txBody>
+      </p:sp>
+      <p:sp>
+        <p:nvSpPr>
+          <p:cNvPr id="11" name="직사각형 10">
+            <a:extLst>
+              <a:ext uri="{FF2B5EF4-FFF2-40B4-BE49-F238E27FC236}">
+                <a16:creationId xmlns:a16="http://schemas.microsoft.com/office/drawing/2014/main" id="{88C624B5-9431-4451-97AF-3F26F9D86089}"/>
+              </a:ext>
+            </a:extLst>
+          </p:cNvPr>
+          <p:cNvSpPr/>
+          <p:nvPr/>
+        </p:nvSpPr>
+        <p:spPr>
+          <a:xfrm flipV="1">
+            <a:off x="1586143" y="6174982"/>
+            <a:ext cx="9268287" cy="45719"/>
+          </a:xfrm>
+          <a:prstGeom prst="rect">
+            <a:avLst/>
+          </a:prstGeom>
+        </p:spPr>
+        <p:style>
+          <a:lnRef idx="2">
+            <a:schemeClr val="accent1">
+              <a:shade val="50000"/>
+            </a:schemeClr>
+          </a:lnRef>
+          <a:fillRef idx="1">
+            <a:schemeClr val="accent1"/>
+          </a:fillRef>
+          <a:effectRef idx="0">
+            <a:schemeClr val="accent1"/>
+          </a:effectRef>
+          <a:fontRef idx="minor">
+            <a:schemeClr val="lt1"/>
+          </a:fontRef>
+        </p:style>
+        <p:txBody>
+          <a:bodyPr rtlCol="0" anchor="ctr"/>
+          <a:lstStyle/>
+          <a:p>
+            <a:pPr algn="ctr"/>
+            <a:endParaRPr lang="ko-KR" altLang="en-US"/>
+          </a:p>
+        </p:txBody>
+      </p:sp>
+      <p:sp>
+        <p:nvSpPr>
+          <p:cNvPr id="9" name="TextBox 8">
+            <a:extLst>
+              <a:ext uri="{FF2B5EF4-FFF2-40B4-BE49-F238E27FC236}">
+                <a16:creationId xmlns:a16="http://schemas.microsoft.com/office/drawing/2014/main" id="{892C5DDA-40EE-4B50-9C05-6AFC7089F348}"/>
+              </a:ext>
+            </a:extLst>
+          </p:cNvPr>
+          <p:cNvSpPr txBox="1"/>
+          <p:nvPr/>
+        </p:nvSpPr>
+        <p:spPr>
+          <a:xfrm>
+            <a:off x="1704513" y="620822"/>
+            <a:ext cx="1200970" cy="400110"/>
+          </a:xfrm>
+          <a:prstGeom prst="rect">
+            <a:avLst/>
+          </a:prstGeom>
+          <a:noFill/>
+        </p:spPr>
+        <p:txBody>
+          <a:bodyPr wrap="none" rtlCol="0">
+            <a:spAutoFit/>
+          </a:bodyPr>
+          <a:lstStyle/>
+          <a:p>
+            <a:r>
+              <a:rPr lang="en-US" altLang="ko-KR" sz="2000" dirty="0"/>
+              <a:t>ES6 </a:t>
+            </a:r>
+            <a:r>
+              <a:rPr lang="ko-KR" altLang="en-US" sz="2000" dirty="0"/>
+              <a:t>추세</a:t>
+            </a:r>
+            <a:endParaRPr lang="en-US" altLang="ko-KR" sz="2000" dirty="0"/>
+          </a:p>
+        </p:txBody>
+      </p:sp>
+      <p:pic>
+        <p:nvPicPr>
+          <p:cNvPr id="5" name="그림 4">
+            <a:extLst>
+              <a:ext uri="{FF2B5EF4-FFF2-40B4-BE49-F238E27FC236}">
+                <a16:creationId xmlns:a16="http://schemas.microsoft.com/office/drawing/2014/main" id="{937E79D2-F1BC-46EE-8279-2DA15B230F07}"/>
+              </a:ext>
+            </a:extLst>
+          </p:cNvPr>
+          <p:cNvPicPr>
+            <a:picLocks noChangeAspect="1"/>
+          </p:cNvPicPr>
+          <p:nvPr/>
+        </p:nvPicPr>
+        <p:blipFill>
+          <a:blip r:embed="rId3">
+            <a:extLst>
+              <a:ext uri="{28A0092B-C50C-407E-A947-70E740481C1C}">
+                <a14:useLocalDpi xmlns:a14="http://schemas.microsoft.com/office/drawing/2010/main" val="0"/>
+              </a:ext>
+            </a:extLst>
+          </a:blip>
+          <a:stretch>
+            <a:fillRect/>
+          </a:stretch>
+        </p:blipFill>
+        <p:spPr>
+          <a:xfrm>
+            <a:off x="576350" y="1689926"/>
+            <a:ext cx="11039300" cy="3208431"/>
+          </a:xfrm>
+          <a:prstGeom prst="rect">
+            <a:avLst/>
+          </a:prstGeom>
+        </p:spPr>
+      </p:pic>
+      <p:sp>
+        <p:nvSpPr>
+          <p:cNvPr id="7" name="TextBox 6">
+            <a:extLst>
+              <a:ext uri="{FF2B5EF4-FFF2-40B4-BE49-F238E27FC236}">
+                <a16:creationId xmlns:a16="http://schemas.microsoft.com/office/drawing/2014/main" id="{BE7CFE5F-FCF3-4333-8CD8-EB6029796501}"/>
+              </a:ext>
+            </a:extLst>
+          </p:cNvPr>
+          <p:cNvSpPr txBox="1"/>
+          <p:nvPr/>
+        </p:nvSpPr>
+        <p:spPr>
+          <a:xfrm>
+            <a:off x="2520349" y="5521633"/>
+            <a:ext cx="7151318" cy="400110"/>
+          </a:xfrm>
+          <a:prstGeom prst="rect">
+            <a:avLst/>
+          </a:prstGeom>
+          <a:noFill/>
+        </p:spPr>
+        <p:txBody>
+          <a:bodyPr wrap="none" rtlCol="0">
+            <a:spAutoFit/>
+          </a:bodyPr>
+          <a:lstStyle/>
+          <a:p>
+            <a:pPr algn="ctr"/>
+            <a:r>
+              <a:rPr lang="ko-KR" altLang="en-US" sz="2000" dirty="0"/>
+              <a:t>이는 </a:t>
+            </a:r>
+            <a:r>
+              <a:rPr lang="ko-KR" altLang="en-US" sz="2000" dirty="0" err="1"/>
+              <a:t>리액트의</a:t>
+            </a:r>
+            <a:r>
+              <a:rPr lang="ko-KR" altLang="en-US" sz="2000" dirty="0"/>
+              <a:t> 기반 언어인 </a:t>
+            </a:r>
+            <a:r>
+              <a:rPr lang="en-US" altLang="ko-KR" sz="2000" dirty="0"/>
+              <a:t>ECMAScript6</a:t>
+            </a:r>
+            <a:r>
+              <a:rPr lang="ko-KR" altLang="en-US" sz="2000" dirty="0"/>
+              <a:t> 역시 마찬가지이다</a:t>
+            </a:r>
+            <a:r>
+              <a:rPr lang="en-US" altLang="ko-KR" sz="2000" dirty="0"/>
+              <a:t>.</a:t>
+            </a:r>
+          </a:p>
+        </p:txBody>
+      </p:sp>
+      <p:sp>
+        <p:nvSpPr>
+          <p:cNvPr id="12" name="직사각형 11">
+            <a:extLst>
+              <a:ext uri="{FF2B5EF4-FFF2-40B4-BE49-F238E27FC236}">
+                <a16:creationId xmlns:a16="http://schemas.microsoft.com/office/drawing/2014/main" id="{05675CAC-E078-4B2B-BF74-F0E02381799B}"/>
+              </a:ext>
+            </a:extLst>
+          </p:cNvPr>
+          <p:cNvSpPr/>
+          <p:nvPr/>
+        </p:nvSpPr>
+        <p:spPr>
+          <a:xfrm>
+            <a:off x="7893078" y="4898357"/>
+            <a:ext cx="3549177" cy="307777"/>
+          </a:xfrm>
+          <a:prstGeom prst="rect">
+            <a:avLst/>
+          </a:prstGeom>
+        </p:spPr>
+        <p:txBody>
+          <a:bodyPr wrap="none">
+            <a:spAutoFit/>
+          </a:bodyPr>
+          <a:lstStyle/>
+          <a:p>
+            <a:r>
+              <a:rPr lang="ko-KR" altLang="en-US" sz="1400" dirty="0"/>
+              <a:t>https://2018.stateofjs.com 에서 확인 가능</a:t>
+            </a:r>
+          </a:p>
+        </p:txBody>
+      </p:sp>
+    </p:spTree>
+    <p:extLst>
+      <p:ext uri="{BB962C8B-B14F-4D97-AF65-F5344CB8AC3E}">
+        <p14:creationId xmlns:p14="http://schemas.microsoft.com/office/powerpoint/2010/main" val="1013152201"/>
+      </p:ext>
+    </p:extLst>
+  </p:cSld>
+  <p:clrMapOvr>
+    <a:masterClrMapping/>
+  </p:clrMapOvr>
+</p:sld>
+</file>
+
+<file path=ppt/slides/slide16.xml><?xml version="1.0" encoding="utf-8"?>
+<p:sld xmlns:a="http://schemas.openxmlformats.org/drawingml/2006/main" xmlns:r="http://schemas.openxmlformats.org/officeDocument/2006/relationships" xmlns:p="http://schemas.openxmlformats.org/presentationml/2006/main">
+  <p:cSld>
+    <p:spTree>
+      <p:nvGrpSpPr>
+        <p:cNvPr id="1" name=""/>
+        <p:cNvGrpSpPr/>
+        <p:nvPr/>
+      </p:nvGrpSpPr>
+      <p:grpSpPr>
+        <a:xfrm>
+          <a:off x="0" y="0"/>
+          <a:ext cx="0" cy="0"/>
+          <a:chOff x="0" y="0"/>
+          <a:chExt cx="0" cy="0"/>
+        </a:xfrm>
+      </p:grpSpPr>
+      <p:sp>
+        <p:nvSpPr>
+          <p:cNvPr id="10" name="직사각형 9">
+            <a:extLst>
+              <a:ext uri="{FF2B5EF4-FFF2-40B4-BE49-F238E27FC236}">
+                <a16:creationId xmlns:a16="http://schemas.microsoft.com/office/drawing/2014/main" id="{72422AE4-B2BC-47F4-A55A-7923EBDB55ED}"/>
+              </a:ext>
+            </a:extLst>
+          </p:cNvPr>
+          <p:cNvSpPr/>
+          <p:nvPr/>
+        </p:nvSpPr>
+        <p:spPr>
+          <a:xfrm>
+            <a:off x="1586143" y="1020932"/>
+            <a:ext cx="9268287" cy="45719"/>
+          </a:xfrm>
+          <a:prstGeom prst="rect">
+            <a:avLst/>
+          </a:prstGeom>
+        </p:spPr>
+        <p:style>
+          <a:lnRef idx="2">
+            <a:schemeClr val="accent1">
+              <a:shade val="50000"/>
+            </a:schemeClr>
+          </a:lnRef>
+          <a:fillRef idx="1">
+            <a:schemeClr val="accent1"/>
+          </a:fillRef>
+          <a:effectRef idx="0">
+            <a:schemeClr val="accent1"/>
+          </a:effectRef>
+          <a:fontRef idx="minor">
+            <a:schemeClr val="lt1"/>
+          </a:fontRef>
+        </p:style>
+        <p:txBody>
+          <a:bodyPr rtlCol="0" anchor="ctr"/>
+          <a:lstStyle/>
+          <a:p>
+            <a:pPr algn="ctr"/>
+            <a:endParaRPr lang="ko-KR" altLang="en-US"/>
+          </a:p>
+        </p:txBody>
+      </p:sp>
+      <p:sp>
+        <p:nvSpPr>
+          <p:cNvPr id="11" name="직사각형 10">
+            <a:extLst>
+              <a:ext uri="{FF2B5EF4-FFF2-40B4-BE49-F238E27FC236}">
+                <a16:creationId xmlns:a16="http://schemas.microsoft.com/office/drawing/2014/main" id="{88C624B5-9431-4451-97AF-3F26F9D86089}"/>
+              </a:ext>
+            </a:extLst>
+          </p:cNvPr>
+          <p:cNvSpPr/>
+          <p:nvPr/>
+        </p:nvSpPr>
+        <p:spPr>
+          <a:xfrm flipV="1">
+            <a:off x="1586143" y="6174982"/>
+            <a:ext cx="9268287" cy="45719"/>
+          </a:xfrm>
+          <a:prstGeom prst="rect">
+            <a:avLst/>
+          </a:prstGeom>
+        </p:spPr>
+        <p:style>
+          <a:lnRef idx="2">
+            <a:schemeClr val="accent1">
+              <a:shade val="50000"/>
+            </a:schemeClr>
+          </a:lnRef>
+          <a:fillRef idx="1">
+            <a:schemeClr val="accent1"/>
+          </a:fillRef>
+          <a:effectRef idx="0">
+            <a:schemeClr val="accent1"/>
+          </a:effectRef>
+          <a:fontRef idx="minor">
+            <a:schemeClr val="lt1"/>
+          </a:fontRef>
+        </p:style>
+        <p:txBody>
+          <a:bodyPr rtlCol="0" anchor="ctr"/>
+          <a:lstStyle/>
+          <a:p>
+            <a:pPr algn="ctr"/>
+            <a:endParaRPr lang="ko-KR" altLang="en-US"/>
+          </a:p>
+        </p:txBody>
+      </p:sp>
+      <p:sp>
+        <p:nvSpPr>
+          <p:cNvPr id="9" name="TextBox 8">
+            <a:extLst>
+              <a:ext uri="{FF2B5EF4-FFF2-40B4-BE49-F238E27FC236}">
+                <a16:creationId xmlns:a16="http://schemas.microsoft.com/office/drawing/2014/main" id="{892C5DDA-40EE-4B50-9C05-6AFC7089F348}"/>
+              </a:ext>
+            </a:extLst>
+          </p:cNvPr>
+          <p:cNvSpPr txBox="1"/>
+          <p:nvPr/>
+        </p:nvSpPr>
+        <p:spPr>
+          <a:xfrm>
+            <a:off x="1704513" y="620822"/>
+            <a:ext cx="954107" cy="400110"/>
+          </a:xfrm>
+          <a:prstGeom prst="rect">
+            <a:avLst/>
+          </a:prstGeom>
+          <a:noFill/>
+        </p:spPr>
+        <p:txBody>
+          <a:bodyPr wrap="none" rtlCol="0">
+            <a:spAutoFit/>
+          </a:bodyPr>
+          <a:lstStyle/>
+          <a:p>
+            <a:r>
+              <a:rPr lang="ko-KR" altLang="en-US" sz="2000" dirty="0"/>
+              <a:t>마무리</a:t>
+            </a:r>
+            <a:endParaRPr lang="en-US" altLang="ko-KR" sz="2000" dirty="0"/>
+          </a:p>
+        </p:txBody>
+      </p:sp>
+      <p:pic>
+        <p:nvPicPr>
+          <p:cNvPr id="4" name="그림 3">
+            <a:extLst>
+              <a:ext uri="{FF2B5EF4-FFF2-40B4-BE49-F238E27FC236}">
+                <a16:creationId xmlns:a16="http://schemas.microsoft.com/office/drawing/2014/main" id="{4D7FC28E-BA53-4E7A-BD35-E0B4A5554BC6}"/>
+              </a:ext>
+            </a:extLst>
+          </p:cNvPr>
+          <p:cNvPicPr>
+            <a:picLocks noChangeAspect="1"/>
+          </p:cNvPicPr>
+          <p:nvPr/>
+        </p:nvPicPr>
+        <p:blipFill>
+          <a:blip r:embed="rId3">
+            <a:extLst>
+              <a:ext uri="{28A0092B-C50C-407E-A947-70E740481C1C}">
+                <a14:useLocalDpi xmlns:a14="http://schemas.microsoft.com/office/drawing/2010/main" val="0"/>
+              </a:ext>
+            </a:extLst>
+          </a:blip>
+          <a:stretch>
+            <a:fillRect/>
+          </a:stretch>
+        </p:blipFill>
+        <p:spPr>
+          <a:xfrm>
+            <a:off x="3343275" y="2143125"/>
+            <a:ext cx="5505450" cy="2571750"/>
+          </a:xfrm>
+          <a:prstGeom prst="rect">
+            <a:avLst/>
+          </a:prstGeom>
+        </p:spPr>
+      </p:pic>
+    </p:spTree>
+    <p:extLst>
+      <p:ext uri="{BB962C8B-B14F-4D97-AF65-F5344CB8AC3E}">
+        <p14:creationId xmlns:p14="http://schemas.microsoft.com/office/powerpoint/2010/main" val="1832659340"/>
+      </p:ext>
+    </p:extLst>
+  </p:cSld>
+  <p:clrMapOvr>
+    <a:masterClrMapping/>
+  </p:clrMapOvr>
+</p:sld>
+</file>
+
+<file path=ppt/slides/slide17.xml><?xml version="1.0" encoding="utf-8"?>
 <p:sld xmlns:a="http://schemas.openxmlformats.org/drawingml/2006/main" xmlns:r="http://schemas.openxmlformats.org/officeDocument/2006/relationships" xmlns:p="http://schemas.openxmlformats.org/presentationml/2006/main">
   <p:cSld>
     <p:spTree>
@@ -8657,7 +13301,7 @@
         <p:spPr>
           <a:xfrm>
             <a:off x="1704513" y="620822"/>
-            <a:ext cx="1369542" cy="400110"/>
+            <a:ext cx="1844031" cy="400110"/>
           </a:xfrm>
           <a:prstGeom prst="rect">
             <a:avLst/>
@@ -8672,7 +13316,15 @@
           <a:p>
             <a:r>
               <a:rPr lang="en-US" altLang="ko-KR" sz="2000" dirty="0"/>
-              <a:t>Rendering</a:t>
+              <a:t>React </a:t>
+            </a:r>
+            <a:r>
+              <a:rPr lang="ko-KR" altLang="en-US" sz="2000" dirty="0"/>
+              <a:t>특징 </a:t>
+            </a:r>
+            <a:r>
+              <a:rPr lang="en-US" altLang="ko-KR" sz="2000" dirty="0"/>
+              <a:t>- 1</a:t>
             </a:r>
           </a:p>
         </p:txBody>
@@ -8691,8 +13343,8 @@
         </p:nvSpPr>
         <p:spPr>
           <a:xfrm>
-            <a:off x="3853238" y="3228945"/>
-            <a:ext cx="4485523" cy="400110"/>
+            <a:off x="4068718" y="3228945"/>
+            <a:ext cx="4054573" cy="400110"/>
           </a:xfrm>
           <a:prstGeom prst="rect">
             <a:avLst/>
@@ -8704,17 +13356,22 @@
           </a:bodyPr>
           <a:lstStyle/>
           <a:p>
+            <a:pPr algn="ctr"/>
+            <a:r>
+              <a:rPr lang="en-US" altLang="ko-KR" sz="2000" dirty="0"/>
+              <a:t>React</a:t>
+            </a:r>
             <a:r>
               <a:rPr lang="ko-KR" altLang="en-US" sz="2000" dirty="0"/>
-              <a:t>사용자의 화면에 </a:t>
+              <a:t>는 </a:t>
             </a:r>
             <a:r>
               <a:rPr lang="en-US" altLang="ko-KR" sz="2000" dirty="0"/>
-              <a:t>View</a:t>
+              <a:t>Virtual DOM</a:t>
             </a:r>
             <a:r>
               <a:rPr lang="ko-KR" altLang="en-US" sz="2000" dirty="0"/>
-              <a:t>를 보여주는 것</a:t>
+              <a:t>을 사용한다</a:t>
             </a:r>
             <a:r>
               <a:rPr lang="en-US" altLang="ko-KR" sz="2000" dirty="0"/>
@@ -8727,7 +13384,7 @@
     </p:spTree>
     <p:extLst>
       <p:ext uri="{BB962C8B-B14F-4D97-AF65-F5344CB8AC3E}">
-        <p14:creationId xmlns:p14="http://schemas.microsoft.com/office/powerpoint/2010/main" val="3647093412"/>
+        <p14:creationId xmlns:p14="http://schemas.microsoft.com/office/powerpoint/2010/main" val="1704666121"/>
       </p:ext>
     </p:extLst>
   </p:cSld>
@@ -9090,7 +13747,7 @@
         </p:nvSpPr>
         <p:spPr>
           <a:xfrm>
-            <a:off x="2913888" y="1895283"/>
+            <a:off x="2753191" y="1327725"/>
             <a:ext cx="1942070" cy="400110"/>
           </a:xfrm>
           <a:prstGeom prst="rect">
@@ -9133,7 +13790,7 @@
         </p:nvSpPr>
         <p:spPr>
           <a:xfrm>
-            <a:off x="7699865" y="1895283"/>
+            <a:off x="7861149" y="1337734"/>
             <a:ext cx="1684885" cy="400110"/>
           </a:xfrm>
           <a:prstGeom prst="rect">
@@ -9176,7 +13833,7 @@
         </p:nvSpPr>
         <p:spPr>
           <a:xfrm>
-            <a:off x="3195654" y="2661294"/>
+            <a:off x="3185144" y="2093736"/>
             <a:ext cx="795721" cy="416358"/>
           </a:xfrm>
           <a:prstGeom prst="rect">
@@ -9229,7 +13886,7 @@
         </p:nvCxnSpPr>
         <p:spPr>
           <a:xfrm>
-            <a:off x="3593515" y="3077652"/>
+            <a:off x="3583005" y="2510094"/>
             <a:ext cx="0" cy="170044"/>
           </a:xfrm>
           <a:prstGeom prst="line">
@@ -9267,7 +13924,7 @@
         </p:nvCxnSpPr>
         <p:spPr>
           <a:xfrm>
-            <a:off x="2962893" y="3247696"/>
+            <a:off x="2952383" y="2680138"/>
             <a:ext cx="1261241" cy="0"/>
           </a:xfrm>
           <a:prstGeom prst="line">
@@ -9303,7 +13960,7 @@
         </p:nvSpPr>
         <p:spPr>
           <a:xfrm>
-            <a:off x="2539421" y="3580426"/>
+            <a:off x="2528911" y="3012868"/>
             <a:ext cx="795721" cy="416358"/>
           </a:xfrm>
           <a:prstGeom prst="rect">
@@ -9356,7 +14013,7 @@
         </p:nvSpPr>
         <p:spPr>
           <a:xfrm>
-            <a:off x="3828833" y="3580426"/>
+            <a:off x="3818323" y="3012868"/>
             <a:ext cx="795721" cy="416358"/>
           </a:xfrm>
           <a:prstGeom prst="rect">
@@ -9411,7 +14068,7 @@
         </p:nvCxnSpPr>
         <p:spPr>
           <a:xfrm>
-            <a:off x="2962892" y="3247696"/>
+            <a:off x="2952382" y="2680138"/>
             <a:ext cx="0" cy="315311"/>
           </a:xfrm>
           <a:prstGeom prst="straightConnector1">
@@ -9452,7 +14109,7 @@
         </p:nvCxnSpPr>
         <p:spPr>
           <a:xfrm>
-            <a:off x="4224134" y="3247696"/>
+            <a:off x="4213624" y="2680138"/>
             <a:ext cx="0" cy="315311"/>
           </a:xfrm>
           <a:prstGeom prst="straightConnector1">
@@ -9493,7 +14150,7 @@
         </p:nvCxnSpPr>
         <p:spPr>
           <a:xfrm>
-            <a:off x="2916107" y="3997308"/>
+            <a:off x="2905597" y="3429750"/>
             <a:ext cx="0" cy="170044"/>
           </a:xfrm>
           <a:prstGeom prst="line">
@@ -9531,7 +14188,7 @@
         </p:nvCxnSpPr>
         <p:spPr>
           <a:xfrm>
-            <a:off x="2598577" y="4167352"/>
+            <a:off x="2588067" y="3599794"/>
             <a:ext cx="677407" cy="0"/>
           </a:xfrm>
           <a:prstGeom prst="line">
@@ -9569,7 +14226,7 @@
         </p:nvCxnSpPr>
         <p:spPr>
           <a:xfrm>
-            <a:off x="2598577" y="4172608"/>
+            <a:off x="2588067" y="3605050"/>
             <a:ext cx="0" cy="315311"/>
           </a:xfrm>
           <a:prstGeom prst="straightConnector1">
@@ -9610,7 +14267,7 @@
         </p:nvCxnSpPr>
         <p:spPr>
           <a:xfrm>
-            <a:off x="3275984" y="4167352"/>
+            <a:off x="3265474" y="3599794"/>
             <a:ext cx="0" cy="315311"/>
           </a:xfrm>
           <a:prstGeom prst="straightConnector1">
@@ -9649,7 +14306,7 @@
         </p:nvSpPr>
         <p:spPr>
           <a:xfrm>
-            <a:off x="2283266" y="4479676"/>
+            <a:off x="2272756" y="3912118"/>
             <a:ext cx="630622" cy="248254"/>
           </a:xfrm>
           <a:prstGeom prst="rect">
@@ -9705,7 +14362,7 @@
         </p:nvSpPr>
         <p:spPr>
           <a:xfrm>
-            <a:off x="2982888" y="4479676"/>
+            <a:off x="2972378" y="3912118"/>
             <a:ext cx="630621" cy="248254"/>
           </a:xfrm>
           <a:prstGeom prst="rect">
@@ -9763,7 +14420,7 @@
         </p:nvCxnSpPr>
         <p:spPr>
           <a:xfrm>
-            <a:off x="4202960" y="3997308"/>
+            <a:off x="4192450" y="3429750"/>
             <a:ext cx="0" cy="170044"/>
           </a:xfrm>
           <a:prstGeom prst="line">
@@ -9801,7 +14458,7 @@
         </p:nvCxnSpPr>
         <p:spPr>
           <a:xfrm>
-            <a:off x="3885430" y="4167352"/>
+            <a:off x="3874920" y="3599794"/>
             <a:ext cx="1153730" cy="0"/>
           </a:xfrm>
           <a:prstGeom prst="line">
@@ -9839,7 +14496,7 @@
         </p:nvCxnSpPr>
         <p:spPr>
           <a:xfrm>
-            <a:off x="3885430" y="4172608"/>
+            <a:off x="3874920" y="3605050"/>
             <a:ext cx="0" cy="315311"/>
           </a:xfrm>
           <a:prstGeom prst="straightConnector1">
@@ -9878,7 +14535,7 @@
         </p:nvSpPr>
         <p:spPr>
           <a:xfrm>
-            <a:off x="3676823" y="4472308"/>
+            <a:off x="3666313" y="3904750"/>
             <a:ext cx="482817" cy="255622"/>
           </a:xfrm>
           <a:prstGeom prst="rect">
@@ -9934,7 +14591,7 @@
         </p:nvSpPr>
         <p:spPr>
           <a:xfrm>
-            <a:off x="4222954" y="4477950"/>
+            <a:off x="4212444" y="3910392"/>
             <a:ext cx="482817" cy="255622"/>
           </a:xfrm>
           <a:prstGeom prst="rect">
@@ -9990,7 +14647,7 @@
         </p:nvSpPr>
         <p:spPr>
           <a:xfrm>
-            <a:off x="4797752" y="4472308"/>
+            <a:off x="4787242" y="3904750"/>
             <a:ext cx="482817" cy="255622"/>
           </a:xfrm>
           <a:prstGeom prst="rect">
@@ -10048,7 +14705,7 @@
         </p:nvCxnSpPr>
         <p:spPr>
           <a:xfrm>
-            <a:off x="4464362" y="4172608"/>
+            <a:off x="4453852" y="3605050"/>
             <a:ext cx="0" cy="315311"/>
           </a:xfrm>
           <a:prstGeom prst="straightConnector1">
@@ -10089,7 +14746,7 @@
         </p:nvCxnSpPr>
         <p:spPr>
           <a:xfrm>
-            <a:off x="5039160" y="4177864"/>
+            <a:off x="5028650" y="3610306"/>
             <a:ext cx="0" cy="315311"/>
           </a:xfrm>
           <a:prstGeom prst="straightConnector1">
@@ -10130,7 +14787,7 @@
         </p:nvCxnSpPr>
         <p:spPr>
           <a:xfrm>
-            <a:off x="5039160" y="4727930"/>
+            <a:off x="5028650" y="4160372"/>
             <a:ext cx="0" cy="232952"/>
           </a:xfrm>
           <a:prstGeom prst="straightConnector1">
@@ -10169,7 +14826,7 @@
         </p:nvSpPr>
         <p:spPr>
           <a:xfrm>
-            <a:off x="4797751" y="4960882"/>
+            <a:off x="4787241" y="4393324"/>
             <a:ext cx="482817" cy="255622"/>
           </a:xfrm>
           <a:prstGeom prst="rect">
@@ -10227,7 +14884,7 @@
         </p:nvCxnSpPr>
         <p:spPr>
           <a:xfrm>
-            <a:off x="4462295" y="4812876"/>
+            <a:off x="4451785" y="4245318"/>
             <a:ext cx="576865" cy="0"/>
           </a:xfrm>
           <a:prstGeom prst="line">
@@ -10265,7 +14922,7 @@
         </p:nvCxnSpPr>
         <p:spPr>
           <a:xfrm>
-            <a:off x="4462295" y="4812876"/>
+            <a:off x="4451785" y="4245318"/>
             <a:ext cx="0" cy="148006"/>
           </a:xfrm>
           <a:prstGeom prst="straightConnector1">
@@ -10304,7 +14961,7 @@
         </p:nvSpPr>
         <p:spPr>
           <a:xfrm>
-            <a:off x="4175804" y="4965773"/>
+            <a:off x="4165294" y="4398215"/>
             <a:ext cx="482817" cy="255622"/>
           </a:xfrm>
           <a:prstGeom prst="rect">
@@ -10360,7 +15017,7 @@
         </p:nvSpPr>
         <p:spPr>
           <a:xfrm>
-            <a:off x="8061139" y="2656403"/>
+            <a:off x="8050629" y="2088845"/>
             <a:ext cx="795721" cy="416358"/>
           </a:xfrm>
           <a:prstGeom prst="rect">
@@ -10413,7 +15070,7 @@
         </p:nvCxnSpPr>
         <p:spPr>
           <a:xfrm>
-            <a:off x="8459000" y="3072761"/>
+            <a:off x="8448490" y="2505203"/>
             <a:ext cx="0" cy="170044"/>
           </a:xfrm>
           <a:prstGeom prst="line">
@@ -10451,7 +15108,7 @@
         </p:nvCxnSpPr>
         <p:spPr>
           <a:xfrm>
-            <a:off x="7828378" y="3242805"/>
+            <a:off x="7817868" y="2675247"/>
             <a:ext cx="1261241" cy="0"/>
           </a:xfrm>
           <a:prstGeom prst="line">
@@ -10487,7 +15144,7 @@
         </p:nvSpPr>
         <p:spPr>
           <a:xfrm>
-            <a:off x="7404906" y="3575535"/>
+            <a:off x="7394396" y="3007977"/>
             <a:ext cx="795721" cy="416358"/>
           </a:xfrm>
           <a:prstGeom prst="rect">
@@ -10540,7 +15197,7 @@
         </p:nvSpPr>
         <p:spPr>
           <a:xfrm>
-            <a:off x="8694318" y="3575535"/>
+            <a:off x="8683808" y="3007977"/>
             <a:ext cx="795721" cy="416358"/>
           </a:xfrm>
           <a:prstGeom prst="rect">
@@ -10595,7 +15252,7 @@
         </p:nvCxnSpPr>
         <p:spPr>
           <a:xfrm>
-            <a:off x="7828377" y="3242805"/>
+            <a:off x="7817867" y="2675247"/>
             <a:ext cx="0" cy="315311"/>
           </a:xfrm>
           <a:prstGeom prst="straightConnector1">
@@ -10636,7 +15293,7 @@
         </p:nvCxnSpPr>
         <p:spPr>
           <a:xfrm>
-            <a:off x="9089619" y="3242805"/>
+            <a:off x="9079109" y="2675247"/>
             <a:ext cx="0" cy="315311"/>
           </a:xfrm>
           <a:prstGeom prst="straightConnector1">
@@ -10677,7 +15334,7 @@
         </p:nvCxnSpPr>
         <p:spPr>
           <a:xfrm>
-            <a:off x="7781592" y="3992417"/>
+            <a:off x="7771082" y="3424859"/>
             <a:ext cx="0" cy="170044"/>
           </a:xfrm>
           <a:prstGeom prst="line">
@@ -10715,7 +15372,7 @@
         </p:nvCxnSpPr>
         <p:spPr>
           <a:xfrm>
-            <a:off x="7464062" y="4162461"/>
+            <a:off x="7453552" y="3594903"/>
             <a:ext cx="677407" cy="0"/>
           </a:xfrm>
           <a:prstGeom prst="line">
@@ -10753,7 +15410,7 @@
         </p:nvCxnSpPr>
         <p:spPr>
           <a:xfrm>
-            <a:off x="7464062" y="4167717"/>
+            <a:off x="7453552" y="3600159"/>
             <a:ext cx="0" cy="315311"/>
           </a:xfrm>
           <a:prstGeom prst="straightConnector1">
@@ -10794,7 +15451,7 @@
         </p:nvCxnSpPr>
         <p:spPr>
           <a:xfrm>
-            <a:off x="8141469" y="4162461"/>
+            <a:off x="8130959" y="3594903"/>
             <a:ext cx="0" cy="315311"/>
           </a:xfrm>
           <a:prstGeom prst="straightConnector1">
@@ -10833,7 +15490,7 @@
         </p:nvSpPr>
         <p:spPr>
           <a:xfrm>
-            <a:off x="7148751" y="4474785"/>
+            <a:off x="7138241" y="3907227"/>
             <a:ext cx="630622" cy="248254"/>
           </a:xfrm>
           <a:prstGeom prst="rect">
@@ -10889,7 +15546,7 @@
         </p:nvSpPr>
         <p:spPr>
           <a:xfrm>
-            <a:off x="7848373" y="4474785"/>
+            <a:off x="7837863" y="3907227"/>
             <a:ext cx="630621" cy="248254"/>
           </a:xfrm>
           <a:prstGeom prst="rect">
@@ -10947,7 +15604,7 @@
         </p:nvCxnSpPr>
         <p:spPr>
           <a:xfrm>
-            <a:off x="9068445" y="3992417"/>
+            <a:off x="9057935" y="3424859"/>
             <a:ext cx="0" cy="170044"/>
           </a:xfrm>
           <a:prstGeom prst="line">
@@ -10985,7 +15642,7 @@
         </p:nvCxnSpPr>
         <p:spPr>
           <a:xfrm>
-            <a:off x="8750915" y="4162461"/>
+            <a:off x="8740405" y="3594903"/>
             <a:ext cx="1153730" cy="0"/>
           </a:xfrm>
           <a:prstGeom prst="line">
@@ -11023,7 +15680,7 @@
         </p:nvCxnSpPr>
         <p:spPr>
           <a:xfrm>
-            <a:off x="8750915" y="4167717"/>
+            <a:off x="8740405" y="3600159"/>
             <a:ext cx="0" cy="315311"/>
           </a:xfrm>
           <a:prstGeom prst="straightConnector1">
@@ -11062,7 +15719,7 @@
         </p:nvSpPr>
         <p:spPr>
           <a:xfrm>
-            <a:off x="8542308" y="4467417"/>
+            <a:off x="8531798" y="3899859"/>
             <a:ext cx="482817" cy="255622"/>
           </a:xfrm>
           <a:prstGeom prst="rect">
@@ -11126,7 +15783,7 @@
         </p:nvSpPr>
         <p:spPr>
           <a:xfrm>
-            <a:off x="9088439" y="4473059"/>
+            <a:off x="9077929" y="3905501"/>
             <a:ext cx="482817" cy="255622"/>
           </a:xfrm>
           <a:prstGeom prst="rect">
@@ -11190,7 +15847,7 @@
         </p:nvSpPr>
         <p:spPr>
           <a:xfrm>
-            <a:off x="9663237" y="4467417"/>
+            <a:off x="9652727" y="3899859"/>
             <a:ext cx="482817" cy="255622"/>
           </a:xfrm>
           <a:prstGeom prst="rect">
@@ -11248,7 +15905,7 @@
         </p:nvCxnSpPr>
         <p:spPr>
           <a:xfrm>
-            <a:off x="9329847" y="4167717"/>
+            <a:off x="9319337" y="3600159"/>
             <a:ext cx="0" cy="315311"/>
           </a:xfrm>
           <a:prstGeom prst="straightConnector1">
@@ -11289,7 +15946,7 @@
         </p:nvCxnSpPr>
         <p:spPr>
           <a:xfrm>
-            <a:off x="9904645" y="4172973"/>
+            <a:off x="9894135" y="3605415"/>
             <a:ext cx="0" cy="315311"/>
           </a:xfrm>
           <a:prstGeom prst="straightConnector1">
@@ -11330,7 +15987,7 @@
         </p:nvCxnSpPr>
         <p:spPr>
           <a:xfrm>
-            <a:off x="9904645" y="4723039"/>
+            <a:off x="9894135" y="4155481"/>
             <a:ext cx="0" cy="232952"/>
           </a:xfrm>
           <a:prstGeom prst="straightConnector1">
@@ -11369,7 +16026,7 @@
         </p:nvSpPr>
         <p:spPr>
           <a:xfrm>
-            <a:off x="9663236" y="4955991"/>
+            <a:off x="9652726" y="4388433"/>
             <a:ext cx="482817" cy="255622"/>
           </a:xfrm>
           <a:prstGeom prst="rect">
@@ -11427,7 +16084,7 @@
         </p:nvCxnSpPr>
         <p:spPr>
           <a:xfrm>
-            <a:off x="9327780" y="4807985"/>
+            <a:off x="9317270" y="4240427"/>
             <a:ext cx="576865" cy="0"/>
           </a:xfrm>
           <a:prstGeom prst="line">
@@ -11465,7 +16122,7 @@
         </p:nvCxnSpPr>
         <p:spPr>
           <a:xfrm>
-            <a:off x="9327780" y="4807985"/>
+            <a:off x="9317270" y="4240427"/>
             <a:ext cx="0" cy="148006"/>
           </a:xfrm>
           <a:prstGeom prst="straightConnector1">
@@ -11504,7 +16161,7 @@
         </p:nvSpPr>
         <p:spPr>
           <a:xfrm>
-            <a:off x="9041289" y="4960882"/>
+            <a:off x="9030779" y="4393324"/>
             <a:ext cx="482817" cy="255622"/>
           </a:xfrm>
           <a:prstGeom prst="rect">
@@ -11560,7 +16217,7 @@
         </p:nvSpPr>
         <p:spPr>
           <a:xfrm>
-            <a:off x="1974937" y="2346793"/>
+            <a:off x="1964427" y="1779235"/>
             <a:ext cx="3713723" cy="3490268"/>
           </a:xfrm>
           <a:prstGeom prst="roundRect">
@@ -11608,7 +16265,7 @@
         </p:nvSpPr>
         <p:spPr>
           <a:xfrm>
-            <a:off x="6860873" y="2346793"/>
+            <a:off x="6850363" y="1779235"/>
             <a:ext cx="3713723" cy="3490268"/>
           </a:xfrm>
           <a:prstGeom prst="roundRect">
@@ -11639,6 +16296,53 @@
           <a:p>
             <a:pPr algn="ctr"/>
             <a:endParaRPr lang="ko-KR" altLang="en-US"/>
+          </a:p>
+        </p:txBody>
+      </p:sp>
+      <p:sp>
+        <p:nvSpPr>
+          <p:cNvPr id="83" name="직사각형 82">
+            <a:extLst>
+              <a:ext uri="{FF2B5EF4-FFF2-40B4-BE49-F238E27FC236}">
+                <a16:creationId xmlns:a16="http://schemas.microsoft.com/office/drawing/2014/main" id="{DAA41A80-629B-4FA8-86A5-A10D2445917C}"/>
+              </a:ext>
+            </a:extLst>
+          </p:cNvPr>
+          <p:cNvSpPr/>
+          <p:nvPr/>
+        </p:nvSpPr>
+        <p:spPr>
+          <a:xfrm>
+            <a:off x="2476054" y="5512982"/>
+            <a:ext cx="7239892" cy="400110"/>
+          </a:xfrm>
+          <a:prstGeom prst="rect">
+            <a:avLst/>
+          </a:prstGeom>
+        </p:spPr>
+        <p:txBody>
+          <a:bodyPr wrap="square">
+            <a:spAutoFit/>
+          </a:bodyPr>
+          <a:lstStyle/>
+          <a:p>
+            <a:pPr algn="ctr"/>
+            <a:r>
+              <a:rPr lang="ko-KR" altLang="en-US" sz="2000" dirty="0"/>
+              <a:t>모든 렌더링은 </a:t>
+            </a:r>
+            <a:r>
+              <a:rPr lang="en-US" altLang="ko-KR" sz="2000" dirty="0"/>
+              <a:t>render(…) </a:t>
+            </a:r>
+            <a:r>
+              <a:rPr lang="ko-KR" altLang="en-US" sz="2000" dirty="0"/>
+              <a:t>함수로 이루어진다</a:t>
+            </a:r>
+            <a:r>
+              <a:rPr lang="en-US" altLang="ko-KR" sz="2000" dirty="0"/>
+              <a:t>.</a:t>
+            </a:r>
           </a:p>
         </p:txBody>
       </p:sp>
@@ -11686,7 +16390,7 @@
                                           </p:stCondLst>
                                         </p:cTn>
                                         <p:tgtEl>
-                                          <p:spTgt spid="7"/>
+                                          <p:spTgt spid="81"/>
                                         </p:tgtEl>
                                         <p:attrNameLst>
                                           <p:attrName>style.visibility</p:attrName>
@@ -11700,6 +16404,59 @@
                                       <p:cBhvr>
                                         <p:cTn id="7" dur="500"/>
                                         <p:tgtEl>
+                                          <p:spTgt spid="81"/>
+                                        </p:tgtEl>
+                                      </p:cBhvr>
+                                    </p:animEffect>
+                                  </p:childTnLst>
+                                </p:cTn>
+                              </p:par>
+                            </p:childTnLst>
+                          </p:cTn>
+                        </p:par>
+                      </p:childTnLst>
+                    </p:cTn>
+                  </p:par>
+                  <p:par>
+                    <p:cTn id="8" fill="hold">
+                      <p:stCondLst>
+                        <p:cond delay="indefinite"/>
+                      </p:stCondLst>
+                      <p:childTnLst>
+                        <p:par>
+                          <p:cTn id="9" fill="hold">
+                            <p:stCondLst>
+                              <p:cond delay="0"/>
+                            </p:stCondLst>
+                            <p:childTnLst>
+                              <p:par>
+                                <p:cTn id="10" presetID="10" presetClass="entr" presetSubtype="0" fill="hold" grpId="0" nodeType="clickEffect">
+                                  <p:stCondLst>
+                                    <p:cond delay="0"/>
+                                  </p:stCondLst>
+                                  <p:childTnLst>
+                                    <p:set>
+                                      <p:cBhvr>
+                                        <p:cTn id="11" dur="1" fill="hold">
+                                          <p:stCondLst>
+                                            <p:cond delay="0"/>
+                                          </p:stCondLst>
+                                        </p:cTn>
+                                        <p:tgtEl>
+                                          <p:spTgt spid="7"/>
+                                        </p:tgtEl>
+                                        <p:attrNameLst>
+                                          <p:attrName>style.visibility</p:attrName>
+                                        </p:attrNameLst>
+                                      </p:cBhvr>
+                                      <p:to>
+                                        <p:strVal val="visible"/>
+                                      </p:to>
+                                    </p:set>
+                                    <p:animEffect transition="in" filter="fade">
+                                      <p:cBhvr>
+                                        <p:cTn id="12" dur="500"/>
+                                        <p:tgtEl>
                                           <p:spTgt spid="7"/>
                                         </p:tgtEl>
                                       </p:cBhvr>
@@ -11708,14 +16465,14 @@
                                 </p:cTn>
                               </p:par>
                               <p:par>
-                                <p:cTn id="8" presetID="10" presetClass="entr" presetSubtype="0" fill="hold" grpId="0" nodeType="withEffect">
+                                <p:cTn id="13" presetID="10" presetClass="entr" presetSubtype="0" fill="hold" grpId="0" nodeType="withEffect">
                                   <p:stCondLst>
                                     <p:cond delay="0"/>
                                   </p:stCondLst>
                                   <p:childTnLst>
                                     <p:set>
                                       <p:cBhvr>
-                                        <p:cTn id="9" dur="1" fill="hold">
+                                        <p:cTn id="14" dur="1" fill="hold">
                                           <p:stCondLst>
                                             <p:cond delay="0"/>
                                           </p:stCondLst>
@@ -11733,7 +16490,7 @@
                                     </p:set>
                                     <p:animEffect transition="in" filter="fade">
                                       <p:cBhvr>
-                                        <p:cTn id="10" dur="500"/>
+                                        <p:cTn id="15" dur="500"/>
                                         <p:tgtEl>
                                           <p:spTgt spid="55"/>
                                         </p:tgtEl>
@@ -11743,14 +16500,14 @@
                                 </p:cTn>
                               </p:par>
                               <p:par>
-                                <p:cTn id="11" presetID="10" presetClass="entr" presetSubtype="0" fill="hold" nodeType="withEffect">
+                                <p:cTn id="16" presetID="10" presetClass="entr" presetSubtype="0" fill="hold" nodeType="withEffect">
                                   <p:stCondLst>
                                     <p:cond delay="0"/>
                                   </p:stCondLst>
                                   <p:childTnLst>
                                     <p:set>
                                       <p:cBhvr>
-                                        <p:cTn id="12" dur="1" fill="hold">
+                                        <p:cTn id="17" dur="1" fill="hold">
                                           <p:stCondLst>
                                             <p:cond delay="0"/>
                                           </p:stCondLst>
@@ -11768,7 +16525,7 @@
                                     </p:set>
                                     <p:animEffect transition="in" filter="fade">
                                       <p:cBhvr>
-                                        <p:cTn id="13" dur="500"/>
+                                        <p:cTn id="18" dur="500"/>
                                         <p:tgtEl>
                                           <p:spTgt spid="56"/>
                                         </p:tgtEl>
@@ -11778,14 +16535,14 @@
                                 </p:cTn>
                               </p:par>
                               <p:par>
-                                <p:cTn id="14" presetID="10" presetClass="entr" presetSubtype="0" fill="hold" nodeType="withEffect">
+                                <p:cTn id="19" presetID="10" presetClass="entr" presetSubtype="0" fill="hold" nodeType="withEffect">
                                   <p:stCondLst>
                                     <p:cond delay="0"/>
                                   </p:stCondLst>
                                   <p:childTnLst>
                                     <p:set>
                                       <p:cBhvr>
-                                        <p:cTn id="15" dur="1" fill="hold">
+                                        <p:cTn id="20" dur="1" fill="hold">
                                           <p:stCondLst>
                                             <p:cond delay="0"/>
                                           </p:stCondLst>
@@ -11803,7 +16560,7 @@
                                     </p:set>
                                     <p:animEffect transition="in" filter="fade">
                                       <p:cBhvr>
-                                        <p:cTn id="16" dur="500"/>
+                                        <p:cTn id="21" dur="500"/>
                                         <p:tgtEl>
                                           <p:spTgt spid="57"/>
                                         </p:tgtEl>
@@ -11813,14 +16570,14 @@
                                 </p:cTn>
                               </p:par>
                               <p:par>
-                                <p:cTn id="17" presetID="10" presetClass="entr" presetSubtype="0" fill="hold" grpId="0" nodeType="withEffect">
+                                <p:cTn id="22" presetID="10" presetClass="entr" presetSubtype="0" fill="hold" grpId="0" nodeType="withEffect">
                                   <p:stCondLst>
                                     <p:cond delay="0"/>
                                   </p:stCondLst>
                                   <p:childTnLst>
                                     <p:set>
                                       <p:cBhvr>
-                                        <p:cTn id="18" dur="1" fill="hold">
+                                        <p:cTn id="23" dur="1" fill="hold">
                                           <p:stCondLst>
                                             <p:cond delay="0"/>
                                           </p:stCondLst>
@@ -11838,7 +16595,7 @@
                                     </p:set>
                                     <p:animEffect transition="in" filter="fade">
                                       <p:cBhvr>
-                                        <p:cTn id="19" dur="500"/>
+                                        <p:cTn id="24" dur="500"/>
                                         <p:tgtEl>
                                           <p:spTgt spid="58"/>
                                         </p:tgtEl>
@@ -11848,14 +16605,14 @@
                                 </p:cTn>
                               </p:par>
                               <p:par>
-                                <p:cTn id="20" presetID="10" presetClass="entr" presetSubtype="0" fill="hold" grpId="0" nodeType="withEffect">
+                                <p:cTn id="25" presetID="10" presetClass="entr" presetSubtype="0" fill="hold" grpId="0" nodeType="withEffect">
                                   <p:stCondLst>
                                     <p:cond delay="0"/>
                                   </p:stCondLst>
                                   <p:childTnLst>
                                     <p:set>
                                       <p:cBhvr>
-                                        <p:cTn id="21" dur="1" fill="hold">
+                                        <p:cTn id="26" dur="1" fill="hold">
                                           <p:stCondLst>
                                             <p:cond delay="0"/>
                                           </p:stCondLst>
@@ -11873,7 +16630,7 @@
                                     </p:set>
                                     <p:animEffect transition="in" filter="fade">
                                       <p:cBhvr>
-                                        <p:cTn id="22" dur="500"/>
+                                        <p:cTn id="27" dur="500"/>
                                         <p:tgtEl>
                                           <p:spTgt spid="59"/>
                                         </p:tgtEl>
@@ -11883,14 +16640,14 @@
                                 </p:cTn>
                               </p:par>
                               <p:par>
-                                <p:cTn id="23" presetID="10" presetClass="entr" presetSubtype="0" fill="hold" nodeType="withEffect">
+                                <p:cTn id="28" presetID="10" presetClass="entr" presetSubtype="0" fill="hold" nodeType="withEffect">
                                   <p:stCondLst>
                                     <p:cond delay="0"/>
                                   </p:stCondLst>
                                   <p:childTnLst>
                                     <p:set>
                                       <p:cBhvr>
-                                        <p:cTn id="24" dur="1" fill="hold">
+                                        <p:cTn id="29" dur="1" fill="hold">
                                           <p:stCondLst>
                                             <p:cond delay="0"/>
                                           </p:stCondLst>
@@ -11908,7 +16665,7 @@
                                     </p:set>
                                     <p:animEffect transition="in" filter="fade">
                                       <p:cBhvr>
-                                        <p:cTn id="25" dur="500"/>
+                                        <p:cTn id="30" dur="500"/>
                                         <p:tgtEl>
                                           <p:spTgt spid="60"/>
                                         </p:tgtEl>
@@ -11918,14 +16675,14 @@
                                 </p:cTn>
                               </p:par>
                               <p:par>
-                                <p:cTn id="26" presetID="10" presetClass="entr" presetSubtype="0" fill="hold" nodeType="withEffect">
+                                <p:cTn id="31" presetID="10" presetClass="entr" presetSubtype="0" fill="hold" nodeType="withEffect">
                                   <p:stCondLst>
                                     <p:cond delay="0"/>
                                   </p:stCondLst>
                                   <p:childTnLst>
                                     <p:set>
                                       <p:cBhvr>
-                                        <p:cTn id="27" dur="1" fill="hold">
+                                        <p:cTn id="32" dur="1" fill="hold">
                                           <p:stCondLst>
                                             <p:cond delay="0"/>
                                           </p:stCondLst>
@@ -11943,7 +16700,7 @@
                                     </p:set>
                                     <p:animEffect transition="in" filter="fade">
                                       <p:cBhvr>
-                                        <p:cTn id="28" dur="500"/>
+                                        <p:cTn id="33" dur="500"/>
                                         <p:tgtEl>
                                           <p:spTgt spid="61"/>
                                         </p:tgtEl>
@@ -11953,14 +16710,14 @@
                                 </p:cTn>
                               </p:par>
                               <p:par>
-                                <p:cTn id="29" presetID="10" presetClass="entr" presetSubtype="0" fill="hold" nodeType="withEffect">
+                                <p:cTn id="34" presetID="10" presetClass="entr" presetSubtype="0" fill="hold" nodeType="withEffect">
                                   <p:stCondLst>
                                     <p:cond delay="0"/>
                                   </p:stCondLst>
                                   <p:childTnLst>
                                     <p:set>
                                       <p:cBhvr>
-                                        <p:cTn id="30" dur="1" fill="hold">
+                                        <p:cTn id="35" dur="1" fill="hold">
                                           <p:stCondLst>
                                             <p:cond delay="0"/>
                                           </p:stCondLst>
@@ -11978,7 +16735,7 @@
                                     </p:set>
                                     <p:animEffect transition="in" filter="fade">
                                       <p:cBhvr>
-                                        <p:cTn id="31" dur="500"/>
+                                        <p:cTn id="36" dur="500"/>
                                         <p:tgtEl>
                                           <p:spTgt spid="62"/>
                                         </p:tgtEl>
@@ -11988,14 +16745,14 @@
                                 </p:cTn>
                               </p:par>
                               <p:par>
-                                <p:cTn id="32" presetID="10" presetClass="entr" presetSubtype="0" fill="hold" nodeType="withEffect">
+                                <p:cTn id="37" presetID="10" presetClass="entr" presetSubtype="0" fill="hold" nodeType="withEffect">
                                   <p:stCondLst>
                                     <p:cond delay="0"/>
                                   </p:stCondLst>
                                   <p:childTnLst>
                                     <p:set>
                                       <p:cBhvr>
-                                        <p:cTn id="33" dur="1" fill="hold">
+                                        <p:cTn id="38" dur="1" fill="hold">
                                           <p:stCondLst>
                                             <p:cond delay="0"/>
                                           </p:stCondLst>
@@ -12013,7 +16770,7 @@
                                     </p:set>
                                     <p:animEffect transition="in" filter="fade">
                                       <p:cBhvr>
-                                        <p:cTn id="34" dur="500"/>
+                                        <p:cTn id="39" dur="500"/>
                                         <p:tgtEl>
                                           <p:spTgt spid="63"/>
                                         </p:tgtEl>
@@ -12023,14 +16780,14 @@
                                 </p:cTn>
                               </p:par>
                               <p:par>
-                                <p:cTn id="35" presetID="10" presetClass="entr" presetSubtype="0" fill="hold" nodeType="withEffect">
+                                <p:cTn id="40" presetID="10" presetClass="entr" presetSubtype="0" fill="hold" nodeType="withEffect">
                                   <p:stCondLst>
                                     <p:cond delay="0"/>
                                   </p:stCondLst>
                                   <p:childTnLst>
                                     <p:set>
                                       <p:cBhvr>
-                                        <p:cTn id="36" dur="1" fill="hold">
+                                        <p:cTn id="41" dur="1" fill="hold">
                                           <p:stCondLst>
                                             <p:cond delay="0"/>
                                           </p:stCondLst>
@@ -12048,7 +16805,7 @@
                                     </p:set>
                                     <p:animEffect transition="in" filter="fade">
                                       <p:cBhvr>
-                                        <p:cTn id="37" dur="500"/>
+                                        <p:cTn id="42" dur="500"/>
                                         <p:tgtEl>
                                           <p:spTgt spid="64"/>
                                         </p:tgtEl>
@@ -12058,14 +16815,14 @@
                                 </p:cTn>
                               </p:par>
                               <p:par>
-                                <p:cTn id="38" presetID="10" presetClass="entr" presetSubtype="0" fill="hold" nodeType="withEffect">
+                                <p:cTn id="43" presetID="10" presetClass="entr" presetSubtype="0" fill="hold" nodeType="withEffect">
                                   <p:stCondLst>
                                     <p:cond delay="0"/>
                                   </p:stCondLst>
                                   <p:childTnLst>
                                     <p:set>
                                       <p:cBhvr>
-                                        <p:cTn id="39" dur="1" fill="hold">
+                                        <p:cTn id="44" dur="1" fill="hold">
                                           <p:stCondLst>
                                             <p:cond delay="0"/>
                                           </p:stCondLst>
@@ -12083,7 +16840,7 @@
                                     </p:set>
                                     <p:animEffect transition="in" filter="fade">
                                       <p:cBhvr>
-                                        <p:cTn id="40" dur="500"/>
+                                        <p:cTn id="45" dur="500"/>
                                         <p:tgtEl>
                                           <p:spTgt spid="65"/>
                                         </p:tgtEl>
@@ -12093,14 +16850,14 @@
                                 </p:cTn>
                               </p:par>
                               <p:par>
-                                <p:cTn id="41" presetID="10" presetClass="entr" presetSubtype="0" fill="hold" grpId="0" nodeType="withEffect">
+                                <p:cTn id="46" presetID="10" presetClass="entr" presetSubtype="0" fill="hold" grpId="0" nodeType="withEffect">
                                   <p:stCondLst>
                                     <p:cond delay="0"/>
                                   </p:stCondLst>
                                   <p:childTnLst>
                                     <p:set>
                                       <p:cBhvr>
-                                        <p:cTn id="42" dur="1" fill="hold">
+                                        <p:cTn id="47" dur="1" fill="hold">
                                           <p:stCondLst>
                                             <p:cond delay="0"/>
                                           </p:stCondLst>
@@ -12118,7 +16875,7 @@
                                     </p:set>
                                     <p:animEffect transition="in" filter="fade">
                                       <p:cBhvr>
-                                        <p:cTn id="43" dur="500"/>
+                                        <p:cTn id="48" dur="500"/>
                                         <p:tgtEl>
                                           <p:spTgt spid="66"/>
                                         </p:tgtEl>
@@ -12128,14 +16885,14 @@
                                 </p:cTn>
                               </p:par>
                               <p:par>
-                                <p:cTn id="44" presetID="10" presetClass="entr" presetSubtype="0" fill="hold" grpId="0" nodeType="withEffect">
+                                <p:cTn id="49" presetID="10" presetClass="entr" presetSubtype="0" fill="hold" grpId="0" nodeType="withEffect">
                                   <p:stCondLst>
                                     <p:cond delay="0"/>
                                   </p:stCondLst>
                                   <p:childTnLst>
                                     <p:set>
                                       <p:cBhvr>
-                                        <p:cTn id="45" dur="1" fill="hold">
+                                        <p:cTn id="50" dur="1" fill="hold">
                                           <p:stCondLst>
                                             <p:cond delay="0"/>
                                           </p:stCondLst>
@@ -12153,7 +16910,7 @@
                                     </p:set>
                                     <p:animEffect transition="in" filter="fade">
                                       <p:cBhvr>
-                                        <p:cTn id="46" dur="500"/>
+                                        <p:cTn id="51" dur="500"/>
                                         <p:tgtEl>
                                           <p:spTgt spid="67"/>
                                         </p:tgtEl>
@@ -12163,14 +16920,14 @@
                                 </p:cTn>
                               </p:par>
                               <p:par>
-                                <p:cTn id="47" presetID="10" presetClass="entr" presetSubtype="0" fill="hold" nodeType="withEffect">
+                                <p:cTn id="52" presetID="10" presetClass="entr" presetSubtype="0" fill="hold" nodeType="withEffect">
                                   <p:stCondLst>
                                     <p:cond delay="0"/>
                                   </p:stCondLst>
                                   <p:childTnLst>
                                     <p:set>
                                       <p:cBhvr>
-                                        <p:cTn id="48" dur="1" fill="hold">
+                                        <p:cTn id="53" dur="1" fill="hold">
                                           <p:stCondLst>
                                             <p:cond delay="0"/>
                                           </p:stCondLst>
@@ -12188,7 +16945,7 @@
                                     </p:set>
                                     <p:animEffect transition="in" filter="fade">
                                       <p:cBhvr>
-                                        <p:cTn id="49" dur="500"/>
+                                        <p:cTn id="54" dur="500"/>
                                         <p:tgtEl>
                                           <p:spTgt spid="68"/>
                                         </p:tgtEl>
@@ -12198,14 +16955,14 @@
                                 </p:cTn>
                               </p:par>
                               <p:par>
-                                <p:cTn id="50" presetID="10" presetClass="entr" presetSubtype="0" fill="hold" nodeType="withEffect">
+                                <p:cTn id="55" presetID="10" presetClass="entr" presetSubtype="0" fill="hold" nodeType="withEffect">
                                   <p:stCondLst>
                                     <p:cond delay="0"/>
                                   </p:stCondLst>
                                   <p:childTnLst>
                                     <p:set>
                                       <p:cBhvr>
-                                        <p:cTn id="51" dur="1" fill="hold">
+                                        <p:cTn id="56" dur="1" fill="hold">
                                           <p:stCondLst>
                                             <p:cond delay="0"/>
                                           </p:stCondLst>
@@ -12223,7 +16980,7 @@
                                     </p:set>
                                     <p:animEffect transition="in" filter="fade">
                                       <p:cBhvr>
-                                        <p:cTn id="52" dur="500"/>
+                                        <p:cTn id="57" dur="500"/>
                                         <p:tgtEl>
                                           <p:spTgt spid="69"/>
                                         </p:tgtEl>
@@ -12233,14 +16990,14 @@
                                 </p:cTn>
                               </p:par>
                               <p:par>
-                                <p:cTn id="53" presetID="10" presetClass="entr" presetSubtype="0" fill="hold" nodeType="withEffect">
+                                <p:cTn id="58" presetID="10" presetClass="entr" presetSubtype="0" fill="hold" nodeType="withEffect">
                                   <p:stCondLst>
                                     <p:cond delay="0"/>
                                   </p:stCondLst>
                                   <p:childTnLst>
                                     <p:set>
                                       <p:cBhvr>
-                                        <p:cTn id="54" dur="1" fill="hold">
+                                        <p:cTn id="59" dur="1" fill="hold">
                                           <p:stCondLst>
                                             <p:cond delay="0"/>
                                           </p:stCondLst>
@@ -12258,7 +17015,7 @@
                                     </p:set>
                                     <p:animEffect transition="in" filter="fade">
                                       <p:cBhvr>
-                                        <p:cTn id="55" dur="500"/>
+                                        <p:cTn id="60" dur="500"/>
                                         <p:tgtEl>
                                           <p:spTgt spid="70"/>
                                         </p:tgtEl>
@@ -12268,14 +17025,14 @@
                                 </p:cTn>
                               </p:par>
                               <p:par>
-                                <p:cTn id="56" presetID="10" presetClass="entr" presetSubtype="0" fill="hold" grpId="0" nodeType="withEffect">
+                                <p:cTn id="61" presetID="10" presetClass="entr" presetSubtype="0" fill="hold" grpId="0" nodeType="withEffect">
                                   <p:stCondLst>
                                     <p:cond delay="0"/>
                                   </p:stCondLst>
                                   <p:childTnLst>
                                     <p:set>
                                       <p:cBhvr>
-                                        <p:cTn id="57" dur="1" fill="hold">
+                                        <p:cTn id="62" dur="1" fill="hold">
                                           <p:stCondLst>
                                             <p:cond delay="0"/>
                                           </p:stCondLst>
@@ -12293,7 +17050,7 @@
                                     </p:set>
                                     <p:animEffect transition="in" filter="fade">
                                       <p:cBhvr>
-                                        <p:cTn id="58" dur="500"/>
+                                        <p:cTn id="63" dur="500"/>
                                         <p:tgtEl>
                                           <p:spTgt spid="71"/>
                                         </p:tgtEl>
@@ -12303,14 +17060,14 @@
                                 </p:cTn>
                               </p:par>
                               <p:par>
-                                <p:cTn id="59" presetID="10" presetClass="entr" presetSubtype="0" fill="hold" grpId="0" nodeType="withEffect">
+                                <p:cTn id="64" presetID="10" presetClass="entr" presetSubtype="0" fill="hold" grpId="0" nodeType="withEffect">
                                   <p:stCondLst>
                                     <p:cond delay="0"/>
                                   </p:stCondLst>
                                   <p:childTnLst>
                                     <p:set>
                                       <p:cBhvr>
-                                        <p:cTn id="60" dur="1" fill="hold">
+                                        <p:cTn id="65" dur="1" fill="hold">
                                           <p:stCondLst>
                                             <p:cond delay="0"/>
                                           </p:stCondLst>
@@ -12328,7 +17085,7 @@
                                     </p:set>
                                     <p:animEffect transition="in" filter="fade">
                                       <p:cBhvr>
-                                        <p:cTn id="61" dur="500"/>
+                                        <p:cTn id="66" dur="500"/>
                                         <p:tgtEl>
                                           <p:spTgt spid="72"/>
                                         </p:tgtEl>
@@ -12338,14 +17095,14 @@
                                 </p:cTn>
                               </p:par>
                               <p:par>
-                                <p:cTn id="62" presetID="10" presetClass="entr" presetSubtype="0" fill="hold" grpId="0" nodeType="withEffect">
+                                <p:cTn id="67" presetID="10" presetClass="entr" presetSubtype="0" fill="hold" grpId="0" nodeType="withEffect">
                                   <p:stCondLst>
                                     <p:cond delay="0"/>
                                   </p:stCondLst>
                                   <p:childTnLst>
                                     <p:set>
                                       <p:cBhvr>
-                                        <p:cTn id="63" dur="1" fill="hold">
+                                        <p:cTn id="68" dur="1" fill="hold">
                                           <p:stCondLst>
                                             <p:cond delay="0"/>
                                           </p:stCondLst>
@@ -12363,7 +17120,7 @@
                                     </p:set>
                                     <p:animEffect transition="in" filter="fade">
                                       <p:cBhvr>
-                                        <p:cTn id="64" dur="500"/>
+                                        <p:cTn id="69" dur="500"/>
                                         <p:tgtEl>
                                           <p:spTgt spid="73"/>
                                         </p:tgtEl>
@@ -12373,14 +17130,14 @@
                                 </p:cTn>
                               </p:par>
                               <p:par>
-                                <p:cTn id="65" presetID="10" presetClass="entr" presetSubtype="0" fill="hold" nodeType="withEffect">
+                                <p:cTn id="70" presetID="10" presetClass="entr" presetSubtype="0" fill="hold" nodeType="withEffect">
                                   <p:stCondLst>
                                     <p:cond delay="0"/>
                                   </p:stCondLst>
                                   <p:childTnLst>
                                     <p:set>
                                       <p:cBhvr>
-                                        <p:cTn id="66" dur="1" fill="hold">
+                                        <p:cTn id="71" dur="1" fill="hold">
                                           <p:stCondLst>
                                             <p:cond delay="0"/>
                                           </p:stCondLst>
@@ -12398,7 +17155,7 @@
                                     </p:set>
                                     <p:animEffect transition="in" filter="fade">
                                       <p:cBhvr>
-                                        <p:cTn id="67" dur="500"/>
+                                        <p:cTn id="72" dur="500"/>
                                         <p:tgtEl>
                                           <p:spTgt spid="74"/>
                                         </p:tgtEl>
@@ -12408,14 +17165,14 @@
                                 </p:cTn>
                               </p:par>
                               <p:par>
-                                <p:cTn id="68" presetID="10" presetClass="entr" presetSubtype="0" fill="hold" nodeType="withEffect">
+                                <p:cTn id="73" presetID="10" presetClass="entr" presetSubtype="0" fill="hold" nodeType="withEffect">
                                   <p:stCondLst>
                                     <p:cond delay="0"/>
                                   </p:stCondLst>
                                   <p:childTnLst>
                                     <p:set>
                                       <p:cBhvr>
-                                        <p:cTn id="69" dur="1" fill="hold">
+                                        <p:cTn id="74" dur="1" fill="hold">
                                           <p:stCondLst>
                                             <p:cond delay="0"/>
                                           </p:stCondLst>
@@ -12433,7 +17190,7 @@
                                     </p:set>
                                     <p:animEffect transition="in" filter="fade">
                                       <p:cBhvr>
-                                        <p:cTn id="70" dur="500"/>
+                                        <p:cTn id="75" dur="500"/>
                                         <p:tgtEl>
                                           <p:spTgt spid="75"/>
                                         </p:tgtEl>
@@ -12443,14 +17200,14 @@
                                 </p:cTn>
                               </p:par>
                               <p:par>
-                                <p:cTn id="71" presetID="10" presetClass="entr" presetSubtype="0" fill="hold" nodeType="withEffect">
+                                <p:cTn id="76" presetID="10" presetClass="entr" presetSubtype="0" fill="hold" nodeType="withEffect">
                                   <p:stCondLst>
                                     <p:cond delay="0"/>
                                   </p:stCondLst>
                                   <p:childTnLst>
                                     <p:set>
                                       <p:cBhvr>
-                                        <p:cTn id="72" dur="1" fill="hold">
+                                        <p:cTn id="77" dur="1" fill="hold">
                                           <p:stCondLst>
                                             <p:cond delay="0"/>
                                           </p:stCondLst>
@@ -12468,7 +17225,7 @@
                                     </p:set>
                                     <p:animEffect transition="in" filter="fade">
                                       <p:cBhvr>
-                                        <p:cTn id="73" dur="500"/>
+                                        <p:cTn id="78" dur="500"/>
                                         <p:tgtEl>
                                           <p:spTgt spid="76"/>
                                         </p:tgtEl>
@@ -12478,14 +17235,14 @@
                                 </p:cTn>
                               </p:par>
                               <p:par>
-                                <p:cTn id="74" presetID="10" presetClass="entr" presetSubtype="0" fill="hold" grpId="0" nodeType="withEffect">
+                                <p:cTn id="79" presetID="10" presetClass="entr" presetSubtype="0" fill="hold" grpId="0" nodeType="withEffect">
                                   <p:stCondLst>
                                     <p:cond delay="0"/>
                                   </p:stCondLst>
                                   <p:childTnLst>
                                     <p:set>
                                       <p:cBhvr>
-                                        <p:cTn id="75" dur="1" fill="hold">
+                                        <p:cTn id="80" dur="1" fill="hold">
                                           <p:stCondLst>
                                             <p:cond delay="0"/>
                                           </p:stCondLst>
@@ -12503,7 +17260,7 @@
                                     </p:set>
                                     <p:animEffect transition="in" filter="fade">
                                       <p:cBhvr>
-                                        <p:cTn id="76" dur="500"/>
+                                        <p:cTn id="81" dur="500"/>
                                         <p:tgtEl>
                                           <p:spTgt spid="77"/>
                                         </p:tgtEl>
@@ -12513,14 +17270,14 @@
                                 </p:cTn>
                               </p:par>
                               <p:par>
-                                <p:cTn id="77" presetID="10" presetClass="entr" presetSubtype="0" fill="hold" nodeType="withEffect">
+                                <p:cTn id="82" presetID="10" presetClass="entr" presetSubtype="0" fill="hold" nodeType="withEffect">
                                   <p:stCondLst>
                                     <p:cond delay="0"/>
                                   </p:stCondLst>
                                   <p:childTnLst>
                                     <p:set>
                                       <p:cBhvr>
-                                        <p:cTn id="78" dur="1" fill="hold">
+                                        <p:cTn id="83" dur="1" fill="hold">
                                           <p:stCondLst>
                                             <p:cond delay="0"/>
                                           </p:stCondLst>
@@ -12538,7 +17295,7 @@
                                     </p:set>
                                     <p:animEffect transition="in" filter="fade">
                                       <p:cBhvr>
-                                        <p:cTn id="79" dur="500"/>
+                                        <p:cTn id="84" dur="500"/>
                                         <p:tgtEl>
                                           <p:spTgt spid="78"/>
                                         </p:tgtEl>
@@ -12548,14 +17305,14 @@
                                 </p:cTn>
                               </p:par>
                               <p:par>
-                                <p:cTn id="80" presetID="10" presetClass="entr" presetSubtype="0" fill="hold" nodeType="withEffect">
+                                <p:cTn id="85" presetID="10" presetClass="entr" presetSubtype="0" fill="hold" nodeType="withEffect">
                                   <p:stCondLst>
                                     <p:cond delay="0"/>
                                   </p:stCondLst>
                                   <p:childTnLst>
                                     <p:set>
                                       <p:cBhvr>
-                                        <p:cTn id="81" dur="1" fill="hold">
+                                        <p:cTn id="86" dur="1" fill="hold">
                                           <p:stCondLst>
                                             <p:cond delay="0"/>
                                           </p:stCondLst>
@@ -12573,7 +17330,7 @@
                                     </p:set>
                                     <p:animEffect transition="in" filter="fade">
                                       <p:cBhvr>
-                                        <p:cTn id="82" dur="500"/>
+                                        <p:cTn id="87" dur="500"/>
                                         <p:tgtEl>
                                           <p:spTgt spid="79"/>
                                         </p:tgtEl>
@@ -12583,14 +17340,14 @@
                                 </p:cTn>
                               </p:par>
                               <p:par>
-                                <p:cTn id="83" presetID="10" presetClass="entr" presetSubtype="0" fill="hold" grpId="0" nodeType="withEffect">
+                                <p:cTn id="88" presetID="10" presetClass="entr" presetSubtype="0" fill="hold" grpId="0" nodeType="withEffect">
                                   <p:stCondLst>
                                     <p:cond delay="0"/>
                                   </p:stCondLst>
                                   <p:childTnLst>
                                     <p:set>
                                       <p:cBhvr>
-                                        <p:cTn id="84" dur="1" fill="hold">
+                                        <p:cTn id="89" dur="1" fill="hold">
                                           <p:stCondLst>
                                             <p:cond delay="0"/>
                                           </p:stCondLst>
@@ -12608,7 +17365,7 @@
                                     </p:set>
                                     <p:animEffect transition="in" filter="fade">
                                       <p:cBhvr>
-                                        <p:cTn id="85" dur="500"/>
+                                        <p:cTn id="90" dur="500"/>
                                         <p:tgtEl>
                                           <p:spTgt spid="80"/>
                                         </p:tgtEl>
@@ -12624,26 +17381,26 @@
                     </p:cTn>
                   </p:par>
                   <p:par>
-                    <p:cTn id="86" fill="hold">
+                    <p:cTn id="91" fill="hold">
                       <p:stCondLst>
                         <p:cond delay="indefinite"/>
                       </p:stCondLst>
                       <p:childTnLst>
                         <p:par>
-                          <p:cTn id="87" fill="hold">
+                          <p:cTn id="92" fill="hold">
                             <p:stCondLst>
                               <p:cond delay="0"/>
                             </p:stCondLst>
                             <p:childTnLst>
                               <p:par>
-                                <p:cTn id="88" presetID="10" presetClass="entr" presetSubtype="0" fill="hold" grpId="0" nodeType="clickEffect">
+                                <p:cTn id="93" presetID="10" presetClass="entr" presetSubtype="0" fill="hold" grpId="0" nodeType="clickEffect">
                                   <p:stCondLst>
                                     <p:cond delay="0"/>
                                   </p:stCondLst>
                                   <p:childTnLst>
                                     <p:set>
                                       <p:cBhvr>
-                                        <p:cTn id="89" dur="1" fill="hold">
+                                        <p:cTn id="94" dur="1" fill="hold">
                                           <p:stCondLst>
                                             <p:cond delay="0"/>
                                           </p:stCondLst>
@@ -12661,9 +17418,62 @@
                                     </p:set>
                                     <p:animEffect transition="in" filter="fade">
                                       <p:cBhvr>
-                                        <p:cTn id="90" dur="500"/>
+                                        <p:cTn id="95" dur="500"/>
                                         <p:tgtEl>
                                           <p:spTgt spid="82"/>
+                                        </p:tgtEl>
+                                      </p:cBhvr>
+                                    </p:animEffect>
+                                  </p:childTnLst>
+                                </p:cTn>
+                              </p:par>
+                            </p:childTnLst>
+                          </p:cTn>
+                        </p:par>
+                      </p:childTnLst>
+                    </p:cTn>
+                  </p:par>
+                  <p:par>
+                    <p:cTn id="96" fill="hold">
+                      <p:stCondLst>
+                        <p:cond delay="indefinite"/>
+                      </p:stCondLst>
+                      <p:childTnLst>
+                        <p:par>
+                          <p:cTn id="97" fill="hold">
+                            <p:stCondLst>
+                              <p:cond delay="0"/>
+                            </p:stCondLst>
+                            <p:childTnLst>
+                              <p:par>
+                                <p:cTn id="98" presetID="10" presetClass="entr" presetSubtype="0" fill="hold" grpId="0" nodeType="clickEffect">
+                                  <p:stCondLst>
+                                    <p:cond delay="0"/>
+                                  </p:stCondLst>
+                                  <p:childTnLst>
+                                    <p:set>
+                                      <p:cBhvr>
+                                        <p:cTn id="99" dur="1" fill="hold">
+                                          <p:stCondLst>
+                                            <p:cond delay="0"/>
+                                          </p:stCondLst>
+                                        </p:cTn>
+                                        <p:tgtEl>
+                                          <p:spTgt spid="83"/>
+                                        </p:tgtEl>
+                                        <p:attrNameLst>
+                                          <p:attrName>style.visibility</p:attrName>
+                                        </p:attrNameLst>
+                                      </p:cBhvr>
+                                      <p:to>
+                                        <p:strVal val="visible"/>
+                                      </p:to>
+                                    </p:set>
+                                    <p:animEffect transition="in" filter="fade">
+                                      <p:cBhvr>
+                                        <p:cTn id="100" dur="500"/>
+                                        <p:tgtEl>
+                                          <p:spTgt spid="83"/>
                                         </p:tgtEl>
                                       </p:cBhvr>
                                     </p:animEffect>
@@ -12709,7 +17519,9 @@
       <p:bldP spid="73" grpId="0" animBg="1"/>
       <p:bldP spid="77" grpId="0" animBg="1"/>
       <p:bldP spid="80" grpId="0" animBg="1"/>
+      <p:bldP spid="81" grpId="0" animBg="1"/>
       <p:bldP spid="82" grpId="0" animBg="1"/>
+      <p:bldP spid="83" grpId="0"/>
     </p:bldLst>
   </p:timing>
 </p:sld>
@@ -13833,118 +18645,6 @@
       </p:cxnSp>
       <p:sp>
         <p:nvSpPr>
-          <p:cNvPr id="41" name="직사각형 40">
-            <a:extLst>
-              <a:ext uri="{FF2B5EF4-FFF2-40B4-BE49-F238E27FC236}">
-                <a16:creationId xmlns:a16="http://schemas.microsoft.com/office/drawing/2014/main" id="{8276EF75-A4CC-4957-801C-CA346C0DCD09}"/>
-              </a:ext>
-            </a:extLst>
-          </p:cNvPr>
-          <p:cNvSpPr/>
-          <p:nvPr/>
-        </p:nvSpPr>
-        <p:spPr>
-          <a:xfrm>
-            <a:off x="3676823" y="4472308"/>
-            <a:ext cx="482817" cy="255622"/>
-          </a:xfrm>
-          <a:prstGeom prst="rect">
-            <a:avLst/>
-          </a:prstGeom>
-          <a:solidFill>
-            <a:schemeClr val="accent6">
-              <a:lumMod val="60000"/>
-              <a:lumOff val="40000"/>
-            </a:schemeClr>
-          </a:solidFill>
-        </p:spPr>
-        <p:style>
-          <a:lnRef idx="2">
-            <a:schemeClr val="accent1">
-              <a:shade val="50000"/>
-            </a:schemeClr>
-          </a:lnRef>
-          <a:fillRef idx="1">
-            <a:schemeClr val="accent1"/>
-          </a:fillRef>
-          <a:effectRef idx="0">
-            <a:schemeClr val="accent1"/>
-          </a:effectRef>
-          <a:fontRef idx="minor">
-            <a:schemeClr val="lt1"/>
-          </a:fontRef>
-        </p:style>
-        <p:txBody>
-          <a:bodyPr rtlCol="0" anchor="ctr"/>
-          <a:lstStyle/>
-          <a:p>
-            <a:pPr algn="ctr"/>
-            <a:r>
-              <a:rPr lang="en-US" altLang="ko-KR" sz="1200" dirty="0"/>
-              <a:t>h1</a:t>
-            </a:r>
-            <a:endParaRPr lang="ko-KR" altLang="en-US" sz="1200" dirty="0"/>
-          </a:p>
-        </p:txBody>
-      </p:sp>
-      <p:sp>
-        <p:nvSpPr>
-          <p:cNvPr id="42" name="직사각형 41">
-            <a:extLst>
-              <a:ext uri="{FF2B5EF4-FFF2-40B4-BE49-F238E27FC236}">
-                <a16:creationId xmlns:a16="http://schemas.microsoft.com/office/drawing/2014/main" id="{98B6BAD5-B603-48B3-88FB-829EEC8B19BA}"/>
-              </a:ext>
-            </a:extLst>
-          </p:cNvPr>
-          <p:cNvSpPr/>
-          <p:nvPr/>
-        </p:nvSpPr>
-        <p:spPr>
-          <a:xfrm>
-            <a:off x="4222954" y="4477950"/>
-            <a:ext cx="482817" cy="255622"/>
-          </a:xfrm>
-          <a:prstGeom prst="rect">
-            <a:avLst/>
-          </a:prstGeom>
-          <a:solidFill>
-            <a:schemeClr val="accent6">
-              <a:lumMod val="60000"/>
-              <a:lumOff val="40000"/>
-            </a:schemeClr>
-          </a:solidFill>
-        </p:spPr>
-        <p:style>
-          <a:lnRef idx="2">
-            <a:schemeClr val="accent1">
-              <a:shade val="50000"/>
-            </a:schemeClr>
-          </a:lnRef>
-          <a:fillRef idx="1">
-            <a:schemeClr val="accent1"/>
-          </a:fillRef>
-          <a:effectRef idx="0">
-            <a:schemeClr val="accent1"/>
-          </a:effectRef>
-          <a:fontRef idx="minor">
-            <a:schemeClr val="lt1"/>
-          </a:fontRef>
-        </p:style>
-        <p:txBody>
-          <a:bodyPr rtlCol="0" anchor="ctr"/>
-          <a:lstStyle/>
-          <a:p>
-            <a:pPr algn="ctr"/>
-            <a:r>
-              <a:rPr lang="en-US" altLang="ko-KR" sz="1200" dirty="0"/>
-              <a:t>p</a:t>
-            </a:r>
-            <a:endParaRPr lang="ko-KR" altLang="en-US" sz="1200" dirty="0"/>
-          </a:p>
-        </p:txBody>
-      </p:sp>
-      <p:sp>
-        <p:nvSpPr>
           <p:cNvPr id="43" name="직사각형 42">
             <a:extLst>
               <a:ext uri="{FF2B5EF4-FFF2-40B4-BE49-F238E27FC236}">
@@ -15610,6 +20310,134 @@
           <a:p>
             <a:pPr algn="ctr"/>
             <a:endParaRPr lang="ko-KR" altLang="en-US"/>
+          </a:p>
+        </p:txBody>
+      </p:sp>
+      <p:sp>
+        <p:nvSpPr>
+          <p:cNvPr id="85" name="직사각형 84">
+            <a:extLst>
+              <a:ext uri="{FF2B5EF4-FFF2-40B4-BE49-F238E27FC236}">
+                <a16:creationId xmlns:a16="http://schemas.microsoft.com/office/drawing/2014/main" id="{EF82A043-F2A6-4E5E-8283-639FFAAF4C81}"/>
+              </a:ext>
+            </a:extLst>
+          </p:cNvPr>
+          <p:cNvSpPr/>
+          <p:nvPr/>
+        </p:nvSpPr>
+        <p:spPr>
+          <a:xfrm>
+            <a:off x="3682509" y="4472308"/>
+            <a:ext cx="482817" cy="255622"/>
+          </a:xfrm>
+          <a:prstGeom prst="rect">
+            <a:avLst/>
+          </a:prstGeom>
+          <a:solidFill>
+            <a:schemeClr val="accent6">
+              <a:lumMod val="60000"/>
+              <a:lumOff val="40000"/>
+            </a:schemeClr>
+          </a:solidFill>
+        </p:spPr>
+        <p:style>
+          <a:lnRef idx="2">
+            <a:schemeClr val="accent1">
+              <a:shade val="50000"/>
+            </a:schemeClr>
+          </a:lnRef>
+          <a:fillRef idx="1">
+            <a:schemeClr val="accent1"/>
+          </a:fillRef>
+          <a:effectRef idx="0">
+            <a:schemeClr val="accent1"/>
+          </a:effectRef>
+          <a:fontRef idx="minor">
+            <a:schemeClr val="lt1"/>
+          </a:fontRef>
+        </p:style>
+        <p:txBody>
+          <a:bodyPr rtlCol="0" anchor="ctr"/>
+          <a:lstStyle/>
+          <a:p>
+            <a:pPr algn="ctr"/>
+            <a:r>
+              <a:rPr lang="en-US" altLang="ko-KR" sz="1600" b="1" u="sng" dirty="0">
+                <a:solidFill>
+                  <a:srgbClr val="FF0000"/>
+                </a:solidFill>
+              </a:rPr>
+              <a:t>h1</a:t>
+            </a:r>
+            <a:endParaRPr lang="ko-KR" altLang="en-US" sz="1600" b="1" u="sng" dirty="0">
+              <a:solidFill>
+                <a:srgbClr val="FF0000"/>
+              </a:solidFill>
+            </a:endParaRPr>
+          </a:p>
+        </p:txBody>
+      </p:sp>
+      <p:sp>
+        <p:nvSpPr>
+          <p:cNvPr id="86" name="직사각형 85">
+            <a:extLst>
+              <a:ext uri="{FF2B5EF4-FFF2-40B4-BE49-F238E27FC236}">
+                <a16:creationId xmlns:a16="http://schemas.microsoft.com/office/drawing/2014/main" id="{4BFC9E8A-BBC1-424F-860C-2E5B59E4EF6C}"/>
+              </a:ext>
+            </a:extLst>
+          </p:cNvPr>
+          <p:cNvSpPr/>
+          <p:nvPr/>
+        </p:nvSpPr>
+        <p:spPr>
+          <a:xfrm>
+            <a:off x="4228640" y="4477950"/>
+            <a:ext cx="482817" cy="255622"/>
+          </a:xfrm>
+          <a:prstGeom prst="rect">
+            <a:avLst/>
+          </a:prstGeom>
+          <a:solidFill>
+            <a:schemeClr val="accent6">
+              <a:lumMod val="60000"/>
+              <a:lumOff val="40000"/>
+            </a:schemeClr>
+          </a:solidFill>
+        </p:spPr>
+        <p:style>
+          <a:lnRef idx="2">
+            <a:schemeClr val="accent1">
+              <a:shade val="50000"/>
+            </a:schemeClr>
+          </a:lnRef>
+          <a:fillRef idx="1">
+            <a:schemeClr val="accent1"/>
+          </a:fillRef>
+          <a:effectRef idx="0">
+            <a:schemeClr val="accent1"/>
+          </a:effectRef>
+          <a:fontRef idx="minor">
+            <a:schemeClr val="lt1"/>
+          </a:fontRef>
+        </p:style>
+        <p:txBody>
+          <a:bodyPr rtlCol="0" anchor="ctr"/>
+          <a:lstStyle/>
+          <a:p>
+            <a:pPr algn="ctr"/>
+            <a:r>
+              <a:rPr lang="en-US" altLang="ko-KR" sz="1600" b="1" u="sng" dirty="0">
+                <a:solidFill>
+                  <a:srgbClr val="FF0000"/>
+                </a:solidFill>
+              </a:rPr>
+              <a:t>p</a:t>
+            </a:r>
+            <a:endParaRPr lang="ko-KR" altLang="en-US" sz="1600" b="1" u="sng" dirty="0">
+              <a:solidFill>
+                <a:srgbClr val="FF0000"/>
+              </a:solidFill>
+            </a:endParaRPr>
           </a:p>
         </p:txBody>
       </p:sp>
@@ -16844,8 +21672,8 @@
         </p:nvSpPr>
         <p:spPr>
           <a:xfrm>
-            <a:off x="2541233" y="3142737"/>
-            <a:ext cx="7358105" cy="956159"/>
+            <a:off x="2697527" y="3142737"/>
+            <a:ext cx="7045519" cy="956159"/>
           </a:xfrm>
           <a:prstGeom prst="rect">
             <a:avLst/>
@@ -16864,20 +21692,9 @@
             </a:pPr>
             <a:r>
               <a:rPr lang="ko-KR" altLang="en-US" sz="2000" dirty="0"/>
-              <a:t>우리는 다음 문제를 해결하려고 </a:t>
-            </a:r>
-            <a:r>
-              <a:rPr lang="en-US" altLang="ko-KR" sz="2000" dirty="0"/>
-              <a:t>React</a:t>
-            </a:r>
-            <a:r>
-              <a:rPr lang="ko-KR" altLang="en-US" sz="2000" dirty="0"/>
-              <a:t>를 만들었다</a:t>
-            </a:r>
-            <a:r>
-              <a:rPr lang="en-US" altLang="ko-KR" sz="2000" dirty="0"/>
-              <a:t>.</a:t>
-            </a:r>
+              <a:t>우리는 지속적으로 데이터가 변화하는 대규모 애플리케이션</a:t>
+            </a:r>
+            <a:endParaRPr lang="en-US" altLang="ko-KR" sz="2000" dirty="0"/>
           </a:p>
           <a:p>
             <a:pPr algn="ctr">
@@ -16886,14 +21703,22 @@
               </a:lnSpc>
             </a:pPr>
             <a:r>
-              <a:rPr lang="ko-KR" altLang="en-US" sz="2000" b="1" dirty="0"/>
-              <a:t>지속적으로 데이터가 변화하는 대규모 애플리케이션 구축하기</a:t>
-            </a:r>
-            <a:r>
-              <a:rPr lang="en-US" altLang="ko-KR" sz="2000" b="1" dirty="0"/>
+              <a:rPr lang="ko-KR" altLang="en-US" sz="2000" dirty="0"/>
+              <a:t>구축을 위해</a:t>
+            </a:r>
+            <a:r>
+              <a:rPr lang="en-US" altLang="ko-KR" sz="2000" dirty="0"/>
+              <a:t> React</a:t>
+            </a:r>
+            <a:r>
+              <a:rPr lang="ko-KR" altLang="en-US" sz="2000" dirty="0"/>
+              <a:t>를 만들었다</a:t>
+            </a:r>
+            <a:r>
+              <a:rPr lang="en-US" altLang="ko-KR" sz="2000" dirty="0"/>
               <a:t>.</a:t>
             </a:r>
-            <a:endParaRPr lang="ko-KR" altLang="en-US" sz="2000" b="1" dirty="0"/>
+            <a:endParaRPr lang="ko-KR" altLang="en-US" sz="2000" dirty="0"/>
           </a:p>
         </p:txBody>
       </p:sp>

--- a/Study/6. React.pptx
+++ b/Study/6. React.pptx
@@ -5,7 +5,7 @@
     <p:sldMasterId id="2147483648" r:id="rId1"/>
   </p:sldMasterIdLst>
   <p:notesMasterIdLst>
-    <p:notesMasterId r:id="rId19"/>
+    <p:notesMasterId r:id="rId18"/>
   </p:notesMasterIdLst>
   <p:sldIdLst>
     <p:sldId id="256" r:id="rId2"/>
@@ -24,7 +24,6 @@
     <p:sldId id="286" r:id="rId15"/>
     <p:sldId id="287" r:id="rId16"/>
     <p:sldId id="288" r:id="rId17"/>
-    <p:sldId id="271" r:id="rId18"/>
   </p:sldIdLst>
   <p:sldSz cx="12192000" cy="6858000"/>
   <p:notesSz cx="6858000" cy="9144000"/>
@@ -1531,101 +1530,6 @@
     <p:extLst>
       <p:ext uri="{BB962C8B-B14F-4D97-AF65-F5344CB8AC3E}">
         <p14:creationId xmlns:p14="http://schemas.microsoft.com/office/powerpoint/2010/main" val="3956249473"/>
-      </p:ext>
-    </p:extLst>
-  </p:cSld>
-  <p:clrMapOvr>
-    <a:masterClrMapping/>
-  </p:clrMapOvr>
-</p:notes>
-</file>
-
-<file path=ppt/notesSlides/notesSlide17.xml><?xml version="1.0" encoding="utf-8"?>
-<p:notes xmlns:a="http://schemas.openxmlformats.org/drawingml/2006/main" xmlns:r="http://schemas.openxmlformats.org/officeDocument/2006/relationships" xmlns:p="http://schemas.openxmlformats.org/presentationml/2006/main">
-  <p:cSld>
-    <p:spTree>
-      <p:nvGrpSpPr>
-        <p:cNvPr id="1" name=""/>
-        <p:cNvGrpSpPr/>
-        <p:nvPr/>
-      </p:nvGrpSpPr>
-      <p:grpSpPr>
-        <a:xfrm>
-          <a:off x="0" y="0"/>
-          <a:ext cx="0" cy="0"/>
-          <a:chOff x="0" y="0"/>
-          <a:chExt cx="0" cy="0"/>
-        </a:xfrm>
-      </p:grpSpPr>
-      <p:sp>
-        <p:nvSpPr>
-          <p:cNvPr id="2" name="슬라이드 이미지 개체 틀 1"/>
-          <p:cNvSpPr>
-            <a:spLocks noGrp="1" noRot="1" noChangeAspect="1"/>
-          </p:cNvSpPr>
-          <p:nvPr>
-            <p:ph type="sldImg"/>
-          </p:nvPr>
-        </p:nvSpPr>
-        <p:spPr/>
-      </p:sp>
-      <p:sp>
-        <p:nvSpPr>
-          <p:cNvPr id="3" name="슬라이드 노트 개체 틀 2"/>
-          <p:cNvSpPr>
-            <a:spLocks noGrp="1"/>
-          </p:cNvSpPr>
-          <p:nvPr>
-            <p:ph type="body" idx="1"/>
-          </p:nvPr>
-        </p:nvSpPr>
-        <p:spPr/>
-        <p:txBody>
-          <a:bodyPr/>
-          <a:lstStyle/>
-          <a:p>
-            <a:pPr marL="0" indent="0">
-              <a:buNone/>
-            </a:pPr>
-            <a:endParaRPr lang="en-US" altLang="ko-KR" sz="1200" b="0" i="0" kern="1200" dirty="0">
-              <a:solidFill>
-                <a:schemeClr val="tx1"/>
-              </a:solidFill>
-              <a:effectLst/>
-              <a:latin typeface="+mn-lt"/>
-              <a:ea typeface="+mn-ea"/>
-              <a:cs typeface="+mn-cs"/>
-            </a:endParaRPr>
-          </a:p>
-        </p:txBody>
-      </p:sp>
-      <p:sp>
-        <p:nvSpPr>
-          <p:cNvPr id="4" name="슬라이드 번호 개체 틀 3"/>
-          <p:cNvSpPr>
-            <a:spLocks noGrp="1"/>
-          </p:cNvSpPr>
-          <p:nvPr>
-            <p:ph type="sldNum" sz="quarter" idx="5"/>
-          </p:nvPr>
-        </p:nvSpPr>
-        <p:spPr/>
-        <p:txBody>
-          <a:bodyPr/>
-          <a:lstStyle/>
-          <a:p>
-            <a:fld id="{AF4B4130-2D9F-4E6D-9707-8718AD09D43C}" type="slidenum">
-              <a:rPr lang="ko-KR" altLang="en-US" smtClean="0"/>
-              <a:t>17</a:t>
-            </a:fld>
-            <a:endParaRPr lang="ko-KR" altLang="en-US"/>
-          </a:p>
-        </p:txBody>
-      </p:sp>
-    </p:spTree>
-    <p:extLst>
-      <p:ext uri="{BB962C8B-B14F-4D97-AF65-F5344CB8AC3E}">
-        <p14:creationId xmlns:p14="http://schemas.microsoft.com/office/powerpoint/2010/main" val="2646652648"/>
       </p:ext>
     </p:extLst>
   </p:cSld>
@@ -7566,7 +7470,7 @@
         </p:nvSpPr>
         <p:spPr>
           <a:xfrm>
-            <a:off x="7134218" y="4359288"/>
+            <a:off x="7134219" y="4359288"/>
             <a:ext cx="2096151" cy="400110"/>
           </a:xfrm>
           <a:prstGeom prst="rect">
@@ -7586,7 +7490,7 @@
             </a:r>
             <a:r>
               <a:rPr lang="en-US" altLang="ko-KR" sz="2000" dirty="0" err="1"/>
-              <a:t>jascriptva</a:t>
+              <a:t>javascript</a:t>
             </a:r>
             <a:endParaRPr lang="ko-KR" altLang="en-US" sz="2000" dirty="0"/>
           </a:p>
@@ -9101,24 +9005,51 @@
                             </p:stCondLst>
                             <p:childTnLst>
                               <p:par>
-                                <p:cTn id="48" presetID="10" presetClass="exit" presetSubtype="0" fill="hold" nodeType="clickEffect">
+                                <p:cTn id="48" presetID="10" presetClass="entr" presetSubtype="0" fill="hold" grpId="0" nodeType="clickEffect">
                                   <p:stCondLst>
                                     <p:cond delay="0"/>
                                   </p:stCondLst>
                                   <p:childTnLst>
-                                    <p:animEffect transition="out" filter="fade">
+                                    <p:set>
                                       <p:cBhvr>
-                                        <p:cTn id="49" dur="500"/>
+                                        <p:cTn id="49" dur="1" fill="hold">
+                                          <p:stCondLst>
+                                            <p:cond delay="0"/>
+                                          </p:stCondLst>
+                                        </p:cTn>
                                         <p:tgtEl>
-                                          <p:spTgt spid="38"/>
+                                          <p:spTgt spid="37"/>
+                                        </p:tgtEl>
+                                        <p:attrNameLst>
+                                          <p:attrName>style.visibility</p:attrName>
+                                        </p:attrNameLst>
+                                      </p:cBhvr>
+                                      <p:to>
+                                        <p:strVal val="visible"/>
+                                      </p:to>
+                                    </p:set>
+                                    <p:animEffect transition="in" filter="fade">
+                                      <p:cBhvr>
+                                        <p:cTn id="50" dur="500"/>
+                                        <p:tgtEl>
+                                          <p:spTgt spid="37"/>
                                         </p:tgtEl>
                                       </p:cBhvr>
                                     </p:animEffect>
+                                  </p:childTnLst>
+                                </p:cTn>
+                              </p:par>
+                              <p:par>
+                                <p:cTn id="51" presetID="10" presetClass="entr" presetSubtype="0" fill="hold" nodeType="withEffect">
+                                  <p:stCondLst>
+                                    <p:cond delay="0"/>
+                                  </p:stCondLst>
+                                  <p:childTnLst>
                                     <p:set>
                                       <p:cBhvr>
-                                        <p:cTn id="50" dur="1" fill="hold">
+                                        <p:cTn id="52" dur="1" fill="hold">
                                           <p:stCondLst>
-                                            <p:cond delay="499"/>
+                                            <p:cond delay="0"/>
                                           </p:stCondLst>
                                         </p:cTn>
                                         <p:tgtEl>
@@ -9129,44 +9060,17 @@
                                         </p:attrNameLst>
                                       </p:cBhvr>
                                       <p:to>
-                                        <p:strVal val="hidden"/>
+                                        <p:strVal val="visible"/>
                                       </p:to>
                                     </p:set>
-                                  </p:childTnLst>
-                                </p:cTn>
-                              </p:par>
-                              <p:par>
-                                <p:cTn id="51" presetID="10" presetClass="exit" presetSubtype="0" fill="hold" grpId="0" nodeType="withEffect">
-                                  <p:stCondLst>
-                                    <p:cond delay="0"/>
-                                  </p:stCondLst>
-                                  <p:childTnLst>
-                                    <p:animEffect transition="out" filter="fade">
+                                    <p:animEffect transition="in" filter="fade">
                                       <p:cBhvr>
-                                        <p:cTn id="52" dur="500"/>
+                                        <p:cTn id="53" dur="500"/>
                                         <p:tgtEl>
-                                          <p:spTgt spid="37"/>
+                                          <p:spTgt spid="38"/>
                                         </p:tgtEl>
                                       </p:cBhvr>
                                     </p:animEffect>
-                                    <p:set>
-                                      <p:cBhvr>
-                                        <p:cTn id="53" dur="1" fill="hold">
-                                          <p:stCondLst>
-                                            <p:cond delay="499"/>
-                                          </p:stCondLst>
-                                        </p:cTn>
-                                        <p:tgtEl>
-                                          <p:spTgt spid="37"/>
-                                        </p:tgtEl>
-                                        <p:attrNameLst>
-                                          <p:attrName>style.visibility</p:attrName>
-                                        </p:attrNameLst>
-                                      </p:cBhvr>
-                                      <p:to>
-                                        <p:strVal val="hidden"/>
-                                      </p:to>
-                                    </p:set>
                                   </p:childTnLst>
                                 </p:cTn>
                               </p:par>
@@ -9224,14 +9128,102 @@
                             </p:stCondLst>
                             <p:childTnLst>
                               <p:par>
-                                <p:cTn id="59" presetID="10" presetClass="entr" presetSubtype="0" fill="hold" grpId="0" nodeType="clickEffect">
+                                <p:cTn id="59" presetID="10" presetClass="exit" presetSubtype="0" fill="hold" grpId="1" nodeType="clickEffect">
+                                  <p:stCondLst>
+                                    <p:cond delay="0"/>
+                                  </p:stCondLst>
+                                  <p:childTnLst>
+                                    <p:animEffect transition="out" filter="fade">
+                                      <p:cBhvr>
+                                        <p:cTn id="60" dur="500"/>
+                                        <p:tgtEl>
+                                          <p:spTgt spid="37"/>
+                                        </p:tgtEl>
+                                      </p:cBhvr>
+                                    </p:animEffect>
+                                    <p:set>
+                                      <p:cBhvr>
+                                        <p:cTn id="61" dur="1" fill="hold">
+                                          <p:stCondLst>
+                                            <p:cond delay="499"/>
+                                          </p:stCondLst>
+                                        </p:cTn>
+                                        <p:tgtEl>
+                                          <p:spTgt spid="37"/>
+                                        </p:tgtEl>
+                                        <p:attrNameLst>
+                                          <p:attrName>style.visibility</p:attrName>
+                                        </p:attrNameLst>
+                                      </p:cBhvr>
+                                      <p:to>
+                                        <p:strVal val="hidden"/>
+                                      </p:to>
+                                    </p:set>
+                                  </p:childTnLst>
+                                </p:cTn>
+                              </p:par>
+                              <p:par>
+                                <p:cTn id="62" presetID="10" presetClass="exit" presetSubtype="0" fill="hold" nodeType="withEffect">
+                                  <p:stCondLst>
+                                    <p:cond delay="0"/>
+                                  </p:stCondLst>
+                                  <p:childTnLst>
+                                    <p:animEffect transition="out" filter="fade">
+                                      <p:cBhvr>
+                                        <p:cTn id="63" dur="500"/>
+                                        <p:tgtEl>
+                                          <p:spTgt spid="38"/>
+                                        </p:tgtEl>
+                                      </p:cBhvr>
+                                    </p:animEffect>
+                                    <p:set>
+                                      <p:cBhvr>
+                                        <p:cTn id="64" dur="1" fill="hold">
+                                          <p:stCondLst>
+                                            <p:cond delay="499"/>
+                                          </p:stCondLst>
+                                        </p:cTn>
+                                        <p:tgtEl>
+                                          <p:spTgt spid="38"/>
+                                        </p:tgtEl>
+                                        <p:attrNameLst>
+                                          <p:attrName>style.visibility</p:attrName>
+                                        </p:attrNameLst>
+                                      </p:cBhvr>
+                                      <p:to>
+                                        <p:strVal val="hidden"/>
+                                      </p:to>
+                                    </p:set>
+                                  </p:childTnLst>
+                                </p:cTn>
+                              </p:par>
+                            </p:childTnLst>
+                          </p:cTn>
+                        </p:par>
+                      </p:childTnLst>
+                    </p:cTn>
+                  </p:par>
+                  <p:par>
+                    <p:cTn id="65" fill="hold">
+                      <p:stCondLst>
+                        <p:cond delay="indefinite"/>
+                      </p:stCondLst>
+                      <p:childTnLst>
+                        <p:par>
+                          <p:cTn id="66" fill="hold">
+                            <p:stCondLst>
+                              <p:cond delay="0"/>
+                            </p:stCondLst>
+                            <p:childTnLst>
+                              <p:par>
+                                <p:cTn id="67" presetID="10" presetClass="entr" presetSubtype="0" fill="hold" grpId="0" nodeType="clickEffect">
                                   <p:stCondLst>
                                     <p:cond delay="0"/>
                                   </p:stCondLst>
                                   <p:childTnLst>
                                     <p:set>
                                       <p:cBhvr>
-                                        <p:cTn id="60" dur="1" fill="hold">
+                                        <p:cTn id="68" dur="1" fill="hold">
                                           <p:stCondLst>
                                             <p:cond delay="0"/>
                                           </p:stCondLst>
@@ -9249,7 +9241,7 @@
                                     </p:set>
                                     <p:animEffect transition="in" filter="fade">
                                       <p:cBhvr>
-                                        <p:cTn id="61" dur="500"/>
+                                        <p:cTn id="69" dur="500"/>
                                         <p:tgtEl>
                                           <p:spTgt spid="6"/>
                                         </p:tgtEl>
@@ -9295,6 +9287,7 @@
       <p:bldP spid="33" grpId="0"/>
       <p:bldP spid="35" grpId="0"/>
       <p:bldP spid="37" grpId="0" animBg="1"/>
+      <p:bldP spid="37" grpId="1" animBg="1"/>
     </p:bldLst>
   </p:timing>
 </p:sld>
@@ -9466,8 +9459,8 @@
         </p:nvSpPr>
         <p:spPr>
           <a:xfrm>
-            <a:off x="2848800" y="1446087"/>
-            <a:ext cx="6622583" cy="400110"/>
+            <a:off x="2307788" y="1446087"/>
+            <a:ext cx="7704610" cy="400110"/>
           </a:xfrm>
           <a:prstGeom prst="rect">
             <a:avLst/>
@@ -9482,7 +9475,7 @@
             <a:pPr algn="ctr"/>
             <a:r>
               <a:rPr lang="ko-KR" altLang="en-US" sz="2000" dirty="0"/>
-              <a:t>컴포넌트의 렌더링에는 총 </a:t>
+              <a:t>컴포넌트의 렌더링에는 대표적으로 </a:t>
             </a:r>
             <a:r>
               <a:rPr lang="en-US" altLang="ko-KR" sz="2000" dirty="0"/>
@@ -9523,7 +9516,7 @@
           <p:nvPr>
             <p:extLst>
               <p:ext uri="{D42A27DB-BD31-4B8C-83A1-F6EECF244321}">
-                <p14:modId xmlns:p14="http://schemas.microsoft.com/office/powerpoint/2010/main" val="3802824460"/>
+                <p14:modId xmlns:p14="http://schemas.microsoft.com/office/powerpoint/2010/main" val="2214441966"/>
               </p:ext>
             </p:extLst>
           </p:nvPr>
@@ -9774,7 +9767,25 @@
                           </a:solidFill>
                           <a:latin typeface="+mj-ea"/>
                         </a:rPr>
-                        <a:t>컴포넌트가 브라우저상에 나타난 후 호출</a:t>
+                        <a:t>컴포넌트가 브라우저상에 나타난 </a:t>
+                      </a:r>
+                      <a:r>
+                        <a:rPr lang="ko-KR" altLang="en-US" sz="1600">
+                          <a:solidFill>
+                            <a:srgbClr val="333333"/>
+                          </a:solidFill>
+                          <a:latin typeface="+mj-ea"/>
+                        </a:rPr>
+                        <a:t>후 마지막에 </a:t>
+                      </a:r>
+                      <a:r>
+                        <a:rPr lang="ko-KR" altLang="en-US" sz="1600" dirty="0">
+                          <a:solidFill>
+                            <a:srgbClr val="333333"/>
+                          </a:solidFill>
+                          <a:latin typeface="+mj-ea"/>
+                        </a:rPr>
+                        <a:t>호출</a:t>
                       </a:r>
                       <a:r>
                         <a:rPr lang="en-US" altLang="ko-KR" sz="1600" dirty="0">
@@ -9903,7 +9914,7 @@
                             </p:stCondLst>
                             <p:childTnLst>
                               <p:par>
-                                <p:cTn id="5" presetID="1" presetClass="entr" presetSubtype="0" fill="hold" nodeType="clickEffect">
+                                <p:cTn id="5" presetID="10" presetClass="entr" presetSubtype="0" fill="hold" nodeType="clickEffect">
                                   <p:stCondLst>
                                     <p:cond delay="0"/>
                                   </p:stCondLst>
@@ -9926,6 +9937,14 @@
                                         <p:strVal val="visible"/>
                                       </p:to>
                                     </p:set>
+                                    <p:animEffect transition="in" filter="fade">
+                                      <p:cBhvr>
+                                        <p:cTn id="7" dur="500"/>
+                                        <p:tgtEl>
+                                          <p:spTgt spid="13"/>
+                                        </p:tgtEl>
+                                      </p:cBhvr>
+                                    </p:animEffect>
                                   </p:childTnLst>
                                 </p:cTn>
                               </p:par>
@@ -9936,26 +9955,26 @@
                     </p:cTn>
                   </p:par>
                   <p:par>
-                    <p:cTn id="7" fill="hold">
+                    <p:cTn id="8" fill="hold">
                       <p:stCondLst>
                         <p:cond delay="indefinite"/>
                       </p:stCondLst>
                       <p:childTnLst>
                         <p:par>
-                          <p:cTn id="8" fill="hold">
+                          <p:cTn id="9" fill="hold">
                             <p:stCondLst>
                               <p:cond delay="0"/>
                             </p:stCondLst>
                             <p:childTnLst>
                               <p:par>
-                                <p:cTn id="9" presetID="10" presetClass="entr" presetSubtype="0" fill="hold" nodeType="clickEffect">
+                                <p:cTn id="10" presetID="10" presetClass="entr" presetSubtype="0" fill="hold" nodeType="clickEffect">
                                   <p:stCondLst>
                                     <p:cond delay="0"/>
                                   </p:stCondLst>
                                   <p:childTnLst>
                                     <p:set>
                                       <p:cBhvr>
-                                        <p:cTn id="10" dur="1" fill="hold">
+                                        <p:cTn id="11" dur="1" fill="hold">
                                           <p:stCondLst>
                                             <p:cond delay="0"/>
                                           </p:stCondLst>
@@ -9973,7 +9992,7 @@
                                     </p:set>
                                     <p:animEffect transition="in" filter="fade">
                                       <p:cBhvr>
-                                        <p:cTn id="11" dur="500"/>
+                                        <p:cTn id="12" dur="500"/>
                                         <p:tgtEl>
                                           <p:spTgt spid="19"/>
                                         </p:tgtEl>
@@ -9989,26 +10008,26 @@
                     </p:cTn>
                   </p:par>
                   <p:par>
-                    <p:cTn id="12" fill="hold">
+                    <p:cTn id="13" fill="hold">
                       <p:stCondLst>
                         <p:cond delay="indefinite"/>
                       </p:stCondLst>
                       <p:childTnLst>
                         <p:par>
-                          <p:cTn id="13" fill="hold">
+                          <p:cTn id="14" fill="hold">
                             <p:stCondLst>
                               <p:cond delay="0"/>
                             </p:stCondLst>
                             <p:childTnLst>
                               <p:par>
-                                <p:cTn id="14" presetID="10" presetClass="entr" presetSubtype="0" fill="hold" nodeType="clickEffect">
+                                <p:cTn id="15" presetID="10" presetClass="entr" presetSubtype="0" fill="hold" nodeType="clickEffect">
                                   <p:stCondLst>
                                     <p:cond delay="0"/>
                                   </p:stCondLst>
                                   <p:childTnLst>
                                     <p:set>
                                       <p:cBhvr>
-                                        <p:cTn id="15" dur="1" fill="hold">
+                                        <p:cTn id="16" dur="1" fill="hold">
                                           <p:stCondLst>
                                             <p:cond delay="0"/>
                                           </p:stCondLst>
@@ -10026,7 +10045,7 @@
                                     </p:set>
                                     <p:animEffect transition="in" filter="fade">
                                       <p:cBhvr>
-                                        <p:cTn id="16" dur="500"/>
+                                        <p:cTn id="17" dur="500"/>
                                         <p:tgtEl>
                                           <p:spTgt spid="21"/>
                                         </p:tgtEl>
@@ -10831,203 +10850,6 @@
     <p:extLst>
       <p:ext uri="{BB962C8B-B14F-4D97-AF65-F5344CB8AC3E}">
         <p14:creationId xmlns:p14="http://schemas.microsoft.com/office/powerpoint/2010/main" val="1832659340"/>
-      </p:ext>
-    </p:extLst>
-  </p:cSld>
-  <p:clrMapOvr>
-    <a:masterClrMapping/>
-  </p:clrMapOvr>
-</p:sld>
-</file>
-
-<file path=ppt/slides/slide17.xml><?xml version="1.0" encoding="utf-8"?>
-<p:sld xmlns:a="http://schemas.openxmlformats.org/drawingml/2006/main" xmlns:r="http://schemas.openxmlformats.org/officeDocument/2006/relationships" xmlns:p="http://schemas.openxmlformats.org/presentationml/2006/main">
-  <p:cSld>
-    <p:spTree>
-      <p:nvGrpSpPr>
-        <p:cNvPr id="1" name=""/>
-        <p:cNvGrpSpPr/>
-        <p:nvPr/>
-      </p:nvGrpSpPr>
-      <p:grpSpPr>
-        <a:xfrm>
-          <a:off x="0" y="0"/>
-          <a:ext cx="0" cy="0"/>
-          <a:chOff x="0" y="0"/>
-          <a:chExt cx="0" cy="0"/>
-        </a:xfrm>
-      </p:grpSpPr>
-      <p:sp>
-        <p:nvSpPr>
-          <p:cNvPr id="10" name="직사각형 9">
-            <a:extLst>
-              <a:ext uri="{FF2B5EF4-FFF2-40B4-BE49-F238E27FC236}">
-                <a16:creationId xmlns:a16="http://schemas.microsoft.com/office/drawing/2014/main" id="{72422AE4-B2BC-47F4-A55A-7923EBDB55ED}"/>
-              </a:ext>
-            </a:extLst>
-          </p:cNvPr>
-          <p:cNvSpPr/>
-          <p:nvPr/>
-        </p:nvSpPr>
-        <p:spPr>
-          <a:xfrm>
-            <a:off x="1586143" y="1020932"/>
-            <a:ext cx="9268287" cy="45719"/>
-          </a:xfrm>
-          <a:prstGeom prst="rect">
-            <a:avLst/>
-          </a:prstGeom>
-        </p:spPr>
-        <p:style>
-          <a:lnRef idx="2">
-            <a:schemeClr val="accent1">
-              <a:shade val="50000"/>
-            </a:schemeClr>
-          </a:lnRef>
-          <a:fillRef idx="1">
-            <a:schemeClr val="accent1"/>
-          </a:fillRef>
-          <a:effectRef idx="0">
-            <a:schemeClr val="accent1"/>
-          </a:effectRef>
-          <a:fontRef idx="minor">
-            <a:schemeClr val="lt1"/>
-          </a:fontRef>
-        </p:style>
-        <p:txBody>
-          <a:bodyPr rtlCol="0" anchor="ctr"/>
-          <a:lstStyle/>
-          <a:p>
-            <a:pPr algn="ctr"/>
-            <a:endParaRPr lang="ko-KR" altLang="en-US"/>
-          </a:p>
-        </p:txBody>
-      </p:sp>
-      <p:sp>
-        <p:nvSpPr>
-          <p:cNvPr id="11" name="직사각형 10">
-            <a:extLst>
-              <a:ext uri="{FF2B5EF4-FFF2-40B4-BE49-F238E27FC236}">
-                <a16:creationId xmlns:a16="http://schemas.microsoft.com/office/drawing/2014/main" id="{88C624B5-9431-4451-97AF-3F26F9D86089}"/>
-              </a:ext>
-            </a:extLst>
-          </p:cNvPr>
-          <p:cNvSpPr/>
-          <p:nvPr/>
-        </p:nvSpPr>
-        <p:spPr>
-          <a:xfrm flipV="1">
-            <a:off x="1586143" y="6174982"/>
-            <a:ext cx="9268287" cy="45719"/>
-          </a:xfrm>
-          <a:prstGeom prst="rect">
-            <a:avLst/>
-          </a:prstGeom>
-        </p:spPr>
-        <p:style>
-          <a:lnRef idx="2">
-            <a:schemeClr val="accent1">
-              <a:shade val="50000"/>
-            </a:schemeClr>
-          </a:lnRef>
-          <a:fillRef idx="1">
-            <a:schemeClr val="accent1"/>
-          </a:fillRef>
-          <a:effectRef idx="0">
-            <a:schemeClr val="accent1"/>
-          </a:effectRef>
-          <a:fontRef idx="minor">
-            <a:schemeClr val="lt1"/>
-          </a:fontRef>
-        </p:style>
-        <p:txBody>
-          <a:bodyPr rtlCol="0" anchor="ctr"/>
-          <a:lstStyle/>
-          <a:p>
-            <a:pPr algn="ctr"/>
-            <a:endParaRPr lang="ko-KR" altLang="en-US"/>
-          </a:p>
-        </p:txBody>
-      </p:sp>
-      <p:sp>
-        <p:nvSpPr>
-          <p:cNvPr id="24" name="직사각형 23">
-            <a:extLst>
-              <a:ext uri="{FF2B5EF4-FFF2-40B4-BE49-F238E27FC236}">
-                <a16:creationId xmlns:a16="http://schemas.microsoft.com/office/drawing/2014/main" id="{03B694E8-86DF-4767-8D29-21ADB6D56430}"/>
-              </a:ext>
-            </a:extLst>
-          </p:cNvPr>
-          <p:cNvSpPr/>
-          <p:nvPr/>
-        </p:nvSpPr>
-        <p:spPr>
-          <a:xfrm>
-            <a:off x="1586142" y="2497976"/>
-            <a:ext cx="9268287" cy="1862048"/>
-          </a:xfrm>
-          <a:prstGeom prst="rect">
-            <a:avLst/>
-          </a:prstGeom>
-          <a:ln>
-            <a:noFill/>
-          </a:ln>
-        </p:spPr>
-        <p:txBody>
-          <a:bodyPr wrap="square">
-            <a:spAutoFit/>
-          </a:bodyPr>
-          <a:lstStyle/>
-          <a:p>
-            <a:pPr algn="ctr"/>
-            <a:r>
-              <a:rPr lang="en-US" altLang="ko-KR" sz="11500" dirty="0" err="1"/>
-              <a:t>asd</a:t>
-            </a:r>
-            <a:endParaRPr lang="en-US" altLang="ko-KR" sz="11500" dirty="0"/>
-          </a:p>
-        </p:txBody>
-      </p:sp>
-      <p:sp>
-        <p:nvSpPr>
-          <p:cNvPr id="9" name="TextBox 8">
-            <a:extLst>
-              <a:ext uri="{FF2B5EF4-FFF2-40B4-BE49-F238E27FC236}">
-                <a16:creationId xmlns:a16="http://schemas.microsoft.com/office/drawing/2014/main" id="{892C5DDA-40EE-4B50-9C05-6AFC7089F348}"/>
-              </a:ext>
-            </a:extLst>
-          </p:cNvPr>
-          <p:cNvSpPr txBox="1"/>
-          <p:nvPr/>
-        </p:nvSpPr>
-        <p:spPr>
-          <a:xfrm>
-            <a:off x="1704513" y="620822"/>
-            <a:ext cx="954107" cy="400110"/>
-          </a:xfrm>
-          <a:prstGeom prst="rect">
-            <a:avLst/>
-          </a:prstGeom>
-          <a:noFill/>
-        </p:spPr>
-        <p:txBody>
-          <a:bodyPr wrap="none" rtlCol="0">
-            <a:spAutoFit/>
-          </a:bodyPr>
-          <a:lstStyle/>
-          <a:p>
-            <a:r>
-              <a:rPr lang="ko-KR" altLang="en-US" sz="2000" dirty="0"/>
-              <a:t>마무리</a:t>
-            </a:r>
-            <a:endParaRPr lang="en-US" altLang="ko-KR" sz="2000" dirty="0"/>
-          </a:p>
-        </p:txBody>
-      </p:sp>
-    </p:spTree>
-    <p:extLst>
-      <p:ext uri="{BB962C8B-B14F-4D97-AF65-F5344CB8AC3E}">
-        <p14:creationId xmlns:p14="http://schemas.microsoft.com/office/powerpoint/2010/main" val="643336079"/>
       </p:ext>
     </p:extLst>
   </p:cSld>

--- a/Study/6. React.pptx
+++ b/Study/6. React.pptx
@@ -5,11 +5,11 @@
     <p:sldMasterId id="2147483648" r:id="rId1"/>
   </p:sldMasterIdLst>
   <p:notesMasterIdLst>
-    <p:notesMasterId r:id="rId18"/>
+    <p:notesMasterId r:id="rId19"/>
   </p:notesMasterIdLst>
   <p:sldIdLst>
     <p:sldId id="256" r:id="rId2"/>
-    <p:sldId id="270" r:id="rId3"/>
+    <p:sldId id="290" r:id="rId3"/>
     <p:sldId id="272" r:id="rId4"/>
     <p:sldId id="282" r:id="rId5"/>
     <p:sldId id="276" r:id="rId6"/>
@@ -21,9 +21,10 @@
     <p:sldId id="283" r:id="rId12"/>
     <p:sldId id="284" r:id="rId13"/>
     <p:sldId id="285" r:id="rId14"/>
-    <p:sldId id="286" r:id="rId15"/>
-    <p:sldId id="287" r:id="rId16"/>
-    <p:sldId id="288" r:id="rId17"/>
+    <p:sldId id="289" r:id="rId15"/>
+    <p:sldId id="286" r:id="rId16"/>
+    <p:sldId id="287" r:id="rId17"/>
+    <p:sldId id="288" r:id="rId18"/>
   </p:sldIdLst>
   <p:sldSz cx="12192000" cy="6858000"/>
   <p:notesSz cx="6858000" cy="9144000"/>
@@ -212,7 +213,7 @@
           <a:p>
             <a:fld id="{8DD9E706-E0BA-4FBD-AF15-9E3682821587}" type="datetimeFigureOut">
               <a:rPr lang="ko-KR" altLang="en-US" smtClean="0"/>
-              <a:t>2018-12-12</a:t>
+              <a:t>2018-12-14</a:t>
             </a:fld>
             <a:endParaRPr lang="ko-KR" altLang="en-US"/>
           </a:p>
@@ -1265,7 +1266,7 @@
     </p:spTree>
     <p:extLst>
       <p:ext uri="{BB962C8B-B14F-4D97-AF65-F5344CB8AC3E}">
-        <p14:creationId xmlns:p14="http://schemas.microsoft.com/office/powerpoint/2010/main" val="2130630696"/>
+        <p14:creationId xmlns:p14="http://schemas.microsoft.com/office/powerpoint/2010/main" val="1201941716"/>
       </p:ext>
     </p:extLst>
   </p:cSld>
@@ -1434,7 +1435,7 @@
     </p:spTree>
     <p:extLst>
       <p:ext uri="{BB962C8B-B14F-4D97-AF65-F5344CB8AC3E}">
-        <p14:creationId xmlns:p14="http://schemas.microsoft.com/office/powerpoint/2010/main" val="494436121"/>
+        <p14:creationId xmlns:p14="http://schemas.microsoft.com/office/powerpoint/2010/main" val="2130630696"/>
       </p:ext>
     </p:extLst>
   </p:cSld>
@@ -1491,6 +1492,30 @@
             <a:pPr marL="0" indent="0">
               <a:buNone/>
             </a:pPr>
+            <a:r>
+              <a:rPr lang="en-US" altLang="ko-KR" sz="1200" b="0" i="0" kern="1200" dirty="0">
+                <a:solidFill>
+                  <a:schemeClr val="tx1"/>
+                </a:solidFill>
+                <a:effectLst/>
+                <a:latin typeface="+mn-lt"/>
+                <a:ea typeface="+mn-ea"/>
+                <a:cs typeface="+mn-cs"/>
+              </a:rPr>
+              <a:t>Will </a:t>
+            </a:r>
+            <a:r>
+              <a:rPr lang="ko-KR" altLang="en-US" sz="1200" b="0" i="0" kern="1200" dirty="0">
+                <a:solidFill>
+                  <a:schemeClr val="tx1"/>
+                </a:solidFill>
+                <a:effectLst/>
+                <a:latin typeface="+mn-lt"/>
+                <a:ea typeface="+mn-ea"/>
+                <a:cs typeface="+mn-cs"/>
+              </a:rPr>
+              <a:t>접두사 메소드는 하기전에 실행되는 메소드</a:t>
+            </a:r>
             <a:endParaRPr lang="en-US" altLang="ko-KR" sz="1200" b="0" i="0" kern="1200" dirty="0">
               <a:solidFill>
                 <a:schemeClr val="tx1"/>
@@ -1501,6 +1526,56 @@
               <a:cs typeface="+mn-cs"/>
             </a:endParaRPr>
           </a:p>
+          <a:p>
+            <a:pPr marL="0" indent="0">
+              <a:buNone/>
+            </a:pPr>
+            <a:r>
+              <a:rPr lang="en-US" altLang="ko-KR" sz="1200" b="0" i="0" kern="1200" dirty="0">
+                <a:solidFill>
+                  <a:schemeClr val="tx1"/>
+                </a:solidFill>
+                <a:effectLst/>
+                <a:latin typeface="+mn-lt"/>
+                <a:ea typeface="+mn-ea"/>
+                <a:cs typeface="+mn-cs"/>
+              </a:rPr>
+              <a:t>Did </a:t>
+            </a:r>
+            <a:r>
+              <a:rPr lang="ko-KR" altLang="en-US" sz="1200" b="0" i="0" kern="1200" dirty="0">
+                <a:solidFill>
+                  <a:schemeClr val="tx1"/>
+                </a:solidFill>
+                <a:effectLst/>
+                <a:latin typeface="+mn-lt"/>
+                <a:ea typeface="+mn-ea"/>
+                <a:cs typeface="+mn-cs"/>
+              </a:rPr>
+              <a:t>접두사는 한 후에 실행되는 </a:t>
+            </a:r>
+            <a:r>
+              <a:rPr lang="ko-KR" altLang="en-US" sz="1200" b="0" i="0" kern="1200" dirty="0" err="1">
+                <a:solidFill>
+                  <a:schemeClr val="tx1"/>
+                </a:solidFill>
+                <a:effectLst/>
+                <a:latin typeface="+mn-lt"/>
+                <a:ea typeface="+mn-ea"/>
+                <a:cs typeface="+mn-cs"/>
+              </a:rPr>
+              <a:t>메서ㅗ드</a:t>
+            </a:r>
+            <a:endParaRPr lang="en-US" altLang="ko-KR" sz="1200" b="0" i="0" kern="1200" dirty="0">
+              <a:solidFill>
+                <a:schemeClr val="tx1"/>
+              </a:solidFill>
+              <a:effectLst/>
+              <a:latin typeface="+mn-lt"/>
+              <a:ea typeface="+mn-ea"/>
+              <a:cs typeface="+mn-cs"/>
+            </a:endParaRPr>
+          </a:p>
         </p:txBody>
       </p:sp>
       <p:sp>
@@ -1521,6 +1596,101 @@
             <a:fld id="{AF4B4130-2D9F-4E6D-9707-8718AD09D43C}" type="slidenum">
               <a:rPr lang="ko-KR" altLang="en-US" smtClean="0"/>
               <a:t>16</a:t>
+            </a:fld>
+            <a:endParaRPr lang="ko-KR" altLang="en-US"/>
+          </a:p>
+        </p:txBody>
+      </p:sp>
+    </p:spTree>
+    <p:extLst>
+      <p:ext uri="{BB962C8B-B14F-4D97-AF65-F5344CB8AC3E}">
+        <p14:creationId xmlns:p14="http://schemas.microsoft.com/office/powerpoint/2010/main" val="494436121"/>
+      </p:ext>
+    </p:extLst>
+  </p:cSld>
+  <p:clrMapOvr>
+    <a:masterClrMapping/>
+  </p:clrMapOvr>
+</p:notes>
+</file>
+
+<file path=ppt/notesSlides/notesSlide17.xml><?xml version="1.0" encoding="utf-8"?>
+<p:notes xmlns:a="http://schemas.openxmlformats.org/drawingml/2006/main" xmlns:r="http://schemas.openxmlformats.org/officeDocument/2006/relationships" xmlns:p="http://schemas.openxmlformats.org/presentationml/2006/main">
+  <p:cSld>
+    <p:spTree>
+      <p:nvGrpSpPr>
+        <p:cNvPr id="1" name=""/>
+        <p:cNvGrpSpPr/>
+        <p:nvPr/>
+      </p:nvGrpSpPr>
+      <p:grpSpPr>
+        <a:xfrm>
+          <a:off x="0" y="0"/>
+          <a:ext cx="0" cy="0"/>
+          <a:chOff x="0" y="0"/>
+          <a:chExt cx="0" cy="0"/>
+        </a:xfrm>
+      </p:grpSpPr>
+      <p:sp>
+        <p:nvSpPr>
+          <p:cNvPr id="2" name="슬라이드 이미지 개체 틀 1"/>
+          <p:cNvSpPr>
+            <a:spLocks noGrp="1" noRot="1" noChangeAspect="1"/>
+          </p:cNvSpPr>
+          <p:nvPr>
+            <p:ph type="sldImg"/>
+          </p:nvPr>
+        </p:nvSpPr>
+        <p:spPr/>
+      </p:sp>
+      <p:sp>
+        <p:nvSpPr>
+          <p:cNvPr id="3" name="슬라이드 노트 개체 틀 2"/>
+          <p:cNvSpPr>
+            <a:spLocks noGrp="1"/>
+          </p:cNvSpPr>
+          <p:nvPr>
+            <p:ph type="body" idx="1"/>
+          </p:nvPr>
+        </p:nvSpPr>
+        <p:spPr/>
+        <p:txBody>
+          <a:bodyPr/>
+          <a:lstStyle/>
+          <a:p>
+            <a:pPr marL="0" indent="0">
+              <a:buNone/>
+            </a:pPr>
+            <a:endParaRPr lang="en-US" altLang="ko-KR" sz="1200" b="0" i="0" kern="1200" dirty="0">
+              <a:solidFill>
+                <a:schemeClr val="tx1"/>
+              </a:solidFill>
+              <a:effectLst/>
+              <a:latin typeface="+mn-lt"/>
+              <a:ea typeface="+mn-ea"/>
+              <a:cs typeface="+mn-cs"/>
+            </a:endParaRPr>
+          </a:p>
+        </p:txBody>
+      </p:sp>
+      <p:sp>
+        <p:nvSpPr>
+          <p:cNvPr id="4" name="슬라이드 번호 개체 틀 3"/>
+          <p:cNvSpPr>
+            <a:spLocks noGrp="1"/>
+          </p:cNvSpPr>
+          <p:nvPr>
+            <p:ph type="sldNum" sz="quarter" idx="5"/>
+          </p:nvPr>
+        </p:nvSpPr>
+        <p:spPr/>
+        <p:txBody>
+          <a:bodyPr/>
+          <a:lstStyle/>
+          <a:p>
+            <a:fld id="{AF4B4130-2D9F-4E6D-9707-8718AD09D43C}" type="slidenum">
+              <a:rPr lang="ko-KR" altLang="en-US" smtClean="0"/>
+              <a:t>17</a:t>
             </a:fld>
             <a:endParaRPr lang="ko-KR" altLang="en-US"/>
           </a:p>
@@ -1599,6 +1769,70 @@
               <a:t>ES6</a:t>
             </a:r>
           </a:p>
+          <a:p>
+            <a:pPr marL="0" indent="0">
+              <a:buNone/>
+            </a:pPr>
+            <a:r>
+              <a:rPr lang="ko-KR" altLang="en-US" sz="1200" b="0" i="0" kern="1200" dirty="0">
+                <a:solidFill>
+                  <a:schemeClr val="tx1"/>
+                </a:solidFill>
+                <a:effectLst/>
+                <a:latin typeface="+mn-lt"/>
+                <a:ea typeface="+mn-ea"/>
+                <a:cs typeface="+mn-cs"/>
+              </a:rPr>
+              <a:t>라이브러리</a:t>
+            </a:r>
+            <a:endParaRPr lang="en-US" altLang="ko-KR" sz="1200" b="0" i="0" kern="1200" dirty="0">
+              <a:solidFill>
+                <a:schemeClr val="tx1"/>
+              </a:solidFill>
+              <a:effectLst/>
+              <a:latin typeface="+mn-lt"/>
+              <a:ea typeface="+mn-ea"/>
+              <a:cs typeface="+mn-cs"/>
+            </a:endParaRPr>
+          </a:p>
+          <a:p>
+            <a:pPr marL="0" indent="0">
+              <a:buNone/>
+            </a:pPr>
+            <a:r>
+              <a:rPr lang="ko-KR" altLang="en-US" sz="1200" b="0" i="0" kern="1200" dirty="0" err="1">
+                <a:solidFill>
+                  <a:schemeClr val="tx1"/>
+                </a:solidFill>
+                <a:effectLst/>
+                <a:latin typeface="+mn-lt"/>
+                <a:ea typeface="+mn-ea"/>
+                <a:cs typeface="+mn-cs"/>
+              </a:rPr>
+              <a:t>앵귤러</a:t>
+            </a:r>
+            <a:r>
+              <a:rPr lang="ko-KR" altLang="en-US" sz="1200" b="0" i="0" kern="1200" dirty="0">
+                <a:solidFill>
+                  <a:schemeClr val="tx1"/>
+                </a:solidFill>
+                <a:effectLst/>
+                <a:latin typeface="+mn-lt"/>
+                <a:ea typeface="+mn-ea"/>
+                <a:cs typeface="+mn-cs"/>
+              </a:rPr>
+              <a:t> 뷰와 비교</a:t>
+            </a:r>
+            <a:endParaRPr lang="en-US" altLang="ko-KR" sz="1200" b="0" i="0" kern="1200" dirty="0">
+              <a:solidFill>
+                <a:schemeClr val="tx1"/>
+              </a:solidFill>
+              <a:effectLst/>
+              <a:latin typeface="+mn-lt"/>
+              <a:ea typeface="+mn-ea"/>
+              <a:cs typeface="+mn-cs"/>
+            </a:endParaRPr>
+          </a:p>
         </p:txBody>
       </p:sp>
       <p:sp>
@@ -1627,7 +1861,7 @@
     </p:spTree>
     <p:extLst>
       <p:ext uri="{BB962C8B-B14F-4D97-AF65-F5344CB8AC3E}">
-        <p14:creationId xmlns:p14="http://schemas.microsoft.com/office/powerpoint/2010/main" val="4029663710"/>
+        <p14:creationId xmlns:p14="http://schemas.microsoft.com/office/powerpoint/2010/main" val="1833227191"/>
       </p:ext>
     </p:extLst>
   </p:cSld>
@@ -2860,68 +3094,6 @@
               <a:buNone/>
             </a:pPr>
             <a:r>
-              <a:rPr lang="ko-KR" altLang="en-US" sz="1200" b="0" i="0" kern="1200" dirty="0" err="1">
-                <a:solidFill>
-                  <a:schemeClr val="tx1"/>
-                </a:solidFill>
-                <a:effectLst/>
-                <a:latin typeface="+mn-lt"/>
-                <a:ea typeface="+mn-ea"/>
-                <a:cs typeface="+mn-cs"/>
-              </a:rPr>
-              <a:t>리액트의</a:t>
-            </a:r>
-            <a:r>
-              <a:rPr lang="ko-KR" altLang="en-US" sz="1200" b="0" i="0" kern="1200" dirty="0">
-                <a:solidFill>
-                  <a:schemeClr val="tx1"/>
-                </a:solidFill>
-                <a:effectLst/>
-                <a:latin typeface="+mn-lt"/>
-                <a:ea typeface="+mn-ea"/>
-                <a:cs typeface="+mn-cs"/>
-              </a:rPr>
-              <a:t> 공식 매뉴얼에는 이러한 문장이 있음</a:t>
-            </a:r>
-            <a:endParaRPr lang="en-US" altLang="ko-KR" sz="1200" b="0" i="0" kern="1200" dirty="0">
-              <a:solidFill>
-                <a:schemeClr val="tx1"/>
-              </a:solidFill>
-              <a:effectLst/>
-              <a:latin typeface="+mn-lt"/>
-              <a:ea typeface="+mn-ea"/>
-              <a:cs typeface="+mn-cs"/>
-            </a:endParaRPr>
-          </a:p>
-          <a:p>
-            <a:pPr marL="0" indent="0">
-              <a:buNone/>
-            </a:pPr>
-            <a:r>
-              <a:rPr lang="ko-KR" altLang="en-US" sz="1200" b="0" i="0" kern="1200" dirty="0">
-                <a:solidFill>
-                  <a:schemeClr val="tx1"/>
-                </a:solidFill>
-                <a:effectLst/>
-                <a:latin typeface="+mn-lt"/>
-                <a:ea typeface="+mn-ea"/>
-                <a:cs typeface="+mn-cs"/>
-              </a:rPr>
-              <a:t>이 말과 같이</a:t>
-            </a:r>
-            <a:r>
-              <a:rPr lang="en-US" altLang="ko-KR" sz="1200" b="0" i="0" kern="1200" dirty="0">
-                <a:solidFill>
-                  <a:schemeClr val="tx1"/>
-                </a:solidFill>
-                <a:effectLst/>
-                <a:latin typeface="+mn-lt"/>
-                <a:ea typeface="+mn-ea"/>
-                <a:cs typeface="+mn-cs"/>
-              </a:rPr>
-              <a:t> </a:t>
-            </a:r>
-            <a:r>
               <a:rPr lang="ko-KR" altLang="en-US" sz="1200" b="0" i="0" kern="1200" dirty="0">
                 <a:solidFill>
                   <a:schemeClr val="tx1"/>
@@ -2948,68 +3120,6 @@
               <a:buNone/>
             </a:pPr>
             <a:r>
-              <a:rPr lang="en-US" altLang="ko-KR" sz="1200" b="0" i="0" kern="1200" dirty="0">
-                <a:solidFill>
-                  <a:schemeClr val="tx1"/>
-                </a:solidFill>
-                <a:effectLst/>
-                <a:latin typeface="+mn-lt"/>
-                <a:ea typeface="+mn-ea"/>
-                <a:cs typeface="+mn-cs"/>
-              </a:rPr>
-              <a:t>Virtual DOM</a:t>
-            </a:r>
-            <a:r>
-              <a:rPr lang="ko-KR" altLang="en-US" sz="1200" b="0" i="0" kern="1200" dirty="0">
-                <a:solidFill>
-                  <a:schemeClr val="tx1"/>
-                </a:solidFill>
-                <a:effectLst/>
-                <a:latin typeface="+mn-lt"/>
-                <a:ea typeface="+mn-ea"/>
-                <a:cs typeface="+mn-cs"/>
-              </a:rPr>
-              <a:t>을 사용한다고 해서 사용하지 않을 때와 비교하여 무조건 </a:t>
-            </a:r>
-            <a:r>
-              <a:rPr lang="ko-KR" altLang="en-US" sz="1200" b="0" i="0" kern="1200" dirty="0" err="1">
-                <a:solidFill>
-                  <a:schemeClr val="tx1"/>
-                </a:solidFill>
-                <a:effectLst/>
-                <a:latin typeface="+mn-lt"/>
-                <a:ea typeface="+mn-ea"/>
-                <a:cs typeface="+mn-cs"/>
-              </a:rPr>
-              <a:t>빠른건</a:t>
-            </a:r>
-            <a:r>
-              <a:rPr lang="ko-KR" altLang="en-US" sz="1200" b="0" i="0" kern="1200" dirty="0">
-                <a:solidFill>
-                  <a:schemeClr val="tx1"/>
-                </a:solidFill>
-                <a:effectLst/>
-                <a:latin typeface="+mn-lt"/>
-                <a:ea typeface="+mn-ea"/>
-                <a:cs typeface="+mn-cs"/>
-              </a:rPr>
-              <a:t> 아님</a:t>
-            </a:r>
-            <a:endParaRPr lang="en-US" altLang="ko-KR" sz="1200" b="0" i="0" kern="1200" dirty="0">
-              <a:solidFill>
-                <a:schemeClr val="tx1"/>
-              </a:solidFill>
-              <a:effectLst/>
-              <a:latin typeface="+mn-lt"/>
-              <a:ea typeface="+mn-ea"/>
-              <a:cs typeface="+mn-cs"/>
-            </a:endParaRPr>
-          </a:p>
-          <a:p>
-            <a:pPr marL="0" indent="0">
-              <a:buNone/>
-            </a:pPr>
-            <a:r>
               <a:rPr lang="ko-KR" altLang="en-US" sz="1200" b="0" i="0" kern="1200" dirty="0" err="1">
                 <a:solidFill>
                   <a:schemeClr val="tx1"/>
@@ -3105,7 +3215,7 @@
                 <a:ea typeface="+mn-ea"/>
                 <a:cs typeface="+mn-cs"/>
               </a:rPr>
-              <a:t>또 작업이 매우 간단할 때</a:t>
+              <a:t>정적</a:t>
             </a:r>
             <a:r>
               <a:rPr lang="en-US" altLang="ko-KR" sz="1200" b="0" i="0" kern="1200" dirty="0">
@@ -3117,91 +3227,8 @@
                 <a:ea typeface="+mn-ea"/>
                 <a:cs typeface="+mn-cs"/>
               </a:rPr>
-              <a:t>(</a:t>
-            </a:r>
-            <a:r>
-              <a:rPr lang="ko-KR" altLang="en-US" sz="1200" b="0" i="0" kern="1200" dirty="0">
-                <a:solidFill>
-                  <a:schemeClr val="tx1"/>
-                </a:solidFill>
-                <a:effectLst/>
-                <a:latin typeface="+mn-lt"/>
-                <a:ea typeface="+mn-ea"/>
-                <a:cs typeface="+mn-cs"/>
-              </a:rPr>
-              <a:t>간단한 정적페이지</a:t>
-            </a:r>
-            <a:r>
-              <a:rPr lang="en-US" altLang="ko-KR" sz="1200" b="0" i="0" kern="1200" dirty="0">
-                <a:solidFill>
-                  <a:schemeClr val="tx1"/>
-                </a:solidFill>
-                <a:effectLst/>
-                <a:latin typeface="+mn-lt"/>
-                <a:ea typeface="+mn-ea"/>
-                <a:cs typeface="+mn-cs"/>
-              </a:rPr>
-              <a:t>)</a:t>
-            </a:r>
-            <a:r>
-              <a:rPr lang="ko-KR" altLang="en-US" sz="1200" b="0" i="0" kern="1200" dirty="0">
-                <a:solidFill>
-                  <a:schemeClr val="tx1"/>
-                </a:solidFill>
-                <a:effectLst/>
-                <a:latin typeface="+mn-lt"/>
-                <a:ea typeface="+mn-ea"/>
-                <a:cs typeface="+mn-cs"/>
-              </a:rPr>
-              <a:t>같은 경우에는 오히려 </a:t>
-            </a:r>
-            <a:r>
-              <a:rPr lang="ko-KR" altLang="en-US" sz="1200" b="0" i="0" kern="1200" dirty="0" err="1">
-                <a:solidFill>
-                  <a:schemeClr val="tx1"/>
-                </a:solidFill>
-                <a:effectLst/>
-                <a:latin typeface="+mn-lt"/>
-                <a:ea typeface="+mn-ea"/>
-                <a:cs typeface="+mn-cs"/>
-              </a:rPr>
-              <a:t>리액트를</a:t>
-            </a:r>
-            <a:r>
-              <a:rPr lang="ko-KR" altLang="en-US" sz="1200" b="0" i="0" kern="1200" dirty="0">
-                <a:solidFill>
-                  <a:schemeClr val="tx1"/>
-                </a:solidFill>
-                <a:effectLst/>
-                <a:latin typeface="+mn-lt"/>
-                <a:ea typeface="+mn-ea"/>
-                <a:cs typeface="+mn-cs"/>
-              </a:rPr>
-              <a:t> 사용하지 않는 편이 더 나은 성능을 보이기도 한다</a:t>
-            </a:r>
-            <a:endParaRPr lang="en-US" altLang="ko-KR" sz="1200" b="0" i="0" kern="1200" dirty="0">
-              <a:solidFill>
-                <a:schemeClr val="tx1"/>
-              </a:solidFill>
-              <a:effectLst/>
-              <a:latin typeface="+mn-lt"/>
-              <a:ea typeface="+mn-ea"/>
-              <a:cs typeface="+mn-cs"/>
-            </a:endParaRPr>
-          </a:p>
-          <a:p>
-            <a:pPr marL="0" indent="0">
-              <a:buNone/>
-            </a:pPr>
-            <a:endParaRPr lang="en-US" altLang="ko-KR" sz="1200" b="0" i="0" kern="1200" dirty="0">
-              <a:solidFill>
-                <a:schemeClr val="tx1"/>
-              </a:solidFill>
-              <a:effectLst/>
-              <a:latin typeface="+mn-lt"/>
-              <a:ea typeface="+mn-ea"/>
-              <a:cs typeface="+mn-cs"/>
-            </a:endParaRPr>
+              <a:t>..</a:t>
+            </a:r>
           </a:p>
           <a:p>
             <a:pPr marL="0" indent="0">
@@ -3494,7 +3521,7 @@
           <a:p>
             <a:fld id="{46A2558D-9475-4DD4-8F32-96381613298F}" type="datetimeFigureOut">
               <a:rPr lang="ko-KR" altLang="en-US" smtClean="0"/>
-              <a:t>2018-12-12</a:t>
+              <a:t>2018-12-14</a:t>
             </a:fld>
             <a:endParaRPr lang="ko-KR" altLang="en-US"/>
           </a:p>
@@ -3692,7 +3719,7 @@
           <a:p>
             <a:fld id="{46A2558D-9475-4DD4-8F32-96381613298F}" type="datetimeFigureOut">
               <a:rPr lang="ko-KR" altLang="en-US" smtClean="0"/>
-              <a:t>2018-12-12</a:t>
+              <a:t>2018-12-14</a:t>
             </a:fld>
             <a:endParaRPr lang="ko-KR" altLang="en-US"/>
           </a:p>
@@ -3900,7 +3927,7 @@
           <a:p>
             <a:fld id="{46A2558D-9475-4DD4-8F32-96381613298F}" type="datetimeFigureOut">
               <a:rPr lang="ko-KR" altLang="en-US" smtClean="0"/>
-              <a:t>2018-12-12</a:t>
+              <a:t>2018-12-14</a:t>
             </a:fld>
             <a:endParaRPr lang="ko-KR" altLang="en-US"/>
           </a:p>
@@ -4098,7 +4125,7 @@
           <a:p>
             <a:fld id="{46A2558D-9475-4DD4-8F32-96381613298F}" type="datetimeFigureOut">
               <a:rPr lang="ko-KR" altLang="en-US" smtClean="0"/>
-              <a:t>2018-12-12</a:t>
+              <a:t>2018-12-14</a:t>
             </a:fld>
             <a:endParaRPr lang="ko-KR" altLang="en-US"/>
           </a:p>
@@ -4373,7 +4400,7 @@
           <a:p>
             <a:fld id="{46A2558D-9475-4DD4-8F32-96381613298F}" type="datetimeFigureOut">
               <a:rPr lang="ko-KR" altLang="en-US" smtClean="0"/>
-              <a:t>2018-12-12</a:t>
+              <a:t>2018-12-14</a:t>
             </a:fld>
             <a:endParaRPr lang="ko-KR" altLang="en-US"/>
           </a:p>
@@ -4638,7 +4665,7 @@
           <a:p>
             <a:fld id="{46A2558D-9475-4DD4-8F32-96381613298F}" type="datetimeFigureOut">
               <a:rPr lang="ko-KR" altLang="en-US" smtClean="0"/>
-              <a:t>2018-12-12</a:t>
+              <a:t>2018-12-14</a:t>
             </a:fld>
             <a:endParaRPr lang="ko-KR" altLang="en-US"/>
           </a:p>
@@ -5050,7 +5077,7 @@
           <a:p>
             <a:fld id="{46A2558D-9475-4DD4-8F32-96381613298F}" type="datetimeFigureOut">
               <a:rPr lang="ko-KR" altLang="en-US" smtClean="0"/>
-              <a:t>2018-12-12</a:t>
+              <a:t>2018-12-14</a:t>
             </a:fld>
             <a:endParaRPr lang="ko-KR" altLang="en-US"/>
           </a:p>
@@ -5191,7 +5218,7 @@
           <a:p>
             <a:fld id="{46A2558D-9475-4DD4-8F32-96381613298F}" type="datetimeFigureOut">
               <a:rPr lang="ko-KR" altLang="en-US" smtClean="0"/>
-              <a:t>2018-12-12</a:t>
+              <a:t>2018-12-14</a:t>
             </a:fld>
             <a:endParaRPr lang="ko-KR" altLang="en-US"/>
           </a:p>
@@ -5304,7 +5331,7 @@
           <a:p>
             <a:fld id="{46A2558D-9475-4DD4-8F32-96381613298F}" type="datetimeFigureOut">
               <a:rPr lang="ko-KR" altLang="en-US" smtClean="0"/>
-              <a:t>2018-12-12</a:t>
+              <a:t>2018-12-14</a:t>
             </a:fld>
             <a:endParaRPr lang="ko-KR" altLang="en-US"/>
           </a:p>
@@ -5615,7 +5642,7 @@
           <a:p>
             <a:fld id="{46A2558D-9475-4DD4-8F32-96381613298F}" type="datetimeFigureOut">
               <a:rPr lang="ko-KR" altLang="en-US" smtClean="0"/>
-              <a:t>2018-12-12</a:t>
+              <a:t>2018-12-14</a:t>
             </a:fld>
             <a:endParaRPr lang="ko-KR" altLang="en-US"/>
           </a:p>
@@ -5903,7 +5930,7 @@
           <a:p>
             <a:fld id="{46A2558D-9475-4DD4-8F32-96381613298F}" type="datetimeFigureOut">
               <a:rPr lang="ko-KR" altLang="en-US" smtClean="0"/>
-              <a:t>2018-12-12</a:t>
+              <a:t>2018-12-14</a:t>
             </a:fld>
             <a:endParaRPr lang="ko-KR" altLang="en-US"/>
           </a:p>
@@ -6144,7 +6171,7 @@
           <a:p>
             <a:fld id="{46A2558D-9475-4DD4-8F32-96381613298F}" type="datetimeFigureOut">
               <a:rPr lang="ko-KR" altLang="en-US" smtClean="0"/>
-              <a:t>2018-12-12</a:t>
+              <a:t>2018-12-14</a:t>
             </a:fld>
             <a:endParaRPr lang="ko-KR" altLang="en-US"/>
           </a:p>
@@ -9767,25 +9794,7 @@
                           </a:solidFill>
                           <a:latin typeface="+mj-ea"/>
                         </a:rPr>
-                        <a:t>컴포넌트가 브라우저상에 나타난 </a:t>
-                      </a:r>
-                      <a:r>
-                        <a:rPr lang="ko-KR" altLang="en-US" sz="1600">
-                          <a:solidFill>
-                            <a:srgbClr val="333333"/>
-                          </a:solidFill>
-                          <a:latin typeface="+mj-ea"/>
-                        </a:rPr>
-                        <a:t>후 마지막에 </a:t>
-                      </a:r>
-                      <a:r>
-                        <a:rPr lang="ko-KR" altLang="en-US" sz="1600" dirty="0">
-                          <a:solidFill>
-                            <a:srgbClr val="333333"/>
-                          </a:solidFill>
-                          <a:latin typeface="+mj-ea"/>
-                        </a:rPr>
-                        <a:t>호출</a:t>
+                        <a:t>컴포넌트가 브라우저상에 나타난 후 마지막에 호출</a:t>
                       </a:r>
                       <a:r>
                         <a:rPr lang="en-US" altLang="ko-KR" sz="1600" dirty="0">
@@ -10209,7 +10218,7 @@
         <p:spPr>
           <a:xfrm>
             <a:off x="1704513" y="620822"/>
-            <a:ext cx="1417632" cy="400110"/>
+            <a:ext cx="4455579" cy="400110"/>
           </a:xfrm>
           <a:prstGeom prst="rect">
             <a:avLst/>
@@ -10228,114 +10237,21 @@
             </a:r>
             <a:r>
               <a:rPr lang="ko-KR" altLang="en-US" sz="2000" dirty="0"/>
-              <a:t>추세</a:t>
-            </a:r>
-            <a:endParaRPr lang="en-US" altLang="ko-KR" sz="2000" dirty="0"/>
-          </a:p>
-        </p:txBody>
-      </p:sp>
-      <p:pic>
-        <p:nvPicPr>
-          <p:cNvPr id="3" name="그림 2">
-            <a:extLst>
-              <a:ext uri="{FF2B5EF4-FFF2-40B4-BE49-F238E27FC236}">
-                <a16:creationId xmlns:a16="http://schemas.microsoft.com/office/drawing/2014/main" id="{29729449-5041-424C-AF7F-BAF8D0634ADE}"/>
-              </a:ext>
-            </a:extLst>
-          </p:cNvPr>
-          <p:cNvPicPr>
-            <a:picLocks noChangeAspect="1"/>
-          </p:cNvPicPr>
-          <p:nvPr/>
-        </p:nvPicPr>
-        <p:blipFill>
-          <a:blip r:embed="rId3">
-            <a:extLst>
-              <a:ext uri="{28A0092B-C50C-407E-A947-70E740481C1C}">
-                <a14:useLocalDpi xmlns:a14="http://schemas.microsoft.com/office/drawing/2010/main" val="0"/>
-              </a:ext>
-            </a:extLst>
-          </a:blip>
-          <a:stretch>
-            <a:fillRect/>
-          </a:stretch>
-        </p:blipFill>
-        <p:spPr>
-          <a:xfrm>
-            <a:off x="560221" y="1466761"/>
-            <a:ext cx="11071553" cy="3386593"/>
-          </a:xfrm>
-          <a:prstGeom prst="rect">
-            <a:avLst/>
-          </a:prstGeom>
-        </p:spPr>
-      </p:pic>
-      <p:sp>
-        <p:nvSpPr>
-          <p:cNvPr id="14" name="TextBox 13">
-            <a:extLst>
-              <a:ext uri="{FF2B5EF4-FFF2-40B4-BE49-F238E27FC236}">
-                <a16:creationId xmlns:a16="http://schemas.microsoft.com/office/drawing/2014/main" id="{3E1A1C97-4310-4467-87ED-3051E90ACF2B}"/>
-              </a:ext>
-            </a:extLst>
-          </p:cNvPr>
-          <p:cNvSpPr txBox="1"/>
-          <p:nvPr/>
-        </p:nvSpPr>
-        <p:spPr>
-          <a:xfrm>
-            <a:off x="2982005" y="5521633"/>
-            <a:ext cx="6227987" cy="400110"/>
-          </a:xfrm>
-          <a:prstGeom prst="rect">
-            <a:avLst/>
-          </a:prstGeom>
-          <a:noFill/>
-        </p:spPr>
-        <p:txBody>
-          <a:bodyPr wrap="none" rtlCol="0">
-            <a:spAutoFit/>
-          </a:bodyPr>
-          <a:lstStyle/>
-          <a:p>
-            <a:pPr algn="ctr"/>
-            <a:r>
-              <a:rPr lang="ko-KR" altLang="en-US" sz="2000" dirty="0" err="1"/>
-              <a:t>프론트엔드</a:t>
-            </a:r>
-            <a:r>
-              <a:rPr lang="ko-KR" altLang="en-US" sz="2000" dirty="0"/>
-              <a:t> 라이브러리</a:t>
+              <a:t>특징 </a:t>
             </a:r>
             <a:r>
               <a:rPr lang="en-US" altLang="ko-KR" sz="2000" dirty="0"/>
-              <a:t>/</a:t>
-            </a:r>
-            <a:r>
-              <a:rPr lang="ko-KR" altLang="en-US" sz="2000" dirty="0"/>
-              <a:t>프레임워크 중 독보적인 </a:t>
-            </a:r>
-            <a:r>
-              <a:rPr lang="en-US" altLang="ko-KR" sz="2000" dirty="0"/>
-              <a:t>1</a:t>
-            </a:r>
-            <a:r>
-              <a:rPr lang="ko-KR" altLang="en-US" sz="2000" dirty="0"/>
-              <a:t>등</a:t>
-            </a:r>
-            <a:r>
-              <a:rPr lang="en-US" altLang="ko-KR" sz="2000" dirty="0"/>
-              <a:t>.</a:t>
-            </a:r>
-          </a:p>
-        </p:txBody>
-      </p:sp>
-      <p:sp>
-        <p:nvSpPr>
-          <p:cNvPr id="6" name="직사각형 5">
-            <a:extLst>
-              <a:ext uri="{FF2B5EF4-FFF2-40B4-BE49-F238E27FC236}">
-                <a16:creationId xmlns:a16="http://schemas.microsoft.com/office/drawing/2014/main" id="{58658E21-C19D-4CFD-9E8C-D5B949EDE7EB}"/>
+              <a:t>– 4. Component lifecycle</a:t>
+            </a:r>
+          </a:p>
+        </p:txBody>
+      </p:sp>
+      <p:sp>
+        <p:nvSpPr>
+          <p:cNvPr id="17" name="직사각형 16">
+            <a:extLst>
+              <a:ext uri="{FF2B5EF4-FFF2-40B4-BE49-F238E27FC236}">
+                <a16:creationId xmlns:a16="http://schemas.microsoft.com/office/drawing/2014/main" id="{395B9EA9-B720-4A0D-947F-518235EDDB20}"/>
               </a:ext>
             </a:extLst>
           </p:cNvPr>
@@ -10344,8 +10260,8 @@
         </p:nvSpPr>
         <p:spPr>
           <a:xfrm>
-            <a:off x="7893078" y="4853354"/>
-            <a:ext cx="3549177" cy="307777"/>
+            <a:off x="1366163" y="3228945"/>
+            <a:ext cx="9587881" cy="369332"/>
           </a:xfrm>
           <a:prstGeom prst="rect">
             <a:avLst/>
@@ -10357,17 +10273,47 @@
           </a:bodyPr>
           <a:lstStyle/>
           <a:p>
-            <a:r>
-              <a:rPr lang="ko-KR" altLang="en-US" sz="1400" dirty="0"/>
-              <a:t>https://2018.stateofjs.com 에서 확인 가능</a:t>
-            </a:r>
+            <a:pPr algn="ctr"/>
+            <a:r>
+              <a:rPr lang="en-US" altLang="ko-KR" dirty="0"/>
+              <a:t>Splash image</a:t>
+            </a:r>
+            <a:r>
+              <a:rPr lang="ko-KR" altLang="en-US" dirty="0"/>
+              <a:t>를 </a:t>
+            </a:r>
+            <a:r>
+              <a:rPr lang="en-US" altLang="ko-KR" dirty="0" err="1"/>
+              <a:t>componentWillMount</a:t>
+            </a:r>
+            <a:r>
+              <a:rPr lang="en-US" altLang="ko-KR" dirty="0"/>
+              <a:t>()</a:t>
+            </a:r>
+            <a:r>
+              <a:rPr lang="ko-KR" altLang="en-US" dirty="0"/>
+              <a:t>에서 보여주는 등 사용자 관점의 </a:t>
+            </a:r>
+            <a:r>
+              <a:rPr lang="en-US" altLang="ko-KR" dirty="0"/>
+              <a:t>View</a:t>
+            </a:r>
+            <a:r>
+              <a:rPr lang="ko-KR" altLang="en-US" dirty="0"/>
+              <a:t> 디자인 가능</a:t>
+            </a:r>
+            <a:r>
+              <a:rPr lang="en-US" altLang="ko-KR" dirty="0"/>
+              <a:t>.</a:t>
+            </a:r>
+            <a:endParaRPr lang="ko-KR" altLang="en-US" dirty="0"/>
           </a:p>
         </p:txBody>
       </p:sp>
     </p:spTree>
     <p:extLst>
       <p:ext uri="{BB962C8B-B14F-4D97-AF65-F5344CB8AC3E}">
-        <p14:creationId xmlns:p14="http://schemas.microsoft.com/office/powerpoint/2010/main" val="1485381242"/>
+        <p14:creationId xmlns:p14="http://schemas.microsoft.com/office/powerpoint/2010/main" val="3570691659"/>
       </p:ext>
     </p:extLst>
   </p:cSld>
@@ -10501,6 +10447,298 @@
         <p:spPr>
           <a:xfrm>
             <a:off x="1704513" y="620822"/>
+            <a:ext cx="1417632" cy="400110"/>
+          </a:xfrm>
+          <a:prstGeom prst="rect">
+            <a:avLst/>
+          </a:prstGeom>
+          <a:noFill/>
+        </p:spPr>
+        <p:txBody>
+          <a:bodyPr wrap="none" rtlCol="0">
+            <a:spAutoFit/>
+          </a:bodyPr>
+          <a:lstStyle/>
+          <a:p>
+            <a:r>
+              <a:rPr lang="en-US" altLang="ko-KR" sz="2000" dirty="0"/>
+              <a:t>React </a:t>
+            </a:r>
+            <a:r>
+              <a:rPr lang="ko-KR" altLang="en-US" sz="2000" dirty="0"/>
+              <a:t>추세</a:t>
+            </a:r>
+            <a:endParaRPr lang="en-US" altLang="ko-KR" sz="2000" dirty="0"/>
+          </a:p>
+        </p:txBody>
+      </p:sp>
+      <p:pic>
+        <p:nvPicPr>
+          <p:cNvPr id="3" name="그림 2">
+            <a:extLst>
+              <a:ext uri="{FF2B5EF4-FFF2-40B4-BE49-F238E27FC236}">
+                <a16:creationId xmlns:a16="http://schemas.microsoft.com/office/drawing/2014/main" id="{29729449-5041-424C-AF7F-BAF8D0634ADE}"/>
+              </a:ext>
+            </a:extLst>
+          </p:cNvPr>
+          <p:cNvPicPr>
+            <a:picLocks noChangeAspect="1"/>
+          </p:cNvPicPr>
+          <p:nvPr/>
+        </p:nvPicPr>
+        <p:blipFill>
+          <a:blip r:embed="rId3">
+            <a:extLst>
+              <a:ext uri="{28A0092B-C50C-407E-A947-70E740481C1C}">
+                <a14:useLocalDpi xmlns:a14="http://schemas.microsoft.com/office/drawing/2010/main" val="0"/>
+              </a:ext>
+            </a:extLst>
+          </a:blip>
+          <a:stretch>
+            <a:fillRect/>
+          </a:stretch>
+        </p:blipFill>
+        <p:spPr>
+          <a:xfrm>
+            <a:off x="560221" y="1466761"/>
+            <a:ext cx="11071553" cy="3386593"/>
+          </a:xfrm>
+          <a:prstGeom prst="rect">
+            <a:avLst/>
+          </a:prstGeom>
+        </p:spPr>
+      </p:pic>
+      <p:sp>
+        <p:nvSpPr>
+          <p:cNvPr id="14" name="TextBox 13">
+            <a:extLst>
+              <a:ext uri="{FF2B5EF4-FFF2-40B4-BE49-F238E27FC236}">
+                <a16:creationId xmlns:a16="http://schemas.microsoft.com/office/drawing/2014/main" id="{3E1A1C97-4310-4467-87ED-3051E90ACF2B}"/>
+              </a:ext>
+            </a:extLst>
+          </p:cNvPr>
+          <p:cNvSpPr txBox="1"/>
+          <p:nvPr/>
+        </p:nvSpPr>
+        <p:spPr>
+          <a:xfrm>
+            <a:off x="2982005" y="5521633"/>
+            <a:ext cx="6227987" cy="400110"/>
+          </a:xfrm>
+          <a:prstGeom prst="rect">
+            <a:avLst/>
+          </a:prstGeom>
+          <a:noFill/>
+        </p:spPr>
+        <p:txBody>
+          <a:bodyPr wrap="none" rtlCol="0">
+            <a:spAutoFit/>
+          </a:bodyPr>
+          <a:lstStyle/>
+          <a:p>
+            <a:pPr algn="ctr"/>
+            <a:r>
+              <a:rPr lang="ko-KR" altLang="en-US" sz="2000" dirty="0" err="1"/>
+              <a:t>프론트엔드</a:t>
+            </a:r>
+            <a:r>
+              <a:rPr lang="ko-KR" altLang="en-US" sz="2000" dirty="0"/>
+              <a:t> 라이브러리</a:t>
+            </a:r>
+            <a:r>
+              <a:rPr lang="en-US" altLang="ko-KR" sz="2000" dirty="0"/>
+              <a:t>/</a:t>
+            </a:r>
+            <a:r>
+              <a:rPr lang="ko-KR" altLang="en-US" sz="2000" dirty="0"/>
+              <a:t>프레임워크 중 독보적인 </a:t>
+            </a:r>
+            <a:r>
+              <a:rPr lang="en-US" altLang="ko-KR" sz="2000" dirty="0"/>
+              <a:t>1</a:t>
+            </a:r>
+            <a:r>
+              <a:rPr lang="ko-KR" altLang="en-US" sz="2000" dirty="0"/>
+              <a:t>등</a:t>
+            </a:r>
+            <a:r>
+              <a:rPr lang="en-US" altLang="ko-KR" sz="2000" dirty="0"/>
+              <a:t>.</a:t>
+            </a:r>
+          </a:p>
+        </p:txBody>
+      </p:sp>
+      <p:sp>
+        <p:nvSpPr>
+          <p:cNvPr id="6" name="직사각형 5">
+            <a:extLst>
+              <a:ext uri="{FF2B5EF4-FFF2-40B4-BE49-F238E27FC236}">
+                <a16:creationId xmlns:a16="http://schemas.microsoft.com/office/drawing/2014/main" id="{58658E21-C19D-4CFD-9E8C-D5B949EDE7EB}"/>
+              </a:ext>
+            </a:extLst>
+          </p:cNvPr>
+          <p:cNvSpPr/>
+          <p:nvPr/>
+        </p:nvSpPr>
+        <p:spPr>
+          <a:xfrm>
+            <a:off x="7893078" y="4853354"/>
+            <a:ext cx="3549177" cy="307777"/>
+          </a:xfrm>
+          <a:prstGeom prst="rect">
+            <a:avLst/>
+          </a:prstGeom>
+        </p:spPr>
+        <p:txBody>
+          <a:bodyPr wrap="none">
+            <a:spAutoFit/>
+          </a:bodyPr>
+          <a:lstStyle/>
+          <a:p>
+            <a:r>
+              <a:rPr lang="ko-KR" altLang="en-US" sz="1400" dirty="0"/>
+              <a:t>https://2018.stateofjs.com 에서 확인 가능</a:t>
+            </a:r>
+          </a:p>
+        </p:txBody>
+      </p:sp>
+    </p:spTree>
+    <p:extLst>
+      <p:ext uri="{BB962C8B-B14F-4D97-AF65-F5344CB8AC3E}">
+        <p14:creationId xmlns:p14="http://schemas.microsoft.com/office/powerpoint/2010/main" val="1485381242"/>
+      </p:ext>
+    </p:extLst>
+  </p:cSld>
+  <p:clrMapOvr>
+    <a:masterClrMapping/>
+  </p:clrMapOvr>
+</p:sld>
+</file>
+
+<file path=ppt/slides/slide16.xml><?xml version="1.0" encoding="utf-8"?>
+<p:sld xmlns:a="http://schemas.openxmlformats.org/drawingml/2006/main" xmlns:r="http://schemas.openxmlformats.org/officeDocument/2006/relationships" xmlns:p="http://schemas.openxmlformats.org/presentationml/2006/main">
+  <p:cSld>
+    <p:spTree>
+      <p:nvGrpSpPr>
+        <p:cNvPr id="1" name=""/>
+        <p:cNvGrpSpPr/>
+        <p:nvPr/>
+      </p:nvGrpSpPr>
+      <p:grpSpPr>
+        <a:xfrm>
+          <a:off x="0" y="0"/>
+          <a:ext cx="0" cy="0"/>
+          <a:chOff x="0" y="0"/>
+          <a:chExt cx="0" cy="0"/>
+        </a:xfrm>
+      </p:grpSpPr>
+      <p:sp>
+        <p:nvSpPr>
+          <p:cNvPr id="10" name="직사각형 9">
+            <a:extLst>
+              <a:ext uri="{FF2B5EF4-FFF2-40B4-BE49-F238E27FC236}">
+                <a16:creationId xmlns:a16="http://schemas.microsoft.com/office/drawing/2014/main" id="{72422AE4-B2BC-47F4-A55A-7923EBDB55ED}"/>
+              </a:ext>
+            </a:extLst>
+          </p:cNvPr>
+          <p:cNvSpPr/>
+          <p:nvPr/>
+        </p:nvSpPr>
+        <p:spPr>
+          <a:xfrm>
+            <a:off x="1586143" y="1020932"/>
+            <a:ext cx="9268287" cy="45719"/>
+          </a:xfrm>
+          <a:prstGeom prst="rect">
+            <a:avLst/>
+          </a:prstGeom>
+        </p:spPr>
+        <p:style>
+          <a:lnRef idx="2">
+            <a:schemeClr val="accent1">
+              <a:shade val="50000"/>
+            </a:schemeClr>
+          </a:lnRef>
+          <a:fillRef idx="1">
+            <a:schemeClr val="accent1"/>
+          </a:fillRef>
+          <a:effectRef idx="0">
+            <a:schemeClr val="accent1"/>
+          </a:effectRef>
+          <a:fontRef idx="minor">
+            <a:schemeClr val="lt1"/>
+          </a:fontRef>
+        </p:style>
+        <p:txBody>
+          <a:bodyPr rtlCol="0" anchor="ctr"/>
+          <a:lstStyle/>
+          <a:p>
+            <a:pPr algn="ctr"/>
+            <a:endParaRPr lang="ko-KR" altLang="en-US"/>
+          </a:p>
+        </p:txBody>
+      </p:sp>
+      <p:sp>
+        <p:nvSpPr>
+          <p:cNvPr id="11" name="직사각형 10">
+            <a:extLst>
+              <a:ext uri="{FF2B5EF4-FFF2-40B4-BE49-F238E27FC236}">
+                <a16:creationId xmlns:a16="http://schemas.microsoft.com/office/drawing/2014/main" id="{88C624B5-9431-4451-97AF-3F26F9D86089}"/>
+              </a:ext>
+            </a:extLst>
+          </p:cNvPr>
+          <p:cNvSpPr/>
+          <p:nvPr/>
+        </p:nvSpPr>
+        <p:spPr>
+          <a:xfrm flipV="1">
+            <a:off x="1586143" y="6174982"/>
+            <a:ext cx="9268287" cy="45719"/>
+          </a:xfrm>
+          <a:prstGeom prst="rect">
+            <a:avLst/>
+          </a:prstGeom>
+        </p:spPr>
+        <p:style>
+          <a:lnRef idx="2">
+            <a:schemeClr val="accent1">
+              <a:shade val="50000"/>
+            </a:schemeClr>
+          </a:lnRef>
+          <a:fillRef idx="1">
+            <a:schemeClr val="accent1"/>
+          </a:fillRef>
+          <a:effectRef idx="0">
+            <a:schemeClr val="accent1"/>
+          </a:effectRef>
+          <a:fontRef idx="minor">
+            <a:schemeClr val="lt1"/>
+          </a:fontRef>
+        </p:style>
+        <p:txBody>
+          <a:bodyPr rtlCol="0" anchor="ctr"/>
+          <a:lstStyle/>
+          <a:p>
+            <a:pPr algn="ctr"/>
+            <a:endParaRPr lang="ko-KR" altLang="en-US"/>
+          </a:p>
+        </p:txBody>
+      </p:sp>
+      <p:sp>
+        <p:nvSpPr>
+          <p:cNvPr id="9" name="TextBox 8">
+            <a:extLst>
+              <a:ext uri="{FF2B5EF4-FFF2-40B4-BE49-F238E27FC236}">
+                <a16:creationId xmlns:a16="http://schemas.microsoft.com/office/drawing/2014/main" id="{892C5DDA-40EE-4B50-9C05-6AFC7089F348}"/>
+              </a:ext>
+            </a:extLst>
+          </p:cNvPr>
+          <p:cNvSpPr txBox="1"/>
+          <p:nvPr/>
+        </p:nvSpPr>
+        <p:spPr>
+          <a:xfrm>
+            <a:off x="1704513" y="620822"/>
             <a:ext cx="1200970" cy="400110"/>
           </a:xfrm>
           <a:prstGeom prst="rect">
@@ -10665,7 +10903,7 @@
 </p:sld>
 </file>
 
-<file path=ppt/slides/slide16.xml><?xml version="1.0" encoding="utf-8"?>
+<file path=ppt/slides/slide17.xml><?xml version="1.0" encoding="utf-8"?>
 <p:sld xmlns:a="http://schemas.openxmlformats.org/drawingml/2006/main" xmlns:r="http://schemas.openxmlformats.org/officeDocument/2006/relationships" xmlns:p="http://schemas.openxmlformats.org/presentationml/2006/main">
   <p:cSld>
     <p:spTree>
@@ -11166,7 +11404,7 @@
     </p:spTree>
     <p:extLst>
       <p:ext uri="{BB962C8B-B14F-4D97-AF65-F5344CB8AC3E}">
-        <p14:creationId xmlns:p14="http://schemas.microsoft.com/office/powerpoint/2010/main" val="3716351495"/>
+        <p14:creationId xmlns:p14="http://schemas.microsoft.com/office/powerpoint/2010/main" val="762951364"/>
       </p:ext>
     </p:extLst>
   </p:cSld>
@@ -11207,7 +11445,7 @@
                                           </p:stCondLst>
                                         </p:cTn>
                                         <p:tgtEl>
-                                          <p:spTgt spid="12"/>
+                                          <p:spTgt spid="6"/>
                                         </p:tgtEl>
                                         <p:attrNameLst>
                                           <p:attrName>style.visibility</p:attrName>
@@ -11221,7 +11459,7 @@
                                       <p:cBhvr>
                                         <p:cTn id="7" dur="500"/>
                                         <p:tgtEl>
-                                          <p:spTgt spid="12"/>
+                                          <p:spTgt spid="6"/>
                                         </p:tgtEl>
                                       </p:cBhvr>
                                     </p:animEffect>
@@ -11260,6 +11498,59 @@
                                           </p:stCondLst>
                                         </p:cTn>
                                         <p:tgtEl>
+                                          <p:spTgt spid="12"/>
+                                        </p:tgtEl>
+                                        <p:attrNameLst>
+                                          <p:attrName>style.visibility</p:attrName>
+                                        </p:attrNameLst>
+                                      </p:cBhvr>
+                                      <p:to>
+                                        <p:strVal val="visible"/>
+                                      </p:to>
+                                    </p:set>
+                                    <p:animEffect transition="in" filter="fade">
+                                      <p:cBhvr>
+                                        <p:cTn id="12" dur="500"/>
+                                        <p:tgtEl>
+                                          <p:spTgt spid="12"/>
+                                        </p:tgtEl>
+                                      </p:cBhvr>
+                                    </p:animEffect>
+                                  </p:childTnLst>
+                                </p:cTn>
+                              </p:par>
+                            </p:childTnLst>
+                          </p:cTn>
+                        </p:par>
+                      </p:childTnLst>
+                    </p:cTn>
+                  </p:par>
+                  <p:par>
+                    <p:cTn id="13" fill="hold">
+                      <p:stCondLst>
+                        <p:cond delay="indefinite"/>
+                      </p:stCondLst>
+                      <p:childTnLst>
+                        <p:par>
+                          <p:cTn id="14" fill="hold">
+                            <p:stCondLst>
+                              <p:cond delay="0"/>
+                            </p:stCondLst>
+                            <p:childTnLst>
+                              <p:par>
+                                <p:cTn id="15" presetID="10" presetClass="entr" presetSubtype="0" fill="hold" grpId="0" nodeType="clickEffect">
+                                  <p:stCondLst>
+                                    <p:cond delay="0"/>
+                                  </p:stCondLst>
+                                  <p:childTnLst>
+                                    <p:set>
+                                      <p:cBhvr>
+                                        <p:cTn id="16" dur="1" fill="hold">
+                                          <p:stCondLst>
+                                            <p:cond delay="0"/>
+                                          </p:stCondLst>
+                                        </p:cTn>
+                                        <p:tgtEl>
                                           <p:spTgt spid="3"/>
                                         </p:tgtEl>
                                         <p:attrNameLst>
@@ -11272,7 +11563,7 @@
                                     </p:set>
                                     <p:animEffect transition="in" filter="fade">
                                       <p:cBhvr>
-                                        <p:cTn id="12" dur="500"/>
+                                        <p:cTn id="17" dur="500"/>
                                         <p:tgtEl>
                                           <p:spTgt spid="3"/>
                                         </p:tgtEl>
@@ -11309,6 +11600,7 @@
       </p:par>
     </p:tnLst>
     <p:bldLst>
+      <p:bldP spid="6" grpId="0"/>
       <p:bldP spid="3" grpId="0"/>
       <p:bldP spid="12" grpId="0"/>
     </p:bldLst>
@@ -16118,53 +16410,6 @@
           <a:p>
             <a:pPr algn="ctr"/>
             <a:endParaRPr lang="ko-KR" altLang="en-US"/>
-          </a:p>
-        </p:txBody>
-      </p:sp>
-      <p:sp>
-        <p:nvSpPr>
-          <p:cNvPr id="83" name="직사각형 82">
-            <a:extLst>
-              <a:ext uri="{FF2B5EF4-FFF2-40B4-BE49-F238E27FC236}">
-                <a16:creationId xmlns:a16="http://schemas.microsoft.com/office/drawing/2014/main" id="{DAA41A80-629B-4FA8-86A5-A10D2445917C}"/>
-              </a:ext>
-            </a:extLst>
-          </p:cNvPr>
-          <p:cNvSpPr/>
-          <p:nvPr/>
-        </p:nvSpPr>
-        <p:spPr>
-          <a:xfrm>
-            <a:off x="2476054" y="5512982"/>
-            <a:ext cx="7239892" cy="400110"/>
-          </a:xfrm>
-          <a:prstGeom prst="rect">
-            <a:avLst/>
-          </a:prstGeom>
-        </p:spPr>
-        <p:txBody>
-          <a:bodyPr wrap="square">
-            <a:spAutoFit/>
-          </a:bodyPr>
-          <a:lstStyle/>
-          <a:p>
-            <a:pPr algn="ctr"/>
-            <a:r>
-              <a:rPr lang="ko-KR" altLang="en-US" sz="2000" dirty="0"/>
-              <a:t>모든 렌더링은 </a:t>
-            </a:r>
-            <a:r>
-              <a:rPr lang="en-US" altLang="ko-KR" sz="2000" dirty="0"/>
-              <a:t>render(…) </a:t>
-            </a:r>
-            <a:r>
-              <a:rPr lang="ko-KR" altLang="en-US" sz="2000" dirty="0"/>
-              <a:t>함수로 이루어진다</a:t>
-            </a:r>
-            <a:r>
-              <a:rPr lang="en-US" altLang="ko-KR" sz="2000" dirty="0"/>
-              <a:t>.</a:t>
-            </a:r>
           </a:p>
         </p:txBody>
       </p:sp>
@@ -17255,59 +17500,6 @@
                       </p:childTnLst>
                     </p:cTn>
                   </p:par>
-                  <p:par>
-                    <p:cTn id="96" fill="hold">
-                      <p:stCondLst>
-                        <p:cond delay="indefinite"/>
-                      </p:stCondLst>
-                      <p:childTnLst>
-                        <p:par>
-                          <p:cTn id="97" fill="hold">
-                            <p:stCondLst>
-                              <p:cond delay="0"/>
-                            </p:stCondLst>
-                            <p:childTnLst>
-                              <p:par>
-                                <p:cTn id="98" presetID="10" presetClass="entr" presetSubtype="0" fill="hold" grpId="0" nodeType="clickEffect">
-                                  <p:stCondLst>
-                                    <p:cond delay="0"/>
-                                  </p:stCondLst>
-                                  <p:childTnLst>
-                                    <p:set>
-                                      <p:cBhvr>
-                                        <p:cTn id="99" dur="1" fill="hold">
-                                          <p:stCondLst>
-                                            <p:cond delay="0"/>
-                                          </p:stCondLst>
-                                        </p:cTn>
-                                        <p:tgtEl>
-                                          <p:spTgt spid="83"/>
-                                        </p:tgtEl>
-                                        <p:attrNameLst>
-                                          <p:attrName>style.visibility</p:attrName>
-                                        </p:attrNameLst>
-                                      </p:cBhvr>
-                                      <p:to>
-                                        <p:strVal val="visible"/>
-                                      </p:to>
-                                    </p:set>
-                                    <p:animEffect transition="in" filter="fade">
-                                      <p:cBhvr>
-                                        <p:cTn id="100" dur="500"/>
-                                        <p:tgtEl>
-                                          <p:spTgt spid="83"/>
-                                        </p:tgtEl>
-                                      </p:cBhvr>
-                                    </p:animEffect>
-                                  </p:childTnLst>
-                                </p:cTn>
-                              </p:par>
-                            </p:childTnLst>
-                          </p:cTn>
-                        </p:par>
-                      </p:childTnLst>
-                    </p:cTn>
-                  </p:par>
                 </p:childTnLst>
               </p:cTn>
               <p:prevCondLst>
@@ -17343,7 +17535,6 @@
       <p:bldP spid="80" grpId="0" animBg="1"/>
       <p:bldP spid="81" grpId="0" animBg="1"/>
       <p:bldP spid="82" grpId="0" animBg="1"/>
-      <p:bldP spid="83" grpId="0"/>
     </p:bldLst>
   </p:timing>
 </p:sld>
@@ -20307,7 +20498,7 @@
                                           </p:stCondLst>
                                         </p:cTn>
                                         <p:tgtEl>
-                                          <p:spTgt spid="7"/>
+                                          <p:spTgt spid="81"/>
                                         </p:tgtEl>
                                         <p:attrNameLst>
                                           <p:attrName>style.visibility</p:attrName>
@@ -20321,6 +20512,59 @@
                                       <p:cBhvr>
                                         <p:cTn id="7" dur="500"/>
                                         <p:tgtEl>
+                                          <p:spTgt spid="81"/>
+                                        </p:tgtEl>
+                                      </p:cBhvr>
+                                    </p:animEffect>
+                                  </p:childTnLst>
+                                </p:cTn>
+                              </p:par>
+                            </p:childTnLst>
+                          </p:cTn>
+                        </p:par>
+                      </p:childTnLst>
+                    </p:cTn>
+                  </p:par>
+                  <p:par>
+                    <p:cTn id="8" fill="hold">
+                      <p:stCondLst>
+                        <p:cond delay="indefinite"/>
+                      </p:stCondLst>
+                      <p:childTnLst>
+                        <p:par>
+                          <p:cTn id="9" fill="hold">
+                            <p:stCondLst>
+                              <p:cond delay="0"/>
+                            </p:stCondLst>
+                            <p:childTnLst>
+                              <p:par>
+                                <p:cTn id="10" presetID="10" presetClass="entr" presetSubtype="0" fill="hold" grpId="0" nodeType="clickEffect">
+                                  <p:stCondLst>
+                                    <p:cond delay="0"/>
+                                  </p:stCondLst>
+                                  <p:childTnLst>
+                                    <p:set>
+                                      <p:cBhvr>
+                                        <p:cTn id="11" dur="1" fill="hold">
+                                          <p:stCondLst>
+                                            <p:cond delay="0"/>
+                                          </p:stCondLst>
+                                        </p:cTn>
+                                        <p:tgtEl>
+                                          <p:spTgt spid="7"/>
+                                        </p:tgtEl>
+                                        <p:attrNameLst>
+                                          <p:attrName>style.visibility</p:attrName>
+                                        </p:attrNameLst>
+                                      </p:cBhvr>
+                                      <p:to>
+                                        <p:strVal val="visible"/>
+                                      </p:to>
+                                    </p:set>
+                                    <p:animEffect transition="in" filter="fade">
+                                      <p:cBhvr>
+                                        <p:cTn id="12" dur="500"/>
+                                        <p:tgtEl>
                                           <p:spTgt spid="7"/>
                                         </p:tgtEl>
                                       </p:cBhvr>
@@ -20329,14 +20573,14 @@
                                 </p:cTn>
                               </p:par>
                               <p:par>
-                                <p:cTn id="8" presetID="10" presetClass="entr" presetSubtype="0" fill="hold" grpId="0" nodeType="withEffect">
+                                <p:cTn id="13" presetID="10" presetClass="entr" presetSubtype="0" fill="hold" grpId="0" nodeType="withEffect">
                                   <p:stCondLst>
                                     <p:cond delay="0"/>
                                   </p:stCondLst>
                                   <p:childTnLst>
                                     <p:set>
                                       <p:cBhvr>
-                                        <p:cTn id="9" dur="1" fill="hold">
+                                        <p:cTn id="14" dur="1" fill="hold">
                                           <p:stCondLst>
                                             <p:cond delay="0"/>
                                           </p:stCondLst>
@@ -20354,7 +20598,7 @@
                                     </p:set>
                                     <p:animEffect transition="in" filter="fade">
                                       <p:cBhvr>
-                                        <p:cTn id="10" dur="500"/>
+                                        <p:cTn id="15" dur="500"/>
                                         <p:tgtEl>
                                           <p:spTgt spid="55"/>
                                         </p:tgtEl>
@@ -20364,14 +20608,14 @@
                                 </p:cTn>
                               </p:par>
                               <p:par>
-                                <p:cTn id="11" presetID="10" presetClass="entr" presetSubtype="0" fill="hold" nodeType="withEffect">
+                                <p:cTn id="16" presetID="10" presetClass="entr" presetSubtype="0" fill="hold" nodeType="withEffect">
                                   <p:stCondLst>
                                     <p:cond delay="0"/>
                                   </p:stCondLst>
                                   <p:childTnLst>
                                     <p:set>
                                       <p:cBhvr>
-                                        <p:cTn id="12" dur="1" fill="hold">
+                                        <p:cTn id="17" dur="1" fill="hold">
                                           <p:stCondLst>
                                             <p:cond delay="0"/>
                                           </p:stCondLst>
@@ -20389,7 +20633,7 @@
                                     </p:set>
                                     <p:animEffect transition="in" filter="fade">
                                       <p:cBhvr>
-                                        <p:cTn id="13" dur="500"/>
+                                        <p:cTn id="18" dur="500"/>
                                         <p:tgtEl>
                                           <p:spTgt spid="56"/>
                                         </p:tgtEl>
@@ -20399,14 +20643,14 @@
                                 </p:cTn>
                               </p:par>
                               <p:par>
-                                <p:cTn id="14" presetID="10" presetClass="entr" presetSubtype="0" fill="hold" nodeType="withEffect">
+                                <p:cTn id="19" presetID="10" presetClass="entr" presetSubtype="0" fill="hold" nodeType="withEffect">
                                   <p:stCondLst>
                                     <p:cond delay="0"/>
                                   </p:stCondLst>
                                   <p:childTnLst>
                                     <p:set>
                                       <p:cBhvr>
-                                        <p:cTn id="15" dur="1" fill="hold">
+                                        <p:cTn id="20" dur="1" fill="hold">
                                           <p:stCondLst>
                                             <p:cond delay="0"/>
                                           </p:stCondLst>
@@ -20424,7 +20668,7 @@
                                     </p:set>
                                     <p:animEffect transition="in" filter="fade">
                                       <p:cBhvr>
-                                        <p:cTn id="16" dur="500"/>
+                                        <p:cTn id="21" dur="500"/>
                                         <p:tgtEl>
                                           <p:spTgt spid="57"/>
                                         </p:tgtEl>
@@ -20434,14 +20678,14 @@
                                 </p:cTn>
                               </p:par>
                               <p:par>
-                                <p:cTn id="17" presetID="10" presetClass="entr" presetSubtype="0" fill="hold" grpId="0" nodeType="withEffect">
+                                <p:cTn id="22" presetID="10" presetClass="entr" presetSubtype="0" fill="hold" grpId="0" nodeType="withEffect">
                                   <p:stCondLst>
                                     <p:cond delay="0"/>
                                   </p:stCondLst>
                                   <p:childTnLst>
                                     <p:set>
                                       <p:cBhvr>
-                                        <p:cTn id="18" dur="1" fill="hold">
+                                        <p:cTn id="23" dur="1" fill="hold">
                                           <p:stCondLst>
                                             <p:cond delay="0"/>
                                           </p:stCondLst>
@@ -20459,7 +20703,7 @@
                                     </p:set>
                                     <p:animEffect transition="in" filter="fade">
                                       <p:cBhvr>
-                                        <p:cTn id="19" dur="500"/>
+                                        <p:cTn id="24" dur="500"/>
                                         <p:tgtEl>
                                           <p:spTgt spid="58"/>
                                         </p:tgtEl>
@@ -20469,14 +20713,14 @@
                                 </p:cTn>
                               </p:par>
                               <p:par>
-                                <p:cTn id="20" presetID="10" presetClass="entr" presetSubtype="0" fill="hold" grpId="0" nodeType="withEffect">
+                                <p:cTn id="25" presetID="10" presetClass="entr" presetSubtype="0" fill="hold" grpId="0" nodeType="withEffect">
                                   <p:stCondLst>
                                     <p:cond delay="0"/>
                                   </p:stCondLst>
                                   <p:childTnLst>
                                     <p:set>
                                       <p:cBhvr>
-                                        <p:cTn id="21" dur="1" fill="hold">
+                                        <p:cTn id="26" dur="1" fill="hold">
                                           <p:stCondLst>
                                             <p:cond delay="0"/>
                                           </p:stCondLst>
@@ -20494,7 +20738,7 @@
                                     </p:set>
                                     <p:animEffect transition="in" filter="fade">
                                       <p:cBhvr>
-                                        <p:cTn id="22" dur="500"/>
+                                        <p:cTn id="27" dur="500"/>
                                         <p:tgtEl>
                                           <p:spTgt spid="59"/>
                                         </p:tgtEl>
@@ -20504,14 +20748,14 @@
                                 </p:cTn>
                               </p:par>
                               <p:par>
-                                <p:cTn id="23" presetID="10" presetClass="entr" presetSubtype="0" fill="hold" nodeType="withEffect">
+                                <p:cTn id="28" presetID="10" presetClass="entr" presetSubtype="0" fill="hold" nodeType="withEffect">
                                   <p:stCondLst>
                                     <p:cond delay="0"/>
                                   </p:stCondLst>
                                   <p:childTnLst>
                                     <p:set>
                                       <p:cBhvr>
-                                        <p:cTn id="24" dur="1" fill="hold">
+                                        <p:cTn id="29" dur="1" fill="hold">
                                           <p:stCondLst>
                                             <p:cond delay="0"/>
                                           </p:stCondLst>
@@ -20529,7 +20773,7 @@
                                     </p:set>
                                     <p:animEffect transition="in" filter="fade">
                                       <p:cBhvr>
-                                        <p:cTn id="25" dur="500"/>
+                                        <p:cTn id="30" dur="500"/>
                                         <p:tgtEl>
                                           <p:spTgt spid="60"/>
                                         </p:tgtEl>
@@ -20539,14 +20783,14 @@
                                 </p:cTn>
                               </p:par>
                               <p:par>
-                                <p:cTn id="26" presetID="10" presetClass="entr" presetSubtype="0" fill="hold" nodeType="withEffect">
+                                <p:cTn id="31" presetID="10" presetClass="entr" presetSubtype="0" fill="hold" nodeType="withEffect">
                                   <p:stCondLst>
                                     <p:cond delay="0"/>
                                   </p:stCondLst>
                                   <p:childTnLst>
                                     <p:set>
                                       <p:cBhvr>
-                                        <p:cTn id="27" dur="1" fill="hold">
+                                        <p:cTn id="32" dur="1" fill="hold">
                                           <p:stCondLst>
                                             <p:cond delay="0"/>
                                           </p:stCondLst>
@@ -20564,7 +20808,7 @@
                                     </p:set>
                                     <p:animEffect transition="in" filter="fade">
                                       <p:cBhvr>
-                                        <p:cTn id="28" dur="500"/>
+                                        <p:cTn id="33" dur="500"/>
                                         <p:tgtEl>
                                           <p:spTgt spid="61"/>
                                         </p:tgtEl>
@@ -20574,14 +20818,14 @@
                                 </p:cTn>
                               </p:par>
                               <p:par>
-                                <p:cTn id="29" presetID="10" presetClass="entr" presetSubtype="0" fill="hold" nodeType="withEffect">
+                                <p:cTn id="34" presetID="10" presetClass="entr" presetSubtype="0" fill="hold" nodeType="withEffect">
                                   <p:stCondLst>
                                     <p:cond delay="0"/>
                                   </p:stCondLst>
                                   <p:childTnLst>
                                     <p:set>
                                       <p:cBhvr>
-                                        <p:cTn id="30" dur="1" fill="hold">
+                                        <p:cTn id="35" dur="1" fill="hold">
                                           <p:stCondLst>
                                             <p:cond delay="0"/>
                                           </p:stCondLst>
@@ -20599,7 +20843,7 @@
                                     </p:set>
                                     <p:animEffect transition="in" filter="fade">
                                       <p:cBhvr>
-                                        <p:cTn id="31" dur="500"/>
+                                        <p:cTn id="36" dur="500"/>
                                         <p:tgtEl>
                                           <p:spTgt spid="62"/>
                                         </p:tgtEl>
@@ -20609,14 +20853,14 @@
                                 </p:cTn>
                               </p:par>
                               <p:par>
-                                <p:cTn id="32" presetID="10" presetClass="entr" presetSubtype="0" fill="hold" nodeType="withEffect">
+                                <p:cTn id="37" presetID="10" presetClass="entr" presetSubtype="0" fill="hold" nodeType="withEffect">
                                   <p:stCondLst>
                                     <p:cond delay="0"/>
                                   </p:stCondLst>
                                   <p:childTnLst>
                                     <p:set>
                                       <p:cBhvr>
-                                        <p:cTn id="33" dur="1" fill="hold">
+                                        <p:cTn id="38" dur="1" fill="hold">
                                           <p:stCondLst>
                                             <p:cond delay="0"/>
                                           </p:stCondLst>
@@ -20634,7 +20878,7 @@
                                     </p:set>
                                     <p:animEffect transition="in" filter="fade">
                                       <p:cBhvr>
-                                        <p:cTn id="34" dur="500"/>
+                                        <p:cTn id="39" dur="500"/>
                                         <p:tgtEl>
                                           <p:spTgt spid="63"/>
                                         </p:tgtEl>
@@ -20644,14 +20888,14 @@
                                 </p:cTn>
                               </p:par>
                               <p:par>
-                                <p:cTn id="35" presetID="10" presetClass="entr" presetSubtype="0" fill="hold" nodeType="withEffect">
+                                <p:cTn id="40" presetID="10" presetClass="entr" presetSubtype="0" fill="hold" nodeType="withEffect">
                                   <p:stCondLst>
                                     <p:cond delay="0"/>
                                   </p:stCondLst>
                                   <p:childTnLst>
                                     <p:set>
                                       <p:cBhvr>
-                                        <p:cTn id="36" dur="1" fill="hold">
+                                        <p:cTn id="41" dur="1" fill="hold">
                                           <p:stCondLst>
                                             <p:cond delay="0"/>
                                           </p:stCondLst>
@@ -20669,7 +20913,7 @@
                                     </p:set>
                                     <p:animEffect transition="in" filter="fade">
                                       <p:cBhvr>
-                                        <p:cTn id="37" dur="500"/>
+                                        <p:cTn id="42" dur="500"/>
                                         <p:tgtEl>
                                           <p:spTgt spid="64"/>
                                         </p:tgtEl>
@@ -20679,14 +20923,14 @@
                                 </p:cTn>
                               </p:par>
                               <p:par>
-                                <p:cTn id="38" presetID="10" presetClass="entr" presetSubtype="0" fill="hold" nodeType="withEffect">
+                                <p:cTn id="43" presetID="10" presetClass="entr" presetSubtype="0" fill="hold" nodeType="withEffect">
                                   <p:stCondLst>
                                     <p:cond delay="0"/>
                                   </p:stCondLst>
                                   <p:childTnLst>
                                     <p:set>
                                       <p:cBhvr>
-                                        <p:cTn id="39" dur="1" fill="hold">
+                                        <p:cTn id="44" dur="1" fill="hold">
                                           <p:stCondLst>
                                             <p:cond delay="0"/>
                                           </p:stCondLst>
@@ -20704,7 +20948,7 @@
                                     </p:set>
                                     <p:animEffect transition="in" filter="fade">
                                       <p:cBhvr>
-                                        <p:cTn id="40" dur="500"/>
+                                        <p:cTn id="45" dur="500"/>
                                         <p:tgtEl>
                                           <p:spTgt spid="65"/>
                                         </p:tgtEl>
@@ -20714,14 +20958,14 @@
                                 </p:cTn>
                               </p:par>
                               <p:par>
-                                <p:cTn id="41" presetID="10" presetClass="entr" presetSubtype="0" fill="hold" grpId="0" nodeType="withEffect">
+                                <p:cTn id="46" presetID="10" presetClass="entr" presetSubtype="0" fill="hold" grpId="0" nodeType="withEffect">
                                   <p:stCondLst>
                                     <p:cond delay="0"/>
                                   </p:stCondLst>
                                   <p:childTnLst>
                                     <p:set>
                                       <p:cBhvr>
-                                        <p:cTn id="42" dur="1" fill="hold">
+                                        <p:cTn id="47" dur="1" fill="hold">
                                           <p:stCondLst>
                                             <p:cond delay="0"/>
                                           </p:stCondLst>
@@ -20739,7 +20983,7 @@
                                     </p:set>
                                     <p:animEffect transition="in" filter="fade">
                                       <p:cBhvr>
-                                        <p:cTn id="43" dur="500"/>
+                                        <p:cTn id="48" dur="500"/>
                                         <p:tgtEl>
                                           <p:spTgt spid="66"/>
                                         </p:tgtEl>
@@ -20749,14 +20993,14 @@
                                 </p:cTn>
                               </p:par>
                               <p:par>
-                                <p:cTn id="44" presetID="10" presetClass="entr" presetSubtype="0" fill="hold" grpId="0" nodeType="withEffect">
+                                <p:cTn id="49" presetID="10" presetClass="entr" presetSubtype="0" fill="hold" grpId="0" nodeType="withEffect">
                                   <p:stCondLst>
                                     <p:cond delay="0"/>
                                   </p:stCondLst>
                                   <p:childTnLst>
                                     <p:set>
                                       <p:cBhvr>
-                                        <p:cTn id="45" dur="1" fill="hold">
+                                        <p:cTn id="50" dur="1" fill="hold">
                                           <p:stCondLst>
                                             <p:cond delay="0"/>
                                           </p:stCondLst>
@@ -20774,7 +21018,7 @@
                                     </p:set>
                                     <p:animEffect transition="in" filter="fade">
                                       <p:cBhvr>
-                                        <p:cTn id="46" dur="500"/>
+                                        <p:cTn id="51" dur="500"/>
                                         <p:tgtEl>
                                           <p:spTgt spid="67"/>
                                         </p:tgtEl>
@@ -20784,14 +21028,14 @@
                                 </p:cTn>
                               </p:par>
                               <p:par>
-                                <p:cTn id="47" presetID="10" presetClass="entr" presetSubtype="0" fill="hold" nodeType="withEffect">
+                                <p:cTn id="52" presetID="10" presetClass="entr" presetSubtype="0" fill="hold" nodeType="withEffect">
                                   <p:stCondLst>
                                     <p:cond delay="0"/>
                                   </p:stCondLst>
                                   <p:childTnLst>
                                     <p:set>
                                       <p:cBhvr>
-                                        <p:cTn id="48" dur="1" fill="hold">
+                                        <p:cTn id="53" dur="1" fill="hold">
                                           <p:stCondLst>
                                             <p:cond delay="0"/>
                                           </p:stCondLst>
@@ -20809,7 +21053,7 @@
                                     </p:set>
                                     <p:animEffect transition="in" filter="fade">
                                       <p:cBhvr>
-                                        <p:cTn id="49" dur="500"/>
+                                        <p:cTn id="54" dur="500"/>
                                         <p:tgtEl>
                                           <p:spTgt spid="68"/>
                                         </p:tgtEl>
@@ -20819,14 +21063,14 @@
                                 </p:cTn>
                               </p:par>
                               <p:par>
-                                <p:cTn id="50" presetID="10" presetClass="entr" presetSubtype="0" fill="hold" nodeType="withEffect">
+                                <p:cTn id="55" presetID="10" presetClass="entr" presetSubtype="0" fill="hold" nodeType="withEffect">
                                   <p:stCondLst>
                                     <p:cond delay="0"/>
                                   </p:stCondLst>
                                   <p:childTnLst>
                                     <p:set>
                                       <p:cBhvr>
-                                        <p:cTn id="51" dur="1" fill="hold">
+                                        <p:cTn id="56" dur="1" fill="hold">
                                           <p:stCondLst>
                                             <p:cond delay="0"/>
                                           </p:stCondLst>
@@ -20844,7 +21088,7 @@
                                     </p:set>
                                     <p:animEffect transition="in" filter="fade">
                                       <p:cBhvr>
-                                        <p:cTn id="52" dur="500"/>
+                                        <p:cTn id="57" dur="500"/>
                                         <p:tgtEl>
                                           <p:spTgt spid="69"/>
                                         </p:tgtEl>
@@ -20854,14 +21098,14 @@
                                 </p:cTn>
                               </p:par>
                               <p:par>
-                                <p:cTn id="53" presetID="10" presetClass="entr" presetSubtype="0" fill="hold" nodeType="withEffect">
+                                <p:cTn id="58" presetID="10" presetClass="entr" presetSubtype="0" fill="hold" nodeType="withEffect">
                                   <p:stCondLst>
                                     <p:cond delay="0"/>
                                   </p:stCondLst>
                                   <p:childTnLst>
                                     <p:set>
                                       <p:cBhvr>
-                                        <p:cTn id="54" dur="1" fill="hold">
+                                        <p:cTn id="59" dur="1" fill="hold">
                                           <p:stCondLst>
                                             <p:cond delay="0"/>
                                           </p:stCondLst>
@@ -20879,7 +21123,7 @@
                                     </p:set>
                                     <p:animEffect transition="in" filter="fade">
                                       <p:cBhvr>
-                                        <p:cTn id="55" dur="500"/>
+                                        <p:cTn id="60" dur="500"/>
                                         <p:tgtEl>
                                           <p:spTgt spid="70"/>
                                         </p:tgtEl>
@@ -20889,14 +21133,14 @@
                                 </p:cTn>
                               </p:par>
                               <p:par>
-                                <p:cTn id="56" presetID="10" presetClass="entr" presetSubtype="0" fill="hold" grpId="0" nodeType="withEffect">
+                                <p:cTn id="61" presetID="10" presetClass="entr" presetSubtype="0" fill="hold" grpId="0" nodeType="withEffect">
                                   <p:stCondLst>
                                     <p:cond delay="0"/>
                                   </p:stCondLst>
                                   <p:childTnLst>
                                     <p:set>
                                       <p:cBhvr>
-                                        <p:cTn id="57" dur="1" fill="hold">
+                                        <p:cTn id="62" dur="1" fill="hold">
                                           <p:stCondLst>
                                             <p:cond delay="0"/>
                                           </p:stCondLst>
@@ -20914,7 +21158,7 @@
                                     </p:set>
                                     <p:animEffect transition="in" filter="fade">
                                       <p:cBhvr>
-                                        <p:cTn id="58" dur="500"/>
+                                        <p:cTn id="63" dur="500"/>
                                         <p:tgtEl>
                                           <p:spTgt spid="71"/>
                                         </p:tgtEl>
@@ -20924,14 +21168,14 @@
                                 </p:cTn>
                               </p:par>
                               <p:par>
-                                <p:cTn id="59" presetID="10" presetClass="entr" presetSubtype="0" fill="hold" grpId="0" nodeType="withEffect">
+                                <p:cTn id="64" presetID="10" presetClass="entr" presetSubtype="0" fill="hold" grpId="0" nodeType="withEffect">
                                   <p:stCondLst>
                                     <p:cond delay="0"/>
                                   </p:stCondLst>
                                   <p:childTnLst>
                                     <p:set>
                                       <p:cBhvr>
-                                        <p:cTn id="60" dur="1" fill="hold">
+                                        <p:cTn id="65" dur="1" fill="hold">
                                           <p:stCondLst>
                                             <p:cond delay="0"/>
                                           </p:stCondLst>
@@ -20949,7 +21193,7 @@
                                     </p:set>
                                     <p:animEffect transition="in" filter="fade">
                                       <p:cBhvr>
-                                        <p:cTn id="61" dur="500"/>
+                                        <p:cTn id="66" dur="500"/>
                                         <p:tgtEl>
                                           <p:spTgt spid="72"/>
                                         </p:tgtEl>
@@ -20959,14 +21203,14 @@
                                 </p:cTn>
                               </p:par>
                               <p:par>
-                                <p:cTn id="62" presetID="10" presetClass="entr" presetSubtype="0" fill="hold" grpId="0" nodeType="withEffect">
+                                <p:cTn id="67" presetID="10" presetClass="entr" presetSubtype="0" fill="hold" grpId="0" nodeType="withEffect">
                                   <p:stCondLst>
                                     <p:cond delay="0"/>
                                   </p:stCondLst>
                                   <p:childTnLst>
                                     <p:set>
                                       <p:cBhvr>
-                                        <p:cTn id="63" dur="1" fill="hold">
+                                        <p:cTn id="68" dur="1" fill="hold">
                                           <p:stCondLst>
                                             <p:cond delay="0"/>
                                           </p:stCondLst>
@@ -20984,7 +21228,7 @@
                                     </p:set>
                                     <p:animEffect transition="in" filter="fade">
                                       <p:cBhvr>
-                                        <p:cTn id="64" dur="500"/>
+                                        <p:cTn id="69" dur="500"/>
                                         <p:tgtEl>
                                           <p:spTgt spid="73"/>
                                         </p:tgtEl>
@@ -20994,14 +21238,14 @@
                                 </p:cTn>
                               </p:par>
                               <p:par>
-                                <p:cTn id="65" presetID="10" presetClass="entr" presetSubtype="0" fill="hold" nodeType="withEffect">
+                                <p:cTn id="70" presetID="10" presetClass="entr" presetSubtype="0" fill="hold" nodeType="withEffect">
                                   <p:stCondLst>
                                     <p:cond delay="0"/>
                                   </p:stCondLst>
                                   <p:childTnLst>
                                     <p:set>
                                       <p:cBhvr>
-                                        <p:cTn id="66" dur="1" fill="hold">
+                                        <p:cTn id="71" dur="1" fill="hold">
                                           <p:stCondLst>
                                             <p:cond delay="0"/>
                                           </p:stCondLst>
@@ -21019,7 +21263,7 @@
                                     </p:set>
                                     <p:animEffect transition="in" filter="fade">
                                       <p:cBhvr>
-                                        <p:cTn id="67" dur="500"/>
+                                        <p:cTn id="72" dur="500"/>
                                         <p:tgtEl>
                                           <p:spTgt spid="74"/>
                                         </p:tgtEl>
@@ -21029,14 +21273,14 @@
                                 </p:cTn>
                               </p:par>
                               <p:par>
-                                <p:cTn id="68" presetID="10" presetClass="entr" presetSubtype="0" fill="hold" nodeType="withEffect">
+                                <p:cTn id="73" presetID="10" presetClass="entr" presetSubtype="0" fill="hold" nodeType="withEffect">
                                   <p:stCondLst>
                                     <p:cond delay="0"/>
                                   </p:stCondLst>
                                   <p:childTnLst>
                                     <p:set>
                                       <p:cBhvr>
-                                        <p:cTn id="69" dur="1" fill="hold">
+                                        <p:cTn id="74" dur="1" fill="hold">
                                           <p:stCondLst>
                                             <p:cond delay="0"/>
                                           </p:stCondLst>
@@ -21054,7 +21298,7 @@
                                     </p:set>
                                     <p:animEffect transition="in" filter="fade">
                                       <p:cBhvr>
-                                        <p:cTn id="70" dur="500"/>
+                                        <p:cTn id="75" dur="500"/>
                                         <p:tgtEl>
                                           <p:spTgt spid="75"/>
                                         </p:tgtEl>
@@ -21064,14 +21308,14 @@
                                 </p:cTn>
                               </p:par>
                               <p:par>
-                                <p:cTn id="71" presetID="10" presetClass="entr" presetSubtype="0" fill="hold" nodeType="withEffect">
+                                <p:cTn id="76" presetID="10" presetClass="entr" presetSubtype="0" fill="hold" nodeType="withEffect">
                                   <p:stCondLst>
                                     <p:cond delay="0"/>
                                   </p:stCondLst>
                                   <p:childTnLst>
                                     <p:set>
                                       <p:cBhvr>
-                                        <p:cTn id="72" dur="1" fill="hold">
+                                        <p:cTn id="77" dur="1" fill="hold">
                                           <p:stCondLst>
                                             <p:cond delay="0"/>
                                           </p:stCondLst>
@@ -21089,7 +21333,7 @@
                                     </p:set>
                                     <p:animEffect transition="in" filter="fade">
                                       <p:cBhvr>
-                                        <p:cTn id="73" dur="500"/>
+                                        <p:cTn id="78" dur="500"/>
                                         <p:tgtEl>
                                           <p:spTgt spid="76"/>
                                         </p:tgtEl>
@@ -21099,14 +21343,14 @@
                                 </p:cTn>
                               </p:par>
                               <p:par>
-                                <p:cTn id="74" presetID="10" presetClass="entr" presetSubtype="0" fill="hold" grpId="0" nodeType="withEffect">
+                                <p:cTn id="79" presetID="10" presetClass="entr" presetSubtype="0" fill="hold" grpId="0" nodeType="withEffect">
                                   <p:stCondLst>
                                     <p:cond delay="0"/>
                                   </p:stCondLst>
                                   <p:childTnLst>
                                     <p:set>
                                       <p:cBhvr>
-                                        <p:cTn id="75" dur="1" fill="hold">
+                                        <p:cTn id="80" dur="1" fill="hold">
                                           <p:stCondLst>
                                             <p:cond delay="0"/>
                                           </p:stCondLst>
@@ -21124,7 +21368,7 @@
                                     </p:set>
                                     <p:animEffect transition="in" filter="fade">
                                       <p:cBhvr>
-                                        <p:cTn id="76" dur="500"/>
+                                        <p:cTn id="81" dur="500"/>
                                         <p:tgtEl>
                                           <p:spTgt spid="77"/>
                                         </p:tgtEl>
@@ -21134,14 +21378,14 @@
                                 </p:cTn>
                               </p:par>
                               <p:par>
-                                <p:cTn id="77" presetID="10" presetClass="entr" presetSubtype="0" fill="hold" nodeType="withEffect">
+                                <p:cTn id="82" presetID="10" presetClass="entr" presetSubtype="0" fill="hold" nodeType="withEffect">
                                   <p:stCondLst>
                                     <p:cond delay="0"/>
                                   </p:stCondLst>
                                   <p:childTnLst>
                                     <p:set>
                                       <p:cBhvr>
-                                        <p:cTn id="78" dur="1" fill="hold">
+                                        <p:cTn id="83" dur="1" fill="hold">
                                           <p:stCondLst>
                                             <p:cond delay="0"/>
                                           </p:stCondLst>
@@ -21159,7 +21403,7 @@
                                     </p:set>
                                     <p:animEffect transition="in" filter="fade">
                                       <p:cBhvr>
-                                        <p:cTn id="79" dur="500"/>
+                                        <p:cTn id="84" dur="500"/>
                                         <p:tgtEl>
                                           <p:spTgt spid="78"/>
                                         </p:tgtEl>
@@ -21169,14 +21413,14 @@
                                 </p:cTn>
                               </p:par>
                               <p:par>
-                                <p:cTn id="80" presetID="10" presetClass="entr" presetSubtype="0" fill="hold" nodeType="withEffect">
+                                <p:cTn id="85" presetID="10" presetClass="entr" presetSubtype="0" fill="hold" nodeType="withEffect">
                                   <p:stCondLst>
                                     <p:cond delay="0"/>
                                   </p:stCondLst>
                                   <p:childTnLst>
                                     <p:set>
                                       <p:cBhvr>
-                                        <p:cTn id="81" dur="1" fill="hold">
+                                        <p:cTn id="86" dur="1" fill="hold">
                                           <p:stCondLst>
                                             <p:cond delay="0"/>
                                           </p:stCondLst>
@@ -21194,7 +21438,7 @@
                                     </p:set>
                                     <p:animEffect transition="in" filter="fade">
                                       <p:cBhvr>
-                                        <p:cTn id="82" dur="500"/>
+                                        <p:cTn id="87" dur="500"/>
                                         <p:tgtEl>
                                           <p:spTgt spid="79"/>
                                         </p:tgtEl>
@@ -21204,14 +21448,14 @@
                                 </p:cTn>
                               </p:par>
                               <p:par>
-                                <p:cTn id="83" presetID="10" presetClass="entr" presetSubtype="0" fill="hold" grpId="0" nodeType="withEffect">
+                                <p:cTn id="88" presetID="10" presetClass="entr" presetSubtype="0" fill="hold" grpId="0" nodeType="withEffect">
                                   <p:stCondLst>
                                     <p:cond delay="0"/>
                                   </p:stCondLst>
                                   <p:childTnLst>
                                     <p:set>
                                       <p:cBhvr>
-                                        <p:cTn id="84" dur="1" fill="hold">
+                                        <p:cTn id="89" dur="1" fill="hold">
                                           <p:stCondLst>
                                             <p:cond delay="0"/>
                                           </p:stCondLst>
@@ -21229,7 +21473,7 @@
                                     </p:set>
                                     <p:animEffect transition="in" filter="fade">
                                       <p:cBhvr>
-                                        <p:cTn id="85" dur="500"/>
+                                        <p:cTn id="90" dur="500"/>
                                         <p:tgtEl>
                                           <p:spTgt spid="80"/>
                                         </p:tgtEl>
@@ -21245,26 +21489,26 @@
                     </p:cTn>
                   </p:par>
                   <p:par>
-                    <p:cTn id="86" fill="hold">
+                    <p:cTn id="91" fill="hold">
                       <p:stCondLst>
                         <p:cond delay="indefinite"/>
                       </p:stCondLst>
                       <p:childTnLst>
                         <p:par>
-                          <p:cTn id="87" fill="hold">
+                          <p:cTn id="92" fill="hold">
                             <p:stCondLst>
                               <p:cond delay="0"/>
                             </p:stCondLst>
                             <p:childTnLst>
                               <p:par>
-                                <p:cTn id="88" presetID="10" presetClass="entr" presetSubtype="0" fill="hold" grpId="0" nodeType="clickEffect">
+                                <p:cTn id="93" presetID="10" presetClass="entr" presetSubtype="0" fill="hold" grpId="0" nodeType="clickEffect">
                                   <p:stCondLst>
                                     <p:cond delay="0"/>
                                   </p:stCondLst>
                                   <p:childTnLst>
                                     <p:set>
                                       <p:cBhvr>
-                                        <p:cTn id="89" dur="1" fill="hold">
+                                        <p:cTn id="94" dur="1" fill="hold">
                                           <p:stCondLst>
                                             <p:cond delay="0"/>
                                           </p:stCondLst>
@@ -21282,7 +21526,7 @@
                                     </p:set>
                                     <p:animEffect transition="in" filter="fade">
                                       <p:cBhvr>
-                                        <p:cTn id="90" dur="500"/>
+                                        <p:cTn id="95" dur="500"/>
                                         <p:tgtEl>
                                           <p:spTgt spid="82"/>
                                         </p:tgtEl>
@@ -21330,6 +21574,7 @@
       <p:bldP spid="73" grpId="0" animBg="1"/>
       <p:bldP spid="77" grpId="0" animBg="1"/>
       <p:bldP spid="80" grpId="0" animBg="1"/>
+      <p:bldP spid="81" grpId="0" animBg="1"/>
       <p:bldP spid="82" grpId="0" animBg="1"/>
     </p:bldLst>
   </p:timing>
